--- a/Presentation/AzureFunctions.pptx
+++ b/Presentation/AzureFunctions.pptx
@@ -5,7 +5,7 @@
     <p:sldMasterId id="2147483648" r:id="rId1"/>
   </p:sldMasterIdLst>
   <p:notesMasterIdLst>
-    <p:notesMasterId r:id="rId19"/>
+    <p:notesMasterId r:id="rId20"/>
   </p:notesMasterIdLst>
   <p:sldIdLst>
     <p:sldId id="256" r:id="rId2"/>
@@ -13,18 +13,19 @@
     <p:sldId id="285" r:id="rId4"/>
     <p:sldId id="261" r:id="rId5"/>
     <p:sldId id="283" r:id="rId6"/>
-    <p:sldId id="265" r:id="rId7"/>
-    <p:sldId id="284" r:id="rId8"/>
-    <p:sldId id="286" r:id="rId9"/>
-    <p:sldId id="272" r:id="rId10"/>
-    <p:sldId id="274" r:id="rId11"/>
-    <p:sldId id="275" r:id="rId12"/>
-    <p:sldId id="288" r:id="rId13"/>
-    <p:sldId id="290" r:id="rId14"/>
-    <p:sldId id="276" r:id="rId15"/>
-    <p:sldId id="277" r:id="rId16"/>
-    <p:sldId id="280" r:id="rId17"/>
-    <p:sldId id="289" r:id="rId18"/>
+    <p:sldId id="291" r:id="rId7"/>
+    <p:sldId id="265" r:id="rId8"/>
+    <p:sldId id="284" r:id="rId9"/>
+    <p:sldId id="286" r:id="rId10"/>
+    <p:sldId id="272" r:id="rId11"/>
+    <p:sldId id="274" r:id="rId12"/>
+    <p:sldId id="275" r:id="rId13"/>
+    <p:sldId id="288" r:id="rId14"/>
+    <p:sldId id="290" r:id="rId15"/>
+    <p:sldId id="276" r:id="rId16"/>
+    <p:sldId id="277" r:id="rId17"/>
+    <p:sldId id="280" r:id="rId18"/>
+    <p:sldId id="289" r:id="rId19"/>
   </p:sldIdLst>
   <p:sldSz cx="12192000" cy="6858000"/>
   <p:notesSz cx="6858000" cy="9144000"/>
@@ -216,7 +217,7 @@
           <a:p>
             <a:fld id="{29F7854B-EEF5-4BCE-B982-57195C842F2E}" type="datetimeFigureOut">
               <a:rPr lang="en-US" smtClean="0"/>
-              <a:t>1/29/2017</a:t>
+              <a:t>2/4/2017</a:t>
             </a:fld>
             <a:endParaRPr lang="en-US"/>
           </a:p>
@@ -603,6 +604,207 @@
 </p:notes>
 </file>
 
+<file path=ppt/notesSlides/notesSlide10.xml><?xml version="1.0" encoding="utf-8"?>
+<p:notes xmlns:a="http://schemas.openxmlformats.org/drawingml/2006/main" xmlns:r="http://schemas.openxmlformats.org/officeDocument/2006/relationships" xmlns:p="http://schemas.openxmlformats.org/presentationml/2006/main">
+  <p:cSld>
+    <p:spTree>
+      <p:nvGrpSpPr>
+        <p:cNvPr id="1" name=""/>
+        <p:cNvGrpSpPr/>
+        <p:nvPr/>
+      </p:nvGrpSpPr>
+      <p:grpSpPr>
+        <a:xfrm>
+          <a:off x="0" y="0"/>
+          <a:ext cx="0" cy="0"/>
+          <a:chOff x="0" y="0"/>
+          <a:chExt cx="0" cy="0"/>
+        </a:xfrm>
+      </p:grpSpPr>
+      <p:sp>
+        <p:nvSpPr>
+          <p:cNvPr id="2" name="Slide Image Placeholder 1"/>
+          <p:cNvSpPr>
+            <a:spLocks noGrp="1" noRot="1" noChangeAspect="1"/>
+          </p:cNvSpPr>
+          <p:nvPr>
+            <p:ph type="sldImg"/>
+          </p:nvPr>
+        </p:nvSpPr>
+        <p:spPr/>
+      </p:sp>
+      <p:sp>
+        <p:nvSpPr>
+          <p:cNvPr id="3" name="Notes Placeholder 2"/>
+          <p:cNvSpPr>
+            <a:spLocks noGrp="1"/>
+          </p:cNvSpPr>
+          <p:nvPr>
+            <p:ph type="body" idx="1"/>
+          </p:nvPr>
+        </p:nvSpPr>
+        <p:spPr/>
+        <p:txBody>
+          <a:bodyPr/>
+          <a:lstStyle/>
+          <a:p>
+            <a:r>
+              <a:rPr lang="en-US" dirty="0" smtClean="0"/>
+              <a:t>Pay for function processing</a:t>
+            </a:r>
+          </a:p>
+          <a:p>
+            <a:r>
+              <a:rPr lang="en-US" dirty="0" smtClean="0"/>
+              <a:t>Want to respond immediate (I started)</a:t>
+            </a:r>
+          </a:p>
+          <a:p>
+            <a:r>
+              <a:rPr lang="en-US" dirty="0" smtClean="0"/>
+              <a:t>Inspect for complete (queue)</a:t>
+            </a:r>
+          </a:p>
+          <a:p>
+            <a:endParaRPr lang="en-US" dirty="0"/>
+          </a:p>
+        </p:txBody>
+      </p:sp>
+      <p:sp>
+        <p:nvSpPr>
+          <p:cNvPr id="4" name="Slide Number Placeholder 3"/>
+          <p:cNvSpPr>
+            <a:spLocks noGrp="1"/>
+          </p:cNvSpPr>
+          <p:nvPr>
+            <p:ph type="sldNum" sz="quarter" idx="10"/>
+          </p:nvPr>
+        </p:nvSpPr>
+        <p:spPr/>
+        <p:txBody>
+          <a:bodyPr/>
+          <a:lstStyle/>
+          <a:p>
+            <a:fld id="{2F141AAD-2928-4B43-B2A0-445A59F6B45A}" type="slidenum">
+              <a:rPr lang="en-US" smtClean="0"/>
+              <a:t>14</a:t>
+            </a:fld>
+            <a:endParaRPr lang="en-US"/>
+          </a:p>
+        </p:txBody>
+      </p:sp>
+    </p:spTree>
+    <p:extLst>
+      <p:ext uri="{BB962C8B-B14F-4D97-AF65-F5344CB8AC3E}">
+        <p14:creationId xmlns:p14="http://schemas.microsoft.com/office/powerpoint/2010/main" val="619906070"/>
+      </p:ext>
+    </p:extLst>
+  </p:cSld>
+  <p:clrMapOvr>
+    <a:masterClrMapping/>
+  </p:clrMapOvr>
+</p:notes>
+</file>
+
+<file path=ppt/notesSlides/notesSlide11.xml><?xml version="1.0" encoding="utf-8"?>
+<p:notes xmlns:a="http://schemas.openxmlformats.org/drawingml/2006/main" xmlns:r="http://schemas.openxmlformats.org/officeDocument/2006/relationships" xmlns:p="http://schemas.openxmlformats.org/presentationml/2006/main">
+  <p:cSld>
+    <p:spTree>
+      <p:nvGrpSpPr>
+        <p:cNvPr id="1" name=""/>
+        <p:cNvGrpSpPr/>
+        <p:nvPr/>
+      </p:nvGrpSpPr>
+      <p:grpSpPr>
+        <a:xfrm>
+          <a:off x="0" y="0"/>
+          <a:ext cx="0" cy="0"/>
+          <a:chOff x="0" y="0"/>
+          <a:chExt cx="0" cy="0"/>
+        </a:xfrm>
+      </p:grpSpPr>
+      <p:sp>
+        <p:nvSpPr>
+          <p:cNvPr id="2" name="Slide Image Placeholder 1"/>
+          <p:cNvSpPr>
+            <a:spLocks noGrp="1" noRot="1" noChangeAspect="1"/>
+          </p:cNvSpPr>
+          <p:nvPr>
+            <p:ph type="sldImg"/>
+          </p:nvPr>
+        </p:nvSpPr>
+        <p:spPr/>
+      </p:sp>
+      <p:sp>
+        <p:nvSpPr>
+          <p:cNvPr id="3" name="Notes Placeholder 2"/>
+          <p:cNvSpPr>
+            <a:spLocks noGrp="1"/>
+          </p:cNvSpPr>
+          <p:nvPr>
+            <p:ph type="body" idx="1"/>
+          </p:nvPr>
+        </p:nvSpPr>
+        <p:spPr/>
+        <p:txBody>
+          <a:bodyPr/>
+          <a:lstStyle/>
+          <a:p>
+            <a:r>
+              <a:rPr lang="en-US" dirty="0" smtClean="0"/>
+              <a:t>Idempotent: same input = same output</a:t>
+            </a:r>
+          </a:p>
+          <a:p>
+            <a:endParaRPr lang="en-US" dirty="0" smtClean="0"/>
+          </a:p>
+          <a:p>
+            <a:r>
+              <a:rPr lang="en-US" dirty="0" smtClean="0"/>
+              <a:t>No single function to achieve FTP store</a:t>
+            </a:r>
+          </a:p>
+          <a:p>
+            <a:endParaRPr lang="en-US" dirty="0"/>
+          </a:p>
+        </p:txBody>
+      </p:sp>
+      <p:sp>
+        <p:nvSpPr>
+          <p:cNvPr id="4" name="Slide Number Placeholder 3"/>
+          <p:cNvSpPr>
+            <a:spLocks noGrp="1"/>
+          </p:cNvSpPr>
+          <p:nvPr>
+            <p:ph type="sldNum" sz="quarter" idx="10"/>
+          </p:nvPr>
+        </p:nvSpPr>
+        <p:spPr/>
+        <p:txBody>
+          <a:bodyPr/>
+          <a:lstStyle/>
+          <a:p>
+            <a:fld id="{2F141AAD-2928-4B43-B2A0-445A59F6B45A}" type="slidenum">
+              <a:rPr lang="en-US" smtClean="0"/>
+              <a:t>15</a:t>
+            </a:fld>
+            <a:endParaRPr lang="en-US"/>
+          </a:p>
+        </p:txBody>
+      </p:sp>
+    </p:spTree>
+    <p:extLst>
+      <p:ext uri="{BB962C8B-B14F-4D97-AF65-F5344CB8AC3E}">
+        <p14:creationId xmlns:p14="http://schemas.microsoft.com/office/powerpoint/2010/main" val="2071257618"/>
+      </p:ext>
+    </p:extLst>
+  </p:cSld>
+  <p:clrMapOvr>
+    <a:masterClrMapping/>
+  </p:clrMapOvr>
+</p:notes>
+</file>
+
 <file path=ppt/notesSlides/notesSlide2.xml><?xml version="1.0" encoding="utf-8"?>
 <p:notes xmlns:a="http://schemas.openxmlformats.org/drawingml/2006/main" xmlns:r="http://schemas.openxmlformats.org/officeDocument/2006/relationships" xmlns:p="http://schemas.openxmlformats.org/presentationml/2006/main">
   <p:cSld>
@@ -657,7 +859,10 @@
             </a:r>
           </a:p>
           <a:p>
-            <a:endParaRPr lang="en-US" dirty="0" smtClean="0"/>
+            <a:r>
+              <a:rPr lang="en-US" dirty="0" smtClean="0"/>
+              <a:t>C# Timer</a:t>
+            </a:r>
           </a:p>
           <a:p>
             <a:endParaRPr lang="en-US" dirty="0"/>
@@ -1131,7 +1336,7 @@
           <a:p>
             <a:fld id="{2F141AAD-2928-4B43-B2A0-445A59F6B45A}" type="slidenum">
               <a:rPr lang="en-US" smtClean="0"/>
-              <a:t>6</a:t>
+              <a:t>7</a:t>
             </a:fld>
             <a:endParaRPr lang="en-US"/>
           </a:p>
@@ -1196,26 +1401,44 @@
           <a:p>
             <a:r>
               <a:rPr lang="en-US" dirty="0" smtClean="0"/>
-              <a:t>Maintain state across functions</a:t>
-            </a:r>
-          </a:p>
-          <a:p>
+              <a:t>Visual Studio – </a:t>
+            </a:r>
+            <a:r>
+              <a:rPr lang="en-US" dirty="0" err="1" smtClean="0"/>
+              <a:t>httpGet</a:t>
+            </a:r>
             <a:endParaRPr lang="en-US" dirty="0" smtClean="0"/>
           </a:p>
           <a:p>
             <a:r>
               <a:rPr lang="en-US" dirty="0" smtClean="0"/>
-              <a:t>Speed and ease of understanding</a:t>
-            </a:r>
-          </a:p>
-          <a:p>
-            <a:r>
-              <a:rPr lang="en-US" dirty="0" smtClean="0"/>
-              <a:t>5-10 minutes</a:t>
-            </a:r>
-          </a:p>
-          <a:p>
-            <a:endParaRPr lang="en-US" dirty="0"/>
+              <a:t>Visual Studio – </a:t>
+            </a:r>
+            <a:r>
+              <a:rPr lang="en-US" dirty="0" err="1" smtClean="0"/>
+              <a:t>PostTable</a:t>
+            </a:r>
+            <a:endParaRPr lang="en-US" dirty="0" smtClean="0"/>
+          </a:p>
+          <a:p>
+            <a:r>
+              <a:rPr lang="en-US" dirty="0" smtClean="0"/>
+              <a:t>Visual Studio – </a:t>
+            </a:r>
+            <a:r>
+              <a:rPr lang="en-US" dirty="0" err="1" smtClean="0"/>
+              <a:t>PostQueue</a:t>
+            </a:r>
+            <a:endParaRPr lang="en-US" dirty="0" smtClean="0"/>
+          </a:p>
+          <a:p>
+            <a:r>
+              <a:rPr lang="en-US" dirty="0" smtClean="0"/>
+              <a:t>Browser – Drain Queue</a:t>
+            </a:r>
+          </a:p>
+          <a:p>
+            <a:endParaRPr lang="en-US" dirty="0" smtClean="0"/>
           </a:p>
         </p:txBody>
       </p:sp>
@@ -1236,7 +1459,7 @@
           <a:p>
             <a:fld id="{2F141AAD-2928-4B43-B2A0-445A59F6B45A}" type="slidenum">
               <a:rPr lang="en-US" smtClean="0"/>
-              <a:t>10</a:t>
+              <a:t>9</a:t>
             </a:fld>
             <a:endParaRPr lang="en-US"/>
           </a:p>
@@ -1245,7 +1468,7 @@
     </p:spTree>
     <p:extLst>
       <p:ext uri="{BB962C8B-B14F-4D97-AF65-F5344CB8AC3E}">
-        <p14:creationId xmlns:p14="http://schemas.microsoft.com/office/powerpoint/2010/main" val="1204032503"/>
+        <p14:creationId xmlns:p14="http://schemas.microsoft.com/office/powerpoint/2010/main" val="3833719855"/>
       </p:ext>
     </p:extLst>
   </p:cSld>
@@ -1301,7 +1524,7 @@
           <a:p>
             <a:r>
               <a:rPr lang="en-US" dirty="0" smtClean="0"/>
-              <a:t>You can try maintain state</a:t>
+              <a:t>Maintain state across functions</a:t>
             </a:r>
           </a:p>
           <a:p>
@@ -1310,7 +1533,13 @@
           <a:p>
             <a:r>
               <a:rPr lang="en-US" dirty="0" smtClean="0"/>
-              <a:t>We throw away state whenever we want</a:t>
+              <a:t>Speed and ease of understanding</a:t>
+            </a:r>
+          </a:p>
+          <a:p>
+            <a:r>
+              <a:rPr lang="en-US" dirty="0" smtClean="0"/>
+              <a:t>5-10 minutes</a:t>
             </a:r>
           </a:p>
           <a:p>
@@ -1344,7 +1573,7 @@
     </p:spTree>
     <p:extLst>
       <p:ext uri="{BB962C8B-B14F-4D97-AF65-F5344CB8AC3E}">
-        <p14:creationId xmlns:p14="http://schemas.microsoft.com/office/powerpoint/2010/main" val="3723558352"/>
+        <p14:creationId xmlns:p14="http://schemas.microsoft.com/office/powerpoint/2010/main" val="1204032503"/>
       </p:ext>
     </p:extLst>
   </p:cSld>
@@ -1400,19 +1629,16 @@
           <a:p>
             <a:r>
               <a:rPr lang="en-US" dirty="0" smtClean="0"/>
-              <a:t>Pay for function processing</a:t>
-            </a:r>
-          </a:p>
-          <a:p>
-            <a:r>
-              <a:rPr lang="en-US" dirty="0" smtClean="0"/>
-              <a:t>Want to respond immediate (I started)</a:t>
-            </a:r>
-          </a:p>
-          <a:p>
-            <a:r>
-              <a:rPr lang="en-US" dirty="0" smtClean="0"/>
-              <a:t>Inspect for complete (queue)</a:t>
+              <a:t>You can try maintain state</a:t>
+            </a:r>
+          </a:p>
+          <a:p>
+            <a:endParaRPr lang="en-US" dirty="0" smtClean="0"/>
+          </a:p>
+          <a:p>
+            <a:r>
+              <a:rPr lang="en-US" dirty="0" smtClean="0"/>
+              <a:t>We throw away state whenever we want</a:t>
             </a:r>
           </a:p>
           <a:p>
@@ -1437,7 +1663,7 @@
           <a:p>
             <a:fld id="{2F141AAD-2928-4B43-B2A0-445A59F6B45A}" type="slidenum">
               <a:rPr lang="en-US" smtClean="0"/>
-              <a:t>13</a:t>
+              <a:t>12</a:t>
             </a:fld>
             <a:endParaRPr lang="en-US"/>
           </a:p>
@@ -1446,7 +1672,7 @@
     </p:spTree>
     <p:extLst>
       <p:ext uri="{BB962C8B-B14F-4D97-AF65-F5344CB8AC3E}">
-        <p14:creationId xmlns:p14="http://schemas.microsoft.com/office/powerpoint/2010/main" val="619906070"/>
+        <p14:creationId xmlns:p14="http://schemas.microsoft.com/office/powerpoint/2010/main" val="3723558352"/>
       </p:ext>
     </p:extLst>
   </p:cSld>
@@ -1502,19 +1728,33 @@
           <a:p>
             <a:r>
               <a:rPr lang="en-US" dirty="0" smtClean="0"/>
-              <a:t>Idempotent: same input = same output</a:t>
-            </a:r>
-          </a:p>
-          <a:p>
+              <a:t>Show security</a:t>
+            </a:r>
+          </a:p>
+          <a:p>
+            <a:r>
+              <a:rPr lang="en-US" dirty="0" smtClean="0"/>
+              <a:t>Queue Based Architecture -</a:t>
+            </a:r>
+            <a:r>
+              <a:rPr lang="en-US" baseline="0" dirty="0" smtClean="0"/>
+              <a:t> </a:t>
+            </a:r>
+            <a:r>
+              <a:rPr lang="en-US" baseline="0" dirty="0" err="1" smtClean="0"/>
+              <a:t>async</a:t>
+            </a:r>
             <a:endParaRPr lang="en-US" dirty="0" smtClean="0"/>
           </a:p>
           <a:p>
             <a:r>
               <a:rPr lang="en-US" dirty="0" smtClean="0"/>
-              <a:t>No single function to achieve FTP store</a:t>
-            </a:r>
-          </a:p>
-          <a:p>
+              <a:t>Dependency</a:t>
+            </a:r>
+            <a:r>
+              <a:rPr lang="en-US" baseline="0" dirty="0" smtClean="0"/>
+              <a:t> - sync</a:t>
+            </a:r>
             <a:endParaRPr lang="en-US" dirty="0"/>
           </a:p>
         </p:txBody>
@@ -1536,7 +1776,7 @@
           <a:p>
             <a:fld id="{2F141AAD-2928-4B43-B2A0-445A59F6B45A}" type="slidenum">
               <a:rPr lang="en-US" smtClean="0"/>
-              <a:t>14</a:t>
+              <a:t>13</a:t>
             </a:fld>
             <a:endParaRPr lang="en-US"/>
           </a:p>
@@ -1545,7 +1785,7 @@
     </p:spTree>
     <p:extLst>
       <p:ext uri="{BB962C8B-B14F-4D97-AF65-F5344CB8AC3E}">
-        <p14:creationId xmlns:p14="http://schemas.microsoft.com/office/powerpoint/2010/main" val="2071257618"/>
+        <p14:creationId xmlns:p14="http://schemas.microsoft.com/office/powerpoint/2010/main" val="46495196"/>
       </p:ext>
     </p:extLst>
   </p:cSld>
@@ -1686,7 +1926,7 @@
           <a:p>
             <a:fld id="{D580D8F2-7B30-43DB-963C-CE8585A47115}" type="datetimeFigureOut">
               <a:rPr lang="en-US" smtClean="0"/>
-              <a:t>1/29/2017</a:t>
+              <a:t>2/4/2017</a:t>
             </a:fld>
             <a:endParaRPr lang="en-US"/>
           </a:p>
@@ -1856,7 +2096,7 @@
           <a:p>
             <a:fld id="{D580D8F2-7B30-43DB-963C-CE8585A47115}" type="datetimeFigureOut">
               <a:rPr lang="en-US" smtClean="0"/>
-              <a:t>1/29/2017</a:t>
+              <a:t>2/4/2017</a:t>
             </a:fld>
             <a:endParaRPr lang="en-US"/>
           </a:p>
@@ -2036,7 +2276,7 @@
           <a:p>
             <a:fld id="{D580D8F2-7B30-43DB-963C-CE8585A47115}" type="datetimeFigureOut">
               <a:rPr lang="en-US" smtClean="0"/>
-              <a:t>1/29/2017</a:t>
+              <a:t>2/4/2017</a:t>
             </a:fld>
             <a:endParaRPr lang="en-US"/>
           </a:p>
@@ -2206,7 +2446,7 @@
           <a:p>
             <a:fld id="{D580D8F2-7B30-43DB-963C-CE8585A47115}" type="datetimeFigureOut">
               <a:rPr lang="en-US" smtClean="0"/>
-              <a:t>1/29/2017</a:t>
+              <a:t>2/4/2017</a:t>
             </a:fld>
             <a:endParaRPr lang="en-US"/>
           </a:p>
@@ -2452,7 +2692,7 @@
           <a:p>
             <a:fld id="{D580D8F2-7B30-43DB-963C-CE8585A47115}" type="datetimeFigureOut">
               <a:rPr lang="en-US" smtClean="0"/>
-              <a:t>1/29/2017</a:t>
+              <a:t>2/4/2017</a:t>
             </a:fld>
             <a:endParaRPr lang="en-US"/>
           </a:p>
@@ -2684,7 +2924,7 @@
           <a:p>
             <a:fld id="{D580D8F2-7B30-43DB-963C-CE8585A47115}" type="datetimeFigureOut">
               <a:rPr lang="en-US" smtClean="0"/>
-              <a:t>1/29/2017</a:t>
+              <a:t>2/4/2017</a:t>
             </a:fld>
             <a:endParaRPr lang="en-US"/>
           </a:p>
@@ -3051,7 +3291,7 @@
           <a:p>
             <a:fld id="{D580D8F2-7B30-43DB-963C-CE8585A47115}" type="datetimeFigureOut">
               <a:rPr lang="en-US" smtClean="0"/>
-              <a:t>1/29/2017</a:t>
+              <a:t>2/4/2017</a:t>
             </a:fld>
             <a:endParaRPr lang="en-US"/>
           </a:p>
@@ -3169,7 +3409,7 @@
           <a:p>
             <a:fld id="{D580D8F2-7B30-43DB-963C-CE8585A47115}" type="datetimeFigureOut">
               <a:rPr lang="en-US" smtClean="0"/>
-              <a:t>1/29/2017</a:t>
+              <a:t>2/4/2017</a:t>
             </a:fld>
             <a:endParaRPr lang="en-US"/>
           </a:p>
@@ -3264,7 +3504,7 @@
           <a:p>
             <a:fld id="{D580D8F2-7B30-43DB-963C-CE8585A47115}" type="datetimeFigureOut">
               <a:rPr lang="en-US" smtClean="0"/>
-              <a:t>1/29/2017</a:t>
+              <a:t>2/4/2017</a:t>
             </a:fld>
             <a:endParaRPr lang="en-US"/>
           </a:p>
@@ -3541,7 +3781,7 @@
           <a:p>
             <a:fld id="{D580D8F2-7B30-43DB-963C-CE8585A47115}" type="datetimeFigureOut">
               <a:rPr lang="en-US" smtClean="0"/>
-              <a:t>1/29/2017</a:t>
+              <a:t>2/4/2017</a:t>
             </a:fld>
             <a:endParaRPr lang="en-US"/>
           </a:p>
@@ -3794,7 +4034,7 @@
           <a:p>
             <a:fld id="{D580D8F2-7B30-43DB-963C-CE8585A47115}" type="datetimeFigureOut">
               <a:rPr lang="en-US" smtClean="0"/>
-              <a:t>1/29/2017</a:t>
+              <a:t>2/4/2017</a:t>
             </a:fld>
             <a:endParaRPr lang="en-US"/>
           </a:p>
@@ -4007,7 +4247,7 @@
           <a:p>
             <a:fld id="{D580D8F2-7B30-43DB-963C-CE8585A47115}" type="datetimeFigureOut">
               <a:rPr lang="en-US" smtClean="0"/>
-              <a:t>1/29/2017</a:t>
+              <a:t>2/4/2017</a:t>
             </a:fld>
             <a:endParaRPr lang="en-US"/>
           </a:p>
@@ -4516,6 +4756,30 @@
           <p:nvPr/>
         </p:nvPicPr>
         <p:blipFill>
+          <a:blip r:embed="rId2"/>
+          <a:stretch>
+            <a:fillRect/>
+          </a:stretch>
+        </p:blipFill>
+        <p:spPr>
+          <a:xfrm>
+            <a:off x="247889" y="300942"/>
+            <a:ext cx="7281119" cy="3912243"/>
+          </a:xfrm>
+          <a:prstGeom prst="rect">
+            <a:avLst/>
+          </a:prstGeom>
+        </p:spPr>
+      </p:pic>
+      <p:pic>
+        <p:nvPicPr>
+          <p:cNvPr id="5" name="Picture 4"/>
+          <p:cNvPicPr>
+            <a:picLocks noChangeAspect="1"/>
+          </p:cNvPicPr>
+          <p:nvPr/>
+        </p:nvPicPr>
+        <p:blipFill>
           <a:blip r:embed="rId3"/>
           <a:stretch>
             <a:fillRect/>
@@ -4523,18 +4787,49 @@
         </p:blipFill>
         <p:spPr>
           <a:xfrm>
-            <a:off x="785505" y="358816"/>
-            <a:ext cx="9793756" cy="5978430"/>
+            <a:off x="4829935" y="2615878"/>
+            <a:ext cx="6733174" cy="3733851"/>
           </a:xfrm>
           <a:prstGeom prst="rect">
             <a:avLst/>
           </a:prstGeom>
         </p:spPr>
       </p:pic>
+      <p:sp>
+        <p:nvSpPr>
+          <p:cNvPr id="6" name="Content Placeholder 2"/>
+          <p:cNvSpPr>
+            <a:spLocks noGrp="1"/>
+          </p:cNvSpPr>
+          <p:nvPr>
+            <p:ph idx="1"/>
+          </p:nvPr>
+        </p:nvSpPr>
+        <p:spPr>
+          <a:xfrm>
+            <a:off x="8128642" y="687106"/>
+            <a:ext cx="2834833" cy="1542608"/>
+          </a:xfrm>
+        </p:spPr>
+        <p:txBody>
+          <a:bodyPr/>
+          <a:lstStyle/>
+          <a:p>
+            <a:pPr marL="0" indent="0">
+              <a:buNone/>
+            </a:pPr>
+            <a:r>
+              <a:rPr lang="en-US" dirty="0" smtClean="0"/>
+              <a:t>$.20 for 20 million executions</a:t>
+            </a:r>
+            <a:endParaRPr lang="en-US" dirty="0"/>
+          </a:p>
+        </p:txBody>
+      </p:sp>
     </p:spTree>
     <p:extLst>
       <p:ext uri="{BB962C8B-B14F-4D97-AF65-F5344CB8AC3E}">
-        <p14:creationId xmlns:p14="http://schemas.microsoft.com/office/powerpoint/2010/main" val="3163742275"/>
+        <p14:creationId xmlns:p14="http://schemas.microsoft.com/office/powerpoint/2010/main" val="2291491598"/>
       </p:ext>
     </p:extLst>
   </p:cSld>
@@ -4544,7 +4839,75 @@
   <p:timing>
     <p:tnLst>
       <p:par>
-        <p:cTn id="1" dur="indefinite" restart="never" nodeType="tmRoot"/>
+        <p:cTn id="1" dur="indefinite" restart="never" nodeType="tmRoot">
+          <p:childTnLst>
+            <p:seq concurrent="1" nextAc="seek">
+              <p:cTn id="2" dur="indefinite" nodeType="mainSeq">
+                <p:childTnLst>
+                  <p:par>
+                    <p:cTn id="3" fill="hold">
+                      <p:stCondLst>
+                        <p:cond delay="indefinite"/>
+                      </p:stCondLst>
+                      <p:childTnLst>
+                        <p:par>
+                          <p:cTn id="4" fill="hold">
+                            <p:stCondLst>
+                              <p:cond delay="0"/>
+                            </p:stCondLst>
+                            <p:childTnLst>
+                              <p:par>
+                                <p:cTn id="5" presetID="1" presetClass="entr" presetSubtype="0" fill="hold" nodeType="clickEffect">
+                                  <p:stCondLst>
+                                    <p:cond delay="0"/>
+                                  </p:stCondLst>
+                                  <p:childTnLst>
+                                    <p:set>
+                                      <p:cBhvr>
+                                        <p:cTn id="6" dur="1" fill="hold">
+                                          <p:stCondLst>
+                                            <p:cond delay="0"/>
+                                          </p:stCondLst>
+                                        </p:cTn>
+                                        <p:tgtEl>
+                                          <p:spTgt spid="5"/>
+                                        </p:tgtEl>
+                                        <p:attrNameLst>
+                                          <p:attrName>style.visibility</p:attrName>
+                                        </p:attrNameLst>
+                                      </p:cBhvr>
+                                      <p:to>
+                                        <p:strVal val="visible"/>
+                                      </p:to>
+                                    </p:set>
+                                  </p:childTnLst>
+                                </p:cTn>
+                              </p:par>
+                            </p:childTnLst>
+                          </p:cTn>
+                        </p:par>
+                      </p:childTnLst>
+                    </p:cTn>
+                  </p:par>
+                </p:childTnLst>
+              </p:cTn>
+              <p:prevCondLst>
+                <p:cond evt="onPrev" delay="0">
+                  <p:tgtEl>
+                    <p:sldTgt/>
+                  </p:tgtEl>
+                </p:cond>
+              </p:prevCondLst>
+              <p:nextCondLst>
+                <p:cond evt="onNext" delay="0">
+                  <p:tgtEl>
+                    <p:sldTgt/>
+                  </p:tgtEl>
+                </p:cond>
+              </p:nextCondLst>
+            </p:seq>
+          </p:childTnLst>
+        </p:cTn>
       </p:par>
     </p:tnLst>
   </p:timing>
@@ -4568,75 +4931,34 @@
           <a:chExt cx="0" cy="0"/>
         </a:xfrm>
       </p:grpSpPr>
-      <p:sp>
-        <p:nvSpPr>
-          <p:cNvPr id="2" name="Title 1"/>
-          <p:cNvSpPr>
-            <a:spLocks noGrp="1"/>
-          </p:cNvSpPr>
-          <p:nvPr>
-            <p:ph type="title"/>
-          </p:nvPr>
-        </p:nvSpPr>
-        <p:spPr/>
-        <p:txBody>
-          <a:bodyPr/>
-          <a:lstStyle/>
-          <a:p>
-            <a:r>
-              <a:rPr lang="en-US" dirty="0" smtClean="0"/>
-              <a:t>Anatomy of an Azure Function</a:t>
-            </a:r>
-            <a:endParaRPr lang="en-US" dirty="0"/>
-          </a:p>
-        </p:txBody>
-      </p:sp>
-      <p:sp>
-        <p:nvSpPr>
-          <p:cNvPr id="5" name="Content Placeholder 2"/>
-          <p:cNvSpPr>
-            <a:spLocks noGrp="1"/>
-          </p:cNvSpPr>
-          <p:nvPr>
-            <p:ph idx="1"/>
-          </p:nvPr>
-        </p:nvSpPr>
+      <p:pic>
+        <p:nvPicPr>
+          <p:cNvPr id="4" name="Picture 3"/>
+          <p:cNvPicPr>
+            <a:picLocks noChangeAspect="1"/>
+          </p:cNvPicPr>
+          <p:nvPr/>
+        </p:nvPicPr>
+        <p:blipFill>
+          <a:blip r:embed="rId3"/>
+          <a:stretch>
+            <a:fillRect/>
+          </a:stretch>
+        </p:blipFill>
         <p:spPr>
           <a:xfrm>
-            <a:off x="838200" y="1825625"/>
-            <a:ext cx="10515600" cy="4351338"/>
-          </a:xfrm>
-        </p:spPr>
-        <p:txBody>
-          <a:bodyPr/>
-          <a:lstStyle/>
-          <a:p>
-            <a:r>
-              <a:rPr lang="en-US" dirty="0" smtClean="0"/>
-              <a:t>Script file</a:t>
-            </a:r>
-          </a:p>
-          <a:p>
-            <a:r>
-              <a:rPr lang="en-US" dirty="0" smtClean="0"/>
-              <a:t>Configuration file</a:t>
-            </a:r>
-          </a:p>
-          <a:p>
-            <a:r>
-              <a:rPr lang="en-US" dirty="0" smtClean="0"/>
-              <a:t>Dependencies?</a:t>
-            </a:r>
-          </a:p>
-          <a:p>
-            <a:endParaRPr lang="en-US" dirty="0"/>
-          </a:p>
-        </p:txBody>
-      </p:sp>
+            <a:off x="785505" y="358816"/>
+            <a:ext cx="9793756" cy="5978430"/>
+          </a:xfrm>
+          <a:prstGeom prst="rect">
+            <a:avLst/>
+          </a:prstGeom>
+        </p:spPr>
+      </p:pic>
     </p:spTree>
     <p:extLst>
       <p:ext uri="{BB962C8B-B14F-4D97-AF65-F5344CB8AC3E}">
-        <p14:creationId xmlns:p14="http://schemas.microsoft.com/office/powerpoint/2010/main" val="2020021748"/>
+        <p14:creationId xmlns:p14="http://schemas.microsoft.com/office/powerpoint/2010/main" val="3163742275"/>
       </p:ext>
     </p:extLst>
   </p:cSld>
@@ -4687,7 +5009,7 @@
           <a:p>
             <a:r>
               <a:rPr lang="en-US" dirty="0" smtClean="0"/>
-              <a:t>Example #3</a:t>
+              <a:t>Anatomy of an Azure Function</a:t>
             </a:r>
             <a:endParaRPr lang="en-US" dirty="0"/>
           </a:p>
@@ -4695,7 +5017,7 @@
       </p:sp>
       <p:sp>
         <p:nvSpPr>
-          <p:cNvPr id="3" name="Content Placeholder 2"/>
+          <p:cNvPr id="5" name="Content Placeholder 2"/>
           <p:cNvSpPr>
             <a:spLocks noGrp="1"/>
           </p:cNvSpPr>
@@ -4703,14 +5025,34 @@
             <p:ph idx="1"/>
           </p:nvPr>
         </p:nvSpPr>
-        <p:spPr/>
-        <p:txBody>
-          <a:bodyPr/>
-          <a:lstStyle/>
-          <a:p>
-            <a:pPr marL="0" indent="0">
-              <a:buNone/>
-            </a:pPr>
+        <p:spPr>
+          <a:xfrm>
+            <a:off x="838200" y="1825625"/>
+            <a:ext cx="10515600" cy="4351338"/>
+          </a:xfrm>
+        </p:spPr>
+        <p:txBody>
+          <a:bodyPr/>
+          <a:lstStyle/>
+          <a:p>
+            <a:r>
+              <a:rPr lang="en-US" dirty="0" smtClean="0"/>
+              <a:t>Script file</a:t>
+            </a:r>
+          </a:p>
+          <a:p>
+            <a:r>
+              <a:rPr lang="en-US" dirty="0" smtClean="0"/>
+              <a:t>Configuration file</a:t>
+            </a:r>
+          </a:p>
+          <a:p>
+            <a:r>
+              <a:rPr lang="en-US" dirty="0" smtClean="0"/>
+              <a:t>Dependencies?</a:t>
+            </a:r>
+          </a:p>
+          <a:p>
             <a:endParaRPr lang="en-US" dirty="0"/>
           </a:p>
         </p:txBody>
@@ -4718,7 +5060,7 @@
     </p:spTree>
     <p:extLst>
       <p:ext uri="{BB962C8B-B14F-4D97-AF65-F5344CB8AC3E}">
-        <p14:creationId xmlns:p14="http://schemas.microsoft.com/office/powerpoint/2010/main" val="3963682226"/>
+        <p14:creationId xmlns:p14="http://schemas.microsoft.com/office/powerpoint/2010/main" val="2020021748"/>
       </p:ext>
     </p:extLst>
   </p:cSld>
@@ -4769,7 +5111,7 @@
           <a:p>
             <a:r>
               <a:rPr lang="en-US" dirty="0" smtClean="0"/>
-              <a:t>Serverless Best Practices</a:t>
+              <a:t>Example #3</a:t>
             </a:r>
             <a:endParaRPr lang="en-US" dirty="0"/>
           </a:p>
@@ -4777,117 +5119,1281 @@
       </p:sp>
       <p:sp>
         <p:nvSpPr>
-          <p:cNvPr id="3" name="Content Placeholder 2"/>
-          <p:cNvSpPr>
-            <a:spLocks noGrp="1"/>
-          </p:cNvSpPr>
-          <p:nvPr>
-            <p:ph idx="1"/>
-          </p:nvPr>
-        </p:nvSpPr>
-        <p:spPr/>
-        <p:txBody>
-          <a:bodyPr>
-            <a:normAutofit lnSpcReduction="10000"/>
-          </a:bodyPr>
-          <a:lstStyle/>
-          <a:p>
-            <a:r>
-              <a:rPr lang="en-US" dirty="0" smtClean="0"/>
-              <a:t>Thick Clients:  Thin and Stateless Server</a:t>
-            </a:r>
-          </a:p>
-          <a:p>
-            <a:pPr lvl="1"/>
-            <a:r>
-              <a:rPr lang="en-US" dirty="0" smtClean="0"/>
-              <a:t>SPA model:  Angular/React</a:t>
-            </a:r>
-          </a:p>
-          <a:p>
-            <a:pPr lvl="1"/>
+          <p:cNvPr id="4" name="Oval 3"/>
+          <p:cNvSpPr/>
+          <p:nvPr/>
+        </p:nvSpPr>
+        <p:spPr>
+          <a:xfrm>
+            <a:off x="451601" y="1610260"/>
+            <a:ext cx="1170144" cy="994764"/>
+          </a:xfrm>
+          <a:prstGeom prst="ellipse">
+            <a:avLst/>
+          </a:prstGeom>
+        </p:spPr>
+        <p:style>
+          <a:lnRef idx="2">
+            <a:schemeClr val="accent1">
+              <a:shade val="50000"/>
+            </a:schemeClr>
+          </a:lnRef>
+          <a:fillRef idx="1">
+            <a:schemeClr val="accent1"/>
+          </a:fillRef>
+          <a:effectRef idx="0">
+            <a:schemeClr val="accent1"/>
+          </a:effectRef>
+          <a:fontRef idx="minor">
+            <a:schemeClr val="lt1"/>
+          </a:fontRef>
+        </p:style>
+        <p:txBody>
+          <a:bodyPr rtlCol="0" anchor="ctr"/>
+          <a:lstStyle/>
+          <a:p>
+            <a:pPr algn="ctr"/>
+            <a:r>
+              <a:rPr lang="en-US" dirty="0" smtClean="0"/>
+              <a:t>Client</a:t>
+            </a:r>
             <a:endParaRPr lang="en-US" dirty="0"/>
           </a:p>
-          <a:p>
-            <a:endParaRPr lang="en-US" dirty="0" smtClean="0"/>
-          </a:p>
-          <a:p>
-            <a:r>
-              <a:rPr lang="en-US" dirty="0" smtClean="0"/>
-              <a:t>Can do sync, but really want to do </a:t>
-            </a:r>
+        </p:txBody>
+      </p:sp>
+      <p:sp>
+        <p:nvSpPr>
+          <p:cNvPr id="5" name="Right Arrow 4"/>
+          <p:cNvSpPr/>
+          <p:nvPr/>
+        </p:nvSpPr>
+        <p:spPr>
+          <a:xfrm>
+            <a:off x="1645172" y="1856891"/>
+            <a:ext cx="925975" cy="369606"/>
+          </a:xfrm>
+          <a:prstGeom prst="rightArrow">
+            <a:avLst/>
+          </a:prstGeom>
+        </p:spPr>
+        <p:style>
+          <a:lnRef idx="2">
+            <a:schemeClr val="accent1">
+              <a:shade val="50000"/>
+            </a:schemeClr>
+          </a:lnRef>
+          <a:fillRef idx="1">
+            <a:schemeClr val="accent1"/>
+          </a:fillRef>
+          <a:effectRef idx="0">
+            <a:schemeClr val="accent1"/>
+          </a:effectRef>
+          <a:fontRef idx="minor">
+            <a:schemeClr val="lt1"/>
+          </a:fontRef>
+        </p:style>
+        <p:txBody>
+          <a:bodyPr rtlCol="0" anchor="ctr"/>
+          <a:lstStyle/>
+          <a:p>
+            <a:pPr algn="ctr"/>
+            <a:endParaRPr lang="en-US"/>
+          </a:p>
+        </p:txBody>
+      </p:sp>
+      <p:sp>
+        <p:nvSpPr>
+          <p:cNvPr id="6" name="Rectangle 5"/>
+          <p:cNvSpPr/>
+          <p:nvPr/>
+        </p:nvSpPr>
+        <p:spPr>
+          <a:xfrm>
+            <a:off x="2636971" y="1713629"/>
+            <a:ext cx="1384465" cy="971489"/>
+          </a:xfrm>
+          <a:prstGeom prst="rect">
+            <a:avLst/>
+          </a:prstGeom>
+        </p:spPr>
+        <p:style>
+          <a:lnRef idx="2">
+            <a:schemeClr val="accent1">
+              <a:shade val="50000"/>
+            </a:schemeClr>
+          </a:lnRef>
+          <a:fillRef idx="1">
+            <a:schemeClr val="accent1"/>
+          </a:fillRef>
+          <a:effectRef idx="0">
+            <a:schemeClr val="accent1"/>
+          </a:effectRef>
+          <a:fontRef idx="minor">
+            <a:schemeClr val="lt1"/>
+          </a:fontRef>
+        </p:style>
+        <p:txBody>
+          <a:bodyPr rtlCol="0" anchor="ctr"/>
+          <a:lstStyle/>
+          <a:p>
+            <a:pPr algn="ctr"/>
             <a:r>
               <a:rPr lang="en-US" dirty="0" err="1" smtClean="0"/>
-              <a:t>async</a:t>
-            </a:r>
-            <a:endParaRPr lang="en-US" dirty="0" smtClean="0"/>
-          </a:p>
-          <a:p>
-            <a:pPr lvl="1"/>
-            <a:r>
-              <a:rPr lang="en-US" dirty="0">
-                <a:hlinkClick r:id="rId3"/>
-              </a:rPr>
-              <a:t>http://</a:t>
-            </a:r>
-            <a:r>
-              <a:rPr lang="en-US" dirty="0" smtClean="0">
-                <a:hlinkClick r:id="rId3"/>
-              </a:rPr>
-              <a:t>www.reactivemanifesto.org/</a:t>
-            </a:r>
-            <a:endParaRPr lang="en-US" dirty="0" smtClean="0"/>
-          </a:p>
-          <a:p>
-            <a:pPr lvl="1"/>
-            <a:r>
-              <a:rPr lang="en-US" dirty="0" smtClean="0"/>
-              <a:t>Kick off long running job.  Use queues to hold intermediate data</a:t>
-            </a:r>
-          </a:p>
-          <a:p>
-            <a:pPr lvl="1"/>
-            <a:r>
-              <a:rPr lang="en-US" dirty="0" smtClean="0"/>
-              <a:t>Returns 202, not 201</a:t>
-            </a:r>
-          </a:p>
-          <a:p>
-            <a:pPr lvl="1"/>
+              <a:t>HttpListener</a:t>
+            </a:r>
             <a:endParaRPr lang="en-US" dirty="0"/>
           </a:p>
-          <a:p>
-            <a:r>
-              <a:rPr lang="en-US" dirty="0" smtClean="0"/>
-              <a:t>This is all-in on the cloud</a:t>
-            </a:r>
-          </a:p>
-          <a:p>
-            <a:pPr lvl="1"/>
-            <a:r>
-              <a:rPr lang="en-US" dirty="0" smtClean="0"/>
-              <a:t>Design for portability </a:t>
-            </a:r>
-            <a:r>
-              <a:rPr lang="en-US" dirty="0" smtClean="0">
-                <a:sym typeface="Wingdings" panose="05000000000000000000" pitchFamily="2" charset="2"/>
-              </a:rPr>
-              <a:t></a:t>
+        </p:txBody>
+      </p:sp>
+      <p:sp>
+        <p:nvSpPr>
+          <p:cNvPr id="8" name="Right Arrow 7"/>
+          <p:cNvSpPr/>
+          <p:nvPr/>
+        </p:nvSpPr>
+        <p:spPr>
+          <a:xfrm>
+            <a:off x="4274871" y="1959992"/>
+            <a:ext cx="571098" cy="317916"/>
+          </a:xfrm>
+          <a:prstGeom prst="rightArrow">
+            <a:avLst/>
+          </a:prstGeom>
+        </p:spPr>
+        <p:style>
+          <a:lnRef idx="2">
+            <a:schemeClr val="accent1">
+              <a:shade val="50000"/>
+            </a:schemeClr>
+          </a:lnRef>
+          <a:fillRef idx="1">
+            <a:schemeClr val="accent1"/>
+          </a:fillRef>
+          <a:effectRef idx="0">
+            <a:schemeClr val="accent1"/>
+          </a:effectRef>
+          <a:fontRef idx="minor">
+            <a:schemeClr val="lt1"/>
+          </a:fontRef>
+        </p:style>
+        <p:txBody>
+          <a:bodyPr rtlCol="0" anchor="ctr"/>
+          <a:lstStyle/>
+          <a:p>
+            <a:pPr algn="ctr"/>
+            <a:endParaRPr lang="en-US"/>
+          </a:p>
+        </p:txBody>
+      </p:sp>
+      <p:sp>
+        <p:nvSpPr>
+          <p:cNvPr id="10" name="Flowchart: Punched Tape 9"/>
+          <p:cNvSpPr/>
+          <p:nvPr/>
+        </p:nvSpPr>
+        <p:spPr>
+          <a:xfrm>
+            <a:off x="4974221" y="1745015"/>
+            <a:ext cx="1772295" cy="810227"/>
+          </a:xfrm>
+          <a:prstGeom prst="flowChartPunchedTape">
+            <a:avLst/>
+          </a:prstGeom>
+        </p:spPr>
+        <p:style>
+          <a:lnRef idx="2">
+            <a:schemeClr val="accent1">
+              <a:shade val="50000"/>
+            </a:schemeClr>
+          </a:lnRef>
+          <a:fillRef idx="1">
+            <a:schemeClr val="accent1"/>
+          </a:fillRef>
+          <a:effectRef idx="0">
+            <a:schemeClr val="accent1"/>
+          </a:effectRef>
+          <a:fontRef idx="minor">
+            <a:schemeClr val="lt1"/>
+          </a:fontRef>
+        </p:style>
+        <p:txBody>
+          <a:bodyPr rtlCol="0" anchor="ctr"/>
+          <a:lstStyle/>
+          <a:p>
+            <a:pPr algn="ctr"/>
+            <a:r>
+              <a:rPr lang="en-US" dirty="0" err="1" smtClean="0"/>
+              <a:t>ReceivedQueue</a:t>
             </a:r>
             <a:endParaRPr lang="en-US" dirty="0"/>
           </a:p>
         </p:txBody>
       </p:sp>
+      <p:sp>
+        <p:nvSpPr>
+          <p:cNvPr id="11" name="Rectangle 10"/>
+          <p:cNvSpPr/>
+          <p:nvPr/>
+        </p:nvSpPr>
+        <p:spPr>
+          <a:xfrm>
+            <a:off x="5063923" y="3322600"/>
+            <a:ext cx="1672543" cy="1406596"/>
+          </a:xfrm>
+          <a:prstGeom prst="rect">
+            <a:avLst/>
+          </a:prstGeom>
+        </p:spPr>
+        <p:style>
+          <a:lnRef idx="2">
+            <a:schemeClr val="accent1">
+              <a:shade val="50000"/>
+            </a:schemeClr>
+          </a:lnRef>
+          <a:fillRef idx="1">
+            <a:schemeClr val="accent1"/>
+          </a:fillRef>
+          <a:effectRef idx="0">
+            <a:schemeClr val="accent1"/>
+          </a:effectRef>
+          <a:fontRef idx="minor">
+            <a:schemeClr val="lt1"/>
+          </a:fontRef>
+        </p:style>
+        <p:txBody>
+          <a:bodyPr rtlCol="0" anchor="ctr"/>
+          <a:lstStyle/>
+          <a:p>
+            <a:pPr algn="ctr"/>
+            <a:r>
+              <a:rPr lang="en-US" dirty="0" err="1" smtClean="0"/>
+              <a:t>QueueListener</a:t>
+            </a:r>
+            <a:endParaRPr lang="en-US" dirty="0"/>
+          </a:p>
+        </p:txBody>
+      </p:sp>
+      <p:sp>
+        <p:nvSpPr>
+          <p:cNvPr id="12" name="Right Arrow 11"/>
+          <p:cNvSpPr/>
+          <p:nvPr/>
+        </p:nvSpPr>
+        <p:spPr>
+          <a:xfrm rot="5400000">
+            <a:off x="5464670" y="2805322"/>
+            <a:ext cx="571098" cy="317916"/>
+          </a:xfrm>
+          <a:prstGeom prst="rightArrow">
+            <a:avLst/>
+          </a:prstGeom>
+        </p:spPr>
+        <p:style>
+          <a:lnRef idx="2">
+            <a:schemeClr val="accent1">
+              <a:shade val="50000"/>
+            </a:schemeClr>
+          </a:lnRef>
+          <a:fillRef idx="1">
+            <a:schemeClr val="accent1"/>
+          </a:fillRef>
+          <a:effectRef idx="0">
+            <a:schemeClr val="accent1"/>
+          </a:effectRef>
+          <a:fontRef idx="minor">
+            <a:schemeClr val="lt1"/>
+          </a:fontRef>
+        </p:style>
+        <p:txBody>
+          <a:bodyPr rtlCol="0" anchor="ctr"/>
+          <a:lstStyle/>
+          <a:p>
+            <a:pPr algn="ctr"/>
+            <a:endParaRPr lang="en-US"/>
+          </a:p>
+        </p:txBody>
+      </p:sp>
+      <p:sp>
+        <p:nvSpPr>
+          <p:cNvPr id="13" name="Flowchart: Punched Tape 12"/>
+          <p:cNvSpPr/>
+          <p:nvPr/>
+        </p:nvSpPr>
+        <p:spPr>
+          <a:xfrm>
+            <a:off x="3234356" y="5304073"/>
+            <a:ext cx="1410326" cy="868101"/>
+          </a:xfrm>
+          <a:prstGeom prst="flowChartPunchedTape">
+            <a:avLst/>
+          </a:prstGeom>
+        </p:spPr>
+        <p:style>
+          <a:lnRef idx="2">
+            <a:schemeClr val="accent1">
+              <a:shade val="50000"/>
+            </a:schemeClr>
+          </a:lnRef>
+          <a:fillRef idx="1">
+            <a:schemeClr val="accent1"/>
+          </a:fillRef>
+          <a:effectRef idx="0">
+            <a:schemeClr val="accent1"/>
+          </a:effectRef>
+          <a:fontRef idx="minor">
+            <a:schemeClr val="lt1"/>
+          </a:fontRef>
+        </p:style>
+        <p:txBody>
+          <a:bodyPr rtlCol="0" anchor="ctr"/>
+          <a:lstStyle/>
+          <a:p>
+            <a:pPr algn="ctr"/>
+            <a:r>
+              <a:rPr lang="en-US" dirty="0" err="1" smtClean="0"/>
+              <a:t>FailedQueue</a:t>
+            </a:r>
+            <a:endParaRPr lang="en-US" dirty="0"/>
+          </a:p>
+        </p:txBody>
+      </p:sp>
+      <p:sp>
+        <p:nvSpPr>
+          <p:cNvPr id="14" name="Flowchart: Punched Tape 13"/>
+          <p:cNvSpPr/>
+          <p:nvPr/>
+        </p:nvSpPr>
+        <p:spPr>
+          <a:xfrm>
+            <a:off x="3272046" y="3249829"/>
+            <a:ext cx="966482" cy="810227"/>
+          </a:xfrm>
+          <a:prstGeom prst="flowChartPunchedTape">
+            <a:avLst/>
+          </a:prstGeom>
+        </p:spPr>
+        <p:style>
+          <a:lnRef idx="2">
+            <a:schemeClr val="accent1">
+              <a:shade val="50000"/>
+            </a:schemeClr>
+          </a:lnRef>
+          <a:fillRef idx="1">
+            <a:schemeClr val="accent1"/>
+          </a:fillRef>
+          <a:effectRef idx="0">
+            <a:schemeClr val="accent1"/>
+          </a:effectRef>
+          <a:fontRef idx="minor">
+            <a:schemeClr val="lt1"/>
+          </a:fontRef>
+        </p:style>
+        <p:txBody>
+          <a:bodyPr rtlCol="0" anchor="ctr"/>
+          <a:lstStyle/>
+          <a:p>
+            <a:pPr algn="ctr"/>
+            <a:r>
+              <a:rPr lang="en-US" dirty="0" err="1" smtClean="0"/>
+              <a:t>SuccessQueue</a:t>
+            </a:r>
+            <a:endParaRPr lang="en-US" dirty="0"/>
+          </a:p>
+        </p:txBody>
+      </p:sp>
+      <p:sp>
+        <p:nvSpPr>
+          <p:cNvPr id="15" name="Right Arrow 14"/>
+          <p:cNvSpPr/>
+          <p:nvPr/>
+        </p:nvSpPr>
+        <p:spPr>
+          <a:xfrm rot="10800000">
+            <a:off x="4365676" y="3501653"/>
+            <a:ext cx="571098" cy="317916"/>
+          </a:xfrm>
+          <a:prstGeom prst="rightArrow">
+            <a:avLst/>
+          </a:prstGeom>
+        </p:spPr>
+        <p:style>
+          <a:lnRef idx="2">
+            <a:schemeClr val="accent1">
+              <a:shade val="50000"/>
+            </a:schemeClr>
+          </a:lnRef>
+          <a:fillRef idx="1">
+            <a:schemeClr val="accent1"/>
+          </a:fillRef>
+          <a:effectRef idx="0">
+            <a:schemeClr val="accent1"/>
+          </a:effectRef>
+          <a:fontRef idx="minor">
+            <a:schemeClr val="lt1"/>
+          </a:fontRef>
+        </p:style>
+        <p:txBody>
+          <a:bodyPr rtlCol="0" anchor="ctr"/>
+          <a:lstStyle/>
+          <a:p>
+            <a:pPr algn="ctr"/>
+            <a:endParaRPr lang="en-US"/>
+          </a:p>
+        </p:txBody>
+      </p:sp>
+      <p:sp>
+        <p:nvSpPr>
+          <p:cNvPr id="16" name="Right Arrow 15"/>
+          <p:cNvSpPr/>
+          <p:nvPr/>
+        </p:nvSpPr>
+        <p:spPr>
+          <a:xfrm rot="8190340">
+            <a:off x="4675691" y="5082407"/>
+            <a:ext cx="571098" cy="317916"/>
+          </a:xfrm>
+          <a:prstGeom prst="rightArrow">
+            <a:avLst/>
+          </a:prstGeom>
+        </p:spPr>
+        <p:style>
+          <a:lnRef idx="2">
+            <a:schemeClr val="accent1">
+              <a:shade val="50000"/>
+            </a:schemeClr>
+          </a:lnRef>
+          <a:fillRef idx="1">
+            <a:schemeClr val="accent1"/>
+          </a:fillRef>
+          <a:effectRef idx="0">
+            <a:schemeClr val="accent1"/>
+          </a:effectRef>
+          <a:fontRef idx="minor">
+            <a:schemeClr val="lt1"/>
+          </a:fontRef>
+        </p:style>
+        <p:txBody>
+          <a:bodyPr rtlCol="0" anchor="ctr"/>
+          <a:lstStyle/>
+          <a:p>
+            <a:pPr algn="ctr"/>
+            <a:endParaRPr lang="en-US"/>
+          </a:p>
+        </p:txBody>
+      </p:sp>
+      <p:sp>
+        <p:nvSpPr>
+          <p:cNvPr id="17" name="Rectangle 16"/>
+          <p:cNvSpPr/>
+          <p:nvPr/>
+        </p:nvSpPr>
+        <p:spPr>
+          <a:xfrm>
+            <a:off x="926582" y="3131912"/>
+            <a:ext cx="1619726" cy="1497792"/>
+          </a:xfrm>
+          <a:prstGeom prst="rect">
+            <a:avLst/>
+          </a:prstGeom>
+        </p:spPr>
+        <p:style>
+          <a:lnRef idx="2">
+            <a:schemeClr val="accent1">
+              <a:shade val="50000"/>
+            </a:schemeClr>
+          </a:lnRef>
+          <a:fillRef idx="1">
+            <a:schemeClr val="accent1"/>
+          </a:fillRef>
+          <a:effectRef idx="0">
+            <a:schemeClr val="accent1"/>
+          </a:effectRef>
+          <a:fontRef idx="minor">
+            <a:schemeClr val="lt1"/>
+          </a:fontRef>
+        </p:style>
+        <p:txBody>
+          <a:bodyPr rtlCol="0" anchor="ctr"/>
+          <a:lstStyle/>
+          <a:p>
+            <a:pPr algn="ctr"/>
+            <a:r>
+              <a:rPr lang="en-US" dirty="0" err="1" smtClean="0"/>
+              <a:t>QueueListener</a:t>
+            </a:r>
+            <a:r>
+              <a:rPr lang="en-US" dirty="0" smtClean="0"/>
+              <a:t>/</a:t>
+            </a:r>
+            <a:r>
+              <a:rPr lang="en-US" dirty="0" err="1" smtClean="0"/>
+              <a:t>WebHook</a:t>
+            </a:r>
+            <a:endParaRPr lang="en-US" dirty="0"/>
+          </a:p>
+        </p:txBody>
+      </p:sp>
+      <p:sp>
+        <p:nvSpPr>
+          <p:cNvPr id="18" name="Right Arrow 17"/>
+          <p:cNvSpPr/>
+          <p:nvPr/>
+        </p:nvSpPr>
+        <p:spPr>
+          <a:xfrm rot="10800000">
+            <a:off x="2595915" y="3553306"/>
+            <a:ext cx="571098" cy="317916"/>
+          </a:xfrm>
+          <a:prstGeom prst="rightArrow">
+            <a:avLst/>
+          </a:prstGeom>
+        </p:spPr>
+        <p:style>
+          <a:lnRef idx="2">
+            <a:schemeClr val="accent1">
+              <a:shade val="50000"/>
+            </a:schemeClr>
+          </a:lnRef>
+          <a:fillRef idx="1">
+            <a:schemeClr val="accent1"/>
+          </a:fillRef>
+          <a:effectRef idx="0">
+            <a:schemeClr val="accent1"/>
+          </a:effectRef>
+          <a:fontRef idx="minor">
+            <a:schemeClr val="lt1"/>
+          </a:fontRef>
+        </p:style>
+        <p:txBody>
+          <a:bodyPr rtlCol="0" anchor="ctr"/>
+          <a:lstStyle/>
+          <a:p>
+            <a:pPr algn="ctr"/>
+            <a:endParaRPr lang="en-US"/>
+          </a:p>
+        </p:txBody>
+      </p:sp>
+      <p:sp>
+        <p:nvSpPr>
+          <p:cNvPr id="19" name="Rectangle 18"/>
+          <p:cNvSpPr/>
+          <p:nvPr/>
+        </p:nvSpPr>
+        <p:spPr>
+          <a:xfrm>
+            <a:off x="451602" y="4897584"/>
+            <a:ext cx="2125546" cy="1497792"/>
+          </a:xfrm>
+          <a:prstGeom prst="rect">
+            <a:avLst/>
+          </a:prstGeom>
+        </p:spPr>
+        <p:style>
+          <a:lnRef idx="2">
+            <a:schemeClr val="accent1">
+              <a:shade val="50000"/>
+            </a:schemeClr>
+          </a:lnRef>
+          <a:fillRef idx="1">
+            <a:schemeClr val="accent1"/>
+          </a:fillRef>
+          <a:effectRef idx="0">
+            <a:schemeClr val="accent1"/>
+          </a:effectRef>
+          <a:fontRef idx="minor">
+            <a:schemeClr val="lt1"/>
+          </a:fontRef>
+        </p:style>
+        <p:txBody>
+          <a:bodyPr rtlCol="0" anchor="ctr"/>
+          <a:lstStyle/>
+          <a:p>
+            <a:pPr algn="ctr"/>
+            <a:r>
+              <a:rPr lang="en-US" dirty="0" err="1" smtClean="0"/>
+              <a:t>QueueListener</a:t>
+            </a:r>
+            <a:r>
+              <a:rPr lang="en-US" dirty="0" smtClean="0"/>
+              <a:t>/</a:t>
+            </a:r>
+            <a:r>
+              <a:rPr lang="en-US" dirty="0" err="1" smtClean="0"/>
+              <a:t>WebHook</a:t>
+            </a:r>
+            <a:endParaRPr lang="en-US" dirty="0"/>
+          </a:p>
+        </p:txBody>
+      </p:sp>
+      <p:sp>
+        <p:nvSpPr>
+          <p:cNvPr id="20" name="Right Arrow 19"/>
+          <p:cNvSpPr/>
+          <p:nvPr/>
+        </p:nvSpPr>
+        <p:spPr>
+          <a:xfrm rot="10800000">
+            <a:off x="4365676" y="4291110"/>
+            <a:ext cx="571098" cy="317916"/>
+          </a:xfrm>
+          <a:prstGeom prst="rightArrow">
+            <a:avLst/>
+          </a:prstGeom>
+        </p:spPr>
+        <p:style>
+          <a:lnRef idx="2">
+            <a:schemeClr val="accent1">
+              <a:shade val="50000"/>
+            </a:schemeClr>
+          </a:lnRef>
+          <a:fillRef idx="1">
+            <a:schemeClr val="accent1"/>
+          </a:fillRef>
+          <a:effectRef idx="0">
+            <a:schemeClr val="accent1"/>
+          </a:effectRef>
+          <a:fontRef idx="minor">
+            <a:schemeClr val="lt1"/>
+          </a:fontRef>
+        </p:style>
+        <p:txBody>
+          <a:bodyPr rtlCol="0" anchor="ctr"/>
+          <a:lstStyle/>
+          <a:p>
+            <a:pPr algn="ctr"/>
+            <a:endParaRPr lang="en-US"/>
+          </a:p>
+        </p:txBody>
+      </p:sp>
+      <p:sp>
+        <p:nvSpPr>
+          <p:cNvPr id="21" name="Flowchart: Magnetic Disk 20"/>
+          <p:cNvSpPr/>
+          <p:nvPr/>
+        </p:nvSpPr>
+        <p:spPr>
+          <a:xfrm>
+            <a:off x="3297251" y="4169230"/>
+            <a:ext cx="966482" cy="682001"/>
+          </a:xfrm>
+          <a:prstGeom prst="flowChartMagneticDisk">
+            <a:avLst/>
+          </a:prstGeom>
+        </p:spPr>
+        <p:style>
+          <a:lnRef idx="2">
+            <a:schemeClr val="accent1">
+              <a:shade val="50000"/>
+            </a:schemeClr>
+          </a:lnRef>
+          <a:fillRef idx="1">
+            <a:schemeClr val="accent1"/>
+          </a:fillRef>
+          <a:effectRef idx="0">
+            <a:schemeClr val="accent1"/>
+          </a:effectRef>
+          <a:fontRef idx="minor">
+            <a:schemeClr val="lt1"/>
+          </a:fontRef>
+        </p:style>
+        <p:txBody>
+          <a:bodyPr rtlCol="0" anchor="ctr"/>
+          <a:lstStyle/>
+          <a:p>
+            <a:pPr algn="ctr"/>
+            <a:r>
+              <a:rPr lang="en-US" dirty="0" smtClean="0"/>
+              <a:t>DB</a:t>
+            </a:r>
+            <a:endParaRPr lang="en-US" dirty="0"/>
+          </a:p>
+        </p:txBody>
+      </p:sp>
+      <p:sp>
+        <p:nvSpPr>
+          <p:cNvPr id="22" name="Right Arrow 21"/>
+          <p:cNvSpPr/>
+          <p:nvPr/>
+        </p:nvSpPr>
+        <p:spPr>
+          <a:xfrm rot="10800000">
+            <a:off x="2582321" y="5558893"/>
+            <a:ext cx="571098" cy="317916"/>
+          </a:xfrm>
+          <a:prstGeom prst="rightArrow">
+            <a:avLst/>
+          </a:prstGeom>
+        </p:spPr>
+        <p:style>
+          <a:lnRef idx="2">
+            <a:schemeClr val="accent1">
+              <a:shade val="50000"/>
+            </a:schemeClr>
+          </a:lnRef>
+          <a:fillRef idx="1">
+            <a:schemeClr val="accent1"/>
+          </a:fillRef>
+          <a:effectRef idx="0">
+            <a:schemeClr val="accent1"/>
+          </a:effectRef>
+          <a:fontRef idx="minor">
+            <a:schemeClr val="lt1"/>
+          </a:fontRef>
+        </p:style>
+        <p:txBody>
+          <a:bodyPr rtlCol="0" anchor="ctr"/>
+          <a:lstStyle/>
+          <a:p>
+            <a:pPr algn="ctr"/>
+            <a:endParaRPr lang="en-US"/>
+          </a:p>
+        </p:txBody>
+      </p:sp>
+      <p:sp>
+        <p:nvSpPr>
+          <p:cNvPr id="23" name="Right Arrow 22"/>
+          <p:cNvSpPr/>
+          <p:nvPr/>
+        </p:nvSpPr>
+        <p:spPr>
+          <a:xfrm rot="16200000">
+            <a:off x="867902" y="2685128"/>
+            <a:ext cx="426382" cy="291646"/>
+          </a:xfrm>
+          <a:prstGeom prst="rightArrow">
+            <a:avLst/>
+          </a:prstGeom>
+        </p:spPr>
+        <p:style>
+          <a:lnRef idx="2">
+            <a:schemeClr val="accent1">
+              <a:shade val="50000"/>
+            </a:schemeClr>
+          </a:lnRef>
+          <a:fillRef idx="1">
+            <a:schemeClr val="accent1"/>
+          </a:fillRef>
+          <a:effectRef idx="0">
+            <a:schemeClr val="accent1"/>
+          </a:effectRef>
+          <a:fontRef idx="minor">
+            <a:schemeClr val="lt1"/>
+          </a:fontRef>
+        </p:style>
+        <p:txBody>
+          <a:bodyPr rtlCol="0" anchor="ctr"/>
+          <a:lstStyle/>
+          <a:p>
+            <a:pPr algn="ctr"/>
+            <a:endParaRPr lang="en-US"/>
+          </a:p>
+        </p:txBody>
+      </p:sp>
+      <p:sp>
+        <p:nvSpPr>
+          <p:cNvPr id="24" name="Right Arrow 23"/>
+          <p:cNvSpPr/>
+          <p:nvPr/>
+        </p:nvSpPr>
+        <p:spPr>
+          <a:xfrm rot="16200000">
+            <a:off x="-472437" y="3570674"/>
+            <a:ext cx="2246209" cy="314908"/>
+          </a:xfrm>
+          <a:prstGeom prst="rightArrow">
+            <a:avLst/>
+          </a:prstGeom>
+        </p:spPr>
+        <p:style>
+          <a:lnRef idx="2">
+            <a:schemeClr val="accent1">
+              <a:shade val="50000"/>
+            </a:schemeClr>
+          </a:lnRef>
+          <a:fillRef idx="1">
+            <a:schemeClr val="accent1"/>
+          </a:fillRef>
+          <a:effectRef idx="0">
+            <a:schemeClr val="accent1"/>
+          </a:effectRef>
+          <a:fontRef idx="minor">
+            <a:schemeClr val="lt1"/>
+          </a:fontRef>
+        </p:style>
+        <p:txBody>
+          <a:bodyPr rtlCol="0" anchor="ctr"/>
+          <a:lstStyle/>
+          <a:p>
+            <a:pPr algn="ctr"/>
+            <a:endParaRPr lang="en-US"/>
+          </a:p>
+        </p:txBody>
+      </p:sp>
+      <p:sp>
+        <p:nvSpPr>
+          <p:cNvPr id="25" name="Oval 24"/>
+          <p:cNvSpPr/>
+          <p:nvPr/>
+        </p:nvSpPr>
+        <p:spPr>
+          <a:xfrm>
+            <a:off x="7901609" y="1622996"/>
+            <a:ext cx="1170144" cy="994764"/>
+          </a:xfrm>
+          <a:prstGeom prst="ellipse">
+            <a:avLst/>
+          </a:prstGeom>
+        </p:spPr>
+        <p:style>
+          <a:lnRef idx="2">
+            <a:schemeClr val="accent1">
+              <a:shade val="50000"/>
+            </a:schemeClr>
+          </a:lnRef>
+          <a:fillRef idx="1">
+            <a:schemeClr val="accent1"/>
+          </a:fillRef>
+          <a:effectRef idx="0">
+            <a:schemeClr val="accent1"/>
+          </a:effectRef>
+          <a:fontRef idx="minor">
+            <a:schemeClr val="lt1"/>
+          </a:fontRef>
+        </p:style>
+        <p:txBody>
+          <a:bodyPr rtlCol="0" anchor="ctr"/>
+          <a:lstStyle/>
+          <a:p>
+            <a:pPr algn="ctr"/>
+            <a:r>
+              <a:rPr lang="en-US" dirty="0" smtClean="0"/>
+              <a:t>Client</a:t>
+            </a:r>
+            <a:endParaRPr lang="en-US" dirty="0"/>
+          </a:p>
+        </p:txBody>
+      </p:sp>
+      <p:sp>
+        <p:nvSpPr>
+          <p:cNvPr id="26" name="Rectangle 25"/>
+          <p:cNvSpPr/>
+          <p:nvPr/>
+        </p:nvSpPr>
+        <p:spPr>
+          <a:xfrm>
+            <a:off x="10226846" y="1540616"/>
+            <a:ext cx="1384465" cy="971489"/>
+          </a:xfrm>
+          <a:prstGeom prst="rect">
+            <a:avLst/>
+          </a:prstGeom>
+        </p:spPr>
+        <p:style>
+          <a:lnRef idx="2">
+            <a:schemeClr val="accent1">
+              <a:shade val="50000"/>
+            </a:schemeClr>
+          </a:lnRef>
+          <a:fillRef idx="1">
+            <a:schemeClr val="accent1"/>
+          </a:fillRef>
+          <a:effectRef idx="0">
+            <a:schemeClr val="accent1"/>
+          </a:effectRef>
+          <a:fontRef idx="minor">
+            <a:schemeClr val="lt1"/>
+          </a:fontRef>
+        </p:style>
+        <p:txBody>
+          <a:bodyPr rtlCol="0" anchor="ctr"/>
+          <a:lstStyle/>
+          <a:p>
+            <a:pPr algn="ctr"/>
+            <a:r>
+              <a:rPr lang="en-US" dirty="0" err="1" smtClean="0"/>
+              <a:t>HttpListener</a:t>
+            </a:r>
+            <a:endParaRPr lang="en-US" dirty="0"/>
+          </a:p>
+        </p:txBody>
+      </p:sp>
+      <p:sp>
+        <p:nvSpPr>
+          <p:cNvPr id="27" name="Flowchart: Magnetic Disk 26"/>
+          <p:cNvSpPr/>
+          <p:nvPr/>
+        </p:nvSpPr>
+        <p:spPr>
+          <a:xfrm>
+            <a:off x="10521402" y="5584813"/>
+            <a:ext cx="966482" cy="682001"/>
+          </a:xfrm>
+          <a:prstGeom prst="flowChartMagneticDisk">
+            <a:avLst/>
+          </a:prstGeom>
+        </p:spPr>
+        <p:style>
+          <a:lnRef idx="2">
+            <a:schemeClr val="accent1">
+              <a:shade val="50000"/>
+            </a:schemeClr>
+          </a:lnRef>
+          <a:fillRef idx="1">
+            <a:schemeClr val="accent1"/>
+          </a:fillRef>
+          <a:effectRef idx="0">
+            <a:schemeClr val="accent1"/>
+          </a:effectRef>
+          <a:fontRef idx="minor">
+            <a:schemeClr val="lt1"/>
+          </a:fontRef>
+        </p:style>
+        <p:txBody>
+          <a:bodyPr rtlCol="0" anchor="ctr"/>
+          <a:lstStyle/>
+          <a:p>
+            <a:pPr algn="ctr"/>
+            <a:r>
+              <a:rPr lang="en-US" dirty="0" smtClean="0"/>
+              <a:t>DB</a:t>
+            </a:r>
+            <a:endParaRPr lang="en-US" dirty="0"/>
+          </a:p>
+        </p:txBody>
+      </p:sp>
+      <p:sp>
+        <p:nvSpPr>
+          <p:cNvPr id="28" name="Flowchart: Predefined Process 27"/>
+          <p:cNvSpPr/>
+          <p:nvPr/>
+        </p:nvSpPr>
+        <p:spPr>
+          <a:xfrm>
+            <a:off x="10156433" y="3635099"/>
+            <a:ext cx="1504709" cy="776266"/>
+          </a:xfrm>
+          <a:prstGeom prst="flowChartPredefinedProcess">
+            <a:avLst/>
+          </a:prstGeom>
+        </p:spPr>
+        <p:style>
+          <a:lnRef idx="2">
+            <a:schemeClr val="accent1">
+              <a:shade val="50000"/>
+            </a:schemeClr>
+          </a:lnRef>
+          <a:fillRef idx="1">
+            <a:schemeClr val="accent1"/>
+          </a:fillRef>
+          <a:effectRef idx="0">
+            <a:schemeClr val="accent1"/>
+          </a:effectRef>
+          <a:fontRef idx="minor">
+            <a:schemeClr val="lt1"/>
+          </a:fontRef>
+        </p:style>
+        <p:txBody>
+          <a:bodyPr rtlCol="0" anchor="ctr"/>
+          <a:lstStyle/>
+          <a:p>
+            <a:pPr algn="ctr"/>
+            <a:r>
+              <a:rPr lang="en-US" dirty="0" smtClean="0"/>
+              <a:t>Shared Assembly</a:t>
+            </a:r>
+            <a:endParaRPr lang="en-US" dirty="0"/>
+          </a:p>
+        </p:txBody>
+      </p:sp>
+      <p:sp>
+        <p:nvSpPr>
+          <p:cNvPr id="29" name="Right Arrow 28"/>
+          <p:cNvSpPr/>
+          <p:nvPr/>
+        </p:nvSpPr>
+        <p:spPr>
+          <a:xfrm>
+            <a:off x="9163011" y="1738036"/>
+            <a:ext cx="925975" cy="369606"/>
+          </a:xfrm>
+          <a:prstGeom prst="rightArrow">
+            <a:avLst/>
+          </a:prstGeom>
+        </p:spPr>
+        <p:style>
+          <a:lnRef idx="2">
+            <a:schemeClr val="accent1">
+              <a:shade val="50000"/>
+            </a:schemeClr>
+          </a:lnRef>
+          <a:fillRef idx="1">
+            <a:schemeClr val="accent1"/>
+          </a:fillRef>
+          <a:effectRef idx="0">
+            <a:schemeClr val="accent1"/>
+          </a:effectRef>
+          <a:fontRef idx="minor">
+            <a:schemeClr val="lt1"/>
+          </a:fontRef>
+        </p:style>
+        <p:txBody>
+          <a:bodyPr rtlCol="0" anchor="ctr"/>
+          <a:lstStyle/>
+          <a:p>
+            <a:pPr algn="ctr"/>
+            <a:endParaRPr lang="en-US"/>
+          </a:p>
+        </p:txBody>
+      </p:sp>
+      <p:sp>
+        <p:nvSpPr>
+          <p:cNvPr id="30" name="Right Arrow 29"/>
+          <p:cNvSpPr/>
+          <p:nvPr/>
+        </p:nvSpPr>
+        <p:spPr>
+          <a:xfrm rot="10800000">
+            <a:off x="9163010" y="2150128"/>
+            <a:ext cx="925975" cy="369606"/>
+          </a:xfrm>
+          <a:prstGeom prst="rightArrow">
+            <a:avLst/>
+          </a:prstGeom>
+        </p:spPr>
+        <p:style>
+          <a:lnRef idx="2">
+            <a:schemeClr val="accent1">
+              <a:shade val="50000"/>
+            </a:schemeClr>
+          </a:lnRef>
+          <a:fillRef idx="1">
+            <a:schemeClr val="accent1"/>
+          </a:fillRef>
+          <a:effectRef idx="0">
+            <a:schemeClr val="accent1"/>
+          </a:effectRef>
+          <a:fontRef idx="minor">
+            <a:schemeClr val="lt1"/>
+          </a:fontRef>
+        </p:style>
+        <p:txBody>
+          <a:bodyPr rtlCol="0" anchor="ctr"/>
+          <a:lstStyle/>
+          <a:p>
+            <a:pPr algn="ctr"/>
+            <a:endParaRPr lang="en-US"/>
+          </a:p>
+        </p:txBody>
+      </p:sp>
+      <p:sp>
+        <p:nvSpPr>
+          <p:cNvPr id="31" name="Right Arrow 30"/>
+          <p:cNvSpPr/>
+          <p:nvPr/>
+        </p:nvSpPr>
+        <p:spPr>
+          <a:xfrm rot="5400000">
+            <a:off x="10630602" y="2895945"/>
+            <a:ext cx="925975" cy="369606"/>
+          </a:xfrm>
+          <a:prstGeom prst="rightArrow">
+            <a:avLst/>
+          </a:prstGeom>
+        </p:spPr>
+        <p:style>
+          <a:lnRef idx="2">
+            <a:schemeClr val="accent1">
+              <a:shade val="50000"/>
+            </a:schemeClr>
+          </a:lnRef>
+          <a:fillRef idx="1">
+            <a:schemeClr val="accent1"/>
+          </a:fillRef>
+          <a:effectRef idx="0">
+            <a:schemeClr val="accent1"/>
+          </a:effectRef>
+          <a:fontRef idx="minor">
+            <a:schemeClr val="lt1"/>
+          </a:fontRef>
+        </p:style>
+        <p:txBody>
+          <a:bodyPr rtlCol="0" anchor="ctr"/>
+          <a:lstStyle/>
+          <a:p>
+            <a:pPr algn="ctr"/>
+            <a:endParaRPr lang="en-US"/>
+          </a:p>
+        </p:txBody>
+      </p:sp>
+      <p:sp>
+        <p:nvSpPr>
+          <p:cNvPr id="32" name="Right Arrow 31"/>
+          <p:cNvSpPr/>
+          <p:nvPr/>
+        </p:nvSpPr>
+        <p:spPr>
+          <a:xfrm rot="5400000">
+            <a:off x="10471282" y="4840357"/>
+            <a:ext cx="925975" cy="369606"/>
+          </a:xfrm>
+          <a:prstGeom prst="rightArrow">
+            <a:avLst/>
+          </a:prstGeom>
+        </p:spPr>
+        <p:style>
+          <a:lnRef idx="2">
+            <a:schemeClr val="accent1">
+              <a:shade val="50000"/>
+            </a:schemeClr>
+          </a:lnRef>
+          <a:fillRef idx="1">
+            <a:schemeClr val="accent1"/>
+          </a:fillRef>
+          <a:effectRef idx="0">
+            <a:schemeClr val="accent1"/>
+          </a:effectRef>
+          <a:fontRef idx="minor">
+            <a:schemeClr val="lt1"/>
+          </a:fontRef>
+        </p:style>
+        <p:txBody>
+          <a:bodyPr rtlCol="0" anchor="ctr"/>
+          <a:lstStyle/>
+          <a:p>
+            <a:pPr algn="ctr"/>
+            <a:endParaRPr lang="en-US"/>
+          </a:p>
+        </p:txBody>
+      </p:sp>
+      <p:sp>
+        <p:nvSpPr>
+          <p:cNvPr id="33" name="Right Arrow 32"/>
+          <p:cNvSpPr/>
+          <p:nvPr/>
+        </p:nvSpPr>
+        <p:spPr>
+          <a:xfrm rot="16200000">
+            <a:off x="10240208" y="2877677"/>
+            <a:ext cx="925975" cy="369606"/>
+          </a:xfrm>
+          <a:prstGeom prst="rightArrow">
+            <a:avLst/>
+          </a:prstGeom>
+        </p:spPr>
+        <p:style>
+          <a:lnRef idx="2">
+            <a:schemeClr val="accent1">
+              <a:shade val="50000"/>
+            </a:schemeClr>
+          </a:lnRef>
+          <a:fillRef idx="1">
+            <a:schemeClr val="accent1"/>
+          </a:fillRef>
+          <a:effectRef idx="0">
+            <a:schemeClr val="accent1"/>
+          </a:effectRef>
+          <a:fontRef idx="minor">
+            <a:schemeClr val="lt1"/>
+          </a:fontRef>
+        </p:style>
+        <p:txBody>
+          <a:bodyPr rtlCol="0" anchor="ctr"/>
+          <a:lstStyle/>
+          <a:p>
+            <a:pPr algn="ctr"/>
+            <a:endParaRPr lang="en-US"/>
+          </a:p>
+        </p:txBody>
+      </p:sp>
+      <p:cxnSp>
+        <p:nvCxnSpPr>
+          <p:cNvPr id="35" name="Straight Connector 34"/>
+          <p:cNvCxnSpPr/>
+          <p:nvPr/>
+        </p:nvCxnSpPr>
+        <p:spPr>
+          <a:xfrm flipH="1">
+            <a:off x="7274560" y="1738036"/>
+            <a:ext cx="40640" cy="4528778"/>
+          </a:xfrm>
+          <a:prstGeom prst="line">
+            <a:avLst/>
+          </a:prstGeom>
+          <a:ln w="76200">
+            <a:solidFill>
+              <a:schemeClr val="tx1"/>
+            </a:solidFill>
+          </a:ln>
+        </p:spPr>
+        <p:style>
+          <a:lnRef idx="1">
+            <a:schemeClr val="accent1"/>
+          </a:lnRef>
+          <a:fillRef idx="0">
+            <a:schemeClr val="accent1"/>
+          </a:fillRef>
+          <a:effectRef idx="0">
+            <a:schemeClr val="accent1"/>
+          </a:effectRef>
+          <a:fontRef idx="minor">
+            <a:schemeClr val="tx1"/>
+          </a:fontRef>
+        </p:style>
+      </p:cxnSp>
+      <p:cxnSp>
+        <p:nvCxnSpPr>
+          <p:cNvPr id="7" name="Straight Arrow Connector 6"/>
+          <p:cNvCxnSpPr/>
+          <p:nvPr/>
+        </p:nvCxnSpPr>
+        <p:spPr>
+          <a:xfrm flipH="1">
+            <a:off x="1596437" y="2512105"/>
+            <a:ext cx="900508" cy="7629"/>
+          </a:xfrm>
+          <a:prstGeom prst="straightConnector1">
+            <a:avLst/>
+          </a:prstGeom>
+          <a:ln w="38100">
+            <a:solidFill>
+              <a:schemeClr val="tx1"/>
+            </a:solidFill>
+            <a:prstDash val="sysDash"/>
+            <a:tailEnd type="triangle"/>
+          </a:ln>
+        </p:spPr>
+        <p:style>
+          <a:lnRef idx="1">
+            <a:schemeClr val="accent1"/>
+          </a:lnRef>
+          <a:fillRef idx="0">
+            <a:schemeClr val="accent1"/>
+          </a:fillRef>
+          <a:effectRef idx="0">
+            <a:schemeClr val="accent1"/>
+          </a:effectRef>
+          <a:fontRef idx="minor">
+            <a:schemeClr val="tx1"/>
+          </a:fontRef>
+        </p:style>
+      </p:cxnSp>
     </p:spTree>
     <p:extLst>
       <p:ext uri="{BB962C8B-B14F-4D97-AF65-F5344CB8AC3E}">
-        <p14:creationId xmlns:p14="http://schemas.microsoft.com/office/powerpoint/2010/main" val="1975748057"/>
+        <p14:creationId xmlns:p14="http://schemas.microsoft.com/office/powerpoint/2010/main" val="3963682226"/>
       </p:ext>
     </p:extLst>
   </p:cSld>
   <p:clrMapOvr>
     <a:masterClrMapping/>
   </p:clrMapOvr>
+  <p:timing>
+    <p:tnLst>
+      <p:par>
+        <p:cTn id="1" dur="indefinite" restart="never" nodeType="tmRoot"/>
+      </p:par>
+    </p:tnLst>
+  </p:timing>
 </p:sld>
 </file>
 
@@ -4925,40 +6431,119 @@
           <a:p>
             <a:r>
               <a:rPr lang="en-US" dirty="0" smtClean="0"/>
-              <a:t>Functions Best Practices</a:t>
+              <a:t>Serverless Best Practices</a:t>
             </a:r>
             <a:endParaRPr lang="en-US" dirty="0"/>
           </a:p>
         </p:txBody>
       </p:sp>
-      <p:pic>
-        <p:nvPicPr>
-          <p:cNvPr id="4" name="Picture 3"/>
-          <p:cNvPicPr>
-            <a:picLocks noChangeAspect="1"/>
-          </p:cNvPicPr>
-          <p:nvPr/>
-        </p:nvPicPr>
-        <p:blipFill>
-          <a:blip r:embed="rId3"/>
-          <a:stretch>
-            <a:fillRect/>
-          </a:stretch>
-        </p:blipFill>
-        <p:spPr>
-          <a:xfrm>
-            <a:off x="942372" y="1930855"/>
-            <a:ext cx="7772670" cy="4246108"/>
-          </a:xfrm>
-          <a:prstGeom prst="rect">
-            <a:avLst/>
-          </a:prstGeom>
-        </p:spPr>
-      </p:pic>
+      <p:sp>
+        <p:nvSpPr>
+          <p:cNvPr id="3" name="Content Placeholder 2"/>
+          <p:cNvSpPr>
+            <a:spLocks noGrp="1"/>
+          </p:cNvSpPr>
+          <p:nvPr>
+            <p:ph idx="1"/>
+          </p:nvPr>
+        </p:nvSpPr>
+        <p:spPr/>
+        <p:txBody>
+          <a:bodyPr>
+            <a:normAutofit lnSpcReduction="10000"/>
+          </a:bodyPr>
+          <a:lstStyle/>
+          <a:p>
+            <a:r>
+              <a:rPr lang="en-US" dirty="0" smtClean="0"/>
+              <a:t>Thick Clients:  Thin and Stateless Server</a:t>
+            </a:r>
+          </a:p>
+          <a:p>
+            <a:pPr lvl="1"/>
+            <a:r>
+              <a:rPr lang="en-US" dirty="0" smtClean="0"/>
+              <a:t>SPA model:  Angular/React</a:t>
+            </a:r>
+          </a:p>
+          <a:p>
+            <a:pPr lvl="1"/>
+            <a:endParaRPr lang="en-US" dirty="0"/>
+          </a:p>
+          <a:p>
+            <a:endParaRPr lang="en-US" dirty="0" smtClean="0"/>
+          </a:p>
+          <a:p>
+            <a:r>
+              <a:rPr lang="en-US" dirty="0" smtClean="0"/>
+              <a:t>Can do sync, but really want to do </a:t>
+            </a:r>
+            <a:r>
+              <a:rPr lang="en-US" dirty="0" err="1" smtClean="0"/>
+              <a:t>async</a:t>
+            </a:r>
+            <a:endParaRPr lang="en-US" dirty="0" smtClean="0"/>
+          </a:p>
+          <a:p>
+            <a:pPr lvl="1"/>
+            <a:r>
+              <a:rPr lang="en-US" dirty="0">
+                <a:hlinkClick r:id="rId3"/>
+              </a:rPr>
+              <a:t>http://</a:t>
+            </a:r>
+            <a:r>
+              <a:rPr lang="en-US" dirty="0" smtClean="0">
+                <a:hlinkClick r:id="rId3"/>
+              </a:rPr>
+              <a:t>www.reactivemanifesto.org/</a:t>
+            </a:r>
+            <a:endParaRPr lang="en-US" dirty="0" smtClean="0"/>
+          </a:p>
+          <a:p>
+            <a:pPr lvl="1"/>
+            <a:r>
+              <a:rPr lang="en-US" dirty="0" smtClean="0"/>
+              <a:t>Kick off long running job.  Use queues to hold intermediate data</a:t>
+            </a:r>
+          </a:p>
+          <a:p>
+            <a:pPr lvl="1"/>
+            <a:r>
+              <a:rPr lang="en-US" dirty="0" smtClean="0"/>
+              <a:t>Returns 202, not 201</a:t>
+            </a:r>
+          </a:p>
+          <a:p>
+            <a:pPr lvl="1"/>
+            <a:endParaRPr lang="en-US" dirty="0"/>
+          </a:p>
+          <a:p>
+            <a:r>
+              <a:rPr lang="en-US" dirty="0" smtClean="0"/>
+              <a:t>This is all-in on the cloud</a:t>
+            </a:r>
+          </a:p>
+          <a:p>
+            <a:pPr lvl="1"/>
+            <a:r>
+              <a:rPr lang="en-US" dirty="0" smtClean="0"/>
+              <a:t>Design for portability </a:t>
+            </a:r>
+            <a:r>
+              <a:rPr lang="en-US" dirty="0" smtClean="0">
+                <a:sym typeface="Wingdings" panose="05000000000000000000" pitchFamily="2" charset="2"/>
+              </a:rPr>
+              <a:t></a:t>
+            </a:r>
+            <a:endParaRPr lang="en-US" dirty="0"/>
+          </a:p>
+        </p:txBody>
+      </p:sp>
     </p:spTree>
     <p:extLst>
       <p:ext uri="{BB962C8B-B14F-4D97-AF65-F5344CB8AC3E}">
-        <p14:creationId xmlns:p14="http://schemas.microsoft.com/office/powerpoint/2010/main" val="1196570845"/>
+        <p14:creationId xmlns:p14="http://schemas.microsoft.com/office/powerpoint/2010/main" val="1975748057"/>
       </p:ext>
     </p:extLst>
   </p:cSld>
@@ -5009,137 +6594,53 @@
           <a:p>
             <a:r>
               <a:rPr lang="en-US" dirty="0" smtClean="0"/>
-              <a:t>Functional Architecture</a:t>
+              <a:t>Functions Best Practices</a:t>
             </a:r>
             <a:endParaRPr lang="en-US" dirty="0"/>
           </a:p>
         </p:txBody>
       </p:sp>
-      <p:sp>
-        <p:nvSpPr>
-          <p:cNvPr id="3" name="Content Placeholder 2"/>
-          <p:cNvSpPr>
-            <a:spLocks noGrp="1"/>
-          </p:cNvSpPr>
-          <p:nvPr>
-            <p:ph idx="1"/>
-          </p:nvPr>
-        </p:nvSpPr>
+      <p:pic>
+        <p:nvPicPr>
+          <p:cNvPr id="4" name="Picture 3"/>
+          <p:cNvPicPr>
+            <a:picLocks noChangeAspect="1"/>
+          </p:cNvPicPr>
+          <p:nvPr/>
+        </p:nvPicPr>
+        <p:blipFill>
+          <a:blip r:embed="rId3"/>
+          <a:stretch>
+            <a:fillRect/>
+          </a:stretch>
+        </p:blipFill>
         <p:spPr>
           <a:xfrm>
-            <a:off x="960699" y="1825625"/>
-            <a:ext cx="10393101" cy="4351338"/>
-          </a:xfrm>
-        </p:spPr>
-        <p:txBody>
-          <a:bodyPr/>
-          <a:lstStyle/>
-          <a:p>
-            <a:r>
-              <a:rPr lang="en-US" dirty="0" smtClean="0"/>
-              <a:t>Microservices</a:t>
-            </a:r>
-          </a:p>
-          <a:p>
-            <a:pPr lvl="1"/>
-            <a:r>
-              <a:rPr lang="en-US" dirty="0" smtClean="0"/>
-              <a:t>Small, Independent Services</a:t>
-            </a:r>
-          </a:p>
-          <a:p>
-            <a:pPr lvl="1"/>
-            <a:r>
-              <a:rPr lang="en-US" dirty="0" smtClean="0"/>
-              <a:t>Independent deployments</a:t>
-            </a:r>
-          </a:p>
-          <a:p>
-            <a:pPr lvl="1"/>
-            <a:r>
-              <a:rPr lang="en-US" dirty="0" smtClean="0"/>
-              <a:t>Versioning is important</a:t>
-            </a:r>
-          </a:p>
-          <a:p>
-            <a:pPr lvl="1"/>
-            <a:r>
-              <a:rPr lang="en-US" dirty="0" smtClean="0"/>
-              <a:t>Async messages among functions,  not </a:t>
-            </a:r>
-            <a:r>
-              <a:rPr lang="en-US" dirty="0" err="1"/>
-              <a:t>S</a:t>
-            </a:r>
-            <a:r>
-              <a:rPr lang="en-US" dirty="0" err="1" smtClean="0"/>
-              <a:t>ych</a:t>
-            </a:r>
-            <a:r>
-              <a:rPr lang="en-US" dirty="0" smtClean="0"/>
-              <a:t> http</a:t>
-            </a:r>
-          </a:p>
-          <a:p>
-            <a:pPr lvl="1"/>
-            <a:endParaRPr lang="en-US" dirty="0"/>
-          </a:p>
-          <a:p>
-            <a:r>
-              <a:rPr lang="en-US" dirty="0" smtClean="0"/>
-              <a:t>Avoid shared state</a:t>
-            </a:r>
-          </a:p>
-          <a:p>
-            <a:pPr lvl="1"/>
-            <a:r>
-              <a:rPr lang="en-US" dirty="0" smtClean="0"/>
-              <a:t>Can store connection manager or </a:t>
-            </a:r>
-            <a:r>
-              <a:rPr lang="en-US" dirty="0" err="1" smtClean="0"/>
-              <a:t>redis</a:t>
-            </a:r>
-            <a:r>
-              <a:rPr lang="en-US" dirty="0" smtClean="0"/>
-              <a:t> cache on a machine</a:t>
-            </a:r>
-          </a:p>
-          <a:p>
-            <a:pPr lvl="1"/>
-            <a:r>
-              <a:rPr lang="en-US" dirty="0"/>
-              <a:t>Can’t guarantee same </a:t>
-            </a:r>
-            <a:r>
-              <a:rPr lang="en-US" dirty="0" smtClean="0"/>
-              <a:t>machine</a:t>
-            </a:r>
-          </a:p>
-          <a:p>
-            <a:pPr lvl="1"/>
-            <a:r>
-              <a:rPr lang="en-US" dirty="0" smtClean="0"/>
-              <a:t>Can use hard drive – but blob is much better</a:t>
-            </a:r>
-            <a:endParaRPr lang="en-US" dirty="0"/>
-          </a:p>
-          <a:p>
-            <a:pPr lvl="1"/>
-            <a:endParaRPr lang="en-US" dirty="0"/>
-          </a:p>
-        </p:txBody>
-      </p:sp>
+            <a:off x="942372" y="1930855"/>
+            <a:ext cx="7772670" cy="4246108"/>
+          </a:xfrm>
+          <a:prstGeom prst="rect">
+            <a:avLst/>
+          </a:prstGeom>
+        </p:spPr>
+      </p:pic>
     </p:spTree>
     <p:extLst>
       <p:ext uri="{BB962C8B-B14F-4D97-AF65-F5344CB8AC3E}">
-        <p14:creationId xmlns:p14="http://schemas.microsoft.com/office/powerpoint/2010/main" val="3707189716"/>
+        <p14:creationId xmlns:p14="http://schemas.microsoft.com/office/powerpoint/2010/main" val="1196570845"/>
       </p:ext>
     </p:extLst>
   </p:cSld>
   <p:clrMapOvr>
     <a:masterClrMapping/>
   </p:clrMapOvr>
+  <p:timing>
+    <p:tnLst>
+      <p:par>
+        <p:cTn id="1" dur="indefinite" restart="never" nodeType="tmRoot"/>
+      </p:par>
+    </p:tnLst>
+  </p:timing>
 </p:sld>
 </file>
 
@@ -5177,7 +6678,7 @@
           <a:p>
             <a:r>
               <a:rPr lang="en-US" dirty="0" smtClean="0"/>
-              <a:t>Getting Started</a:t>
+              <a:t>Functional Architecture</a:t>
             </a:r>
             <a:endParaRPr lang="en-US" dirty="0"/>
           </a:p>
@@ -5195,37 +6696,105 @@
         </p:nvSpPr>
         <p:spPr>
           <a:xfrm>
-            <a:off x="949124" y="1825625"/>
-            <a:ext cx="10404675" cy="4351338"/>
-          </a:xfrm>
-        </p:spPr>
-        <p:txBody>
-          <a:bodyPr>
-            <a:normAutofit/>
-          </a:bodyPr>
-          <a:lstStyle/>
-          <a:p>
-            <a:r>
-              <a:rPr lang="en-US" dirty="0" smtClean="0"/>
-              <a:t>Start small.  Replace 1 API or background worker</a:t>
-            </a:r>
-          </a:p>
-          <a:p>
-            <a:r>
-              <a:rPr lang="en-US" dirty="0" smtClean="0"/>
-              <a:t>Integration – build Serverless on top of existing code</a:t>
-            </a:r>
-          </a:p>
-          <a:p>
-            <a:r>
-              <a:rPr lang="en-US" dirty="0" smtClean="0"/>
-              <a:t>Have fun – make your life easier.  Don’t spend hours coding a single function</a:t>
-            </a:r>
-          </a:p>
-          <a:p>
+            <a:off x="960699" y="1825625"/>
+            <a:ext cx="10393101" cy="4351338"/>
+          </a:xfrm>
+        </p:spPr>
+        <p:txBody>
+          <a:bodyPr/>
+          <a:lstStyle/>
+          <a:p>
+            <a:r>
+              <a:rPr lang="en-US" dirty="0" smtClean="0"/>
+              <a:t>Microservices</a:t>
+            </a:r>
+          </a:p>
+          <a:p>
+            <a:pPr lvl="1"/>
+            <a:r>
+              <a:rPr lang="en-US" dirty="0" smtClean="0"/>
+              <a:t>Small, Independent Services</a:t>
+            </a:r>
+          </a:p>
+          <a:p>
+            <a:pPr lvl="1"/>
+            <a:r>
+              <a:rPr lang="en-US" dirty="0" smtClean="0"/>
+              <a:t>Independent deployments</a:t>
+            </a:r>
+          </a:p>
+          <a:p>
+            <a:pPr lvl="1"/>
+            <a:r>
+              <a:rPr lang="en-US" dirty="0" smtClean="0"/>
+              <a:t>Versioning is important</a:t>
+            </a:r>
+          </a:p>
+          <a:p>
+            <a:pPr lvl="1"/>
+            <a:r>
+              <a:rPr lang="en-US" dirty="0" smtClean="0"/>
+              <a:t>Async messages among functions,  not </a:t>
+            </a:r>
+            <a:r>
+              <a:rPr lang="en-US" dirty="0" err="1"/>
+              <a:t>S</a:t>
+            </a:r>
+            <a:r>
+              <a:rPr lang="en-US" dirty="0" err="1" smtClean="0"/>
+              <a:t>ych</a:t>
+            </a:r>
+            <a:r>
+              <a:rPr lang="en-US" dirty="0" smtClean="0"/>
+              <a:t> http</a:t>
+            </a:r>
+          </a:p>
+          <a:p>
+            <a:pPr lvl="1"/>
             <a:endParaRPr lang="en-US" dirty="0"/>
           </a:p>
           <a:p>
+            <a:r>
+              <a:rPr lang="en-US" dirty="0" smtClean="0"/>
+              <a:t>Avoid shared state</a:t>
+            </a:r>
+          </a:p>
+          <a:p>
+            <a:pPr lvl="1"/>
+            <a:r>
+              <a:rPr lang="en-US" dirty="0" smtClean="0"/>
+              <a:t>Can store connection manager or </a:t>
+            </a:r>
+            <a:r>
+              <a:rPr lang="en-US" dirty="0" err="1" smtClean="0"/>
+              <a:t>redis</a:t>
+            </a:r>
+            <a:r>
+              <a:rPr lang="en-US" dirty="0" smtClean="0"/>
+              <a:t> cache on a machine</a:t>
+            </a:r>
+          </a:p>
+          <a:p>
+            <a:pPr lvl="1"/>
+            <a:r>
+              <a:rPr lang="en-US" dirty="0"/>
+              <a:t>Can’t guarantee same </a:t>
+            </a:r>
+            <a:r>
+              <a:rPr lang="en-US" dirty="0" smtClean="0"/>
+              <a:t>machine</a:t>
+            </a:r>
+          </a:p>
+          <a:p>
+            <a:pPr lvl="1"/>
+            <a:r>
+              <a:rPr lang="en-US" dirty="0" smtClean="0"/>
+              <a:t>Can use hard drive – but blob is much better</a:t>
+            </a:r>
+            <a:endParaRPr lang="en-US" dirty="0"/>
+          </a:p>
+          <a:p>
+            <a:pPr lvl="1"/>
             <a:endParaRPr lang="en-US" dirty="0"/>
           </a:p>
         </p:txBody>
@@ -5233,13 +6802,20 @@
     </p:spTree>
     <p:extLst>
       <p:ext uri="{BB962C8B-B14F-4D97-AF65-F5344CB8AC3E}">
-        <p14:creationId xmlns:p14="http://schemas.microsoft.com/office/powerpoint/2010/main" val="2190850985"/>
+        <p14:creationId xmlns:p14="http://schemas.microsoft.com/office/powerpoint/2010/main" val="3707189716"/>
       </p:ext>
     </p:extLst>
   </p:cSld>
   <p:clrMapOvr>
     <a:masterClrMapping/>
   </p:clrMapOvr>
+  <p:timing>
+    <p:tnLst>
+      <p:par>
+        <p:cTn id="1" dur="indefinite" restart="never" nodeType="tmRoot"/>
+      </p:par>
+    </p:tnLst>
+  </p:timing>
 </p:sld>
 </file>
 
@@ -5277,6 +6853,113 @@
           <a:p>
             <a:r>
               <a:rPr lang="en-US" dirty="0" smtClean="0"/>
+              <a:t>Getting Started</a:t>
+            </a:r>
+            <a:endParaRPr lang="en-US" dirty="0"/>
+          </a:p>
+        </p:txBody>
+      </p:sp>
+      <p:sp>
+        <p:nvSpPr>
+          <p:cNvPr id="3" name="Content Placeholder 2"/>
+          <p:cNvSpPr>
+            <a:spLocks noGrp="1"/>
+          </p:cNvSpPr>
+          <p:nvPr>
+            <p:ph idx="1"/>
+          </p:nvPr>
+        </p:nvSpPr>
+        <p:spPr>
+          <a:xfrm>
+            <a:off x="949124" y="1825625"/>
+            <a:ext cx="10404675" cy="4351338"/>
+          </a:xfrm>
+        </p:spPr>
+        <p:txBody>
+          <a:bodyPr>
+            <a:normAutofit/>
+          </a:bodyPr>
+          <a:lstStyle/>
+          <a:p>
+            <a:r>
+              <a:rPr lang="en-US" dirty="0" smtClean="0"/>
+              <a:t>Start small.  Replace 1 API or background worker</a:t>
+            </a:r>
+          </a:p>
+          <a:p>
+            <a:r>
+              <a:rPr lang="en-US" dirty="0" smtClean="0"/>
+              <a:t>Integration – build Serverless on top of existing code</a:t>
+            </a:r>
+          </a:p>
+          <a:p>
+            <a:r>
+              <a:rPr lang="en-US" dirty="0" smtClean="0"/>
+              <a:t>Have fun – make your life easier.  Don’t spend hours coding a single function</a:t>
+            </a:r>
+          </a:p>
+          <a:p>
+            <a:endParaRPr lang="en-US" dirty="0"/>
+          </a:p>
+          <a:p>
+            <a:endParaRPr lang="en-US" dirty="0"/>
+          </a:p>
+        </p:txBody>
+      </p:sp>
+    </p:spTree>
+    <p:extLst>
+      <p:ext uri="{BB962C8B-B14F-4D97-AF65-F5344CB8AC3E}">
+        <p14:creationId xmlns:p14="http://schemas.microsoft.com/office/powerpoint/2010/main" val="2190850985"/>
+      </p:ext>
+    </p:extLst>
+  </p:cSld>
+  <p:clrMapOvr>
+    <a:masterClrMapping/>
+  </p:clrMapOvr>
+  <p:timing>
+    <p:tnLst>
+      <p:par>
+        <p:cTn id="1" dur="indefinite" restart="never" nodeType="tmRoot"/>
+      </p:par>
+    </p:tnLst>
+  </p:timing>
+</p:sld>
+</file>
+
+<file path=ppt/slides/slide18.xml><?xml version="1.0" encoding="utf-8"?>
+<p:sld xmlns:a="http://schemas.openxmlformats.org/drawingml/2006/main" xmlns:r="http://schemas.openxmlformats.org/officeDocument/2006/relationships" xmlns:p="http://schemas.openxmlformats.org/presentationml/2006/main">
+  <p:cSld>
+    <p:spTree>
+      <p:nvGrpSpPr>
+        <p:cNvPr id="1" name=""/>
+        <p:cNvGrpSpPr/>
+        <p:nvPr/>
+      </p:nvGrpSpPr>
+      <p:grpSpPr>
+        <a:xfrm>
+          <a:off x="0" y="0"/>
+          <a:ext cx="0" cy="0"/>
+          <a:chOff x="0" y="0"/>
+          <a:chExt cx="0" cy="0"/>
+        </a:xfrm>
+      </p:grpSpPr>
+      <p:sp>
+        <p:nvSpPr>
+          <p:cNvPr id="2" name="Title 1"/>
+          <p:cNvSpPr>
+            <a:spLocks noGrp="1"/>
+          </p:cNvSpPr>
+          <p:nvPr>
+            <p:ph type="title"/>
+          </p:nvPr>
+        </p:nvSpPr>
+        <p:spPr/>
+        <p:txBody>
+          <a:bodyPr/>
+          <a:lstStyle/>
+          <a:p>
+            <a:r>
+              <a:rPr lang="en-US" dirty="0" smtClean="0"/>
               <a:t>Magic Trick</a:t>
             </a:r>
             <a:endParaRPr lang="en-US" dirty="0"/>
@@ -5312,6 +6995,13 @@
   <p:clrMapOvr>
     <a:masterClrMapping/>
   </p:clrMapOvr>
+  <p:timing>
+    <p:tnLst>
+      <p:par>
+        <p:cTn id="1" dur="indefinite" restart="never" nodeType="tmRoot"/>
+      </p:par>
+    </p:tnLst>
+  </p:timing>
 </p:sld>
 </file>
 
@@ -6071,15 +7761,15 @@
           <p:nvPr/>
         </p:nvPicPr>
         <p:blipFill>
-          <a:blip r:embed="rId3"/>
+          <a:blip r:embed="rId2"/>
           <a:stretch>
             <a:fillRect/>
           </a:stretch>
         </p:blipFill>
         <p:spPr>
           <a:xfrm>
-            <a:off x="421512" y="264794"/>
-            <a:ext cx="5255745" cy="3066754"/>
+            <a:off x="1296365" y="419023"/>
+            <a:ext cx="3945625" cy="6076967"/>
           </a:xfrm>
           <a:prstGeom prst="rect">
             <a:avLst/>
@@ -6095,39 +7785,15 @@
           <p:nvPr/>
         </p:nvPicPr>
         <p:blipFill>
-          <a:blip r:embed="rId4"/>
+          <a:blip r:embed="rId3"/>
           <a:stretch>
             <a:fillRect/>
           </a:stretch>
         </p:blipFill>
         <p:spPr>
           <a:xfrm>
-            <a:off x="6258895" y="264793"/>
-            <a:ext cx="5574406" cy="3066754"/>
-          </a:xfrm>
-          <a:prstGeom prst="rect">
-            <a:avLst/>
-          </a:prstGeom>
-        </p:spPr>
-      </p:pic>
-      <p:pic>
-        <p:nvPicPr>
-          <p:cNvPr id="6" name="Picture 5"/>
-          <p:cNvPicPr>
-            <a:picLocks noChangeAspect="1"/>
-          </p:cNvPicPr>
-          <p:nvPr/>
-        </p:nvPicPr>
-        <p:blipFill>
-          <a:blip r:embed="rId5"/>
-          <a:stretch>
-            <a:fillRect/>
-          </a:stretch>
-        </p:blipFill>
-        <p:spPr>
-          <a:xfrm>
-            <a:off x="3587669" y="3618661"/>
-            <a:ext cx="5458429" cy="3045404"/>
+            <a:off x="6082196" y="1565503"/>
+            <a:ext cx="5376742" cy="2556772"/>
           </a:xfrm>
           <a:prstGeom prst="rect">
             <a:avLst/>
@@ -6137,7 +7803,7 @@
     </p:spTree>
     <p:extLst>
       <p:ext uri="{BB962C8B-B14F-4D97-AF65-F5344CB8AC3E}">
-        <p14:creationId xmlns:p14="http://schemas.microsoft.com/office/powerpoint/2010/main" val="1208827962"/>
+        <p14:creationId xmlns:p14="http://schemas.microsoft.com/office/powerpoint/2010/main" val="2586905282"/>
       </p:ext>
     </p:extLst>
   </p:cSld>
@@ -6171,99 +7837,82 @@
           <a:chExt cx="0" cy="0"/>
         </a:xfrm>
       </p:grpSpPr>
-      <p:sp>
-        <p:nvSpPr>
-          <p:cNvPr id="2" name="Title 1"/>
-          <p:cNvSpPr>
-            <a:spLocks noGrp="1"/>
-          </p:cNvSpPr>
-          <p:nvPr>
-            <p:ph type="title"/>
-          </p:nvPr>
-        </p:nvSpPr>
-        <p:spPr/>
-        <p:txBody>
-          <a:bodyPr/>
-          <a:lstStyle/>
-          <a:p>
-            <a:r>
-              <a:rPr lang="en-US" dirty="0" smtClean="0"/>
-              <a:t>Developer Shift</a:t>
-            </a:r>
-            <a:endParaRPr lang="en-US" dirty="0"/>
-          </a:p>
-        </p:txBody>
-      </p:sp>
-      <p:sp>
-        <p:nvSpPr>
-          <p:cNvPr id="3" name="Content Placeholder 2"/>
-          <p:cNvSpPr>
-            <a:spLocks noGrp="1"/>
-          </p:cNvSpPr>
-          <p:nvPr>
-            <p:ph idx="1"/>
-          </p:nvPr>
-        </p:nvSpPr>
+      <p:pic>
+        <p:nvPicPr>
+          <p:cNvPr id="4" name="Picture 3"/>
+          <p:cNvPicPr>
+            <a:picLocks noChangeAspect="1"/>
+          </p:cNvPicPr>
+          <p:nvPr/>
+        </p:nvPicPr>
+        <p:blipFill>
+          <a:blip r:embed="rId3"/>
+          <a:stretch>
+            <a:fillRect/>
+          </a:stretch>
+        </p:blipFill>
         <p:spPr>
           <a:xfrm>
-            <a:off x="745602" y="1825625"/>
-            <a:ext cx="10515600" cy="4351338"/>
-          </a:xfrm>
-        </p:spPr>
-        <p:txBody>
-          <a:bodyPr/>
-          <a:lstStyle/>
-          <a:p>
-            <a:r>
-              <a:rPr lang="en-US" dirty="0" smtClean="0"/>
-              <a:t>O: How do I build a route, controller, integrate in my web app?</a:t>
-            </a:r>
-          </a:p>
-          <a:p>
-            <a:r>
-              <a:rPr lang="en-US" dirty="0" smtClean="0"/>
-              <a:t>N: Build a Function</a:t>
-            </a:r>
-          </a:p>
-          <a:p>
-            <a:endParaRPr lang="en-US" dirty="0"/>
-          </a:p>
-          <a:p>
-            <a:r>
-              <a:rPr lang="en-US" dirty="0" smtClean="0"/>
-              <a:t>O: Is this work effort worth spinning up a new site?</a:t>
-            </a:r>
-          </a:p>
-          <a:p>
-            <a:r>
-              <a:rPr lang="en-US" dirty="0" smtClean="0"/>
-              <a:t>N: Build a function</a:t>
-            </a:r>
-          </a:p>
-          <a:p>
-            <a:endParaRPr lang="en-US" dirty="0"/>
-          </a:p>
-          <a:p>
-            <a:r>
-              <a:rPr lang="en-US" dirty="0" smtClean="0"/>
-              <a:t>O: How do I build and deploy web apps?</a:t>
-            </a:r>
-          </a:p>
-          <a:p>
-            <a:r>
-              <a:rPr lang="en-US" dirty="0" smtClean="0"/>
-              <a:t>N: Build a series of functions</a:t>
-            </a:r>
-          </a:p>
-          <a:p>
-            <a:endParaRPr lang="en-US" dirty="0"/>
-          </a:p>
-        </p:txBody>
-      </p:sp>
+            <a:off x="421512" y="264794"/>
+            <a:ext cx="5255745" cy="3066754"/>
+          </a:xfrm>
+          <a:prstGeom prst="rect">
+            <a:avLst/>
+          </a:prstGeom>
+        </p:spPr>
+      </p:pic>
+      <p:pic>
+        <p:nvPicPr>
+          <p:cNvPr id="5" name="Picture 4"/>
+          <p:cNvPicPr>
+            <a:picLocks noChangeAspect="1"/>
+          </p:cNvPicPr>
+          <p:nvPr/>
+        </p:nvPicPr>
+        <p:blipFill>
+          <a:blip r:embed="rId4"/>
+          <a:stretch>
+            <a:fillRect/>
+          </a:stretch>
+        </p:blipFill>
+        <p:spPr>
+          <a:xfrm>
+            <a:off x="6258895" y="264793"/>
+            <a:ext cx="5574406" cy="3066754"/>
+          </a:xfrm>
+          <a:prstGeom prst="rect">
+            <a:avLst/>
+          </a:prstGeom>
+        </p:spPr>
+      </p:pic>
+      <p:pic>
+        <p:nvPicPr>
+          <p:cNvPr id="6" name="Picture 5"/>
+          <p:cNvPicPr>
+            <a:picLocks noChangeAspect="1"/>
+          </p:cNvPicPr>
+          <p:nvPr/>
+        </p:nvPicPr>
+        <p:blipFill>
+          <a:blip r:embed="rId5"/>
+          <a:stretch>
+            <a:fillRect/>
+          </a:stretch>
+        </p:blipFill>
+        <p:spPr>
+          <a:xfrm>
+            <a:off x="3587669" y="3618661"/>
+            <a:ext cx="5458429" cy="3045404"/>
+          </a:xfrm>
+          <a:prstGeom prst="rect">
+            <a:avLst/>
+          </a:prstGeom>
+        </p:spPr>
+      </p:pic>
     </p:spTree>
     <p:extLst>
       <p:ext uri="{BB962C8B-B14F-4D97-AF65-F5344CB8AC3E}">
-        <p14:creationId xmlns:p14="http://schemas.microsoft.com/office/powerpoint/2010/main" val="4183447360"/>
+        <p14:creationId xmlns:p14="http://schemas.microsoft.com/office/powerpoint/2010/main" val="1208827962"/>
       </p:ext>
     </p:extLst>
   </p:cSld>
@@ -6314,7 +7963,7 @@
           <a:p>
             <a:r>
               <a:rPr lang="en-US" dirty="0" smtClean="0"/>
-              <a:t>Example #2</a:t>
+              <a:t>Developer Shift</a:t>
             </a:r>
             <a:endParaRPr lang="en-US" dirty="0"/>
           </a:p>
@@ -6330,10 +7979,57 @@
             <p:ph idx="1"/>
           </p:nvPr>
         </p:nvSpPr>
-        <p:spPr/>
-        <p:txBody>
-          <a:bodyPr/>
-          <a:lstStyle/>
+        <p:spPr>
+          <a:xfrm>
+            <a:off x="745602" y="1825625"/>
+            <a:ext cx="10515600" cy="4351338"/>
+          </a:xfrm>
+        </p:spPr>
+        <p:txBody>
+          <a:bodyPr/>
+          <a:lstStyle/>
+          <a:p>
+            <a:r>
+              <a:rPr lang="en-US" dirty="0" smtClean="0"/>
+              <a:t>O: How do I build a route, controller, integrate in my web app?</a:t>
+            </a:r>
+          </a:p>
+          <a:p>
+            <a:r>
+              <a:rPr lang="en-US" dirty="0" smtClean="0"/>
+              <a:t>N: Build a Function</a:t>
+            </a:r>
+          </a:p>
+          <a:p>
+            <a:endParaRPr lang="en-US" dirty="0"/>
+          </a:p>
+          <a:p>
+            <a:r>
+              <a:rPr lang="en-US" dirty="0" smtClean="0"/>
+              <a:t>O: Is this work effort worth spinning up a new site?</a:t>
+            </a:r>
+          </a:p>
+          <a:p>
+            <a:r>
+              <a:rPr lang="en-US" dirty="0" smtClean="0"/>
+              <a:t>N: Build a function</a:t>
+            </a:r>
+          </a:p>
+          <a:p>
+            <a:endParaRPr lang="en-US" dirty="0"/>
+          </a:p>
+          <a:p>
+            <a:r>
+              <a:rPr lang="en-US" dirty="0" smtClean="0"/>
+              <a:t>O: How do I build and deploy web apps?</a:t>
+            </a:r>
+          </a:p>
+          <a:p>
+            <a:r>
+              <a:rPr lang="en-US" dirty="0" smtClean="0"/>
+              <a:t>N: Build a series of functions</a:t>
+            </a:r>
+          </a:p>
           <a:p>
             <a:endParaRPr lang="en-US" dirty="0"/>
           </a:p>
@@ -6342,7 +8038,7 @@
     </p:spTree>
     <p:extLst>
       <p:ext uri="{BB962C8B-B14F-4D97-AF65-F5344CB8AC3E}">
-        <p14:creationId xmlns:p14="http://schemas.microsoft.com/office/powerpoint/2010/main" val="3811159014"/>
+        <p14:creationId xmlns:p14="http://schemas.microsoft.com/office/powerpoint/2010/main" val="4183447360"/>
       </p:ext>
     </p:extLst>
   </p:cSld>
@@ -6376,57 +8072,32 @@
           <a:chExt cx="0" cy="0"/>
         </a:xfrm>
       </p:grpSpPr>
-      <p:pic>
-        <p:nvPicPr>
-          <p:cNvPr id="4" name="Picture 3"/>
-          <p:cNvPicPr>
-            <a:picLocks noChangeAspect="1"/>
-          </p:cNvPicPr>
-          <p:nvPr/>
-        </p:nvPicPr>
-        <p:blipFill>
-          <a:blip r:embed="rId2"/>
-          <a:stretch>
-            <a:fillRect/>
-          </a:stretch>
-        </p:blipFill>
-        <p:spPr>
-          <a:xfrm>
-            <a:off x="247889" y="300942"/>
-            <a:ext cx="7281119" cy="3912243"/>
-          </a:xfrm>
-          <a:prstGeom prst="rect">
-            <a:avLst/>
-          </a:prstGeom>
-        </p:spPr>
-      </p:pic>
-      <p:pic>
-        <p:nvPicPr>
-          <p:cNvPr id="5" name="Picture 4"/>
-          <p:cNvPicPr>
-            <a:picLocks noChangeAspect="1"/>
-          </p:cNvPicPr>
-          <p:nvPr/>
-        </p:nvPicPr>
-        <p:blipFill>
-          <a:blip r:embed="rId3"/>
-          <a:stretch>
-            <a:fillRect/>
-          </a:stretch>
-        </p:blipFill>
-        <p:spPr>
-          <a:xfrm>
-            <a:off x="4829935" y="2615878"/>
-            <a:ext cx="6733174" cy="3733851"/>
-          </a:xfrm>
-          <a:prstGeom prst="rect">
-            <a:avLst/>
-          </a:prstGeom>
-        </p:spPr>
-      </p:pic>
-      <p:sp>
-        <p:nvSpPr>
-          <p:cNvPr id="6" name="Content Placeholder 2"/>
+      <p:sp>
+        <p:nvSpPr>
+          <p:cNvPr id="2" name="Title 1"/>
+          <p:cNvSpPr>
+            <a:spLocks noGrp="1"/>
+          </p:cNvSpPr>
+          <p:nvPr>
+            <p:ph type="title"/>
+          </p:nvPr>
+        </p:nvSpPr>
+        <p:spPr/>
+        <p:txBody>
+          <a:bodyPr/>
+          <a:lstStyle/>
+          <a:p>
+            <a:r>
+              <a:rPr lang="en-US" dirty="0" smtClean="0"/>
+              <a:t>Example #2</a:t>
+            </a:r>
+            <a:endParaRPr lang="en-US" dirty="0"/>
+          </a:p>
+        </p:txBody>
+      </p:sp>
+      <p:sp>
+        <p:nvSpPr>
+          <p:cNvPr id="3" name="Content Placeholder 2"/>
           <p:cNvSpPr>
             <a:spLocks noGrp="1"/>
           </p:cNvSpPr>
@@ -6434,23 +8105,11 @@
             <p:ph idx="1"/>
           </p:nvPr>
         </p:nvSpPr>
-        <p:spPr>
-          <a:xfrm>
-            <a:off x="8128642" y="687106"/>
-            <a:ext cx="2834833" cy="1542608"/>
-          </a:xfrm>
-        </p:spPr>
-        <p:txBody>
-          <a:bodyPr/>
-          <a:lstStyle/>
-          <a:p>
-            <a:pPr marL="0" indent="0">
-              <a:buNone/>
-            </a:pPr>
-            <a:r>
-              <a:rPr lang="en-US" dirty="0" smtClean="0"/>
-              <a:t>$.20 for 20 million executions</a:t>
-            </a:r>
+        <p:spPr/>
+        <p:txBody>
+          <a:bodyPr/>
+          <a:lstStyle/>
+          <a:p>
             <a:endParaRPr lang="en-US" dirty="0"/>
           </a:p>
         </p:txBody>
@@ -6458,7 +8117,7 @@
     </p:spTree>
     <p:extLst>
       <p:ext uri="{BB962C8B-B14F-4D97-AF65-F5344CB8AC3E}">
-        <p14:creationId xmlns:p14="http://schemas.microsoft.com/office/powerpoint/2010/main" val="2291491598"/>
+        <p14:creationId xmlns:p14="http://schemas.microsoft.com/office/powerpoint/2010/main" val="3811159014"/>
       </p:ext>
     </p:extLst>
   </p:cSld>

--- a/Presentation/AzureFunctions.pptx
+++ b/Presentation/AzureFunctions.pptx
@@ -5,7 +5,7 @@
     <p:sldMasterId id="2147483648" r:id="rId1"/>
   </p:sldMasterIdLst>
   <p:notesMasterIdLst>
-    <p:notesMasterId r:id="rId20"/>
+    <p:notesMasterId r:id="rId23"/>
   </p:notesMasterIdLst>
   <p:sldIdLst>
     <p:sldId id="256" r:id="rId2"/>
@@ -16,16 +16,19 @@
     <p:sldId id="291" r:id="rId7"/>
     <p:sldId id="265" r:id="rId8"/>
     <p:sldId id="284" r:id="rId9"/>
-    <p:sldId id="286" r:id="rId10"/>
-    <p:sldId id="272" r:id="rId11"/>
-    <p:sldId id="274" r:id="rId12"/>
-    <p:sldId id="275" r:id="rId13"/>
-    <p:sldId id="288" r:id="rId14"/>
-    <p:sldId id="290" r:id="rId15"/>
-    <p:sldId id="276" r:id="rId16"/>
-    <p:sldId id="277" r:id="rId17"/>
-    <p:sldId id="280" r:id="rId18"/>
-    <p:sldId id="289" r:id="rId19"/>
+    <p:sldId id="292" r:id="rId10"/>
+    <p:sldId id="293" r:id="rId11"/>
+    <p:sldId id="294" r:id="rId12"/>
+    <p:sldId id="286" r:id="rId13"/>
+    <p:sldId id="272" r:id="rId14"/>
+    <p:sldId id="274" r:id="rId15"/>
+    <p:sldId id="275" r:id="rId16"/>
+    <p:sldId id="288" r:id="rId17"/>
+    <p:sldId id="290" r:id="rId18"/>
+    <p:sldId id="276" r:id="rId19"/>
+    <p:sldId id="277" r:id="rId20"/>
+    <p:sldId id="280" r:id="rId21"/>
+    <p:sldId id="289" r:id="rId22"/>
   </p:sldIdLst>
   <p:sldSz cx="12192000" cy="6858000"/>
   <p:notesSz cx="6858000" cy="9144000"/>
@@ -217,7 +220,7 @@
           <a:p>
             <a:fld id="{29F7854B-EEF5-4BCE-B982-57195C842F2E}" type="datetimeFigureOut">
               <a:rPr lang="en-US" smtClean="0"/>
-              <a:t>2/4/2017</a:t>
+              <a:t>2/5/2017</a:t>
             </a:fld>
             <a:endParaRPr lang="en-US"/>
           </a:p>
@@ -650,7 +653,26 @@
           <a:p>
             <a:r>
               <a:rPr lang="en-US" dirty="0" smtClean="0"/>
-              <a:t>Pay for function processing</a:t>
+              <a:t>You can try maintain state</a:t>
+            </a:r>
+          </a:p>
+          <a:p>
+            <a:r>
+              <a:rPr lang="en-US" dirty="0" smtClean="0"/>
+              <a:t>We throw away state whenever we want</a:t>
+            </a:r>
+          </a:p>
+          <a:p>
+            <a:endParaRPr lang="en-US" dirty="0" smtClean="0"/>
+          </a:p>
+          <a:p>
+            <a:r>
+              <a:rPr lang="en-US" dirty="0" smtClean="0"/>
+              <a:t>Pay </a:t>
+            </a:r>
+            <a:r>
+              <a:rPr lang="en-US" dirty="0" smtClean="0"/>
+              <a:t>for function processing</a:t>
             </a:r>
           </a:p>
           <a:p>
@@ -687,7 +709,7 @@
           <a:p>
             <a:fld id="{2F141AAD-2928-4B43-B2A0-445A59F6B45A}" type="slidenum">
               <a:rPr lang="en-US" smtClean="0"/>
-              <a:t>14</a:t>
+              <a:t>17</a:t>
             </a:fld>
             <a:endParaRPr lang="en-US"/>
           </a:p>
@@ -786,7 +808,7 @@
           <a:p>
             <a:fld id="{2F141AAD-2928-4B43-B2A0-445A59F6B45A}" type="slidenum">
               <a:rPr lang="en-US" smtClean="0"/>
-              <a:t>15</a:t>
+              <a:t>18</a:t>
             </a:fld>
             <a:endParaRPr lang="en-US"/>
           </a:p>
@@ -1311,8 +1333,17 @@
           <a:p>
             <a:r>
               <a:rPr lang="en-US" dirty="0" smtClean="0"/>
-              <a:t>Compute payment</a:t>
-            </a:r>
+              <a:t>Compute </a:t>
+            </a:r>
+            <a:r>
+              <a:rPr lang="en-US" dirty="0" smtClean="0"/>
+              <a:t>payment – Consumption</a:t>
+            </a:r>
+            <a:r>
+              <a:rPr lang="en-US" baseline="0" dirty="0" smtClean="0"/>
+              <a:t> hosting -&gt; auto scale out</a:t>
+            </a:r>
+            <a:endParaRPr lang="en-US" dirty="0" smtClean="0"/>
           </a:p>
           <a:p>
             <a:endParaRPr lang="en-US" dirty="0"/>
@@ -1416,7 +1447,7 @@
             </a:r>
             <a:r>
               <a:rPr lang="en-US" dirty="0" err="1" smtClean="0"/>
-              <a:t>PostTable</a:t>
+              <a:t>postTable</a:t>
             </a:r>
             <a:endParaRPr lang="en-US" dirty="0" smtClean="0"/>
           </a:p>
@@ -1427,7 +1458,7 @@
             </a:r>
             <a:r>
               <a:rPr lang="en-US" dirty="0" err="1" smtClean="0"/>
-              <a:t>PostQueue</a:t>
+              <a:t>postQueue</a:t>
             </a:r>
             <a:endParaRPr lang="en-US" dirty="0" smtClean="0"/>
           </a:p>
@@ -1459,7 +1490,7 @@
           <a:p>
             <a:fld id="{2F141AAD-2928-4B43-B2A0-445A59F6B45A}" type="slidenum">
               <a:rPr lang="en-US" smtClean="0"/>
-              <a:t>9</a:t>
+              <a:t>12</a:t>
             </a:fld>
             <a:endParaRPr lang="en-US"/>
           </a:p>
@@ -1564,7 +1595,7 @@
           <a:p>
             <a:fld id="{2F141AAD-2928-4B43-B2A0-445A59F6B45A}" type="slidenum">
               <a:rPr lang="en-US" smtClean="0"/>
-              <a:t>11</a:t>
+              <a:t>14</a:t>
             </a:fld>
             <a:endParaRPr lang="en-US"/>
           </a:p>
@@ -1629,19 +1660,88 @@
           <a:p>
             <a:r>
               <a:rPr lang="en-US" dirty="0" smtClean="0"/>
-              <a:t>You can try maintain state</a:t>
-            </a:r>
-          </a:p>
-          <a:p>
+              <a:t>Show security</a:t>
+            </a:r>
+          </a:p>
+          <a:p>
+            <a:r>
+              <a:rPr lang="en-US" dirty="0" smtClean="0"/>
+              <a:t>Show bindings</a:t>
+            </a:r>
+          </a:p>
+          <a:p>
+            <a:r>
+              <a:rPr lang="en-US" dirty="0" smtClean="0"/>
+              <a:t>Show</a:t>
+            </a:r>
+            <a:r>
+              <a:rPr lang="en-US" baseline="0" dirty="0" smtClean="0"/>
+              <a:t> dependencies (</a:t>
+            </a:r>
+            <a:r>
+              <a:rPr lang="en-US" baseline="0" dirty="0" err="1" smtClean="0"/>
+              <a:t>npn</a:t>
+            </a:r>
+            <a:r>
+              <a:rPr lang="en-US" baseline="0" dirty="0" smtClean="0"/>
+              <a:t>, </a:t>
+            </a:r>
+            <a:r>
+              <a:rPr lang="en-US" baseline="0" dirty="0" err="1" smtClean="0"/>
+              <a:t>nuget</a:t>
+            </a:r>
+            <a:r>
+              <a:rPr lang="en-US" baseline="0" dirty="0" smtClean="0"/>
+              <a:t>, pip)</a:t>
+            </a:r>
+          </a:p>
+          <a:p>
+            <a:pPr marL="0" marR="0" lvl="0" indent="0" algn="l" defTabSz="914400" rtl="0" eaLnBrk="1" fontAlgn="auto" latinLnBrk="0" hangingPunct="1">
+              <a:lnSpc>
+                <a:spcPct val="100000"/>
+              </a:lnSpc>
+              <a:spcBef>
+                <a:spcPts val="0"/>
+              </a:spcBef>
+              <a:spcAft>
+                <a:spcPts val="0"/>
+              </a:spcAft>
+              <a:buClrTx/>
+              <a:buSzTx/>
+              <a:buFontTx/>
+              <a:buNone/>
+              <a:tabLst/>
+              <a:defRPr/>
+            </a:pPr>
+            <a:r>
+              <a:rPr lang="en-US" baseline="0" dirty="0" smtClean="0"/>
+              <a:t>	internal: refer to another file or put into a .</a:t>
+            </a:r>
+            <a:r>
+              <a:rPr lang="en-US" baseline="0" dirty="0" err="1" smtClean="0"/>
+              <a:t>dll</a:t>
+            </a:r>
+            <a:endParaRPr lang="en-US" baseline="0" dirty="0" smtClean="0"/>
+          </a:p>
+          <a:p>
+            <a:r>
+              <a:rPr lang="en-US" baseline="0" dirty="0" smtClean="0"/>
+              <a:t>	externa: put in </a:t>
+            </a:r>
+            <a:r>
+              <a:rPr lang="en-US" baseline="0" dirty="0" err="1" smtClean="0"/>
+              <a:t>project.json</a:t>
+            </a:r>
+            <a:endParaRPr lang="en-US" baseline="0" dirty="0" smtClean="0"/>
+          </a:p>
+          <a:p>
+            <a:r>
+              <a:rPr lang="en-US" baseline="0" dirty="0" smtClean="0"/>
+              <a:t>	</a:t>
+            </a:r>
             <a:endParaRPr lang="en-US" dirty="0" smtClean="0"/>
           </a:p>
           <a:p>
-            <a:r>
-              <a:rPr lang="en-US" dirty="0" smtClean="0"/>
-              <a:t>We throw away state whenever we want</a:t>
-            </a:r>
-          </a:p>
-          <a:p>
             <a:endParaRPr lang="en-US" dirty="0"/>
           </a:p>
         </p:txBody>
@@ -1663,7 +1763,7 @@
           <a:p>
             <a:fld id="{2F141AAD-2928-4B43-B2A0-445A59F6B45A}" type="slidenum">
               <a:rPr lang="en-US" smtClean="0"/>
-              <a:t>12</a:t>
+              <a:t>15</a:t>
             </a:fld>
             <a:endParaRPr lang="en-US"/>
           </a:p>
@@ -1727,36 +1827,29 @@
           <a:lstStyle/>
           <a:p>
             <a:r>
-              <a:rPr lang="en-US" dirty="0" smtClean="0"/>
-              <a:t>Show security</a:t>
-            </a:r>
-          </a:p>
-          <a:p>
-            <a:r>
-              <a:rPr lang="en-US" dirty="0" smtClean="0"/>
-              <a:t>Queue Based Architecture -</a:t>
-            </a:r>
+              <a:rPr lang="en-US" baseline="0" dirty="0" smtClean="0"/>
+              <a:t>Every minute, get stock ticker and put it on the queue</a:t>
+            </a:r>
+          </a:p>
+          <a:p>
+            <a:r>
+              <a:rPr lang="en-US" baseline="0" dirty="0" smtClean="0"/>
+              <a:t>Get values from queue, validate it, and put it into a table</a:t>
+            </a:r>
+          </a:p>
+          <a:p>
+            <a:r>
+              <a:rPr lang="en-US" baseline="0" dirty="0" smtClean="0"/>
+              <a:t>Get values from table, do some analysis, and notify</a:t>
+            </a:r>
+          </a:p>
+          <a:p>
             <a:r>
               <a:rPr lang="en-US" baseline="0" dirty="0" smtClean="0"/>
               <a:t> </a:t>
             </a:r>
-            <a:r>
-              <a:rPr lang="en-US" baseline="0" dirty="0" err="1" smtClean="0"/>
-              <a:t>async</a:t>
-            </a:r>
             <a:endParaRPr lang="en-US" dirty="0" smtClean="0"/>
           </a:p>
-          <a:p>
-            <a:r>
-              <a:rPr lang="en-US" dirty="0" smtClean="0"/>
-              <a:t>Dependency</a:t>
-            </a:r>
-            <a:r>
-              <a:rPr lang="en-US" baseline="0" dirty="0" smtClean="0"/>
-              <a:t> - sync</a:t>
-            </a:r>
-            <a:endParaRPr lang="en-US" dirty="0"/>
-          </a:p>
         </p:txBody>
       </p:sp>
       <p:sp>
@@ -1776,7 +1869,7 @@
           <a:p>
             <a:fld id="{2F141AAD-2928-4B43-B2A0-445A59F6B45A}" type="slidenum">
               <a:rPr lang="en-US" smtClean="0"/>
-              <a:t>13</a:t>
+              <a:t>16</a:t>
             </a:fld>
             <a:endParaRPr lang="en-US"/>
           </a:p>
@@ -1926,7 +2019,7 @@
           <a:p>
             <a:fld id="{D580D8F2-7B30-43DB-963C-CE8585A47115}" type="datetimeFigureOut">
               <a:rPr lang="en-US" smtClean="0"/>
-              <a:t>2/4/2017</a:t>
+              <a:t>2/5/2017</a:t>
             </a:fld>
             <a:endParaRPr lang="en-US"/>
           </a:p>
@@ -2096,7 +2189,7 @@
           <a:p>
             <a:fld id="{D580D8F2-7B30-43DB-963C-CE8585A47115}" type="datetimeFigureOut">
               <a:rPr lang="en-US" smtClean="0"/>
-              <a:t>2/4/2017</a:t>
+              <a:t>2/5/2017</a:t>
             </a:fld>
             <a:endParaRPr lang="en-US"/>
           </a:p>
@@ -2276,7 +2369,7 @@
           <a:p>
             <a:fld id="{D580D8F2-7B30-43DB-963C-CE8585A47115}" type="datetimeFigureOut">
               <a:rPr lang="en-US" smtClean="0"/>
-              <a:t>2/4/2017</a:t>
+              <a:t>2/5/2017</a:t>
             </a:fld>
             <a:endParaRPr lang="en-US"/>
           </a:p>
@@ -2446,7 +2539,7 @@
           <a:p>
             <a:fld id="{D580D8F2-7B30-43DB-963C-CE8585A47115}" type="datetimeFigureOut">
               <a:rPr lang="en-US" smtClean="0"/>
-              <a:t>2/4/2017</a:t>
+              <a:t>2/5/2017</a:t>
             </a:fld>
             <a:endParaRPr lang="en-US"/>
           </a:p>
@@ -2692,7 +2785,7 @@
           <a:p>
             <a:fld id="{D580D8F2-7B30-43DB-963C-CE8585A47115}" type="datetimeFigureOut">
               <a:rPr lang="en-US" smtClean="0"/>
-              <a:t>2/4/2017</a:t>
+              <a:t>2/5/2017</a:t>
             </a:fld>
             <a:endParaRPr lang="en-US"/>
           </a:p>
@@ -2924,7 +3017,7 @@
           <a:p>
             <a:fld id="{D580D8F2-7B30-43DB-963C-CE8585A47115}" type="datetimeFigureOut">
               <a:rPr lang="en-US" smtClean="0"/>
-              <a:t>2/4/2017</a:t>
+              <a:t>2/5/2017</a:t>
             </a:fld>
             <a:endParaRPr lang="en-US"/>
           </a:p>
@@ -3291,7 +3384,7 @@
           <a:p>
             <a:fld id="{D580D8F2-7B30-43DB-963C-CE8585A47115}" type="datetimeFigureOut">
               <a:rPr lang="en-US" smtClean="0"/>
-              <a:t>2/4/2017</a:t>
+              <a:t>2/5/2017</a:t>
             </a:fld>
             <a:endParaRPr lang="en-US"/>
           </a:p>
@@ -3409,7 +3502,7 @@
           <a:p>
             <a:fld id="{D580D8F2-7B30-43DB-963C-CE8585A47115}" type="datetimeFigureOut">
               <a:rPr lang="en-US" smtClean="0"/>
-              <a:t>2/4/2017</a:t>
+              <a:t>2/5/2017</a:t>
             </a:fld>
             <a:endParaRPr lang="en-US"/>
           </a:p>
@@ -3504,7 +3597,7 @@
           <a:p>
             <a:fld id="{D580D8F2-7B30-43DB-963C-CE8585A47115}" type="datetimeFigureOut">
               <a:rPr lang="en-US" smtClean="0"/>
-              <a:t>2/4/2017</a:t>
+              <a:t>2/5/2017</a:t>
             </a:fld>
             <a:endParaRPr lang="en-US"/>
           </a:p>
@@ -3781,7 +3874,7 @@
           <a:p>
             <a:fld id="{D580D8F2-7B30-43DB-963C-CE8585A47115}" type="datetimeFigureOut">
               <a:rPr lang="en-US" smtClean="0"/>
-              <a:t>2/4/2017</a:t>
+              <a:t>2/5/2017</a:t>
             </a:fld>
             <a:endParaRPr lang="en-US"/>
           </a:p>
@@ -4034,7 +4127,7 @@
           <a:p>
             <a:fld id="{D580D8F2-7B30-43DB-963C-CE8585A47115}" type="datetimeFigureOut">
               <a:rPr lang="en-US" smtClean="0"/>
-              <a:t>2/4/2017</a:t>
+              <a:t>2/5/2017</a:t>
             </a:fld>
             <a:endParaRPr lang="en-US"/>
           </a:p>
@@ -4247,7 +4340,7 @@
           <a:p>
             <a:fld id="{D580D8F2-7B30-43DB-963C-CE8585A47115}" type="datetimeFigureOut">
               <a:rPr lang="en-US" smtClean="0"/>
-              <a:t>2/4/2017</a:t>
+              <a:t>2/5/2017</a:t>
             </a:fld>
             <a:endParaRPr lang="en-US"/>
           </a:p>
@@ -4747,6 +4840,596 @@
           <a:chExt cx="0" cy="0"/>
         </a:xfrm>
       </p:grpSpPr>
+      <p:sp>
+        <p:nvSpPr>
+          <p:cNvPr id="2" name="Title 1"/>
+          <p:cNvSpPr>
+            <a:spLocks noGrp="1"/>
+          </p:cNvSpPr>
+          <p:nvPr>
+            <p:ph type="title"/>
+          </p:nvPr>
+        </p:nvSpPr>
+        <p:spPr>
+          <a:xfrm>
+            <a:off x="452352" y="269754"/>
+            <a:ext cx="10515600" cy="1325563"/>
+          </a:xfrm>
+        </p:spPr>
+        <p:txBody>
+          <a:bodyPr/>
+          <a:lstStyle/>
+          <a:p>
+            <a:r>
+              <a:rPr lang="en-US" dirty="0" smtClean="0">
+                <a:solidFill>
+                  <a:schemeClr val="accent6"/>
+                </a:solidFill>
+              </a:rPr>
+              <a:t>Bindings</a:t>
+            </a:r>
+            <a:endParaRPr lang="en-US" dirty="0">
+              <a:solidFill>
+                <a:schemeClr val="accent6"/>
+              </a:solidFill>
+            </a:endParaRPr>
+          </a:p>
+        </p:txBody>
+      </p:sp>
+      <p:pic>
+        <p:nvPicPr>
+          <p:cNvPr id="4" name="Picture 3"/>
+          <p:cNvPicPr>
+            <a:picLocks noChangeAspect="1"/>
+          </p:cNvPicPr>
+          <p:nvPr/>
+        </p:nvPicPr>
+        <p:blipFill>
+          <a:blip r:embed="rId2"/>
+          <a:stretch>
+            <a:fillRect/>
+          </a:stretch>
+        </p:blipFill>
+        <p:spPr>
+          <a:xfrm>
+            <a:off x="506980" y="2439660"/>
+            <a:ext cx="5094238" cy="2635386"/>
+          </a:xfrm>
+          <a:prstGeom prst="rect">
+            <a:avLst/>
+          </a:prstGeom>
+        </p:spPr>
+      </p:pic>
+      <p:pic>
+        <p:nvPicPr>
+          <p:cNvPr id="5" name="Picture 4"/>
+          <p:cNvPicPr>
+            <a:picLocks noChangeAspect="1"/>
+          </p:cNvPicPr>
+          <p:nvPr/>
+        </p:nvPicPr>
+        <p:blipFill>
+          <a:blip r:embed="rId3"/>
+          <a:stretch>
+            <a:fillRect/>
+          </a:stretch>
+        </p:blipFill>
+        <p:spPr>
+          <a:xfrm>
+            <a:off x="6499772" y="3785495"/>
+            <a:ext cx="4693280" cy="2332672"/>
+          </a:xfrm>
+          <a:prstGeom prst="rect">
+            <a:avLst/>
+          </a:prstGeom>
+        </p:spPr>
+      </p:pic>
+      <p:pic>
+        <p:nvPicPr>
+          <p:cNvPr id="6" name="Picture 5"/>
+          <p:cNvPicPr>
+            <a:picLocks noChangeAspect="1"/>
+          </p:cNvPicPr>
+          <p:nvPr/>
+        </p:nvPicPr>
+        <p:blipFill>
+          <a:blip r:embed="rId4"/>
+          <a:stretch>
+            <a:fillRect/>
+          </a:stretch>
+        </p:blipFill>
+        <p:spPr>
+          <a:xfrm>
+            <a:off x="6300181" y="1288983"/>
+            <a:ext cx="2360987" cy="1912067"/>
+          </a:xfrm>
+          <a:prstGeom prst="rect">
+            <a:avLst/>
+          </a:prstGeom>
+        </p:spPr>
+      </p:pic>
+      <p:cxnSp>
+        <p:nvCxnSpPr>
+          <p:cNvPr id="8" name="Straight Connector 7"/>
+          <p:cNvCxnSpPr/>
+          <p:nvPr/>
+        </p:nvCxnSpPr>
+        <p:spPr>
+          <a:xfrm>
+            <a:off x="5951913" y="1505254"/>
+            <a:ext cx="16625" cy="4612913"/>
+          </a:xfrm>
+          <a:prstGeom prst="line">
+            <a:avLst/>
+          </a:prstGeom>
+          <a:ln w="76200">
+            <a:solidFill>
+              <a:schemeClr val="tx1"/>
+            </a:solidFill>
+          </a:ln>
+        </p:spPr>
+        <p:style>
+          <a:lnRef idx="1">
+            <a:schemeClr val="accent1"/>
+          </a:lnRef>
+          <a:fillRef idx="0">
+            <a:schemeClr val="accent1"/>
+          </a:fillRef>
+          <a:effectRef idx="0">
+            <a:schemeClr val="accent1"/>
+          </a:effectRef>
+          <a:fontRef idx="minor">
+            <a:schemeClr val="tx1"/>
+          </a:fontRef>
+        </p:style>
+      </p:cxnSp>
+      <p:sp>
+        <p:nvSpPr>
+          <p:cNvPr id="9" name="Freeform 8"/>
+          <p:cNvSpPr/>
+          <p:nvPr/>
+        </p:nvSpPr>
+        <p:spPr>
+          <a:xfrm>
+            <a:off x="8628611" y="2061556"/>
+            <a:ext cx="731520" cy="1695797"/>
+          </a:xfrm>
+          <a:custGeom>
+            <a:avLst/>
+            <a:gdLst>
+              <a:gd name="connsiteX0" fmla="*/ 0 w 731520"/>
+              <a:gd name="connsiteY0" fmla="*/ 0 h 1695797"/>
+              <a:gd name="connsiteX1" fmla="*/ 598516 w 731520"/>
+              <a:gd name="connsiteY1" fmla="*/ 448888 h 1695797"/>
+              <a:gd name="connsiteX2" fmla="*/ 731520 w 731520"/>
+              <a:gd name="connsiteY2" fmla="*/ 1695797 h 1695797"/>
+            </a:gdLst>
+            <a:ahLst/>
+            <a:cxnLst>
+              <a:cxn ang="0">
+                <a:pos x="connsiteX0" y="connsiteY0"/>
+              </a:cxn>
+              <a:cxn ang="0">
+                <a:pos x="connsiteX1" y="connsiteY1"/>
+              </a:cxn>
+              <a:cxn ang="0">
+                <a:pos x="connsiteX2" y="connsiteY2"/>
+              </a:cxn>
+            </a:cxnLst>
+            <a:rect l="l" t="t" r="r" b="b"/>
+            <a:pathLst>
+              <a:path w="731520" h="1695797">
+                <a:moveTo>
+                  <a:pt x="0" y="0"/>
+                </a:moveTo>
+                <a:cubicBezTo>
+                  <a:pt x="238298" y="83127"/>
+                  <a:pt x="476596" y="166255"/>
+                  <a:pt x="598516" y="448888"/>
+                </a:cubicBezTo>
+                <a:cubicBezTo>
+                  <a:pt x="720436" y="731521"/>
+                  <a:pt x="725978" y="1213659"/>
+                  <a:pt x="731520" y="1695797"/>
+                </a:cubicBezTo>
+              </a:path>
+            </a:pathLst>
+          </a:custGeom>
+          <a:noFill/>
+          <a:ln w="28575">
+            <a:solidFill>
+              <a:schemeClr val="tx1"/>
+            </a:solidFill>
+            <a:headEnd type="triangle"/>
+            <a:tailEnd type="triangle"/>
+          </a:ln>
+        </p:spPr>
+        <p:style>
+          <a:lnRef idx="2">
+            <a:schemeClr val="accent1">
+              <a:shade val="50000"/>
+            </a:schemeClr>
+          </a:lnRef>
+          <a:fillRef idx="1">
+            <a:schemeClr val="accent1"/>
+          </a:fillRef>
+          <a:effectRef idx="0">
+            <a:schemeClr val="accent1"/>
+          </a:effectRef>
+          <a:fontRef idx="minor">
+            <a:schemeClr val="lt1"/>
+          </a:fontRef>
+        </p:style>
+        <p:txBody>
+          <a:bodyPr rtlCol="0" anchor="ctr"/>
+          <a:lstStyle/>
+          <a:p>
+            <a:pPr algn="ctr"/>
+            <a:endParaRPr lang="en-US"/>
+          </a:p>
+        </p:txBody>
+      </p:sp>
+      <p:sp>
+        <p:nvSpPr>
+          <p:cNvPr id="10" name="TextBox 9"/>
+          <p:cNvSpPr txBox="1"/>
+          <p:nvPr/>
+        </p:nvSpPr>
+        <p:spPr>
+          <a:xfrm>
+            <a:off x="6499772" y="837542"/>
+            <a:ext cx="1961803" cy="369332"/>
+          </a:xfrm>
+          <a:prstGeom prst="rect">
+            <a:avLst/>
+          </a:prstGeom>
+          <a:noFill/>
+        </p:spPr>
+        <p:txBody>
+          <a:bodyPr wrap="square" rtlCol="0">
+            <a:spAutoFit/>
+          </a:bodyPr>
+          <a:lstStyle/>
+          <a:p>
+            <a:r>
+              <a:rPr lang="en-US" dirty="0" err="1" smtClean="0"/>
+              <a:t>function.json</a:t>
+            </a:r>
+            <a:endParaRPr lang="en-US" dirty="0"/>
+          </a:p>
+        </p:txBody>
+      </p:sp>
+      <p:sp>
+        <p:nvSpPr>
+          <p:cNvPr id="11" name="TextBox 10"/>
+          <p:cNvSpPr txBox="1"/>
+          <p:nvPr/>
+        </p:nvSpPr>
+        <p:spPr>
+          <a:xfrm>
+            <a:off x="6449114" y="3535095"/>
+            <a:ext cx="1961803" cy="369332"/>
+          </a:xfrm>
+          <a:prstGeom prst="rect">
+            <a:avLst/>
+          </a:prstGeom>
+          <a:noFill/>
+        </p:spPr>
+        <p:txBody>
+          <a:bodyPr wrap="square" rtlCol="0">
+            <a:spAutoFit/>
+          </a:bodyPr>
+          <a:lstStyle/>
+          <a:p>
+            <a:r>
+              <a:rPr lang="en-US" dirty="0" err="1"/>
+              <a:t>r</a:t>
+            </a:r>
+            <a:r>
+              <a:rPr lang="en-US" dirty="0" err="1" smtClean="0"/>
+              <a:t>un.fsx</a:t>
+            </a:r>
+            <a:endParaRPr lang="en-US" dirty="0"/>
+          </a:p>
+        </p:txBody>
+      </p:sp>
+      <p:sp>
+        <p:nvSpPr>
+          <p:cNvPr id="12" name="TextBox 11"/>
+          <p:cNvSpPr txBox="1"/>
+          <p:nvPr/>
+        </p:nvSpPr>
+        <p:spPr>
+          <a:xfrm>
+            <a:off x="452352" y="2076537"/>
+            <a:ext cx="1961803" cy="369332"/>
+          </a:xfrm>
+          <a:prstGeom prst="rect">
+            <a:avLst/>
+          </a:prstGeom>
+          <a:noFill/>
+        </p:spPr>
+        <p:txBody>
+          <a:bodyPr wrap="square" rtlCol="0">
+            <a:spAutoFit/>
+          </a:bodyPr>
+          <a:lstStyle/>
+          <a:p>
+            <a:r>
+              <a:rPr lang="en-US" dirty="0" err="1"/>
+              <a:t>r</a:t>
+            </a:r>
+            <a:r>
+              <a:rPr lang="en-US" dirty="0" err="1" smtClean="0"/>
+              <a:t>un.fsx</a:t>
+            </a:r>
+            <a:endParaRPr lang="en-US" dirty="0"/>
+          </a:p>
+        </p:txBody>
+      </p:sp>
+    </p:spTree>
+    <p:extLst>
+      <p:ext uri="{BB962C8B-B14F-4D97-AF65-F5344CB8AC3E}">
+        <p14:creationId xmlns:p14="http://schemas.microsoft.com/office/powerpoint/2010/main" val="806840893"/>
+      </p:ext>
+    </p:extLst>
+  </p:cSld>
+  <p:clrMapOvr>
+    <a:masterClrMapping/>
+  </p:clrMapOvr>
+</p:sld>
+</file>
+
+<file path=ppt/slides/slide11.xml><?xml version="1.0" encoding="utf-8"?>
+<p:sld xmlns:a="http://schemas.openxmlformats.org/drawingml/2006/main" xmlns:r="http://schemas.openxmlformats.org/officeDocument/2006/relationships" xmlns:p="http://schemas.openxmlformats.org/presentationml/2006/main">
+  <p:cSld>
+    <p:spTree>
+      <p:nvGrpSpPr>
+        <p:cNvPr id="1" name=""/>
+        <p:cNvGrpSpPr/>
+        <p:nvPr/>
+      </p:nvGrpSpPr>
+      <p:grpSpPr>
+        <a:xfrm>
+          <a:off x="0" y="0"/>
+          <a:ext cx="0" cy="0"/>
+          <a:chOff x="0" y="0"/>
+          <a:chExt cx="0" cy="0"/>
+        </a:xfrm>
+      </p:grpSpPr>
+      <p:sp>
+        <p:nvSpPr>
+          <p:cNvPr id="2" name="Title 1"/>
+          <p:cNvSpPr>
+            <a:spLocks noGrp="1"/>
+          </p:cNvSpPr>
+          <p:nvPr>
+            <p:ph type="title"/>
+          </p:nvPr>
+        </p:nvSpPr>
+        <p:spPr/>
+        <p:txBody>
+          <a:bodyPr/>
+          <a:lstStyle/>
+          <a:p>
+            <a:r>
+              <a:rPr lang="en-US" dirty="0" smtClean="0"/>
+              <a:t>Existing Bindings</a:t>
+            </a:r>
+            <a:endParaRPr lang="en-US" dirty="0"/>
+          </a:p>
+        </p:txBody>
+      </p:sp>
+      <p:sp>
+        <p:nvSpPr>
+          <p:cNvPr id="3" name="Content Placeholder 2"/>
+          <p:cNvSpPr>
+            <a:spLocks noGrp="1"/>
+          </p:cNvSpPr>
+          <p:nvPr>
+            <p:ph idx="1"/>
+          </p:nvPr>
+        </p:nvSpPr>
+        <p:spPr/>
+        <p:txBody>
+          <a:bodyPr/>
+          <a:lstStyle/>
+          <a:p>
+            <a:r>
+              <a:rPr lang="en-US" dirty="0" smtClean="0"/>
+              <a:t>Azure </a:t>
+            </a:r>
+            <a:r>
+              <a:rPr lang="en-US" dirty="0" err="1" smtClean="0"/>
+              <a:t>DocumentDb</a:t>
+            </a:r>
+            <a:r>
+              <a:rPr lang="en-US" dirty="0" smtClean="0"/>
+              <a:t> (including Mongo)</a:t>
+            </a:r>
+          </a:p>
+          <a:p>
+            <a:r>
+              <a:rPr lang="en-US" dirty="0"/>
+              <a:t>Azure </a:t>
+            </a:r>
+            <a:r>
+              <a:rPr lang="en-US" dirty="0" smtClean="0"/>
+              <a:t>Event Hubs</a:t>
+            </a:r>
+          </a:p>
+          <a:p>
+            <a:r>
+              <a:rPr lang="en-US" dirty="0"/>
+              <a:t>Azure </a:t>
+            </a:r>
+            <a:r>
+              <a:rPr lang="en-US" dirty="0" smtClean="0"/>
+              <a:t>Mobile Apps</a:t>
+            </a:r>
+          </a:p>
+          <a:p>
+            <a:r>
+              <a:rPr lang="en-US" dirty="0"/>
+              <a:t>Azure </a:t>
+            </a:r>
+            <a:r>
+              <a:rPr lang="en-US" dirty="0" smtClean="0"/>
+              <a:t>Notification Hubs</a:t>
+            </a:r>
+          </a:p>
+          <a:p>
+            <a:r>
+              <a:rPr lang="en-US" dirty="0"/>
+              <a:t>Azure </a:t>
+            </a:r>
+            <a:r>
+              <a:rPr lang="en-US" dirty="0" smtClean="0"/>
+              <a:t>Service Bus</a:t>
+            </a:r>
+          </a:p>
+          <a:p>
+            <a:r>
+              <a:rPr lang="en-US" dirty="0"/>
+              <a:t>Azure </a:t>
+            </a:r>
+            <a:r>
+              <a:rPr lang="en-US" dirty="0" smtClean="0"/>
+              <a:t>Storage</a:t>
+            </a:r>
+          </a:p>
+          <a:p>
+            <a:r>
+              <a:rPr lang="en-US" dirty="0" smtClean="0"/>
+              <a:t>On-</a:t>
+            </a:r>
+            <a:r>
+              <a:rPr lang="en-US" dirty="0" err="1" smtClean="0"/>
+              <a:t>prem</a:t>
+            </a:r>
+            <a:r>
+              <a:rPr lang="en-US" dirty="0" smtClean="0"/>
+              <a:t> (using Service Bus)</a:t>
+            </a:r>
+          </a:p>
+          <a:p>
+            <a:endParaRPr lang="en-US" dirty="0"/>
+          </a:p>
+        </p:txBody>
+      </p:sp>
+    </p:spTree>
+    <p:extLst>
+      <p:ext uri="{BB962C8B-B14F-4D97-AF65-F5344CB8AC3E}">
+        <p14:creationId xmlns:p14="http://schemas.microsoft.com/office/powerpoint/2010/main" val="1043583981"/>
+      </p:ext>
+    </p:extLst>
+  </p:cSld>
+  <p:clrMapOvr>
+    <a:masterClrMapping/>
+  </p:clrMapOvr>
+</p:sld>
+</file>
+
+<file path=ppt/slides/slide12.xml><?xml version="1.0" encoding="utf-8"?>
+<p:sld xmlns:a="http://schemas.openxmlformats.org/drawingml/2006/main" xmlns:r="http://schemas.openxmlformats.org/officeDocument/2006/relationships" xmlns:p="http://schemas.openxmlformats.org/presentationml/2006/main">
+  <p:cSld>
+    <p:spTree>
+      <p:nvGrpSpPr>
+        <p:cNvPr id="1" name=""/>
+        <p:cNvGrpSpPr/>
+        <p:nvPr/>
+      </p:nvGrpSpPr>
+      <p:grpSpPr>
+        <a:xfrm>
+          <a:off x="0" y="0"/>
+          <a:ext cx="0" cy="0"/>
+          <a:chOff x="0" y="0"/>
+          <a:chExt cx="0" cy="0"/>
+        </a:xfrm>
+      </p:grpSpPr>
+      <p:sp>
+        <p:nvSpPr>
+          <p:cNvPr id="2" name="Title 1"/>
+          <p:cNvSpPr>
+            <a:spLocks noGrp="1"/>
+          </p:cNvSpPr>
+          <p:nvPr>
+            <p:ph type="title"/>
+          </p:nvPr>
+        </p:nvSpPr>
+        <p:spPr/>
+        <p:txBody>
+          <a:bodyPr/>
+          <a:lstStyle/>
+          <a:p>
+            <a:r>
+              <a:rPr lang="en-US" dirty="0" smtClean="0"/>
+              <a:t>Example(s) </a:t>
+            </a:r>
+            <a:r>
+              <a:rPr lang="en-US" dirty="0" smtClean="0"/>
+              <a:t>#2</a:t>
+            </a:r>
+            <a:endParaRPr lang="en-US" dirty="0"/>
+          </a:p>
+        </p:txBody>
+      </p:sp>
+      <p:sp>
+        <p:nvSpPr>
+          <p:cNvPr id="3" name="Content Placeholder 2"/>
+          <p:cNvSpPr>
+            <a:spLocks noGrp="1"/>
+          </p:cNvSpPr>
+          <p:nvPr>
+            <p:ph idx="1"/>
+          </p:nvPr>
+        </p:nvSpPr>
+        <p:spPr/>
+        <p:txBody>
+          <a:bodyPr/>
+          <a:lstStyle/>
+          <a:p>
+            <a:endParaRPr lang="en-US" dirty="0"/>
+          </a:p>
+        </p:txBody>
+      </p:sp>
+    </p:spTree>
+    <p:extLst>
+      <p:ext uri="{BB962C8B-B14F-4D97-AF65-F5344CB8AC3E}">
+        <p14:creationId xmlns:p14="http://schemas.microsoft.com/office/powerpoint/2010/main" val="3811159014"/>
+      </p:ext>
+    </p:extLst>
+  </p:cSld>
+  <p:clrMapOvr>
+    <a:masterClrMapping/>
+  </p:clrMapOvr>
+  <p:timing>
+    <p:tnLst>
+      <p:par>
+        <p:cTn id="1" dur="indefinite" restart="never" nodeType="tmRoot"/>
+      </p:par>
+    </p:tnLst>
+  </p:timing>
+</p:sld>
+</file>
+
+<file path=ppt/slides/slide13.xml><?xml version="1.0" encoding="utf-8"?>
+<p:sld xmlns:a="http://schemas.openxmlformats.org/drawingml/2006/main" xmlns:r="http://schemas.openxmlformats.org/officeDocument/2006/relationships" xmlns:p="http://schemas.openxmlformats.org/presentationml/2006/main">
+  <p:cSld>
+    <p:spTree>
+      <p:nvGrpSpPr>
+        <p:cNvPr id="1" name=""/>
+        <p:cNvGrpSpPr/>
+        <p:nvPr/>
+      </p:nvGrpSpPr>
+      <p:grpSpPr>
+        <a:xfrm>
+          <a:off x="0" y="0"/>
+          <a:ext cx="0" cy="0"/>
+          <a:chOff x="0" y="0"/>
+          <a:chExt cx="0" cy="0"/>
+        </a:xfrm>
+      </p:grpSpPr>
       <p:pic>
         <p:nvPicPr>
           <p:cNvPr id="4" name="Picture 3"/>
@@ -4914,7 +5597,7 @@
 </p:sld>
 </file>
 
-<file path=ppt/slides/slide11.xml><?xml version="1.0" encoding="utf-8"?>
+<file path=ppt/slides/slide14.xml><?xml version="1.0" encoding="utf-8"?>
 <p:sld xmlns:a="http://schemas.openxmlformats.org/drawingml/2006/main" xmlns:r="http://schemas.openxmlformats.org/officeDocument/2006/relationships" xmlns:p="http://schemas.openxmlformats.org/presentationml/2006/main">
   <p:cSld>
     <p:spTree>
@@ -4975,7 +5658,7 @@
 </p:sld>
 </file>
 
-<file path=ppt/slides/slide12.xml><?xml version="1.0" encoding="utf-8"?>
+<file path=ppt/slides/slide15.xml><?xml version="1.0" encoding="utf-8"?>
 <p:sld xmlns:a="http://schemas.openxmlformats.org/drawingml/2006/main" xmlns:r="http://schemas.openxmlformats.org/officeDocument/2006/relationships" xmlns:p="http://schemas.openxmlformats.org/presentationml/2006/main">
   <p:cSld>
     <p:spTree>
@@ -5028,7 +5711,7 @@
         <p:spPr>
           <a:xfrm>
             <a:off x="838200" y="1825625"/>
-            <a:ext cx="10515600" cy="4351338"/>
+            <a:ext cx="10515600" cy="1682346"/>
           </a:xfrm>
         </p:spPr>
         <p:txBody>
@@ -5049,8 +5732,9 @@
           <a:p>
             <a:r>
               <a:rPr lang="en-US" dirty="0" smtClean="0"/>
-              <a:t>Dependencies?</a:t>
-            </a:r>
+              <a:t>Dependencies</a:t>
+            </a:r>
+            <a:endParaRPr lang="en-US" dirty="0" smtClean="0"/>
           </a:p>
           <a:p>
             <a:endParaRPr lang="en-US" dirty="0"/>
@@ -5077,7 +5761,7 @@
 </p:sld>
 </file>
 
-<file path=ppt/slides/slide13.xml><?xml version="1.0" encoding="utf-8"?>
+<file path=ppt/slides/slide16.xml><?xml version="1.0" encoding="utf-8"?>
 <p:sld xmlns:a="http://schemas.openxmlformats.org/drawingml/2006/main" xmlns:r="http://schemas.openxmlformats.org/officeDocument/2006/relationships" xmlns:p="http://schemas.openxmlformats.org/presentationml/2006/main">
   <p:cSld>
     <p:spTree>
@@ -5119,98 +5803,14 @@
       </p:sp>
       <p:sp>
         <p:nvSpPr>
-          <p:cNvPr id="4" name="Oval 3"/>
+          <p:cNvPr id="3" name="Rectangle 2"/>
           <p:cNvSpPr/>
           <p:nvPr/>
         </p:nvSpPr>
         <p:spPr>
           <a:xfrm>
-            <a:off x="451601" y="1610260"/>
-            <a:ext cx="1170144" cy="994764"/>
-          </a:xfrm>
-          <a:prstGeom prst="ellipse">
-            <a:avLst/>
-          </a:prstGeom>
-        </p:spPr>
-        <p:style>
-          <a:lnRef idx="2">
-            <a:schemeClr val="accent1">
-              <a:shade val="50000"/>
-            </a:schemeClr>
-          </a:lnRef>
-          <a:fillRef idx="1">
-            <a:schemeClr val="accent1"/>
-          </a:fillRef>
-          <a:effectRef idx="0">
-            <a:schemeClr val="accent1"/>
-          </a:effectRef>
-          <a:fontRef idx="minor">
-            <a:schemeClr val="lt1"/>
-          </a:fontRef>
-        </p:style>
-        <p:txBody>
-          <a:bodyPr rtlCol="0" anchor="ctr"/>
-          <a:lstStyle/>
-          <a:p>
-            <a:pPr algn="ctr"/>
-            <a:r>
-              <a:rPr lang="en-US" dirty="0" smtClean="0"/>
-              <a:t>Client</a:t>
-            </a:r>
-            <a:endParaRPr lang="en-US" dirty="0"/>
-          </a:p>
-        </p:txBody>
-      </p:sp>
-      <p:sp>
-        <p:nvSpPr>
-          <p:cNvPr id="5" name="Right Arrow 4"/>
-          <p:cNvSpPr/>
-          <p:nvPr/>
-        </p:nvSpPr>
-        <p:spPr>
-          <a:xfrm>
-            <a:off x="1645172" y="1856891"/>
-            <a:ext cx="925975" cy="369606"/>
-          </a:xfrm>
-          <a:prstGeom prst="rightArrow">
-            <a:avLst/>
-          </a:prstGeom>
-        </p:spPr>
-        <p:style>
-          <a:lnRef idx="2">
-            <a:schemeClr val="accent1">
-              <a:shade val="50000"/>
-            </a:schemeClr>
-          </a:lnRef>
-          <a:fillRef idx="1">
-            <a:schemeClr val="accent1"/>
-          </a:fillRef>
-          <a:effectRef idx="0">
-            <a:schemeClr val="accent1"/>
-          </a:effectRef>
-          <a:fontRef idx="minor">
-            <a:schemeClr val="lt1"/>
-          </a:fontRef>
-        </p:style>
-        <p:txBody>
-          <a:bodyPr rtlCol="0" anchor="ctr"/>
-          <a:lstStyle/>
-          <a:p>
-            <a:pPr algn="ctr"/>
-            <a:endParaRPr lang="en-US"/>
-          </a:p>
-        </p:txBody>
-      </p:sp>
-      <p:sp>
-        <p:nvSpPr>
-          <p:cNvPr id="6" name="Rectangle 5"/>
-          <p:cNvSpPr/>
-          <p:nvPr/>
-        </p:nvSpPr>
-        <p:spPr>
-          <a:xfrm>
-            <a:off x="2636971" y="1713629"/>
-            <a:ext cx="1384465" cy="971489"/>
+            <a:off x="559957" y="2951015"/>
+            <a:ext cx="1396538" cy="1064029"/>
           </a:xfrm>
           <a:prstGeom prst="rect">
             <a:avLst/>
@@ -5238,107 +5838,22 @@
           <a:p>
             <a:pPr algn="ctr"/>
             <a:r>
-              <a:rPr lang="en-US" dirty="0" err="1" smtClean="0"/>
-              <a:t>HttpListener</a:t>
-            </a:r>
-            <a:endParaRPr lang="en-US" dirty="0"/>
-          </a:p>
-        </p:txBody>
-      </p:sp>
-      <p:sp>
-        <p:nvSpPr>
-          <p:cNvPr id="8" name="Right Arrow 7"/>
+              <a:rPr lang="en-US" dirty="0" smtClean="0"/>
+              <a:t>Timer Trigger</a:t>
+            </a:r>
+          </a:p>
+        </p:txBody>
+      </p:sp>
+      <p:sp>
+        <p:nvSpPr>
+          <p:cNvPr id="9" name="Rectangle 8"/>
           <p:cNvSpPr/>
           <p:nvPr/>
         </p:nvSpPr>
         <p:spPr>
           <a:xfrm>
-            <a:off x="4274871" y="1959992"/>
-            <a:ext cx="571098" cy="317916"/>
-          </a:xfrm>
-          <a:prstGeom prst="rightArrow">
-            <a:avLst/>
-          </a:prstGeom>
-        </p:spPr>
-        <p:style>
-          <a:lnRef idx="2">
-            <a:schemeClr val="accent1">
-              <a:shade val="50000"/>
-            </a:schemeClr>
-          </a:lnRef>
-          <a:fillRef idx="1">
-            <a:schemeClr val="accent1"/>
-          </a:fillRef>
-          <a:effectRef idx="0">
-            <a:schemeClr val="accent1"/>
-          </a:effectRef>
-          <a:fontRef idx="minor">
-            <a:schemeClr val="lt1"/>
-          </a:fontRef>
-        </p:style>
-        <p:txBody>
-          <a:bodyPr rtlCol="0" anchor="ctr"/>
-          <a:lstStyle/>
-          <a:p>
-            <a:pPr algn="ctr"/>
-            <a:endParaRPr lang="en-US"/>
-          </a:p>
-        </p:txBody>
-      </p:sp>
-      <p:sp>
-        <p:nvSpPr>
-          <p:cNvPr id="10" name="Flowchart: Punched Tape 9"/>
-          <p:cNvSpPr/>
-          <p:nvPr/>
-        </p:nvSpPr>
-        <p:spPr>
-          <a:xfrm>
-            <a:off x="4974221" y="1745015"/>
-            <a:ext cx="1772295" cy="810227"/>
-          </a:xfrm>
-          <a:prstGeom prst="flowChartPunchedTape">
-            <a:avLst/>
-          </a:prstGeom>
-        </p:spPr>
-        <p:style>
-          <a:lnRef idx="2">
-            <a:schemeClr val="accent1">
-              <a:shade val="50000"/>
-            </a:schemeClr>
-          </a:lnRef>
-          <a:fillRef idx="1">
-            <a:schemeClr val="accent1"/>
-          </a:fillRef>
-          <a:effectRef idx="0">
-            <a:schemeClr val="accent1"/>
-          </a:effectRef>
-          <a:fontRef idx="minor">
-            <a:schemeClr val="lt1"/>
-          </a:fontRef>
-        </p:style>
-        <p:txBody>
-          <a:bodyPr rtlCol="0" anchor="ctr"/>
-          <a:lstStyle/>
-          <a:p>
-            <a:pPr algn="ctr"/>
-            <a:r>
-              <a:rPr lang="en-US" dirty="0" err="1" smtClean="0"/>
-              <a:t>ReceivedQueue</a:t>
-            </a:r>
-            <a:endParaRPr lang="en-US" dirty="0"/>
-          </a:p>
-        </p:txBody>
-      </p:sp>
-      <p:sp>
-        <p:nvSpPr>
-          <p:cNvPr id="11" name="Rectangle 10"/>
-          <p:cNvSpPr/>
-          <p:nvPr/>
-        </p:nvSpPr>
-        <p:spPr>
-          <a:xfrm>
-            <a:off x="5063923" y="3322600"/>
-            <a:ext cx="1672543" cy="1406596"/>
+            <a:off x="4385967" y="2934390"/>
+            <a:ext cx="1413163" cy="1097280"/>
           </a:xfrm>
           <a:prstGeom prst="rect">
             <a:avLst/>
@@ -5366,8 +5881,8 @@
           <a:p>
             <a:pPr algn="ctr"/>
             <a:r>
-              <a:rPr lang="en-US" dirty="0" err="1" smtClean="0"/>
-              <a:t>QueueListener</a:t>
+              <a:rPr lang="en-US" dirty="0" smtClean="0"/>
+              <a:t>Queue Trigger</a:t>
             </a:r>
             <a:endParaRPr lang="en-US" dirty="0"/>
           </a:p>
@@ -5375,30 +5890,30 @@
       </p:sp>
       <p:sp>
         <p:nvSpPr>
-          <p:cNvPr id="12" name="Right Arrow 11"/>
+          <p:cNvPr id="34" name="Flowchart: Magnetic Disk 33"/>
           <p:cNvSpPr/>
           <p:nvPr/>
         </p:nvSpPr>
         <p:spPr>
-          <a:xfrm rot="5400000">
-            <a:off x="5464670" y="2805322"/>
-            <a:ext cx="571098" cy="317916"/>
+          <a:xfrm>
+            <a:off x="2558251" y="3017517"/>
+            <a:ext cx="1130531" cy="1014153"/>
           </a:xfrm>
-          <a:prstGeom prst="rightArrow">
+          <a:prstGeom prst="flowChartMagneticDisk">
             <a:avLst/>
           </a:prstGeom>
         </p:spPr>
         <p:style>
           <a:lnRef idx="2">
-            <a:schemeClr val="accent1">
+            <a:schemeClr val="accent4">
               <a:shade val="50000"/>
             </a:schemeClr>
           </a:lnRef>
           <a:fillRef idx="1">
-            <a:schemeClr val="accent1"/>
+            <a:schemeClr val="accent4"/>
           </a:fillRef>
           <a:effectRef idx="0">
-            <a:schemeClr val="accent1"/>
+            <a:schemeClr val="accent4"/>
           </a:effectRef>
           <a:fontRef idx="minor">
             <a:schemeClr val="lt1"/>
@@ -5409,36 +5924,38 @@
           <a:lstStyle/>
           <a:p>
             <a:pPr algn="ctr"/>
-            <a:endParaRPr lang="en-US"/>
-          </a:p>
-        </p:txBody>
-      </p:sp>
-      <p:sp>
-        <p:nvSpPr>
-          <p:cNvPr id="13" name="Flowchart: Punched Tape 12"/>
+            <a:r>
+              <a:rPr lang="en-US" dirty="0" smtClean="0"/>
+              <a:t>Pending</a:t>
+            </a:r>
+            <a:endParaRPr lang="en-US" dirty="0"/>
+          </a:p>
+        </p:txBody>
+      </p:sp>
+      <p:sp>
+        <p:nvSpPr>
+          <p:cNvPr id="36" name="Flowchart: Direct Access Storage 35"/>
           <p:cNvSpPr/>
           <p:nvPr/>
         </p:nvSpPr>
         <p:spPr>
           <a:xfrm>
-            <a:off x="3234356" y="5304073"/>
-            <a:ext cx="1410326" cy="868101"/>
+            <a:off x="6366857" y="1752081"/>
+            <a:ext cx="947650" cy="1014153"/>
           </a:xfrm>
-          <a:prstGeom prst="flowChartPunchedTape">
+          <a:prstGeom prst="flowChartMagneticDrum">
             <a:avLst/>
           </a:prstGeom>
         </p:spPr>
         <p:style>
-          <a:lnRef idx="2">
-            <a:schemeClr val="accent1">
-              <a:shade val="50000"/>
-            </a:schemeClr>
+          <a:lnRef idx="3">
+            <a:schemeClr val="lt1"/>
           </a:lnRef>
           <a:fillRef idx="1">
-            <a:schemeClr val="accent1"/>
+            <a:schemeClr val="accent6"/>
           </a:fillRef>
-          <a:effectRef idx="0">
-            <a:schemeClr val="accent1"/>
+          <a:effectRef idx="1">
+            <a:schemeClr val="accent6"/>
           </a:effectRef>
           <a:fontRef idx="minor">
             <a:schemeClr val="lt1"/>
@@ -5450,8 +5967,8 @@
           <a:p>
             <a:pPr algn="ctr"/>
             <a:r>
-              <a:rPr lang="en-US" dirty="0" err="1" smtClean="0"/>
-              <a:t>FailedQueue</a:t>
+              <a:rPr lang="en-US" dirty="0" smtClean="0"/>
+              <a:t>OK</a:t>
             </a:r>
             <a:endParaRPr lang="en-US" dirty="0"/>
           </a:p>
@@ -5459,138 +5976,14 @@
       </p:sp>
       <p:sp>
         <p:nvSpPr>
-          <p:cNvPr id="14" name="Flowchart: Punched Tape 13"/>
+          <p:cNvPr id="37" name="Rectangle 36"/>
           <p:cNvSpPr/>
           <p:nvPr/>
         </p:nvSpPr>
         <p:spPr>
           <a:xfrm>
-            <a:off x="3272046" y="3249829"/>
-            <a:ext cx="966482" cy="810227"/>
-          </a:xfrm>
-          <a:prstGeom prst="flowChartPunchedTape">
-            <a:avLst/>
-          </a:prstGeom>
-        </p:spPr>
-        <p:style>
-          <a:lnRef idx="2">
-            <a:schemeClr val="accent1">
-              <a:shade val="50000"/>
-            </a:schemeClr>
-          </a:lnRef>
-          <a:fillRef idx="1">
-            <a:schemeClr val="accent1"/>
-          </a:fillRef>
-          <a:effectRef idx="0">
-            <a:schemeClr val="accent1"/>
-          </a:effectRef>
-          <a:fontRef idx="minor">
-            <a:schemeClr val="lt1"/>
-          </a:fontRef>
-        </p:style>
-        <p:txBody>
-          <a:bodyPr rtlCol="0" anchor="ctr"/>
-          <a:lstStyle/>
-          <a:p>
-            <a:pPr algn="ctr"/>
-            <a:r>
-              <a:rPr lang="en-US" dirty="0" err="1" smtClean="0"/>
-              <a:t>SuccessQueue</a:t>
-            </a:r>
-            <a:endParaRPr lang="en-US" dirty="0"/>
-          </a:p>
-        </p:txBody>
-      </p:sp>
-      <p:sp>
-        <p:nvSpPr>
-          <p:cNvPr id="15" name="Right Arrow 14"/>
-          <p:cNvSpPr/>
-          <p:nvPr/>
-        </p:nvSpPr>
-        <p:spPr>
-          <a:xfrm rot="10800000">
-            <a:off x="4365676" y="3501653"/>
-            <a:ext cx="571098" cy="317916"/>
-          </a:xfrm>
-          <a:prstGeom prst="rightArrow">
-            <a:avLst/>
-          </a:prstGeom>
-        </p:spPr>
-        <p:style>
-          <a:lnRef idx="2">
-            <a:schemeClr val="accent1">
-              <a:shade val="50000"/>
-            </a:schemeClr>
-          </a:lnRef>
-          <a:fillRef idx="1">
-            <a:schemeClr val="accent1"/>
-          </a:fillRef>
-          <a:effectRef idx="0">
-            <a:schemeClr val="accent1"/>
-          </a:effectRef>
-          <a:fontRef idx="minor">
-            <a:schemeClr val="lt1"/>
-          </a:fontRef>
-        </p:style>
-        <p:txBody>
-          <a:bodyPr rtlCol="0" anchor="ctr"/>
-          <a:lstStyle/>
-          <a:p>
-            <a:pPr algn="ctr"/>
-            <a:endParaRPr lang="en-US"/>
-          </a:p>
-        </p:txBody>
-      </p:sp>
-      <p:sp>
-        <p:nvSpPr>
-          <p:cNvPr id="16" name="Right Arrow 15"/>
-          <p:cNvSpPr/>
-          <p:nvPr/>
-        </p:nvSpPr>
-        <p:spPr>
-          <a:xfrm rot="8190340">
-            <a:off x="4675691" y="5082407"/>
-            <a:ext cx="571098" cy="317916"/>
-          </a:xfrm>
-          <a:prstGeom prst="rightArrow">
-            <a:avLst/>
-          </a:prstGeom>
-        </p:spPr>
-        <p:style>
-          <a:lnRef idx="2">
-            <a:schemeClr val="accent1">
-              <a:shade val="50000"/>
-            </a:schemeClr>
-          </a:lnRef>
-          <a:fillRef idx="1">
-            <a:schemeClr val="accent1"/>
-          </a:fillRef>
-          <a:effectRef idx="0">
-            <a:schemeClr val="accent1"/>
-          </a:effectRef>
-          <a:fontRef idx="minor">
-            <a:schemeClr val="lt1"/>
-          </a:fontRef>
-        </p:style>
-        <p:txBody>
-          <a:bodyPr rtlCol="0" anchor="ctr"/>
-          <a:lstStyle/>
-          <a:p>
-            <a:pPr algn="ctr"/>
-            <a:endParaRPr lang="en-US"/>
-          </a:p>
-        </p:txBody>
-      </p:sp>
-      <p:sp>
-        <p:nvSpPr>
-          <p:cNvPr id="17" name="Rectangle 16"/>
-          <p:cNvSpPr/>
-          <p:nvPr/>
-        </p:nvSpPr>
-        <p:spPr>
-          <a:xfrm>
-            <a:off x="926582" y="3131912"/>
-            <a:ext cx="1619726" cy="1497792"/>
+            <a:off x="7709193" y="3017517"/>
+            <a:ext cx="1650770" cy="1097280"/>
           </a:xfrm>
           <a:prstGeom prst="rect">
             <a:avLst/>
@@ -5618,16 +6011,8 @@
           <a:p>
             <a:pPr algn="ctr"/>
             <a:r>
-              <a:rPr lang="en-US" dirty="0" err="1" smtClean="0"/>
-              <a:t>QueueListener</a:t>
-            </a:r>
-            <a:r>
-              <a:rPr lang="en-US" dirty="0" smtClean="0"/>
-              <a:t>/</a:t>
-            </a:r>
-            <a:r>
-              <a:rPr lang="en-US" dirty="0" err="1" smtClean="0"/>
-              <a:t>WebHook</a:t>
+              <a:rPr lang="en-US" dirty="0" smtClean="0"/>
+              <a:t>Table Trigger</a:t>
             </a:r>
             <a:endParaRPr lang="en-US" dirty="0"/>
           </a:p>
@@ -5635,16 +6020,105 @@
       </p:sp>
       <p:sp>
         <p:nvSpPr>
-          <p:cNvPr id="18" name="Right Arrow 17"/>
+          <p:cNvPr id="38" name="Flowchart: Direct Access Storage 37"/>
           <p:cNvSpPr/>
           <p:nvPr/>
         </p:nvSpPr>
         <p:spPr>
-          <a:xfrm rot="10800000">
-            <a:off x="2595915" y="3553306"/>
-            <a:ext cx="571098" cy="317916"/>
+          <a:xfrm>
+            <a:off x="6366857" y="4356810"/>
+            <a:ext cx="947650" cy="1014153"/>
           </a:xfrm>
-          <a:prstGeom prst="rightArrow">
+          <a:prstGeom prst="flowChartMagneticDrum">
+            <a:avLst/>
+          </a:prstGeom>
+          <a:solidFill>
+            <a:srgbClr val="FF0000"/>
+          </a:solidFill>
+        </p:spPr>
+        <p:style>
+          <a:lnRef idx="1">
+            <a:schemeClr val="accent2"/>
+          </a:lnRef>
+          <a:fillRef idx="3">
+            <a:schemeClr val="accent2"/>
+          </a:fillRef>
+          <a:effectRef idx="2">
+            <a:schemeClr val="accent2"/>
+          </a:effectRef>
+          <a:fontRef idx="minor">
+            <a:schemeClr val="lt1"/>
+          </a:fontRef>
+        </p:style>
+        <p:txBody>
+          <a:bodyPr rtlCol="0" anchor="ctr"/>
+          <a:lstStyle/>
+          <a:p>
+            <a:pPr algn="ctr"/>
+            <a:r>
+              <a:rPr lang="en-US" dirty="0" smtClean="0">
+                <a:sym typeface="Wingdings" panose="05000000000000000000" pitchFamily="2" charset="2"/>
+              </a:rPr>
+              <a:t></a:t>
+            </a:r>
+            <a:endParaRPr lang="en-US" dirty="0"/>
+          </a:p>
+        </p:txBody>
+      </p:sp>
+      <p:sp>
+        <p:nvSpPr>
+          <p:cNvPr id="39" name="Flowchart: Document 38"/>
+          <p:cNvSpPr/>
+          <p:nvPr/>
+        </p:nvSpPr>
+        <p:spPr>
+          <a:xfrm>
+            <a:off x="10108276" y="3059077"/>
+            <a:ext cx="1379913" cy="1097280"/>
+          </a:xfrm>
+          <a:prstGeom prst="flowChartDocument">
+            <a:avLst/>
+          </a:prstGeom>
+        </p:spPr>
+        <p:style>
+          <a:lnRef idx="1">
+            <a:schemeClr val="dk1"/>
+          </a:lnRef>
+          <a:fillRef idx="3">
+            <a:schemeClr val="dk1"/>
+          </a:fillRef>
+          <a:effectRef idx="2">
+            <a:schemeClr val="dk1"/>
+          </a:effectRef>
+          <a:fontRef idx="minor">
+            <a:schemeClr val="lt1"/>
+          </a:fontRef>
+        </p:style>
+        <p:txBody>
+          <a:bodyPr rtlCol="0" anchor="ctr"/>
+          <a:lstStyle/>
+          <a:p>
+            <a:pPr algn="ctr"/>
+            <a:r>
+              <a:rPr lang="en-US" dirty="0" smtClean="0"/>
+              <a:t>Text</a:t>
+            </a:r>
+            <a:endParaRPr lang="en-US" dirty="0"/>
+          </a:p>
+        </p:txBody>
+      </p:sp>
+      <p:sp>
+        <p:nvSpPr>
+          <p:cNvPr id="41" name="Circular Arrow 40"/>
+          <p:cNvSpPr/>
+          <p:nvPr/>
+        </p:nvSpPr>
+        <p:spPr>
+          <a:xfrm>
+            <a:off x="1142210" y="1690688"/>
+            <a:ext cx="2133005" cy="2128058"/>
+          </a:xfrm>
+          <a:prstGeom prst="circularArrow">
             <a:avLst/>
           </a:prstGeom>
         </p:spPr>
@@ -5669,24 +6143,125 @@
           <a:lstStyle/>
           <a:p>
             <a:pPr algn="ctr"/>
-            <a:endParaRPr lang="en-US"/>
-          </a:p>
-        </p:txBody>
-      </p:sp>
-      <p:sp>
-        <p:nvSpPr>
-          <p:cNvPr id="19" name="Rectangle 18"/>
+            <a:endParaRPr lang="en-US">
+              <a:solidFill>
+                <a:schemeClr val="tx1"/>
+              </a:solidFill>
+            </a:endParaRPr>
+          </a:p>
+        </p:txBody>
+      </p:sp>
+      <p:sp>
+        <p:nvSpPr>
+          <p:cNvPr id="42" name="Circular Arrow 41"/>
           <p:cNvSpPr/>
           <p:nvPr/>
         </p:nvSpPr>
         <p:spPr>
+          <a:xfrm rot="10800000" flipH="1">
+            <a:off x="3166270" y="3230441"/>
+            <a:ext cx="1854617" cy="2128058"/>
+          </a:xfrm>
+          <a:prstGeom prst="circularArrow">
+            <a:avLst>
+              <a:gd name="adj1" fmla="val 12500"/>
+              <a:gd name="adj2" fmla="val 1098330"/>
+              <a:gd name="adj3" fmla="val 20457681"/>
+              <a:gd name="adj4" fmla="val 10800000"/>
+              <a:gd name="adj5" fmla="val 12500"/>
+            </a:avLst>
+          </a:prstGeom>
+        </p:spPr>
+        <p:style>
+          <a:lnRef idx="2">
+            <a:schemeClr val="accent4">
+              <a:shade val="50000"/>
+            </a:schemeClr>
+          </a:lnRef>
+          <a:fillRef idx="1">
+            <a:schemeClr val="accent4"/>
+          </a:fillRef>
+          <a:effectRef idx="0">
+            <a:schemeClr val="accent4"/>
+          </a:effectRef>
+          <a:fontRef idx="minor">
+            <a:schemeClr val="lt1"/>
+          </a:fontRef>
+        </p:style>
+        <p:txBody>
+          <a:bodyPr rtlCol="0" anchor="ctr"/>
+          <a:lstStyle/>
+          <a:p>
+            <a:pPr algn="ctr"/>
+            <a:endParaRPr lang="en-US">
+              <a:solidFill>
+                <a:schemeClr val="tx1"/>
+              </a:solidFill>
+            </a:endParaRPr>
+          </a:p>
+        </p:txBody>
+      </p:sp>
+      <p:sp>
+        <p:nvSpPr>
+          <p:cNvPr id="44" name="Bent Arrow 43"/>
+          <p:cNvSpPr/>
+          <p:nvPr/>
+        </p:nvSpPr>
+        <p:spPr>
           <a:xfrm>
-            <a:off x="451602" y="4897584"/>
-            <a:ext cx="2125546" cy="1497792"/>
+            <a:off x="5218223" y="2047176"/>
+            <a:ext cx="1052745" cy="786505"/>
           </a:xfrm>
-          <a:prstGeom prst="rect">
+          <a:prstGeom prst="bentArrow">
             <a:avLst/>
           </a:prstGeom>
+        </p:spPr>
+        <p:style>
+          <a:lnRef idx="2">
+            <a:schemeClr val="accent6">
+              <a:shade val="50000"/>
+            </a:schemeClr>
+          </a:lnRef>
+          <a:fillRef idx="1">
+            <a:schemeClr val="accent6"/>
+          </a:fillRef>
+          <a:effectRef idx="0">
+            <a:schemeClr val="accent6"/>
+          </a:effectRef>
+          <a:fontRef idx="minor">
+            <a:schemeClr val="lt1"/>
+          </a:fontRef>
+        </p:style>
+        <p:txBody>
+          <a:bodyPr rtlCol="0" anchor="ctr"/>
+          <a:lstStyle/>
+          <a:p>
+            <a:pPr algn="ctr"/>
+            <a:endParaRPr lang="en-US">
+              <a:solidFill>
+                <a:schemeClr val="tx1"/>
+              </a:solidFill>
+            </a:endParaRPr>
+          </a:p>
+        </p:txBody>
+      </p:sp>
+      <p:sp>
+        <p:nvSpPr>
+          <p:cNvPr id="45" name="Bent Arrow 44"/>
+          <p:cNvSpPr/>
+          <p:nvPr/>
+        </p:nvSpPr>
+        <p:spPr>
+          <a:xfrm rot="10800000" flipH="1">
+            <a:off x="5218225" y="4293519"/>
+            <a:ext cx="1052744" cy="786505"/>
+          </a:xfrm>
+          <a:prstGeom prst="bentArrow">
+            <a:avLst/>
+          </a:prstGeom>
+          <a:solidFill>
+            <a:srgbClr val="FF0000"/>
+          </a:solidFill>
         </p:spPr>
         <p:style>
           <a:lnRef idx="2">
@@ -5709,32 +6284,68 @@
           <a:lstStyle/>
           <a:p>
             <a:pPr algn="ctr"/>
-            <a:r>
-              <a:rPr lang="en-US" dirty="0" err="1" smtClean="0"/>
-              <a:t>QueueListener</a:t>
-            </a:r>
-            <a:r>
-              <a:rPr lang="en-US" dirty="0" smtClean="0"/>
-              <a:t>/</a:t>
-            </a:r>
-            <a:r>
-              <a:rPr lang="en-US" dirty="0" err="1" smtClean="0"/>
-              <a:t>WebHook</a:t>
-            </a:r>
-            <a:endParaRPr lang="en-US" dirty="0"/>
-          </a:p>
-        </p:txBody>
-      </p:sp>
-      <p:sp>
-        <p:nvSpPr>
-          <p:cNvPr id="20" name="Right Arrow 19"/>
+            <a:endParaRPr lang="en-US">
+              <a:solidFill>
+                <a:schemeClr val="tx1"/>
+              </a:solidFill>
+            </a:endParaRPr>
+          </a:p>
+        </p:txBody>
+      </p:sp>
+      <p:sp>
+        <p:nvSpPr>
+          <p:cNvPr id="46" name="Bent Arrow 45"/>
           <p:cNvSpPr/>
           <p:nvPr/>
         </p:nvSpPr>
         <p:spPr>
-          <a:xfrm rot="10800000">
-            <a:off x="4365676" y="4291110"/>
-            <a:ext cx="571098" cy="317916"/>
+          <a:xfrm rot="5400000">
+            <a:off x="7790054" y="1763200"/>
+            <a:ext cx="847843" cy="1394729"/>
+          </a:xfrm>
+          <a:prstGeom prst="bentArrow">
+            <a:avLst/>
+          </a:prstGeom>
+        </p:spPr>
+        <p:style>
+          <a:lnRef idx="2">
+            <a:schemeClr val="accent6">
+              <a:shade val="50000"/>
+            </a:schemeClr>
+          </a:lnRef>
+          <a:fillRef idx="1">
+            <a:schemeClr val="accent6"/>
+          </a:fillRef>
+          <a:effectRef idx="0">
+            <a:schemeClr val="accent6"/>
+          </a:effectRef>
+          <a:fontRef idx="minor">
+            <a:schemeClr val="lt1"/>
+          </a:fontRef>
+        </p:style>
+        <p:txBody>
+          <a:bodyPr rtlCol="0" anchor="ctr"/>
+          <a:lstStyle/>
+          <a:p>
+            <a:pPr algn="ctr"/>
+            <a:endParaRPr lang="en-US">
+              <a:solidFill>
+                <a:schemeClr val="tx1"/>
+              </a:solidFill>
+            </a:endParaRPr>
+          </a:p>
+        </p:txBody>
+      </p:sp>
+      <p:sp>
+        <p:nvSpPr>
+          <p:cNvPr id="47" name="Right Arrow 46"/>
+          <p:cNvSpPr/>
+          <p:nvPr/>
+        </p:nvSpPr>
+        <p:spPr>
+          <a:xfrm>
+            <a:off x="9459715" y="3313564"/>
+            <a:ext cx="548808" cy="588305"/>
           </a:xfrm>
           <a:prstGeom prst="rightArrow">
             <a:avLst/>
@@ -5742,15 +6353,15 @@
         </p:spPr>
         <p:style>
           <a:lnRef idx="2">
-            <a:schemeClr val="accent1">
+            <a:schemeClr val="dk1">
               <a:shade val="50000"/>
             </a:schemeClr>
           </a:lnRef>
           <a:fillRef idx="1">
-            <a:schemeClr val="accent1"/>
+            <a:schemeClr val="dk1"/>
           </a:fillRef>
           <a:effectRef idx="0">
-            <a:schemeClr val="accent1"/>
+            <a:schemeClr val="dk1"/>
           </a:effectRef>
           <a:fontRef idx="minor">
             <a:schemeClr val="lt1"/>
@@ -5767,30 +6378,28 @@
       </p:sp>
       <p:sp>
         <p:nvSpPr>
-          <p:cNvPr id="21" name="Flowchart: Magnetic Disk 20"/>
+          <p:cNvPr id="49" name="Cloud Callout 48"/>
           <p:cNvSpPr/>
           <p:nvPr/>
         </p:nvSpPr>
         <p:spPr>
           <a:xfrm>
-            <a:off x="3297251" y="4169230"/>
-            <a:ext cx="966482" cy="682001"/>
+            <a:off x="443941" y="5370963"/>
+            <a:ext cx="1396538" cy="887570"/>
           </a:xfrm>
-          <a:prstGeom prst="flowChartMagneticDisk">
+          <a:prstGeom prst="cloudCallout">
             <a:avLst/>
           </a:prstGeom>
         </p:spPr>
         <p:style>
-          <a:lnRef idx="2">
-            <a:schemeClr val="accent1">
-              <a:shade val="50000"/>
-            </a:schemeClr>
+          <a:lnRef idx="3">
+            <a:schemeClr val="lt1"/>
           </a:lnRef>
           <a:fillRef idx="1">
-            <a:schemeClr val="accent1"/>
+            <a:schemeClr val="accent3"/>
           </a:fillRef>
-          <a:effectRef idx="0">
-            <a:schemeClr val="accent1"/>
+          <a:effectRef idx="1">
+            <a:schemeClr val="accent3"/>
           </a:effectRef>
           <a:fontRef idx="minor">
             <a:schemeClr val="lt1"/>
@@ -5803,7 +6412,7 @@
             <a:pPr algn="ctr"/>
             <a:r>
               <a:rPr lang="en-US" dirty="0" smtClean="0"/>
-              <a:t>DB</a:t>
+              <a:t>Twitter</a:t>
             </a:r>
             <a:endParaRPr lang="en-US" dirty="0"/>
           </a:p>
@@ -5811,14 +6420,14 @@
       </p:sp>
       <p:sp>
         <p:nvSpPr>
-          <p:cNvPr id="22" name="Right Arrow 21"/>
+          <p:cNvPr id="50" name="Right Arrow 49"/>
           <p:cNvSpPr/>
           <p:nvPr/>
         </p:nvSpPr>
         <p:spPr>
-          <a:xfrm rot="10800000">
-            <a:off x="2582321" y="5558893"/>
-            <a:ext cx="571098" cy="317916"/>
+          <a:xfrm rot="16200000">
+            <a:off x="684606" y="4481546"/>
+            <a:ext cx="964359" cy="588305"/>
           </a:xfrm>
           <a:prstGeom prst="rightArrow">
             <a:avLst/>
@@ -5826,15 +6435,15 @@
         </p:spPr>
         <p:style>
           <a:lnRef idx="2">
-            <a:schemeClr val="accent1">
+            <a:schemeClr val="accent3">
               <a:shade val="50000"/>
             </a:schemeClr>
           </a:lnRef>
           <a:fillRef idx="1">
-            <a:schemeClr val="accent1"/>
+            <a:schemeClr val="accent3"/>
           </a:fillRef>
           <a:effectRef idx="0">
-            <a:schemeClr val="accent1"/>
+            <a:schemeClr val="accent3"/>
           </a:effectRef>
           <a:fontRef idx="minor">
             <a:schemeClr val="lt1"/>
@@ -5849,534 +6458,6 @@
           </a:p>
         </p:txBody>
       </p:sp>
-      <p:sp>
-        <p:nvSpPr>
-          <p:cNvPr id="23" name="Right Arrow 22"/>
-          <p:cNvSpPr/>
-          <p:nvPr/>
-        </p:nvSpPr>
-        <p:spPr>
-          <a:xfrm rot="16200000">
-            <a:off x="867902" y="2685128"/>
-            <a:ext cx="426382" cy="291646"/>
-          </a:xfrm>
-          <a:prstGeom prst="rightArrow">
-            <a:avLst/>
-          </a:prstGeom>
-        </p:spPr>
-        <p:style>
-          <a:lnRef idx="2">
-            <a:schemeClr val="accent1">
-              <a:shade val="50000"/>
-            </a:schemeClr>
-          </a:lnRef>
-          <a:fillRef idx="1">
-            <a:schemeClr val="accent1"/>
-          </a:fillRef>
-          <a:effectRef idx="0">
-            <a:schemeClr val="accent1"/>
-          </a:effectRef>
-          <a:fontRef idx="minor">
-            <a:schemeClr val="lt1"/>
-          </a:fontRef>
-        </p:style>
-        <p:txBody>
-          <a:bodyPr rtlCol="0" anchor="ctr"/>
-          <a:lstStyle/>
-          <a:p>
-            <a:pPr algn="ctr"/>
-            <a:endParaRPr lang="en-US"/>
-          </a:p>
-        </p:txBody>
-      </p:sp>
-      <p:sp>
-        <p:nvSpPr>
-          <p:cNvPr id="24" name="Right Arrow 23"/>
-          <p:cNvSpPr/>
-          <p:nvPr/>
-        </p:nvSpPr>
-        <p:spPr>
-          <a:xfrm rot="16200000">
-            <a:off x="-472437" y="3570674"/>
-            <a:ext cx="2246209" cy="314908"/>
-          </a:xfrm>
-          <a:prstGeom prst="rightArrow">
-            <a:avLst/>
-          </a:prstGeom>
-        </p:spPr>
-        <p:style>
-          <a:lnRef idx="2">
-            <a:schemeClr val="accent1">
-              <a:shade val="50000"/>
-            </a:schemeClr>
-          </a:lnRef>
-          <a:fillRef idx="1">
-            <a:schemeClr val="accent1"/>
-          </a:fillRef>
-          <a:effectRef idx="0">
-            <a:schemeClr val="accent1"/>
-          </a:effectRef>
-          <a:fontRef idx="minor">
-            <a:schemeClr val="lt1"/>
-          </a:fontRef>
-        </p:style>
-        <p:txBody>
-          <a:bodyPr rtlCol="0" anchor="ctr"/>
-          <a:lstStyle/>
-          <a:p>
-            <a:pPr algn="ctr"/>
-            <a:endParaRPr lang="en-US"/>
-          </a:p>
-        </p:txBody>
-      </p:sp>
-      <p:sp>
-        <p:nvSpPr>
-          <p:cNvPr id="25" name="Oval 24"/>
-          <p:cNvSpPr/>
-          <p:nvPr/>
-        </p:nvSpPr>
-        <p:spPr>
-          <a:xfrm>
-            <a:off x="7901609" y="1622996"/>
-            <a:ext cx="1170144" cy="994764"/>
-          </a:xfrm>
-          <a:prstGeom prst="ellipse">
-            <a:avLst/>
-          </a:prstGeom>
-        </p:spPr>
-        <p:style>
-          <a:lnRef idx="2">
-            <a:schemeClr val="accent1">
-              <a:shade val="50000"/>
-            </a:schemeClr>
-          </a:lnRef>
-          <a:fillRef idx="1">
-            <a:schemeClr val="accent1"/>
-          </a:fillRef>
-          <a:effectRef idx="0">
-            <a:schemeClr val="accent1"/>
-          </a:effectRef>
-          <a:fontRef idx="minor">
-            <a:schemeClr val="lt1"/>
-          </a:fontRef>
-        </p:style>
-        <p:txBody>
-          <a:bodyPr rtlCol="0" anchor="ctr"/>
-          <a:lstStyle/>
-          <a:p>
-            <a:pPr algn="ctr"/>
-            <a:r>
-              <a:rPr lang="en-US" dirty="0" smtClean="0"/>
-              <a:t>Client</a:t>
-            </a:r>
-            <a:endParaRPr lang="en-US" dirty="0"/>
-          </a:p>
-        </p:txBody>
-      </p:sp>
-      <p:sp>
-        <p:nvSpPr>
-          <p:cNvPr id="26" name="Rectangle 25"/>
-          <p:cNvSpPr/>
-          <p:nvPr/>
-        </p:nvSpPr>
-        <p:spPr>
-          <a:xfrm>
-            <a:off x="10226846" y="1540616"/>
-            <a:ext cx="1384465" cy="971489"/>
-          </a:xfrm>
-          <a:prstGeom prst="rect">
-            <a:avLst/>
-          </a:prstGeom>
-        </p:spPr>
-        <p:style>
-          <a:lnRef idx="2">
-            <a:schemeClr val="accent1">
-              <a:shade val="50000"/>
-            </a:schemeClr>
-          </a:lnRef>
-          <a:fillRef idx="1">
-            <a:schemeClr val="accent1"/>
-          </a:fillRef>
-          <a:effectRef idx="0">
-            <a:schemeClr val="accent1"/>
-          </a:effectRef>
-          <a:fontRef idx="minor">
-            <a:schemeClr val="lt1"/>
-          </a:fontRef>
-        </p:style>
-        <p:txBody>
-          <a:bodyPr rtlCol="0" anchor="ctr"/>
-          <a:lstStyle/>
-          <a:p>
-            <a:pPr algn="ctr"/>
-            <a:r>
-              <a:rPr lang="en-US" dirty="0" err="1" smtClean="0"/>
-              <a:t>HttpListener</a:t>
-            </a:r>
-            <a:endParaRPr lang="en-US" dirty="0"/>
-          </a:p>
-        </p:txBody>
-      </p:sp>
-      <p:sp>
-        <p:nvSpPr>
-          <p:cNvPr id="27" name="Flowchart: Magnetic Disk 26"/>
-          <p:cNvSpPr/>
-          <p:nvPr/>
-        </p:nvSpPr>
-        <p:spPr>
-          <a:xfrm>
-            <a:off x="10521402" y="5584813"/>
-            <a:ext cx="966482" cy="682001"/>
-          </a:xfrm>
-          <a:prstGeom prst="flowChartMagneticDisk">
-            <a:avLst/>
-          </a:prstGeom>
-        </p:spPr>
-        <p:style>
-          <a:lnRef idx="2">
-            <a:schemeClr val="accent1">
-              <a:shade val="50000"/>
-            </a:schemeClr>
-          </a:lnRef>
-          <a:fillRef idx="1">
-            <a:schemeClr val="accent1"/>
-          </a:fillRef>
-          <a:effectRef idx="0">
-            <a:schemeClr val="accent1"/>
-          </a:effectRef>
-          <a:fontRef idx="minor">
-            <a:schemeClr val="lt1"/>
-          </a:fontRef>
-        </p:style>
-        <p:txBody>
-          <a:bodyPr rtlCol="0" anchor="ctr"/>
-          <a:lstStyle/>
-          <a:p>
-            <a:pPr algn="ctr"/>
-            <a:r>
-              <a:rPr lang="en-US" dirty="0" smtClean="0"/>
-              <a:t>DB</a:t>
-            </a:r>
-            <a:endParaRPr lang="en-US" dirty="0"/>
-          </a:p>
-        </p:txBody>
-      </p:sp>
-      <p:sp>
-        <p:nvSpPr>
-          <p:cNvPr id="28" name="Flowchart: Predefined Process 27"/>
-          <p:cNvSpPr/>
-          <p:nvPr/>
-        </p:nvSpPr>
-        <p:spPr>
-          <a:xfrm>
-            <a:off x="10156433" y="3635099"/>
-            <a:ext cx="1504709" cy="776266"/>
-          </a:xfrm>
-          <a:prstGeom prst="flowChartPredefinedProcess">
-            <a:avLst/>
-          </a:prstGeom>
-        </p:spPr>
-        <p:style>
-          <a:lnRef idx="2">
-            <a:schemeClr val="accent1">
-              <a:shade val="50000"/>
-            </a:schemeClr>
-          </a:lnRef>
-          <a:fillRef idx="1">
-            <a:schemeClr val="accent1"/>
-          </a:fillRef>
-          <a:effectRef idx="0">
-            <a:schemeClr val="accent1"/>
-          </a:effectRef>
-          <a:fontRef idx="minor">
-            <a:schemeClr val="lt1"/>
-          </a:fontRef>
-        </p:style>
-        <p:txBody>
-          <a:bodyPr rtlCol="0" anchor="ctr"/>
-          <a:lstStyle/>
-          <a:p>
-            <a:pPr algn="ctr"/>
-            <a:r>
-              <a:rPr lang="en-US" dirty="0" smtClean="0"/>
-              <a:t>Shared Assembly</a:t>
-            </a:r>
-            <a:endParaRPr lang="en-US" dirty="0"/>
-          </a:p>
-        </p:txBody>
-      </p:sp>
-      <p:sp>
-        <p:nvSpPr>
-          <p:cNvPr id="29" name="Right Arrow 28"/>
-          <p:cNvSpPr/>
-          <p:nvPr/>
-        </p:nvSpPr>
-        <p:spPr>
-          <a:xfrm>
-            <a:off x="9163011" y="1738036"/>
-            <a:ext cx="925975" cy="369606"/>
-          </a:xfrm>
-          <a:prstGeom prst="rightArrow">
-            <a:avLst/>
-          </a:prstGeom>
-        </p:spPr>
-        <p:style>
-          <a:lnRef idx="2">
-            <a:schemeClr val="accent1">
-              <a:shade val="50000"/>
-            </a:schemeClr>
-          </a:lnRef>
-          <a:fillRef idx="1">
-            <a:schemeClr val="accent1"/>
-          </a:fillRef>
-          <a:effectRef idx="0">
-            <a:schemeClr val="accent1"/>
-          </a:effectRef>
-          <a:fontRef idx="minor">
-            <a:schemeClr val="lt1"/>
-          </a:fontRef>
-        </p:style>
-        <p:txBody>
-          <a:bodyPr rtlCol="0" anchor="ctr"/>
-          <a:lstStyle/>
-          <a:p>
-            <a:pPr algn="ctr"/>
-            <a:endParaRPr lang="en-US"/>
-          </a:p>
-        </p:txBody>
-      </p:sp>
-      <p:sp>
-        <p:nvSpPr>
-          <p:cNvPr id="30" name="Right Arrow 29"/>
-          <p:cNvSpPr/>
-          <p:nvPr/>
-        </p:nvSpPr>
-        <p:spPr>
-          <a:xfrm rot="10800000">
-            <a:off x="9163010" y="2150128"/>
-            <a:ext cx="925975" cy="369606"/>
-          </a:xfrm>
-          <a:prstGeom prst="rightArrow">
-            <a:avLst/>
-          </a:prstGeom>
-        </p:spPr>
-        <p:style>
-          <a:lnRef idx="2">
-            <a:schemeClr val="accent1">
-              <a:shade val="50000"/>
-            </a:schemeClr>
-          </a:lnRef>
-          <a:fillRef idx="1">
-            <a:schemeClr val="accent1"/>
-          </a:fillRef>
-          <a:effectRef idx="0">
-            <a:schemeClr val="accent1"/>
-          </a:effectRef>
-          <a:fontRef idx="minor">
-            <a:schemeClr val="lt1"/>
-          </a:fontRef>
-        </p:style>
-        <p:txBody>
-          <a:bodyPr rtlCol="0" anchor="ctr"/>
-          <a:lstStyle/>
-          <a:p>
-            <a:pPr algn="ctr"/>
-            <a:endParaRPr lang="en-US"/>
-          </a:p>
-        </p:txBody>
-      </p:sp>
-      <p:sp>
-        <p:nvSpPr>
-          <p:cNvPr id="31" name="Right Arrow 30"/>
-          <p:cNvSpPr/>
-          <p:nvPr/>
-        </p:nvSpPr>
-        <p:spPr>
-          <a:xfrm rot="5400000">
-            <a:off x="10630602" y="2895945"/>
-            <a:ext cx="925975" cy="369606"/>
-          </a:xfrm>
-          <a:prstGeom prst="rightArrow">
-            <a:avLst/>
-          </a:prstGeom>
-        </p:spPr>
-        <p:style>
-          <a:lnRef idx="2">
-            <a:schemeClr val="accent1">
-              <a:shade val="50000"/>
-            </a:schemeClr>
-          </a:lnRef>
-          <a:fillRef idx="1">
-            <a:schemeClr val="accent1"/>
-          </a:fillRef>
-          <a:effectRef idx="0">
-            <a:schemeClr val="accent1"/>
-          </a:effectRef>
-          <a:fontRef idx="minor">
-            <a:schemeClr val="lt1"/>
-          </a:fontRef>
-        </p:style>
-        <p:txBody>
-          <a:bodyPr rtlCol="0" anchor="ctr"/>
-          <a:lstStyle/>
-          <a:p>
-            <a:pPr algn="ctr"/>
-            <a:endParaRPr lang="en-US"/>
-          </a:p>
-        </p:txBody>
-      </p:sp>
-      <p:sp>
-        <p:nvSpPr>
-          <p:cNvPr id="32" name="Right Arrow 31"/>
-          <p:cNvSpPr/>
-          <p:nvPr/>
-        </p:nvSpPr>
-        <p:spPr>
-          <a:xfrm rot="5400000">
-            <a:off x="10471282" y="4840357"/>
-            <a:ext cx="925975" cy="369606"/>
-          </a:xfrm>
-          <a:prstGeom prst="rightArrow">
-            <a:avLst/>
-          </a:prstGeom>
-        </p:spPr>
-        <p:style>
-          <a:lnRef idx="2">
-            <a:schemeClr val="accent1">
-              <a:shade val="50000"/>
-            </a:schemeClr>
-          </a:lnRef>
-          <a:fillRef idx="1">
-            <a:schemeClr val="accent1"/>
-          </a:fillRef>
-          <a:effectRef idx="0">
-            <a:schemeClr val="accent1"/>
-          </a:effectRef>
-          <a:fontRef idx="minor">
-            <a:schemeClr val="lt1"/>
-          </a:fontRef>
-        </p:style>
-        <p:txBody>
-          <a:bodyPr rtlCol="0" anchor="ctr"/>
-          <a:lstStyle/>
-          <a:p>
-            <a:pPr algn="ctr"/>
-            <a:endParaRPr lang="en-US"/>
-          </a:p>
-        </p:txBody>
-      </p:sp>
-      <p:sp>
-        <p:nvSpPr>
-          <p:cNvPr id="33" name="Right Arrow 32"/>
-          <p:cNvSpPr/>
-          <p:nvPr/>
-        </p:nvSpPr>
-        <p:spPr>
-          <a:xfrm rot="16200000">
-            <a:off x="10240208" y="2877677"/>
-            <a:ext cx="925975" cy="369606"/>
-          </a:xfrm>
-          <a:prstGeom prst="rightArrow">
-            <a:avLst/>
-          </a:prstGeom>
-        </p:spPr>
-        <p:style>
-          <a:lnRef idx="2">
-            <a:schemeClr val="accent1">
-              <a:shade val="50000"/>
-            </a:schemeClr>
-          </a:lnRef>
-          <a:fillRef idx="1">
-            <a:schemeClr val="accent1"/>
-          </a:fillRef>
-          <a:effectRef idx="0">
-            <a:schemeClr val="accent1"/>
-          </a:effectRef>
-          <a:fontRef idx="minor">
-            <a:schemeClr val="lt1"/>
-          </a:fontRef>
-        </p:style>
-        <p:txBody>
-          <a:bodyPr rtlCol="0" anchor="ctr"/>
-          <a:lstStyle/>
-          <a:p>
-            <a:pPr algn="ctr"/>
-            <a:endParaRPr lang="en-US"/>
-          </a:p>
-        </p:txBody>
-      </p:sp>
-      <p:cxnSp>
-        <p:nvCxnSpPr>
-          <p:cNvPr id="35" name="Straight Connector 34"/>
-          <p:cNvCxnSpPr/>
-          <p:nvPr/>
-        </p:nvCxnSpPr>
-        <p:spPr>
-          <a:xfrm flipH="1">
-            <a:off x="7274560" y="1738036"/>
-            <a:ext cx="40640" cy="4528778"/>
-          </a:xfrm>
-          <a:prstGeom prst="line">
-            <a:avLst/>
-          </a:prstGeom>
-          <a:ln w="76200">
-            <a:solidFill>
-              <a:schemeClr val="tx1"/>
-            </a:solidFill>
-          </a:ln>
-        </p:spPr>
-        <p:style>
-          <a:lnRef idx="1">
-            <a:schemeClr val="accent1"/>
-          </a:lnRef>
-          <a:fillRef idx="0">
-            <a:schemeClr val="accent1"/>
-          </a:fillRef>
-          <a:effectRef idx="0">
-            <a:schemeClr val="accent1"/>
-          </a:effectRef>
-          <a:fontRef idx="minor">
-            <a:schemeClr val="tx1"/>
-          </a:fontRef>
-        </p:style>
-      </p:cxnSp>
-      <p:cxnSp>
-        <p:nvCxnSpPr>
-          <p:cNvPr id="7" name="Straight Arrow Connector 6"/>
-          <p:cNvCxnSpPr/>
-          <p:nvPr/>
-        </p:nvCxnSpPr>
-        <p:spPr>
-          <a:xfrm flipH="1">
-            <a:off x="1596437" y="2512105"/>
-            <a:ext cx="900508" cy="7629"/>
-          </a:xfrm>
-          <a:prstGeom prst="straightConnector1">
-            <a:avLst/>
-          </a:prstGeom>
-          <a:ln w="38100">
-            <a:solidFill>
-              <a:schemeClr val="tx1"/>
-            </a:solidFill>
-            <a:prstDash val="sysDash"/>
-            <a:tailEnd type="triangle"/>
-          </a:ln>
-        </p:spPr>
-        <p:style>
-          <a:lnRef idx="1">
-            <a:schemeClr val="accent1"/>
-          </a:lnRef>
-          <a:fillRef idx="0">
-            <a:schemeClr val="accent1"/>
-          </a:fillRef>
-          <a:effectRef idx="0">
-            <a:schemeClr val="accent1"/>
-          </a:effectRef>
-          <a:fontRef idx="minor">
-            <a:schemeClr val="tx1"/>
-          </a:fontRef>
-        </p:style>
-      </p:cxnSp>
     </p:spTree>
     <p:extLst>
       <p:ext uri="{BB962C8B-B14F-4D97-AF65-F5344CB8AC3E}">
@@ -6397,7 +6478,7 @@
 </p:sld>
 </file>
 
-<file path=ppt/slides/slide14.xml><?xml version="1.0" encoding="utf-8"?>
+<file path=ppt/slides/slide17.xml><?xml version="1.0" encoding="utf-8"?>
 <p:sld xmlns:a="http://schemas.openxmlformats.org/drawingml/2006/main" xmlns:r="http://schemas.openxmlformats.org/officeDocument/2006/relationships" xmlns:p="http://schemas.openxmlformats.org/presentationml/2006/main">
   <p:cSld>
     <p:spTree>
@@ -6511,7 +6592,11 @@
             <a:pPr lvl="1"/>
             <a:r>
               <a:rPr lang="en-US" dirty="0" smtClean="0"/>
-              <a:t>Returns 202, not 201</a:t>
+              <a:t>Return </a:t>
+            </a:r>
+            <a:r>
+              <a:rPr lang="en-US" dirty="0" smtClean="0"/>
+              <a:t>202, not 201</a:t>
             </a:r>
           </a:p>
           <a:p>
@@ -6560,7 +6645,7 @@
 </p:sld>
 </file>
 
-<file path=ppt/slides/slide15.xml><?xml version="1.0" encoding="utf-8"?>
+<file path=ppt/slides/slide18.xml><?xml version="1.0" encoding="utf-8"?>
 <p:sld xmlns:a="http://schemas.openxmlformats.org/drawingml/2006/main" xmlns:r="http://schemas.openxmlformats.org/officeDocument/2006/relationships" xmlns:p="http://schemas.openxmlformats.org/presentationml/2006/main">
   <p:cSld>
     <p:spTree>
@@ -6644,7 +6729,7 @@
 </p:sld>
 </file>
 
-<file path=ppt/slides/slide16.xml><?xml version="1.0" encoding="utf-8"?>
+<file path=ppt/slides/slide19.xml><?xml version="1.0" encoding="utf-8"?>
 <p:sld xmlns:a="http://schemas.openxmlformats.org/drawingml/2006/main" xmlns:r="http://schemas.openxmlformats.org/officeDocument/2006/relationships" xmlns:p="http://schemas.openxmlformats.org/presentationml/2006/main">
   <p:cSld>
     <p:spTree>
@@ -6803,192 +6888,6 @@
     <p:extLst>
       <p:ext uri="{BB962C8B-B14F-4D97-AF65-F5344CB8AC3E}">
         <p14:creationId xmlns:p14="http://schemas.microsoft.com/office/powerpoint/2010/main" val="3707189716"/>
-      </p:ext>
-    </p:extLst>
-  </p:cSld>
-  <p:clrMapOvr>
-    <a:masterClrMapping/>
-  </p:clrMapOvr>
-  <p:timing>
-    <p:tnLst>
-      <p:par>
-        <p:cTn id="1" dur="indefinite" restart="never" nodeType="tmRoot"/>
-      </p:par>
-    </p:tnLst>
-  </p:timing>
-</p:sld>
-</file>
-
-<file path=ppt/slides/slide17.xml><?xml version="1.0" encoding="utf-8"?>
-<p:sld xmlns:a="http://schemas.openxmlformats.org/drawingml/2006/main" xmlns:r="http://schemas.openxmlformats.org/officeDocument/2006/relationships" xmlns:p="http://schemas.openxmlformats.org/presentationml/2006/main">
-  <p:cSld>
-    <p:spTree>
-      <p:nvGrpSpPr>
-        <p:cNvPr id="1" name=""/>
-        <p:cNvGrpSpPr/>
-        <p:nvPr/>
-      </p:nvGrpSpPr>
-      <p:grpSpPr>
-        <a:xfrm>
-          <a:off x="0" y="0"/>
-          <a:ext cx="0" cy="0"/>
-          <a:chOff x="0" y="0"/>
-          <a:chExt cx="0" cy="0"/>
-        </a:xfrm>
-      </p:grpSpPr>
-      <p:sp>
-        <p:nvSpPr>
-          <p:cNvPr id="2" name="Title 1"/>
-          <p:cNvSpPr>
-            <a:spLocks noGrp="1"/>
-          </p:cNvSpPr>
-          <p:nvPr>
-            <p:ph type="title"/>
-          </p:nvPr>
-        </p:nvSpPr>
-        <p:spPr/>
-        <p:txBody>
-          <a:bodyPr/>
-          <a:lstStyle/>
-          <a:p>
-            <a:r>
-              <a:rPr lang="en-US" dirty="0" smtClean="0"/>
-              <a:t>Getting Started</a:t>
-            </a:r>
-            <a:endParaRPr lang="en-US" dirty="0"/>
-          </a:p>
-        </p:txBody>
-      </p:sp>
-      <p:sp>
-        <p:nvSpPr>
-          <p:cNvPr id="3" name="Content Placeholder 2"/>
-          <p:cNvSpPr>
-            <a:spLocks noGrp="1"/>
-          </p:cNvSpPr>
-          <p:nvPr>
-            <p:ph idx="1"/>
-          </p:nvPr>
-        </p:nvSpPr>
-        <p:spPr>
-          <a:xfrm>
-            <a:off x="949124" y="1825625"/>
-            <a:ext cx="10404675" cy="4351338"/>
-          </a:xfrm>
-        </p:spPr>
-        <p:txBody>
-          <a:bodyPr>
-            <a:normAutofit/>
-          </a:bodyPr>
-          <a:lstStyle/>
-          <a:p>
-            <a:r>
-              <a:rPr lang="en-US" dirty="0" smtClean="0"/>
-              <a:t>Start small.  Replace 1 API or background worker</a:t>
-            </a:r>
-          </a:p>
-          <a:p>
-            <a:r>
-              <a:rPr lang="en-US" dirty="0" smtClean="0"/>
-              <a:t>Integration – build Serverless on top of existing code</a:t>
-            </a:r>
-          </a:p>
-          <a:p>
-            <a:r>
-              <a:rPr lang="en-US" dirty="0" smtClean="0"/>
-              <a:t>Have fun – make your life easier.  Don’t spend hours coding a single function</a:t>
-            </a:r>
-          </a:p>
-          <a:p>
-            <a:endParaRPr lang="en-US" dirty="0"/>
-          </a:p>
-          <a:p>
-            <a:endParaRPr lang="en-US" dirty="0"/>
-          </a:p>
-        </p:txBody>
-      </p:sp>
-    </p:spTree>
-    <p:extLst>
-      <p:ext uri="{BB962C8B-B14F-4D97-AF65-F5344CB8AC3E}">
-        <p14:creationId xmlns:p14="http://schemas.microsoft.com/office/powerpoint/2010/main" val="2190850985"/>
-      </p:ext>
-    </p:extLst>
-  </p:cSld>
-  <p:clrMapOvr>
-    <a:masterClrMapping/>
-  </p:clrMapOvr>
-  <p:timing>
-    <p:tnLst>
-      <p:par>
-        <p:cTn id="1" dur="indefinite" restart="never" nodeType="tmRoot"/>
-      </p:par>
-    </p:tnLst>
-  </p:timing>
-</p:sld>
-</file>
-
-<file path=ppt/slides/slide18.xml><?xml version="1.0" encoding="utf-8"?>
-<p:sld xmlns:a="http://schemas.openxmlformats.org/drawingml/2006/main" xmlns:r="http://schemas.openxmlformats.org/officeDocument/2006/relationships" xmlns:p="http://schemas.openxmlformats.org/presentationml/2006/main">
-  <p:cSld>
-    <p:spTree>
-      <p:nvGrpSpPr>
-        <p:cNvPr id="1" name=""/>
-        <p:cNvGrpSpPr/>
-        <p:nvPr/>
-      </p:nvGrpSpPr>
-      <p:grpSpPr>
-        <a:xfrm>
-          <a:off x="0" y="0"/>
-          <a:ext cx="0" cy="0"/>
-          <a:chOff x="0" y="0"/>
-          <a:chExt cx="0" cy="0"/>
-        </a:xfrm>
-      </p:grpSpPr>
-      <p:sp>
-        <p:nvSpPr>
-          <p:cNvPr id="2" name="Title 1"/>
-          <p:cNvSpPr>
-            <a:spLocks noGrp="1"/>
-          </p:cNvSpPr>
-          <p:nvPr>
-            <p:ph type="title"/>
-          </p:nvPr>
-        </p:nvSpPr>
-        <p:spPr/>
-        <p:txBody>
-          <a:bodyPr/>
-          <a:lstStyle/>
-          <a:p>
-            <a:r>
-              <a:rPr lang="en-US" dirty="0" smtClean="0"/>
-              <a:t>Magic Trick</a:t>
-            </a:r>
-            <a:endParaRPr lang="en-US" dirty="0"/>
-          </a:p>
-        </p:txBody>
-      </p:sp>
-      <p:sp>
-        <p:nvSpPr>
-          <p:cNvPr id="3" name="Content Placeholder 2"/>
-          <p:cNvSpPr>
-            <a:spLocks noGrp="1"/>
-          </p:cNvSpPr>
-          <p:nvPr>
-            <p:ph idx="1"/>
-          </p:nvPr>
-        </p:nvSpPr>
-        <p:spPr/>
-        <p:txBody>
-          <a:bodyPr/>
-          <a:lstStyle/>
-          <a:p>
-            <a:endParaRPr lang="en-US"/>
-          </a:p>
-        </p:txBody>
-      </p:sp>
-    </p:spTree>
-    <p:extLst>
-      <p:ext uri="{BB962C8B-B14F-4D97-AF65-F5344CB8AC3E}">
-        <p14:creationId xmlns:p14="http://schemas.microsoft.com/office/powerpoint/2010/main" val="2707202308"/>
       </p:ext>
     </p:extLst>
   </p:cSld>
@@ -7138,6 +7037,192 @@
     <p:extLst>
       <p:ext uri="{BB962C8B-B14F-4D97-AF65-F5344CB8AC3E}">
         <p14:creationId xmlns:p14="http://schemas.microsoft.com/office/powerpoint/2010/main" val="3372784530"/>
+      </p:ext>
+    </p:extLst>
+  </p:cSld>
+  <p:clrMapOvr>
+    <a:masterClrMapping/>
+  </p:clrMapOvr>
+  <p:timing>
+    <p:tnLst>
+      <p:par>
+        <p:cTn id="1" dur="indefinite" restart="never" nodeType="tmRoot"/>
+      </p:par>
+    </p:tnLst>
+  </p:timing>
+</p:sld>
+</file>
+
+<file path=ppt/slides/slide20.xml><?xml version="1.0" encoding="utf-8"?>
+<p:sld xmlns:a="http://schemas.openxmlformats.org/drawingml/2006/main" xmlns:r="http://schemas.openxmlformats.org/officeDocument/2006/relationships" xmlns:p="http://schemas.openxmlformats.org/presentationml/2006/main">
+  <p:cSld>
+    <p:spTree>
+      <p:nvGrpSpPr>
+        <p:cNvPr id="1" name=""/>
+        <p:cNvGrpSpPr/>
+        <p:nvPr/>
+      </p:nvGrpSpPr>
+      <p:grpSpPr>
+        <a:xfrm>
+          <a:off x="0" y="0"/>
+          <a:ext cx="0" cy="0"/>
+          <a:chOff x="0" y="0"/>
+          <a:chExt cx="0" cy="0"/>
+        </a:xfrm>
+      </p:grpSpPr>
+      <p:sp>
+        <p:nvSpPr>
+          <p:cNvPr id="2" name="Title 1"/>
+          <p:cNvSpPr>
+            <a:spLocks noGrp="1"/>
+          </p:cNvSpPr>
+          <p:nvPr>
+            <p:ph type="title"/>
+          </p:nvPr>
+        </p:nvSpPr>
+        <p:spPr/>
+        <p:txBody>
+          <a:bodyPr/>
+          <a:lstStyle/>
+          <a:p>
+            <a:r>
+              <a:rPr lang="en-US" dirty="0" smtClean="0"/>
+              <a:t>Getting Started</a:t>
+            </a:r>
+            <a:endParaRPr lang="en-US" dirty="0"/>
+          </a:p>
+        </p:txBody>
+      </p:sp>
+      <p:sp>
+        <p:nvSpPr>
+          <p:cNvPr id="3" name="Content Placeholder 2"/>
+          <p:cNvSpPr>
+            <a:spLocks noGrp="1"/>
+          </p:cNvSpPr>
+          <p:nvPr>
+            <p:ph idx="1"/>
+          </p:nvPr>
+        </p:nvSpPr>
+        <p:spPr>
+          <a:xfrm>
+            <a:off x="949124" y="1825625"/>
+            <a:ext cx="10404675" cy="4351338"/>
+          </a:xfrm>
+        </p:spPr>
+        <p:txBody>
+          <a:bodyPr>
+            <a:normAutofit/>
+          </a:bodyPr>
+          <a:lstStyle/>
+          <a:p>
+            <a:r>
+              <a:rPr lang="en-US" dirty="0" smtClean="0"/>
+              <a:t>Start small.  Replace 1 API or background worker</a:t>
+            </a:r>
+          </a:p>
+          <a:p>
+            <a:r>
+              <a:rPr lang="en-US" dirty="0" smtClean="0"/>
+              <a:t>Integration – build Serverless on top of existing code</a:t>
+            </a:r>
+          </a:p>
+          <a:p>
+            <a:r>
+              <a:rPr lang="en-US" dirty="0" smtClean="0"/>
+              <a:t>Have fun – make your life easier.  Don’t spend hours coding a single function</a:t>
+            </a:r>
+          </a:p>
+          <a:p>
+            <a:endParaRPr lang="en-US" dirty="0"/>
+          </a:p>
+          <a:p>
+            <a:endParaRPr lang="en-US" dirty="0"/>
+          </a:p>
+        </p:txBody>
+      </p:sp>
+    </p:spTree>
+    <p:extLst>
+      <p:ext uri="{BB962C8B-B14F-4D97-AF65-F5344CB8AC3E}">
+        <p14:creationId xmlns:p14="http://schemas.microsoft.com/office/powerpoint/2010/main" val="2190850985"/>
+      </p:ext>
+    </p:extLst>
+  </p:cSld>
+  <p:clrMapOvr>
+    <a:masterClrMapping/>
+  </p:clrMapOvr>
+  <p:timing>
+    <p:tnLst>
+      <p:par>
+        <p:cTn id="1" dur="indefinite" restart="never" nodeType="tmRoot"/>
+      </p:par>
+    </p:tnLst>
+  </p:timing>
+</p:sld>
+</file>
+
+<file path=ppt/slides/slide21.xml><?xml version="1.0" encoding="utf-8"?>
+<p:sld xmlns:a="http://schemas.openxmlformats.org/drawingml/2006/main" xmlns:r="http://schemas.openxmlformats.org/officeDocument/2006/relationships" xmlns:p="http://schemas.openxmlformats.org/presentationml/2006/main">
+  <p:cSld>
+    <p:spTree>
+      <p:nvGrpSpPr>
+        <p:cNvPr id="1" name=""/>
+        <p:cNvGrpSpPr/>
+        <p:nvPr/>
+      </p:nvGrpSpPr>
+      <p:grpSpPr>
+        <a:xfrm>
+          <a:off x="0" y="0"/>
+          <a:ext cx="0" cy="0"/>
+          <a:chOff x="0" y="0"/>
+          <a:chExt cx="0" cy="0"/>
+        </a:xfrm>
+      </p:grpSpPr>
+      <p:sp>
+        <p:nvSpPr>
+          <p:cNvPr id="2" name="Title 1"/>
+          <p:cNvSpPr>
+            <a:spLocks noGrp="1"/>
+          </p:cNvSpPr>
+          <p:nvPr>
+            <p:ph type="title"/>
+          </p:nvPr>
+        </p:nvSpPr>
+        <p:spPr/>
+        <p:txBody>
+          <a:bodyPr/>
+          <a:lstStyle/>
+          <a:p>
+            <a:r>
+              <a:rPr lang="en-US" dirty="0" smtClean="0"/>
+              <a:t>Magic Trick</a:t>
+            </a:r>
+            <a:endParaRPr lang="en-US" dirty="0"/>
+          </a:p>
+        </p:txBody>
+      </p:sp>
+      <p:sp>
+        <p:nvSpPr>
+          <p:cNvPr id="3" name="Content Placeholder 2"/>
+          <p:cNvSpPr>
+            <a:spLocks noGrp="1"/>
+          </p:cNvSpPr>
+          <p:nvPr>
+            <p:ph idx="1"/>
+          </p:nvPr>
+        </p:nvSpPr>
+        <p:spPr/>
+        <p:txBody>
+          <a:bodyPr/>
+          <a:lstStyle/>
+          <a:p>
+            <a:endParaRPr lang="en-US"/>
+          </a:p>
+        </p:txBody>
+      </p:sp>
+    </p:spTree>
+    <p:extLst>
+      <p:ext uri="{BB962C8B-B14F-4D97-AF65-F5344CB8AC3E}">
+        <p14:creationId xmlns:p14="http://schemas.microsoft.com/office/powerpoint/2010/main" val="2707202308"/>
       </p:ext>
     </p:extLst>
   </p:cSld>
@@ -8088,28 +8173,106 @@
           <a:lstStyle/>
           <a:p>
             <a:r>
-              <a:rPr lang="en-US" dirty="0" smtClean="0"/>
-              <a:t>Example #2</a:t>
-            </a:r>
+              <a:rPr lang="en-US" dirty="0" smtClean="0">
+                <a:solidFill>
+                  <a:schemeClr val="accent1"/>
+                </a:solidFill>
+              </a:rPr>
+              <a:t>Triggers</a:t>
+            </a:r>
+            <a:endParaRPr lang="en-US" dirty="0">
+              <a:solidFill>
+                <a:schemeClr val="accent1"/>
+              </a:solidFill>
+            </a:endParaRPr>
+          </a:p>
+        </p:txBody>
+      </p:sp>
+      <p:sp>
+        <p:nvSpPr>
+          <p:cNvPr id="3" name="Content Placeholder 2"/>
+          <p:cNvSpPr>
+            <a:spLocks noGrp="1"/>
+          </p:cNvSpPr>
+          <p:nvPr>
+            <p:ph idx="1"/>
+          </p:nvPr>
+        </p:nvSpPr>
+        <p:spPr/>
+        <p:txBody>
+          <a:bodyPr/>
+          <a:lstStyle/>
+          <a:p>
+            <a:r>
+              <a:rPr lang="en-US" dirty="0" smtClean="0"/>
+              <a:t>Http</a:t>
+            </a:r>
+          </a:p>
+          <a:p>
+            <a:r>
+              <a:rPr lang="en-US" dirty="0" smtClean="0"/>
+              <a:t>Azure Storage</a:t>
+            </a:r>
+          </a:p>
+          <a:p>
+            <a:pPr lvl="1"/>
+            <a:r>
+              <a:rPr lang="en-US" dirty="0" smtClean="0"/>
+              <a:t>Blob</a:t>
+            </a:r>
+          </a:p>
+          <a:p>
+            <a:pPr lvl="1"/>
+            <a:r>
+              <a:rPr lang="en-US" dirty="0" smtClean="0"/>
+              <a:t>Table</a:t>
+            </a:r>
+          </a:p>
+          <a:p>
+            <a:pPr lvl="1"/>
+            <a:r>
+              <a:rPr lang="en-US" dirty="0" smtClean="0"/>
+              <a:t>Queue</a:t>
+            </a:r>
+          </a:p>
+          <a:p>
+            <a:r>
+              <a:rPr lang="en-US" dirty="0" smtClean="0"/>
+              <a:t>Timer</a:t>
+            </a:r>
+          </a:p>
+          <a:p>
             <a:endParaRPr lang="en-US" dirty="0"/>
           </a:p>
-        </p:txBody>
-      </p:sp>
-      <p:sp>
-        <p:nvSpPr>
-          <p:cNvPr id="3" name="Content Placeholder 2"/>
-          <p:cNvSpPr>
-            <a:spLocks noGrp="1"/>
-          </p:cNvSpPr>
-          <p:nvPr>
-            <p:ph idx="1"/>
-          </p:nvPr>
-        </p:nvSpPr>
-        <p:spPr/>
-        <p:txBody>
-          <a:bodyPr/>
-          <a:lstStyle/>
-          <a:p>
+          <a:p>
+            <a:r>
+              <a:rPr lang="en-US" dirty="0" err="1" smtClean="0"/>
+              <a:t>EventHub</a:t>
+            </a:r>
+            <a:r>
+              <a:rPr lang="en-US" dirty="0" smtClean="0"/>
+              <a:t>, </a:t>
+            </a:r>
+            <a:r>
+              <a:rPr lang="en-US" dirty="0" err="1" smtClean="0"/>
+              <a:t>Webhooks</a:t>
+            </a:r>
+            <a:r>
+              <a:rPr lang="en-US" dirty="0" smtClean="0"/>
+              <a:t> (</a:t>
+            </a:r>
+            <a:r>
+              <a:rPr lang="en-US" dirty="0" err="1" smtClean="0"/>
+              <a:t>Github</a:t>
+            </a:r>
+            <a:r>
+              <a:rPr lang="en-US" dirty="0" smtClean="0"/>
+              <a:t>, Twitter, SO, etc..), </a:t>
+            </a:r>
+            <a:r>
+              <a:rPr lang="en-US" dirty="0" err="1" smtClean="0"/>
+              <a:t>ServiceBus</a:t>
+            </a:r>
             <a:endParaRPr lang="en-US" dirty="0"/>
           </a:p>
         </p:txBody>
@@ -8117,20 +8280,13 @@
     </p:spTree>
     <p:extLst>
       <p:ext uri="{BB962C8B-B14F-4D97-AF65-F5344CB8AC3E}">
-        <p14:creationId xmlns:p14="http://schemas.microsoft.com/office/powerpoint/2010/main" val="3811159014"/>
+        <p14:creationId xmlns:p14="http://schemas.microsoft.com/office/powerpoint/2010/main" val="1084775558"/>
       </p:ext>
     </p:extLst>
   </p:cSld>
   <p:clrMapOvr>
     <a:masterClrMapping/>
   </p:clrMapOvr>
-  <p:timing>
-    <p:tnLst>
-      <p:par>
-        <p:cTn id="1" dur="indefinite" restart="never" nodeType="tmRoot"/>
-      </p:par>
-    </p:tnLst>
-  </p:timing>
 </p:sld>
 </file>
 

--- a/Presentation/AzureFunctions.pptx
+++ b/Presentation/AzureFunctions.pptx
@@ -5,7 +5,7 @@
     <p:sldMasterId id="2147483648" r:id="rId1"/>
   </p:sldMasterIdLst>
   <p:notesMasterIdLst>
-    <p:notesMasterId r:id="rId23"/>
+    <p:notesMasterId r:id="rId24"/>
   </p:notesMasterIdLst>
   <p:sldIdLst>
     <p:sldId id="256" r:id="rId2"/>
@@ -23,12 +23,13 @@
     <p:sldId id="272" r:id="rId14"/>
     <p:sldId id="274" r:id="rId15"/>
     <p:sldId id="275" r:id="rId16"/>
-    <p:sldId id="288" r:id="rId17"/>
-    <p:sldId id="290" r:id="rId18"/>
-    <p:sldId id="276" r:id="rId19"/>
-    <p:sldId id="277" r:id="rId20"/>
-    <p:sldId id="280" r:id="rId21"/>
-    <p:sldId id="289" r:id="rId22"/>
+    <p:sldId id="295" r:id="rId17"/>
+    <p:sldId id="288" r:id="rId18"/>
+    <p:sldId id="290" r:id="rId19"/>
+    <p:sldId id="276" r:id="rId20"/>
+    <p:sldId id="277" r:id="rId21"/>
+    <p:sldId id="280" r:id="rId22"/>
+    <p:sldId id="289" r:id="rId23"/>
   </p:sldIdLst>
   <p:sldSz cx="12192000" cy="6858000"/>
   <p:notesSz cx="6858000" cy="9144000"/>
@@ -652,43 +653,59 @@
           <a:lstStyle/>
           <a:p>
             <a:r>
-              <a:rPr lang="en-US" dirty="0" smtClean="0"/>
-              <a:t>You can try maintain state</a:t>
-            </a:r>
-          </a:p>
-          <a:p>
-            <a:r>
-              <a:rPr lang="en-US" dirty="0" smtClean="0"/>
-              <a:t>We throw away state whenever we want</a:t>
-            </a:r>
-          </a:p>
-          <a:p>
+              <a:rPr lang="en-US" baseline="0" dirty="0" smtClean="0"/>
+              <a:t>Every minute, get </a:t>
+            </a:r>
+            <a:r>
+              <a:rPr lang="en-US" baseline="0" dirty="0" smtClean="0"/>
+              <a:t>tweet and </a:t>
+            </a:r>
+            <a:r>
+              <a:rPr lang="en-US" baseline="0" dirty="0" smtClean="0"/>
+              <a:t>put it on the </a:t>
+            </a:r>
+            <a:r>
+              <a:rPr lang="en-US" baseline="0" dirty="0" smtClean="0"/>
+              <a:t>table (C#)</a:t>
+            </a:r>
+            <a:endParaRPr lang="en-US" baseline="0" dirty="0" smtClean="0"/>
+          </a:p>
+          <a:p>
+            <a:r>
+              <a:rPr lang="en-US" baseline="0" dirty="0" smtClean="0"/>
+              <a:t>Get values from </a:t>
+            </a:r>
+            <a:r>
+              <a:rPr lang="en-US" baseline="0" dirty="0" smtClean="0"/>
+              <a:t>table, analyze it, </a:t>
+            </a:r>
+            <a:r>
+              <a:rPr lang="en-US" baseline="0" dirty="0" smtClean="0"/>
+              <a:t>and put it into a </a:t>
+            </a:r>
+            <a:r>
+              <a:rPr lang="en-US" baseline="0" dirty="0" smtClean="0"/>
+              <a:t>queue (python)</a:t>
+            </a:r>
+            <a:endParaRPr lang="en-US" baseline="0" dirty="0" smtClean="0"/>
+          </a:p>
+          <a:p>
+            <a:r>
+              <a:rPr lang="en-US" baseline="0" dirty="0" smtClean="0"/>
+              <a:t>Get values from </a:t>
+            </a:r>
+            <a:r>
+              <a:rPr lang="en-US" baseline="0" dirty="0" smtClean="0"/>
+              <a:t>queue and notify (node p.57, 115)</a:t>
+            </a:r>
+            <a:endParaRPr lang="en-US" baseline="0" dirty="0" smtClean="0"/>
+          </a:p>
+          <a:p>
+            <a:r>
+              <a:rPr lang="en-US" baseline="0" dirty="0" smtClean="0"/>
+              <a:t> </a:t>
+            </a:r>
             <a:endParaRPr lang="en-US" dirty="0" smtClean="0"/>
-          </a:p>
-          <a:p>
-            <a:r>
-              <a:rPr lang="en-US" dirty="0" smtClean="0"/>
-              <a:t>Pay </a:t>
-            </a:r>
-            <a:r>
-              <a:rPr lang="en-US" dirty="0" smtClean="0"/>
-              <a:t>for function processing</a:t>
-            </a:r>
-          </a:p>
-          <a:p>
-            <a:r>
-              <a:rPr lang="en-US" dirty="0" smtClean="0"/>
-              <a:t>Want to respond immediate (I started)</a:t>
-            </a:r>
-          </a:p>
-          <a:p>
-            <a:r>
-              <a:rPr lang="en-US" dirty="0" smtClean="0"/>
-              <a:t>Inspect for complete (queue)</a:t>
-            </a:r>
-          </a:p>
-          <a:p>
-            <a:endParaRPr lang="en-US" dirty="0"/>
           </a:p>
         </p:txBody>
       </p:sp>
@@ -718,7 +735,7 @@
     </p:spTree>
     <p:extLst>
       <p:ext uri="{BB962C8B-B14F-4D97-AF65-F5344CB8AC3E}">
-        <p14:creationId xmlns:p14="http://schemas.microsoft.com/office/powerpoint/2010/main" val="619906070"/>
+        <p14:creationId xmlns:p14="http://schemas.microsoft.com/office/powerpoint/2010/main" val="46495196"/>
       </p:ext>
     </p:extLst>
   </p:cSld>
@@ -774,6 +791,123 @@
           <a:p>
             <a:r>
               <a:rPr lang="en-US" dirty="0" smtClean="0"/>
+              <a:t>You can try maintain state</a:t>
+            </a:r>
+          </a:p>
+          <a:p>
+            <a:r>
+              <a:rPr lang="en-US" dirty="0" smtClean="0"/>
+              <a:t>We throw away state whenever we want</a:t>
+            </a:r>
+          </a:p>
+          <a:p>
+            <a:endParaRPr lang="en-US" dirty="0" smtClean="0"/>
+          </a:p>
+          <a:p>
+            <a:r>
+              <a:rPr lang="en-US" dirty="0" smtClean="0"/>
+              <a:t>Pay for function processing</a:t>
+            </a:r>
+          </a:p>
+          <a:p>
+            <a:r>
+              <a:rPr lang="en-US" dirty="0" smtClean="0"/>
+              <a:t>Want to respond immediate (I started)</a:t>
+            </a:r>
+          </a:p>
+          <a:p>
+            <a:r>
+              <a:rPr lang="en-US" dirty="0" smtClean="0"/>
+              <a:t>Inspect for complete (queue)</a:t>
+            </a:r>
+          </a:p>
+          <a:p>
+            <a:endParaRPr lang="en-US" dirty="0"/>
+          </a:p>
+        </p:txBody>
+      </p:sp>
+      <p:sp>
+        <p:nvSpPr>
+          <p:cNvPr id="4" name="Slide Number Placeholder 3"/>
+          <p:cNvSpPr>
+            <a:spLocks noGrp="1"/>
+          </p:cNvSpPr>
+          <p:nvPr>
+            <p:ph type="sldNum" sz="quarter" idx="10"/>
+          </p:nvPr>
+        </p:nvSpPr>
+        <p:spPr/>
+        <p:txBody>
+          <a:bodyPr/>
+          <a:lstStyle/>
+          <a:p>
+            <a:fld id="{2F141AAD-2928-4B43-B2A0-445A59F6B45A}" type="slidenum">
+              <a:rPr lang="en-US" smtClean="0"/>
+              <a:t>18</a:t>
+            </a:fld>
+            <a:endParaRPr lang="en-US"/>
+          </a:p>
+        </p:txBody>
+      </p:sp>
+    </p:spTree>
+    <p:extLst>
+      <p:ext uri="{BB962C8B-B14F-4D97-AF65-F5344CB8AC3E}">
+        <p14:creationId xmlns:p14="http://schemas.microsoft.com/office/powerpoint/2010/main" val="619906070"/>
+      </p:ext>
+    </p:extLst>
+  </p:cSld>
+  <p:clrMapOvr>
+    <a:masterClrMapping/>
+  </p:clrMapOvr>
+</p:notes>
+</file>
+
+<file path=ppt/notesSlides/notesSlide12.xml><?xml version="1.0" encoding="utf-8"?>
+<p:notes xmlns:a="http://schemas.openxmlformats.org/drawingml/2006/main" xmlns:r="http://schemas.openxmlformats.org/officeDocument/2006/relationships" xmlns:p="http://schemas.openxmlformats.org/presentationml/2006/main">
+  <p:cSld>
+    <p:spTree>
+      <p:nvGrpSpPr>
+        <p:cNvPr id="1" name=""/>
+        <p:cNvGrpSpPr/>
+        <p:nvPr/>
+      </p:nvGrpSpPr>
+      <p:grpSpPr>
+        <a:xfrm>
+          <a:off x="0" y="0"/>
+          <a:ext cx="0" cy="0"/>
+          <a:chOff x="0" y="0"/>
+          <a:chExt cx="0" cy="0"/>
+        </a:xfrm>
+      </p:grpSpPr>
+      <p:sp>
+        <p:nvSpPr>
+          <p:cNvPr id="2" name="Slide Image Placeholder 1"/>
+          <p:cNvSpPr>
+            <a:spLocks noGrp="1" noRot="1" noChangeAspect="1"/>
+          </p:cNvSpPr>
+          <p:nvPr>
+            <p:ph type="sldImg"/>
+          </p:nvPr>
+        </p:nvSpPr>
+        <p:spPr/>
+      </p:sp>
+      <p:sp>
+        <p:nvSpPr>
+          <p:cNvPr id="3" name="Notes Placeholder 2"/>
+          <p:cNvSpPr>
+            <a:spLocks noGrp="1"/>
+          </p:cNvSpPr>
+          <p:nvPr>
+            <p:ph type="body" idx="1"/>
+          </p:nvPr>
+        </p:nvSpPr>
+        <p:spPr/>
+        <p:txBody>
+          <a:bodyPr/>
+          <a:lstStyle/>
+          <a:p>
+            <a:r>
+              <a:rPr lang="en-US" dirty="0" smtClean="0"/>
               <a:t>Idempotent: same input = same output</a:t>
             </a:r>
           </a:p>
@@ -808,7 +942,7 @@
           <a:p>
             <a:fld id="{2F141AAD-2928-4B43-B2A0-445A59F6B45A}" type="slidenum">
               <a:rPr lang="en-US" smtClean="0"/>
-              <a:t>18</a:t>
+              <a:t>19</a:t>
             </a:fld>
             <a:endParaRPr lang="en-US"/>
           </a:p>
@@ -1333,11 +1467,7 @@
           <a:p>
             <a:r>
               <a:rPr lang="en-US" dirty="0" smtClean="0"/>
-              <a:t>Compute </a:t>
-            </a:r>
-            <a:r>
-              <a:rPr lang="en-US" dirty="0" smtClean="0"/>
-              <a:t>payment – Consumption</a:t>
+              <a:t>Compute payment – Consumption</a:t>
             </a:r>
             <a:r>
               <a:rPr lang="en-US" baseline="0" dirty="0" smtClean="0"/>
@@ -1659,83 +1789,6 @@
           <a:lstStyle/>
           <a:p>
             <a:r>
-              <a:rPr lang="en-US" dirty="0" smtClean="0"/>
-              <a:t>Show security</a:t>
-            </a:r>
-          </a:p>
-          <a:p>
-            <a:r>
-              <a:rPr lang="en-US" dirty="0" smtClean="0"/>
-              <a:t>Show bindings</a:t>
-            </a:r>
-          </a:p>
-          <a:p>
-            <a:r>
-              <a:rPr lang="en-US" dirty="0" smtClean="0"/>
-              <a:t>Show</a:t>
-            </a:r>
-            <a:r>
-              <a:rPr lang="en-US" baseline="0" dirty="0" smtClean="0"/>
-              <a:t> dependencies (</a:t>
-            </a:r>
-            <a:r>
-              <a:rPr lang="en-US" baseline="0" dirty="0" err="1" smtClean="0"/>
-              <a:t>npn</a:t>
-            </a:r>
-            <a:r>
-              <a:rPr lang="en-US" baseline="0" dirty="0" smtClean="0"/>
-              <a:t>, </a:t>
-            </a:r>
-            <a:r>
-              <a:rPr lang="en-US" baseline="0" dirty="0" err="1" smtClean="0"/>
-              <a:t>nuget</a:t>
-            </a:r>
-            <a:r>
-              <a:rPr lang="en-US" baseline="0" dirty="0" smtClean="0"/>
-              <a:t>, pip)</a:t>
-            </a:r>
-          </a:p>
-          <a:p>
-            <a:pPr marL="0" marR="0" lvl="0" indent="0" algn="l" defTabSz="914400" rtl="0" eaLnBrk="1" fontAlgn="auto" latinLnBrk="0" hangingPunct="1">
-              <a:lnSpc>
-                <a:spcPct val="100000"/>
-              </a:lnSpc>
-              <a:spcBef>
-                <a:spcPts val="0"/>
-              </a:spcBef>
-              <a:spcAft>
-                <a:spcPts val="0"/>
-              </a:spcAft>
-              <a:buClrTx/>
-              <a:buSzTx/>
-              <a:buFontTx/>
-              <a:buNone/>
-              <a:tabLst/>
-              <a:defRPr/>
-            </a:pPr>
-            <a:r>
-              <a:rPr lang="en-US" baseline="0" dirty="0" smtClean="0"/>
-              <a:t>	internal: refer to another file or put into a .</a:t>
-            </a:r>
-            <a:r>
-              <a:rPr lang="en-US" baseline="0" dirty="0" err="1" smtClean="0"/>
-              <a:t>dll</a:t>
-            </a:r>
-            <a:endParaRPr lang="en-US" baseline="0" dirty="0" smtClean="0"/>
-          </a:p>
-          <a:p>
-            <a:r>
-              <a:rPr lang="en-US" baseline="0" dirty="0" smtClean="0"/>
-              <a:t>	externa: put in </a:t>
-            </a:r>
-            <a:r>
-              <a:rPr lang="en-US" baseline="0" dirty="0" err="1" smtClean="0"/>
-              <a:t>project.json</a:t>
-            </a:r>
-            <a:endParaRPr lang="en-US" baseline="0" dirty="0" smtClean="0"/>
-          </a:p>
-          <a:p>
-            <a:r>
               <a:rPr lang="en-US" baseline="0" dirty="0" smtClean="0"/>
               <a:t>	</a:t>
             </a:r>
@@ -1826,29 +1879,50 @@
           <a:bodyPr/>
           <a:lstStyle/>
           <a:p>
+            <a:pPr marL="0" marR="0" lvl="0" indent="0" algn="l" defTabSz="914400" rtl="0" eaLnBrk="1" fontAlgn="auto" latinLnBrk="0" hangingPunct="1">
+              <a:lnSpc>
+                <a:spcPct val="100000"/>
+              </a:lnSpc>
+              <a:spcBef>
+                <a:spcPts val="0"/>
+              </a:spcBef>
+              <a:spcAft>
+                <a:spcPts val="0"/>
+              </a:spcAft>
+              <a:buClrTx/>
+              <a:buSzTx/>
+              <a:buFontTx/>
+              <a:buNone/>
+              <a:tabLst/>
+              <a:defRPr/>
+            </a:pPr>
             <a:r>
               <a:rPr lang="en-US" baseline="0" dirty="0" smtClean="0"/>
-              <a:t>Every minute, get stock ticker and put it on the queue</a:t>
-            </a:r>
+              <a:t>internal: refer to another AF file or put into a .</a:t>
+            </a:r>
+            <a:r>
+              <a:rPr lang="en-US" baseline="0" dirty="0" err="1" smtClean="0"/>
+              <a:t>dll</a:t>
+            </a:r>
+            <a:endParaRPr lang="en-US" baseline="0" dirty="0" smtClean="0"/>
           </a:p>
           <a:p>
             <a:r>
               <a:rPr lang="en-US" baseline="0" dirty="0" smtClean="0"/>
-              <a:t>Get values from queue, validate it, and put it into a table</a:t>
-            </a:r>
+              <a:t>external: put in </a:t>
+            </a:r>
+            <a:r>
+              <a:rPr lang="en-US" baseline="0" dirty="0" err="1" smtClean="0"/>
+              <a:t>project.json</a:t>
+            </a:r>
+            <a:endParaRPr lang="en-US" baseline="0" dirty="0" smtClean="0"/>
           </a:p>
           <a:p>
             <a:r>
               <a:rPr lang="en-US" baseline="0" dirty="0" smtClean="0"/>
-              <a:t>Get values from table, do some analysis, and notify</a:t>
-            </a:r>
-          </a:p>
-          <a:p>
-            <a:r>
-              <a:rPr lang="en-US" baseline="0" dirty="0" smtClean="0"/>
-              <a:t> </a:t>
-            </a:r>
-            <a:endParaRPr lang="en-US" dirty="0" smtClean="0"/>
+              <a:t>Only 4.6 and above</a:t>
+            </a:r>
+            <a:endParaRPr lang="en-US" baseline="0" dirty="0" smtClean="0"/>
           </a:p>
         </p:txBody>
       </p:sp>
@@ -1878,7 +1952,7 @@
     </p:spTree>
     <p:extLst>
       <p:ext uri="{BB962C8B-B14F-4D97-AF65-F5344CB8AC3E}">
-        <p14:creationId xmlns:p14="http://schemas.microsoft.com/office/powerpoint/2010/main" val="46495196"/>
+        <p14:creationId xmlns:p14="http://schemas.microsoft.com/office/powerpoint/2010/main" val="1907428130"/>
       </p:ext>
     </p:extLst>
   </p:cSld>
@@ -5364,11 +5438,7 @@
           <a:p>
             <a:r>
               <a:rPr lang="en-US" dirty="0" smtClean="0"/>
-              <a:t>Example(s) </a:t>
-            </a:r>
-            <a:r>
-              <a:rPr lang="en-US" dirty="0" smtClean="0"/>
-              <a:t>#2</a:t>
+              <a:t>Example(s) #2</a:t>
             </a:r>
             <a:endParaRPr lang="en-US" dirty="0"/>
           </a:p>
@@ -5685,33 +5755,10 @@
             <p:ph type="title"/>
           </p:nvPr>
         </p:nvSpPr>
-        <p:spPr/>
-        <p:txBody>
-          <a:bodyPr/>
-          <a:lstStyle/>
-          <a:p>
-            <a:r>
-              <a:rPr lang="en-US" dirty="0" smtClean="0"/>
-              <a:t>Anatomy of an Azure Function</a:t>
-            </a:r>
-            <a:endParaRPr lang="en-US" dirty="0"/>
-          </a:p>
-        </p:txBody>
-      </p:sp>
-      <p:sp>
-        <p:nvSpPr>
-          <p:cNvPr id="5" name="Content Placeholder 2"/>
-          <p:cNvSpPr>
-            <a:spLocks noGrp="1"/>
-          </p:cNvSpPr>
-          <p:nvPr>
-            <p:ph idx="1"/>
-          </p:nvPr>
-        </p:nvSpPr>
         <p:spPr>
           <a:xfrm>
-            <a:off x="838200" y="1825625"/>
-            <a:ext cx="10515600" cy="1682346"/>
+            <a:off x="838200" y="365125"/>
+            <a:ext cx="2087880" cy="1325563"/>
           </a:xfrm>
         </p:spPr>
         <p:txBody>
@@ -5720,27 +5767,36 @@
           <a:p>
             <a:r>
               <a:rPr lang="en-US" dirty="0" smtClean="0"/>
-              <a:t>Script file</a:t>
-            </a:r>
-          </a:p>
-          <a:p>
-            <a:r>
-              <a:rPr lang="en-US" dirty="0" smtClean="0"/>
-              <a:t>Configuration file</a:t>
-            </a:r>
-          </a:p>
-          <a:p>
-            <a:r>
-              <a:rPr lang="en-US" dirty="0" smtClean="0"/>
-              <a:t>Dependencies</a:t>
-            </a:r>
-            <a:endParaRPr lang="en-US" dirty="0" smtClean="0"/>
-          </a:p>
-          <a:p>
+              <a:t>Security</a:t>
+            </a:r>
             <a:endParaRPr lang="en-US" dirty="0"/>
           </a:p>
         </p:txBody>
       </p:sp>
+      <p:pic>
+        <p:nvPicPr>
+          <p:cNvPr id="6" name="Picture 5"/>
+          <p:cNvPicPr>
+            <a:picLocks noChangeAspect="1"/>
+          </p:cNvPicPr>
+          <p:nvPr/>
+        </p:nvPicPr>
+        <p:blipFill>
+          <a:blip r:embed="rId3"/>
+          <a:stretch>
+            <a:fillRect/>
+          </a:stretch>
+        </p:blipFill>
+        <p:spPr>
+          <a:xfrm>
+            <a:off x="3740728" y="365125"/>
+            <a:ext cx="7845829" cy="6177818"/>
+          </a:xfrm>
+          <a:prstGeom prst="rect">
+            <a:avLst/>
+          </a:prstGeom>
+        </p:spPr>
+      </p:pic>
     </p:spTree>
     <p:extLst>
       <p:ext uri="{BB962C8B-B14F-4D97-AF65-F5344CB8AC3E}">
@@ -5795,6 +5851,195 @@
           <a:p>
             <a:r>
               <a:rPr lang="en-US" dirty="0" smtClean="0"/>
+              <a:t>.NET Dependencies</a:t>
+            </a:r>
+            <a:endParaRPr lang="en-US" dirty="0"/>
+          </a:p>
+        </p:txBody>
+      </p:sp>
+      <p:sp>
+        <p:nvSpPr>
+          <p:cNvPr id="4" name="TextBox 3"/>
+          <p:cNvSpPr txBox="1"/>
+          <p:nvPr/>
+        </p:nvSpPr>
+        <p:spPr>
+          <a:xfrm>
+            <a:off x="838200" y="1690688"/>
+            <a:ext cx="2320636" cy="369332"/>
+          </a:xfrm>
+          <a:prstGeom prst="rect">
+            <a:avLst/>
+          </a:prstGeom>
+          <a:noFill/>
+        </p:spPr>
+        <p:txBody>
+          <a:bodyPr wrap="square" rtlCol="0">
+            <a:spAutoFit/>
+          </a:bodyPr>
+          <a:lstStyle/>
+          <a:p>
+            <a:r>
+              <a:rPr lang="en-US" dirty="0" err="1"/>
+              <a:t>p</a:t>
+            </a:r>
+            <a:r>
+              <a:rPr lang="en-US" dirty="0" err="1" smtClean="0"/>
+              <a:t>roject.json</a:t>
+            </a:r>
+            <a:endParaRPr lang="en-US" dirty="0"/>
+          </a:p>
+        </p:txBody>
+      </p:sp>
+      <p:pic>
+        <p:nvPicPr>
+          <p:cNvPr id="5" name="Picture 4"/>
+          <p:cNvPicPr>
+            <a:picLocks noChangeAspect="1"/>
+          </p:cNvPicPr>
+          <p:nvPr/>
+        </p:nvPicPr>
+        <p:blipFill>
+          <a:blip r:embed="rId3"/>
+          <a:stretch>
+            <a:fillRect/>
+          </a:stretch>
+        </p:blipFill>
+        <p:spPr>
+          <a:xfrm>
+            <a:off x="838200" y="2348699"/>
+            <a:ext cx="3698824" cy="2073767"/>
+          </a:xfrm>
+          <a:prstGeom prst="rect">
+            <a:avLst/>
+          </a:prstGeom>
+        </p:spPr>
+      </p:pic>
+      <p:sp>
+        <p:nvSpPr>
+          <p:cNvPr id="6" name="TextBox 5"/>
+          <p:cNvSpPr txBox="1"/>
+          <p:nvPr/>
+        </p:nvSpPr>
+        <p:spPr>
+          <a:xfrm>
+            <a:off x="7082443" y="1690688"/>
+            <a:ext cx="2992582" cy="369332"/>
+          </a:xfrm>
+          <a:prstGeom prst="rect">
+            <a:avLst/>
+          </a:prstGeom>
+          <a:noFill/>
+        </p:spPr>
+        <p:txBody>
+          <a:bodyPr wrap="square" rtlCol="0">
+            <a:spAutoFit/>
+          </a:bodyPr>
+          <a:lstStyle/>
+          <a:p>
+            <a:r>
+              <a:rPr lang="en-US" dirty="0" smtClean="0"/>
+              <a:t>Another Azure Function</a:t>
+            </a:r>
+            <a:endParaRPr lang="en-US" dirty="0"/>
+          </a:p>
+        </p:txBody>
+      </p:sp>
+      <p:pic>
+        <p:nvPicPr>
+          <p:cNvPr id="8" name="Picture 7"/>
+          <p:cNvPicPr>
+            <a:picLocks noChangeAspect="1"/>
+          </p:cNvPicPr>
+          <p:nvPr/>
+        </p:nvPicPr>
+        <p:blipFill>
+          <a:blip r:embed="rId4"/>
+          <a:stretch>
+            <a:fillRect/>
+          </a:stretch>
+        </p:blipFill>
+        <p:spPr>
+          <a:xfrm>
+            <a:off x="6828386" y="2135188"/>
+            <a:ext cx="4819650" cy="1762125"/>
+          </a:xfrm>
+          <a:prstGeom prst="rect">
+            <a:avLst/>
+          </a:prstGeom>
+        </p:spPr>
+      </p:pic>
+      <p:pic>
+        <p:nvPicPr>
+          <p:cNvPr id="9" name="Picture 8"/>
+          <p:cNvPicPr>
+            <a:picLocks noChangeAspect="1"/>
+          </p:cNvPicPr>
+          <p:nvPr/>
+        </p:nvPicPr>
+        <p:blipFill>
+          <a:blip r:embed="rId5"/>
+          <a:stretch>
+            <a:fillRect/>
+          </a:stretch>
+        </p:blipFill>
+        <p:spPr>
+          <a:xfrm>
+            <a:off x="7855960" y="4092432"/>
+            <a:ext cx="2764501" cy="2444223"/>
+          </a:xfrm>
+          <a:prstGeom prst="rect">
+            <a:avLst/>
+          </a:prstGeom>
+        </p:spPr>
+      </p:pic>
+    </p:spTree>
+    <p:extLst>
+      <p:ext uri="{BB962C8B-B14F-4D97-AF65-F5344CB8AC3E}">
+        <p14:creationId xmlns:p14="http://schemas.microsoft.com/office/powerpoint/2010/main" val="2609395551"/>
+      </p:ext>
+    </p:extLst>
+  </p:cSld>
+  <p:clrMapOvr>
+    <a:masterClrMapping/>
+  </p:clrMapOvr>
+</p:sld>
+</file>
+
+<file path=ppt/slides/slide17.xml><?xml version="1.0" encoding="utf-8"?>
+<p:sld xmlns:a="http://schemas.openxmlformats.org/drawingml/2006/main" xmlns:r="http://schemas.openxmlformats.org/officeDocument/2006/relationships" xmlns:p="http://schemas.openxmlformats.org/presentationml/2006/main">
+  <p:cSld>
+    <p:spTree>
+      <p:nvGrpSpPr>
+        <p:cNvPr id="1" name=""/>
+        <p:cNvGrpSpPr/>
+        <p:nvPr/>
+      </p:nvGrpSpPr>
+      <p:grpSpPr>
+        <a:xfrm>
+          <a:off x="0" y="0"/>
+          <a:ext cx="0" cy="0"/>
+          <a:chOff x="0" y="0"/>
+          <a:chExt cx="0" cy="0"/>
+        </a:xfrm>
+      </p:grpSpPr>
+      <p:sp>
+        <p:nvSpPr>
+          <p:cNvPr id="2" name="Title 1"/>
+          <p:cNvSpPr>
+            <a:spLocks noGrp="1"/>
+          </p:cNvSpPr>
+          <p:nvPr>
+            <p:ph type="title"/>
+          </p:nvPr>
+        </p:nvSpPr>
+        <p:spPr/>
+        <p:txBody>
+          <a:bodyPr/>
+          <a:lstStyle/>
+          <a:p>
+            <a:r>
+              <a:rPr lang="en-US" dirty="0" smtClean="0"/>
               <a:t>Example #3</a:t>
             </a:r>
             <a:endParaRPr lang="en-US" dirty="0"/>
@@ -5882,7 +6127,7 @@
             <a:pPr algn="ctr"/>
             <a:r>
               <a:rPr lang="en-US" dirty="0" smtClean="0"/>
-              <a:t>Queue Trigger</a:t>
+              <a:t>Table Trigger</a:t>
             </a:r>
             <a:endParaRPr lang="en-US" dirty="0"/>
           </a:p>
@@ -5896,7 +6141,7 @@
         </p:nvSpPr>
         <p:spPr>
           <a:xfrm>
-            <a:off x="2558251" y="3017517"/>
+            <a:off x="6319675" y="1740563"/>
             <a:ext cx="1130531" cy="1014153"/>
           </a:xfrm>
           <a:prstGeom prst="flowChartMagneticDisk">
@@ -5940,7 +6185,7 @@
         </p:nvSpPr>
         <p:spPr>
           <a:xfrm>
-            <a:off x="6366857" y="1752081"/>
+            <a:off x="2664299" y="3000891"/>
             <a:ext cx="947650" cy="1014153"/>
           </a:xfrm>
           <a:prstGeom prst="flowChartMagneticDrum">
@@ -5966,10 +6211,6 @@
           <a:lstStyle/>
           <a:p>
             <a:pPr algn="ctr"/>
-            <a:r>
-              <a:rPr lang="en-US" dirty="0" smtClean="0"/>
-              <a:t>OK</a:t>
-            </a:r>
             <a:endParaRPr lang="en-US" dirty="0"/>
           </a:p>
         </p:txBody>
@@ -6012,54 +6253,7 @@
             <a:pPr algn="ctr"/>
             <a:r>
               <a:rPr lang="en-US" dirty="0" smtClean="0"/>
-              <a:t>Table Trigger</a:t>
-            </a:r>
-            <a:endParaRPr lang="en-US" dirty="0"/>
-          </a:p>
-        </p:txBody>
-      </p:sp>
-      <p:sp>
-        <p:nvSpPr>
-          <p:cNvPr id="38" name="Flowchart: Direct Access Storage 37"/>
-          <p:cNvSpPr/>
-          <p:nvPr/>
-        </p:nvSpPr>
-        <p:spPr>
-          <a:xfrm>
-            <a:off x="6366857" y="4356810"/>
-            <a:ext cx="947650" cy="1014153"/>
-          </a:xfrm>
-          <a:prstGeom prst="flowChartMagneticDrum">
-            <a:avLst/>
-          </a:prstGeom>
-          <a:solidFill>
-            <a:srgbClr val="FF0000"/>
-          </a:solidFill>
-        </p:spPr>
-        <p:style>
-          <a:lnRef idx="1">
-            <a:schemeClr val="accent2"/>
-          </a:lnRef>
-          <a:fillRef idx="3">
-            <a:schemeClr val="accent2"/>
-          </a:fillRef>
-          <a:effectRef idx="2">
-            <a:schemeClr val="accent2"/>
-          </a:effectRef>
-          <a:fontRef idx="minor">
-            <a:schemeClr val="lt1"/>
-          </a:fontRef>
-        </p:style>
-        <p:txBody>
-          <a:bodyPr rtlCol="0" anchor="ctr"/>
-          <a:lstStyle/>
-          <a:p>
-            <a:pPr algn="ctr"/>
-            <a:r>
-              <a:rPr lang="en-US" dirty="0" smtClean="0">
-                <a:sym typeface="Wingdings" panose="05000000000000000000" pitchFamily="2" charset="2"/>
-              </a:rPr>
-              <a:t></a:t>
+              <a:t>Queue Trigger</a:t>
             </a:r>
             <a:endParaRPr lang="en-US" dirty="0"/>
           </a:p>
@@ -6247,53 +6441,6 @@
       </p:sp>
       <p:sp>
         <p:nvSpPr>
-          <p:cNvPr id="45" name="Bent Arrow 44"/>
-          <p:cNvSpPr/>
-          <p:nvPr/>
-        </p:nvSpPr>
-        <p:spPr>
-          <a:xfrm rot="10800000" flipH="1">
-            <a:off x="5218225" y="4293519"/>
-            <a:ext cx="1052744" cy="786505"/>
-          </a:xfrm>
-          <a:prstGeom prst="bentArrow">
-            <a:avLst/>
-          </a:prstGeom>
-          <a:solidFill>
-            <a:srgbClr val="FF0000"/>
-          </a:solidFill>
-        </p:spPr>
-        <p:style>
-          <a:lnRef idx="2">
-            <a:schemeClr val="accent1">
-              <a:shade val="50000"/>
-            </a:schemeClr>
-          </a:lnRef>
-          <a:fillRef idx="1">
-            <a:schemeClr val="accent1"/>
-          </a:fillRef>
-          <a:effectRef idx="0">
-            <a:schemeClr val="accent1"/>
-          </a:effectRef>
-          <a:fontRef idx="minor">
-            <a:schemeClr val="lt1"/>
-          </a:fontRef>
-        </p:style>
-        <p:txBody>
-          <a:bodyPr rtlCol="0" anchor="ctr"/>
-          <a:lstStyle/>
-          <a:p>
-            <a:pPr algn="ctr"/>
-            <a:endParaRPr lang="en-US">
-              <a:solidFill>
-                <a:schemeClr val="tx1"/>
-              </a:solidFill>
-            </a:endParaRPr>
-          </a:p>
-        </p:txBody>
-      </p:sp>
-      <p:sp>
-        <p:nvSpPr>
           <p:cNvPr id="46" name="Bent Arrow 45"/>
           <p:cNvSpPr/>
           <p:nvPr/>
@@ -6462,173 +6609,6 @@
     <p:extLst>
       <p:ext uri="{BB962C8B-B14F-4D97-AF65-F5344CB8AC3E}">
         <p14:creationId xmlns:p14="http://schemas.microsoft.com/office/powerpoint/2010/main" val="3963682226"/>
-      </p:ext>
-    </p:extLst>
-  </p:cSld>
-  <p:clrMapOvr>
-    <a:masterClrMapping/>
-  </p:clrMapOvr>
-  <p:timing>
-    <p:tnLst>
-      <p:par>
-        <p:cTn id="1" dur="indefinite" restart="never" nodeType="tmRoot"/>
-      </p:par>
-    </p:tnLst>
-  </p:timing>
-</p:sld>
-</file>
-
-<file path=ppt/slides/slide17.xml><?xml version="1.0" encoding="utf-8"?>
-<p:sld xmlns:a="http://schemas.openxmlformats.org/drawingml/2006/main" xmlns:r="http://schemas.openxmlformats.org/officeDocument/2006/relationships" xmlns:p="http://schemas.openxmlformats.org/presentationml/2006/main">
-  <p:cSld>
-    <p:spTree>
-      <p:nvGrpSpPr>
-        <p:cNvPr id="1" name=""/>
-        <p:cNvGrpSpPr/>
-        <p:nvPr/>
-      </p:nvGrpSpPr>
-      <p:grpSpPr>
-        <a:xfrm>
-          <a:off x="0" y="0"/>
-          <a:ext cx="0" cy="0"/>
-          <a:chOff x="0" y="0"/>
-          <a:chExt cx="0" cy="0"/>
-        </a:xfrm>
-      </p:grpSpPr>
-      <p:sp>
-        <p:nvSpPr>
-          <p:cNvPr id="2" name="Title 1"/>
-          <p:cNvSpPr>
-            <a:spLocks noGrp="1"/>
-          </p:cNvSpPr>
-          <p:nvPr>
-            <p:ph type="title"/>
-          </p:nvPr>
-        </p:nvSpPr>
-        <p:spPr/>
-        <p:txBody>
-          <a:bodyPr/>
-          <a:lstStyle/>
-          <a:p>
-            <a:r>
-              <a:rPr lang="en-US" dirty="0" smtClean="0"/>
-              <a:t>Serverless Best Practices</a:t>
-            </a:r>
-            <a:endParaRPr lang="en-US" dirty="0"/>
-          </a:p>
-        </p:txBody>
-      </p:sp>
-      <p:sp>
-        <p:nvSpPr>
-          <p:cNvPr id="3" name="Content Placeholder 2"/>
-          <p:cNvSpPr>
-            <a:spLocks noGrp="1"/>
-          </p:cNvSpPr>
-          <p:nvPr>
-            <p:ph idx="1"/>
-          </p:nvPr>
-        </p:nvSpPr>
-        <p:spPr/>
-        <p:txBody>
-          <a:bodyPr>
-            <a:normAutofit lnSpcReduction="10000"/>
-          </a:bodyPr>
-          <a:lstStyle/>
-          <a:p>
-            <a:r>
-              <a:rPr lang="en-US" dirty="0" smtClean="0"/>
-              <a:t>Thick Clients:  Thin and Stateless Server</a:t>
-            </a:r>
-          </a:p>
-          <a:p>
-            <a:pPr lvl="1"/>
-            <a:r>
-              <a:rPr lang="en-US" dirty="0" smtClean="0"/>
-              <a:t>SPA model:  Angular/React</a:t>
-            </a:r>
-          </a:p>
-          <a:p>
-            <a:pPr lvl="1"/>
-            <a:endParaRPr lang="en-US" dirty="0"/>
-          </a:p>
-          <a:p>
-            <a:endParaRPr lang="en-US" dirty="0" smtClean="0"/>
-          </a:p>
-          <a:p>
-            <a:r>
-              <a:rPr lang="en-US" dirty="0" smtClean="0"/>
-              <a:t>Can do sync, but really want to do </a:t>
-            </a:r>
-            <a:r>
-              <a:rPr lang="en-US" dirty="0" err="1" smtClean="0"/>
-              <a:t>async</a:t>
-            </a:r>
-            <a:endParaRPr lang="en-US" dirty="0" smtClean="0"/>
-          </a:p>
-          <a:p>
-            <a:pPr lvl="1"/>
-            <a:r>
-              <a:rPr lang="en-US" dirty="0">
-                <a:hlinkClick r:id="rId3"/>
-              </a:rPr>
-              <a:t>http://</a:t>
-            </a:r>
-            <a:r>
-              <a:rPr lang="en-US" dirty="0" smtClean="0">
-                <a:hlinkClick r:id="rId3"/>
-              </a:rPr>
-              <a:t>www.reactivemanifesto.org/</a:t>
-            </a:r>
-            <a:endParaRPr lang="en-US" dirty="0" smtClean="0"/>
-          </a:p>
-          <a:p>
-            <a:pPr lvl="1"/>
-            <a:r>
-              <a:rPr lang="en-US" dirty="0" smtClean="0"/>
-              <a:t>Kick off long running job.  Use queues to hold intermediate data</a:t>
-            </a:r>
-          </a:p>
-          <a:p>
-            <a:pPr lvl="1"/>
-            <a:r>
-              <a:rPr lang="en-US" dirty="0" smtClean="0"/>
-              <a:t>Return </a:t>
-            </a:r>
-            <a:r>
-              <a:rPr lang="en-US" dirty="0" smtClean="0"/>
-              <a:t>202, not 201</a:t>
-            </a:r>
-          </a:p>
-          <a:p>
-            <a:pPr lvl="1"/>
-            <a:endParaRPr lang="en-US" dirty="0"/>
-          </a:p>
-          <a:p>
-            <a:r>
-              <a:rPr lang="en-US" dirty="0" smtClean="0"/>
-              <a:t>This is all-in on the cloud</a:t>
-            </a:r>
-          </a:p>
-          <a:p>
-            <a:pPr lvl="1"/>
-            <a:r>
-              <a:rPr lang="en-US" dirty="0" smtClean="0"/>
-              <a:t>Design for portability </a:t>
-            </a:r>
-            <a:r>
-              <a:rPr lang="en-US" dirty="0" smtClean="0">
-                <a:sym typeface="Wingdings" panose="05000000000000000000" pitchFamily="2" charset="2"/>
-              </a:rPr>
-              <a:t></a:t>
-            </a:r>
-            <a:endParaRPr lang="en-US" dirty="0"/>
-          </a:p>
-        </p:txBody>
-      </p:sp>
-    </p:spTree>
-    <p:extLst>
-      <p:ext uri="{BB962C8B-B14F-4D97-AF65-F5344CB8AC3E}">
-        <p14:creationId xmlns:p14="http://schemas.microsoft.com/office/powerpoint/2010/main" val="1975748057"/>
       </p:ext>
     </p:extLst>
   </p:cSld>
@@ -6679,40 +6659,119 @@
           <a:p>
             <a:r>
               <a:rPr lang="en-US" dirty="0" smtClean="0"/>
-              <a:t>Functions Best Practices</a:t>
+              <a:t>Serverless Best Practices</a:t>
             </a:r>
             <a:endParaRPr lang="en-US" dirty="0"/>
           </a:p>
         </p:txBody>
       </p:sp>
-      <p:pic>
-        <p:nvPicPr>
-          <p:cNvPr id="4" name="Picture 3"/>
-          <p:cNvPicPr>
-            <a:picLocks noChangeAspect="1"/>
-          </p:cNvPicPr>
-          <p:nvPr/>
-        </p:nvPicPr>
-        <p:blipFill>
-          <a:blip r:embed="rId3"/>
-          <a:stretch>
-            <a:fillRect/>
-          </a:stretch>
-        </p:blipFill>
-        <p:spPr>
-          <a:xfrm>
-            <a:off x="942372" y="1930855"/>
-            <a:ext cx="7772670" cy="4246108"/>
-          </a:xfrm>
-          <a:prstGeom prst="rect">
-            <a:avLst/>
-          </a:prstGeom>
-        </p:spPr>
-      </p:pic>
+      <p:sp>
+        <p:nvSpPr>
+          <p:cNvPr id="3" name="Content Placeholder 2"/>
+          <p:cNvSpPr>
+            <a:spLocks noGrp="1"/>
+          </p:cNvSpPr>
+          <p:nvPr>
+            <p:ph idx="1"/>
+          </p:nvPr>
+        </p:nvSpPr>
+        <p:spPr/>
+        <p:txBody>
+          <a:bodyPr>
+            <a:normAutofit lnSpcReduction="10000"/>
+          </a:bodyPr>
+          <a:lstStyle/>
+          <a:p>
+            <a:r>
+              <a:rPr lang="en-US" dirty="0" smtClean="0"/>
+              <a:t>Thick Clients:  Thin and Stateless Server</a:t>
+            </a:r>
+          </a:p>
+          <a:p>
+            <a:pPr lvl="1"/>
+            <a:r>
+              <a:rPr lang="en-US" dirty="0" smtClean="0"/>
+              <a:t>SPA model:  Angular/React</a:t>
+            </a:r>
+          </a:p>
+          <a:p>
+            <a:pPr lvl="1"/>
+            <a:endParaRPr lang="en-US" dirty="0"/>
+          </a:p>
+          <a:p>
+            <a:endParaRPr lang="en-US" dirty="0" smtClean="0"/>
+          </a:p>
+          <a:p>
+            <a:r>
+              <a:rPr lang="en-US" dirty="0" smtClean="0"/>
+              <a:t>Can do sync, but really want to do </a:t>
+            </a:r>
+            <a:r>
+              <a:rPr lang="en-US" dirty="0" err="1" smtClean="0"/>
+              <a:t>async</a:t>
+            </a:r>
+            <a:endParaRPr lang="en-US" dirty="0" smtClean="0"/>
+          </a:p>
+          <a:p>
+            <a:pPr lvl="1"/>
+            <a:r>
+              <a:rPr lang="en-US" dirty="0">
+                <a:hlinkClick r:id="rId3"/>
+              </a:rPr>
+              <a:t>http://</a:t>
+            </a:r>
+            <a:r>
+              <a:rPr lang="en-US" dirty="0" smtClean="0">
+                <a:hlinkClick r:id="rId3"/>
+              </a:rPr>
+              <a:t>www.reactivemanifesto.org/</a:t>
+            </a:r>
+            <a:endParaRPr lang="en-US" dirty="0" smtClean="0"/>
+          </a:p>
+          <a:p>
+            <a:pPr lvl="1"/>
+            <a:r>
+              <a:rPr lang="en-US" dirty="0" smtClean="0"/>
+              <a:t>Kick off long running job.  Use queues to hold intermediate data</a:t>
+            </a:r>
+          </a:p>
+          <a:p>
+            <a:pPr lvl="1"/>
+            <a:r>
+              <a:rPr lang="en-US" dirty="0" smtClean="0"/>
+              <a:t>Return 202, not 201</a:t>
+            </a:r>
+          </a:p>
+          <a:p>
+            <a:pPr lvl="1"/>
+            <a:endParaRPr lang="en-US" dirty="0"/>
+          </a:p>
+          <a:p>
+            <a:r>
+              <a:rPr lang="en-US" dirty="0" smtClean="0"/>
+              <a:t>This is all-in on the cloud</a:t>
+            </a:r>
+          </a:p>
+          <a:p>
+            <a:pPr lvl="1"/>
+            <a:r>
+              <a:rPr lang="en-US" dirty="0" smtClean="0"/>
+              <a:t>Design for portability </a:t>
+            </a:r>
+            <a:r>
+              <a:rPr lang="en-US" dirty="0" smtClean="0">
+                <a:sym typeface="Wingdings" panose="05000000000000000000" pitchFamily="2" charset="2"/>
+              </a:rPr>
+              <a:t></a:t>
+            </a:r>
+            <a:endParaRPr lang="en-US" dirty="0"/>
+          </a:p>
+        </p:txBody>
+      </p:sp>
     </p:spTree>
     <p:extLst>
       <p:ext uri="{BB962C8B-B14F-4D97-AF65-F5344CB8AC3E}">
-        <p14:creationId xmlns:p14="http://schemas.microsoft.com/office/powerpoint/2010/main" val="1196570845"/>
+        <p14:creationId xmlns:p14="http://schemas.microsoft.com/office/powerpoint/2010/main" val="1975748057"/>
       </p:ext>
     </p:extLst>
   </p:cSld>
@@ -6763,131 +6822,40 @@
           <a:p>
             <a:r>
               <a:rPr lang="en-US" dirty="0" smtClean="0"/>
-              <a:t>Functional Architecture</a:t>
+              <a:t>Functions Best Practices</a:t>
             </a:r>
             <a:endParaRPr lang="en-US" dirty="0"/>
           </a:p>
         </p:txBody>
       </p:sp>
-      <p:sp>
-        <p:nvSpPr>
-          <p:cNvPr id="3" name="Content Placeholder 2"/>
-          <p:cNvSpPr>
-            <a:spLocks noGrp="1"/>
-          </p:cNvSpPr>
-          <p:nvPr>
-            <p:ph idx="1"/>
-          </p:nvPr>
-        </p:nvSpPr>
+      <p:pic>
+        <p:nvPicPr>
+          <p:cNvPr id="4" name="Picture 3"/>
+          <p:cNvPicPr>
+            <a:picLocks noChangeAspect="1"/>
+          </p:cNvPicPr>
+          <p:nvPr/>
+        </p:nvPicPr>
+        <p:blipFill>
+          <a:blip r:embed="rId3"/>
+          <a:stretch>
+            <a:fillRect/>
+          </a:stretch>
+        </p:blipFill>
         <p:spPr>
           <a:xfrm>
-            <a:off x="960699" y="1825625"/>
-            <a:ext cx="10393101" cy="4351338"/>
+            <a:off x="942372" y="1930855"/>
+            <a:ext cx="7772670" cy="4246108"/>
           </a:xfrm>
+          <a:prstGeom prst="rect">
+            <a:avLst/>
+          </a:prstGeom>
         </p:spPr>
-        <p:txBody>
-          <a:bodyPr/>
-          <a:lstStyle/>
-          <a:p>
-            <a:r>
-              <a:rPr lang="en-US" dirty="0" smtClean="0"/>
-              <a:t>Microservices</a:t>
-            </a:r>
-          </a:p>
-          <a:p>
-            <a:pPr lvl="1"/>
-            <a:r>
-              <a:rPr lang="en-US" dirty="0" smtClean="0"/>
-              <a:t>Small, Independent Services</a:t>
-            </a:r>
-          </a:p>
-          <a:p>
-            <a:pPr lvl="1"/>
-            <a:r>
-              <a:rPr lang="en-US" dirty="0" smtClean="0"/>
-              <a:t>Independent deployments</a:t>
-            </a:r>
-          </a:p>
-          <a:p>
-            <a:pPr lvl="1"/>
-            <a:r>
-              <a:rPr lang="en-US" dirty="0" smtClean="0"/>
-              <a:t>Versioning is important</a:t>
-            </a:r>
-          </a:p>
-          <a:p>
-            <a:pPr lvl="1"/>
-            <a:r>
-              <a:rPr lang="en-US" dirty="0" smtClean="0"/>
-              <a:t>Async messages among functions,  not </a:t>
-            </a:r>
-            <a:r>
-              <a:rPr lang="en-US" dirty="0" err="1"/>
-              <a:t>S</a:t>
-            </a:r>
-            <a:r>
-              <a:rPr lang="en-US" dirty="0" err="1" smtClean="0"/>
-              <a:t>ych</a:t>
-            </a:r>
-            <a:r>
-              <a:rPr lang="en-US" dirty="0" smtClean="0"/>
-              <a:t> http</a:t>
-            </a:r>
-          </a:p>
-          <a:p>
-            <a:pPr lvl="1"/>
-            <a:endParaRPr lang="en-US" dirty="0"/>
-          </a:p>
-          <a:p>
-            <a:r>
-              <a:rPr lang="en-US" dirty="0" smtClean="0"/>
-              <a:t>Avoid shared state</a:t>
-            </a:r>
-          </a:p>
-          <a:p>
-            <a:pPr lvl="1"/>
-            <a:r>
-              <a:rPr lang="en-US" dirty="0" smtClean="0"/>
-              <a:t>Can store connection manager or </a:t>
-            </a:r>
-            <a:r>
-              <a:rPr lang="en-US" dirty="0" err="1" smtClean="0"/>
-              <a:t>redis</a:t>
-            </a:r>
-            <a:r>
-              <a:rPr lang="en-US" dirty="0" smtClean="0"/>
-              <a:t> cache on a machine</a:t>
-            </a:r>
-          </a:p>
-          <a:p>
-            <a:pPr lvl="1"/>
-            <a:r>
-              <a:rPr lang="en-US" dirty="0"/>
-              <a:t>Can’t guarantee same </a:t>
-            </a:r>
-            <a:r>
-              <a:rPr lang="en-US" dirty="0" smtClean="0"/>
-              <a:t>machine</a:t>
-            </a:r>
-          </a:p>
-          <a:p>
-            <a:pPr lvl="1"/>
-            <a:r>
-              <a:rPr lang="en-US" dirty="0" smtClean="0"/>
-              <a:t>Can use hard drive – but blob is much better</a:t>
-            </a:r>
-            <a:endParaRPr lang="en-US" dirty="0"/>
-          </a:p>
-          <a:p>
-            <a:pPr lvl="1"/>
-            <a:endParaRPr lang="en-US" dirty="0"/>
-          </a:p>
-        </p:txBody>
-      </p:sp>
+      </p:pic>
     </p:spTree>
     <p:extLst>
       <p:ext uri="{BB962C8B-B14F-4D97-AF65-F5344CB8AC3E}">
-        <p14:creationId xmlns:p14="http://schemas.microsoft.com/office/powerpoint/2010/main" val="3707189716"/>
+        <p14:creationId xmlns:p14="http://schemas.microsoft.com/office/powerpoint/2010/main" val="1196570845"/>
       </p:ext>
     </p:extLst>
   </p:cSld>
@@ -7087,6 +7055,181 @@
           <a:p>
             <a:r>
               <a:rPr lang="en-US" dirty="0" smtClean="0"/>
+              <a:t>Functional Architecture</a:t>
+            </a:r>
+            <a:endParaRPr lang="en-US" dirty="0"/>
+          </a:p>
+        </p:txBody>
+      </p:sp>
+      <p:sp>
+        <p:nvSpPr>
+          <p:cNvPr id="3" name="Content Placeholder 2"/>
+          <p:cNvSpPr>
+            <a:spLocks noGrp="1"/>
+          </p:cNvSpPr>
+          <p:nvPr>
+            <p:ph idx="1"/>
+          </p:nvPr>
+        </p:nvSpPr>
+        <p:spPr>
+          <a:xfrm>
+            <a:off x="960699" y="1825625"/>
+            <a:ext cx="10393101" cy="4351338"/>
+          </a:xfrm>
+        </p:spPr>
+        <p:txBody>
+          <a:bodyPr/>
+          <a:lstStyle/>
+          <a:p>
+            <a:r>
+              <a:rPr lang="en-US" dirty="0" smtClean="0"/>
+              <a:t>Microservices</a:t>
+            </a:r>
+          </a:p>
+          <a:p>
+            <a:pPr lvl="1"/>
+            <a:r>
+              <a:rPr lang="en-US" dirty="0" smtClean="0"/>
+              <a:t>Small, Independent Services</a:t>
+            </a:r>
+          </a:p>
+          <a:p>
+            <a:pPr lvl="1"/>
+            <a:r>
+              <a:rPr lang="en-US" dirty="0" smtClean="0"/>
+              <a:t>Independent deployments</a:t>
+            </a:r>
+          </a:p>
+          <a:p>
+            <a:pPr lvl="1"/>
+            <a:r>
+              <a:rPr lang="en-US" dirty="0" smtClean="0"/>
+              <a:t>Versioning is important</a:t>
+            </a:r>
+          </a:p>
+          <a:p>
+            <a:pPr lvl="1"/>
+            <a:r>
+              <a:rPr lang="en-US" dirty="0" smtClean="0"/>
+              <a:t>Async messages among functions,  not </a:t>
+            </a:r>
+            <a:r>
+              <a:rPr lang="en-US" dirty="0" err="1"/>
+              <a:t>S</a:t>
+            </a:r>
+            <a:r>
+              <a:rPr lang="en-US" dirty="0" err="1" smtClean="0"/>
+              <a:t>ych</a:t>
+            </a:r>
+            <a:r>
+              <a:rPr lang="en-US" dirty="0" smtClean="0"/>
+              <a:t> http</a:t>
+            </a:r>
+          </a:p>
+          <a:p>
+            <a:pPr lvl="1"/>
+            <a:endParaRPr lang="en-US" dirty="0"/>
+          </a:p>
+          <a:p>
+            <a:r>
+              <a:rPr lang="en-US" dirty="0" smtClean="0"/>
+              <a:t>Avoid shared state</a:t>
+            </a:r>
+          </a:p>
+          <a:p>
+            <a:pPr lvl="1"/>
+            <a:r>
+              <a:rPr lang="en-US" dirty="0" smtClean="0"/>
+              <a:t>Can store connection manager or </a:t>
+            </a:r>
+            <a:r>
+              <a:rPr lang="en-US" dirty="0" err="1" smtClean="0"/>
+              <a:t>redis</a:t>
+            </a:r>
+            <a:r>
+              <a:rPr lang="en-US" dirty="0" smtClean="0"/>
+              <a:t> cache on a machine</a:t>
+            </a:r>
+          </a:p>
+          <a:p>
+            <a:pPr lvl="1"/>
+            <a:r>
+              <a:rPr lang="en-US" dirty="0"/>
+              <a:t>Can’t guarantee same </a:t>
+            </a:r>
+            <a:r>
+              <a:rPr lang="en-US" dirty="0" smtClean="0"/>
+              <a:t>machine</a:t>
+            </a:r>
+          </a:p>
+          <a:p>
+            <a:pPr lvl="1"/>
+            <a:r>
+              <a:rPr lang="en-US" dirty="0" smtClean="0"/>
+              <a:t>Can use hard drive – but blob is much better</a:t>
+            </a:r>
+            <a:endParaRPr lang="en-US" dirty="0"/>
+          </a:p>
+          <a:p>
+            <a:pPr lvl="1"/>
+            <a:endParaRPr lang="en-US" dirty="0"/>
+          </a:p>
+        </p:txBody>
+      </p:sp>
+    </p:spTree>
+    <p:extLst>
+      <p:ext uri="{BB962C8B-B14F-4D97-AF65-F5344CB8AC3E}">
+        <p14:creationId xmlns:p14="http://schemas.microsoft.com/office/powerpoint/2010/main" val="3707189716"/>
+      </p:ext>
+    </p:extLst>
+  </p:cSld>
+  <p:clrMapOvr>
+    <a:masterClrMapping/>
+  </p:clrMapOvr>
+  <p:timing>
+    <p:tnLst>
+      <p:par>
+        <p:cTn id="1" dur="indefinite" restart="never" nodeType="tmRoot"/>
+      </p:par>
+    </p:tnLst>
+  </p:timing>
+</p:sld>
+</file>
+
+<file path=ppt/slides/slide21.xml><?xml version="1.0" encoding="utf-8"?>
+<p:sld xmlns:a="http://schemas.openxmlformats.org/drawingml/2006/main" xmlns:r="http://schemas.openxmlformats.org/officeDocument/2006/relationships" xmlns:p="http://schemas.openxmlformats.org/presentationml/2006/main">
+  <p:cSld>
+    <p:spTree>
+      <p:nvGrpSpPr>
+        <p:cNvPr id="1" name=""/>
+        <p:cNvGrpSpPr/>
+        <p:nvPr/>
+      </p:nvGrpSpPr>
+      <p:grpSpPr>
+        <a:xfrm>
+          <a:off x="0" y="0"/>
+          <a:ext cx="0" cy="0"/>
+          <a:chOff x="0" y="0"/>
+          <a:chExt cx="0" cy="0"/>
+        </a:xfrm>
+      </p:grpSpPr>
+      <p:sp>
+        <p:nvSpPr>
+          <p:cNvPr id="2" name="Title 1"/>
+          <p:cNvSpPr>
+            <a:spLocks noGrp="1"/>
+          </p:cNvSpPr>
+          <p:nvPr>
+            <p:ph type="title"/>
+          </p:nvPr>
+        </p:nvSpPr>
+        <p:spPr/>
+        <p:txBody>
+          <a:bodyPr/>
+          <a:lstStyle/>
+          <a:p>
+            <a:r>
+              <a:rPr lang="en-US" dirty="0" smtClean="0"/>
               <a:t>Getting Started</a:t>
             </a:r>
             <a:endParaRPr lang="en-US" dirty="0"/>
@@ -7160,7 +7303,7 @@
 </p:sld>
 </file>
 
-<file path=ppt/slides/slide21.xml><?xml version="1.0" encoding="utf-8"?>
+<file path=ppt/slides/slide22.xml><?xml version="1.0" encoding="utf-8"?>
 <p:sld xmlns:a="http://schemas.openxmlformats.org/drawingml/2006/main" xmlns:r="http://schemas.openxmlformats.org/officeDocument/2006/relationships" xmlns:p="http://schemas.openxmlformats.org/presentationml/2006/main">
   <p:cSld>
     <p:spTree>

--- a/Presentation/AzureFunctions.pptx
+++ b/Presentation/AzureFunctions.pptx
@@ -221,7 +221,7 @@
           <a:p>
             <a:fld id="{29F7854B-EEF5-4BCE-B982-57195C842F2E}" type="datetimeFigureOut">
               <a:rPr lang="en-US" smtClean="0"/>
-              <a:t>2/5/2017</a:t>
+              <a:t>2/6/2017</a:t>
             </a:fld>
             <a:endParaRPr lang="en-US"/>
           </a:p>
@@ -654,51 +654,20 @@
           <a:p>
             <a:r>
               <a:rPr lang="en-US" baseline="0" dirty="0" smtClean="0"/>
-              <a:t>Every minute, get </a:t>
-            </a:r>
+              <a:t>Every minute, get tweet and put it on the table (C#)</a:t>
+            </a:r>
+          </a:p>
+          <a:p>
             <a:r>
               <a:rPr lang="en-US" baseline="0" dirty="0" smtClean="0"/>
-              <a:t>tweet and </a:t>
-            </a:r>
+              <a:t>Get values from table, analyze it, and put it into a queue (python)</a:t>
+            </a:r>
+          </a:p>
+          <a:p>
             <a:r>
               <a:rPr lang="en-US" baseline="0" dirty="0" smtClean="0"/>
-              <a:t>put it on the </a:t>
-            </a:r>
-            <a:r>
-              <a:rPr lang="en-US" baseline="0" dirty="0" smtClean="0"/>
-              <a:t>table (C#)</a:t>
-            </a:r>
-            <a:endParaRPr lang="en-US" baseline="0" dirty="0" smtClean="0"/>
-          </a:p>
-          <a:p>
-            <a:r>
-              <a:rPr lang="en-US" baseline="0" dirty="0" smtClean="0"/>
-              <a:t>Get values from </a:t>
-            </a:r>
-            <a:r>
-              <a:rPr lang="en-US" baseline="0" dirty="0" smtClean="0"/>
-              <a:t>table, analyze it, </a:t>
-            </a:r>
-            <a:r>
-              <a:rPr lang="en-US" baseline="0" dirty="0" smtClean="0"/>
-              <a:t>and put it into a </a:t>
-            </a:r>
-            <a:r>
-              <a:rPr lang="en-US" baseline="0" dirty="0" smtClean="0"/>
-              <a:t>queue (python)</a:t>
-            </a:r>
-            <a:endParaRPr lang="en-US" baseline="0" dirty="0" smtClean="0"/>
-          </a:p>
-          <a:p>
-            <a:r>
-              <a:rPr lang="en-US" baseline="0" dirty="0" smtClean="0"/>
-              <a:t>Get values from </a:t>
-            </a:r>
-            <a:r>
-              <a:rPr lang="en-US" baseline="0" dirty="0" smtClean="0"/>
-              <a:t>queue and notify (node p.57, 115)</a:t>
-            </a:r>
-            <a:endParaRPr lang="en-US" baseline="0" dirty="0" smtClean="0"/>
+              <a:t>Get values from queue and notify (node p.57, 115)</a:t>
+            </a:r>
           </a:p>
           <a:p>
             <a:r>
@@ -1922,7 +1891,6 @@
               <a:rPr lang="en-US" baseline="0" dirty="0" smtClean="0"/>
               <a:t>Only 4.6 and above</a:t>
             </a:r>
-            <a:endParaRPr lang="en-US" baseline="0" dirty="0" smtClean="0"/>
           </a:p>
         </p:txBody>
       </p:sp>
@@ -2093,7 +2061,7 @@
           <a:p>
             <a:fld id="{D580D8F2-7B30-43DB-963C-CE8585A47115}" type="datetimeFigureOut">
               <a:rPr lang="en-US" smtClean="0"/>
-              <a:t>2/5/2017</a:t>
+              <a:t>2/6/2017</a:t>
             </a:fld>
             <a:endParaRPr lang="en-US"/>
           </a:p>
@@ -2263,7 +2231,7 @@
           <a:p>
             <a:fld id="{D580D8F2-7B30-43DB-963C-CE8585A47115}" type="datetimeFigureOut">
               <a:rPr lang="en-US" smtClean="0"/>
-              <a:t>2/5/2017</a:t>
+              <a:t>2/6/2017</a:t>
             </a:fld>
             <a:endParaRPr lang="en-US"/>
           </a:p>
@@ -2443,7 +2411,7 @@
           <a:p>
             <a:fld id="{D580D8F2-7B30-43DB-963C-CE8585A47115}" type="datetimeFigureOut">
               <a:rPr lang="en-US" smtClean="0"/>
-              <a:t>2/5/2017</a:t>
+              <a:t>2/6/2017</a:t>
             </a:fld>
             <a:endParaRPr lang="en-US"/>
           </a:p>
@@ -2613,7 +2581,7 @@
           <a:p>
             <a:fld id="{D580D8F2-7B30-43DB-963C-CE8585A47115}" type="datetimeFigureOut">
               <a:rPr lang="en-US" smtClean="0"/>
-              <a:t>2/5/2017</a:t>
+              <a:t>2/6/2017</a:t>
             </a:fld>
             <a:endParaRPr lang="en-US"/>
           </a:p>
@@ -2859,7 +2827,7 @@
           <a:p>
             <a:fld id="{D580D8F2-7B30-43DB-963C-CE8585A47115}" type="datetimeFigureOut">
               <a:rPr lang="en-US" smtClean="0"/>
-              <a:t>2/5/2017</a:t>
+              <a:t>2/6/2017</a:t>
             </a:fld>
             <a:endParaRPr lang="en-US"/>
           </a:p>
@@ -3091,7 +3059,7 @@
           <a:p>
             <a:fld id="{D580D8F2-7B30-43DB-963C-CE8585A47115}" type="datetimeFigureOut">
               <a:rPr lang="en-US" smtClean="0"/>
-              <a:t>2/5/2017</a:t>
+              <a:t>2/6/2017</a:t>
             </a:fld>
             <a:endParaRPr lang="en-US"/>
           </a:p>
@@ -3458,7 +3426,7 @@
           <a:p>
             <a:fld id="{D580D8F2-7B30-43DB-963C-CE8585A47115}" type="datetimeFigureOut">
               <a:rPr lang="en-US" smtClean="0"/>
-              <a:t>2/5/2017</a:t>
+              <a:t>2/6/2017</a:t>
             </a:fld>
             <a:endParaRPr lang="en-US"/>
           </a:p>
@@ -3576,7 +3544,7 @@
           <a:p>
             <a:fld id="{D580D8F2-7B30-43DB-963C-CE8585A47115}" type="datetimeFigureOut">
               <a:rPr lang="en-US" smtClean="0"/>
-              <a:t>2/5/2017</a:t>
+              <a:t>2/6/2017</a:t>
             </a:fld>
             <a:endParaRPr lang="en-US"/>
           </a:p>
@@ -3671,7 +3639,7 @@
           <a:p>
             <a:fld id="{D580D8F2-7B30-43DB-963C-CE8585A47115}" type="datetimeFigureOut">
               <a:rPr lang="en-US" smtClean="0"/>
-              <a:t>2/5/2017</a:t>
+              <a:t>2/6/2017</a:t>
             </a:fld>
             <a:endParaRPr lang="en-US"/>
           </a:p>
@@ -3948,7 +3916,7 @@
           <a:p>
             <a:fld id="{D580D8F2-7B30-43DB-963C-CE8585A47115}" type="datetimeFigureOut">
               <a:rPr lang="en-US" smtClean="0"/>
-              <a:t>2/5/2017</a:t>
+              <a:t>2/6/2017</a:t>
             </a:fld>
             <a:endParaRPr lang="en-US"/>
           </a:p>
@@ -4201,7 +4169,7 @@
           <a:p>
             <a:fld id="{D580D8F2-7B30-43DB-963C-CE8585A47115}" type="datetimeFigureOut">
               <a:rPr lang="en-US" smtClean="0"/>
-              <a:t>2/5/2017</a:t>
+              <a:t>2/6/2017</a:t>
             </a:fld>
             <a:endParaRPr lang="en-US"/>
           </a:p>
@@ -4414,7 +4382,7 @@
           <a:p>
             <a:fld id="{D580D8F2-7B30-43DB-963C-CE8585A47115}" type="datetimeFigureOut">
               <a:rPr lang="en-US" smtClean="0"/>
-              <a:t>2/5/2017</a:t>
+              <a:t>2/6/2017</a:t>
             </a:fld>
             <a:endParaRPr lang="en-US"/>
           </a:p>
@@ -6098,7 +6066,7 @@
         <p:spPr>
           <a:xfrm>
             <a:off x="4385967" y="2934390"/>
-            <a:ext cx="1413163" cy="1097280"/>
+            <a:ext cx="1503603" cy="1097280"/>
           </a:xfrm>
           <a:prstGeom prst="rect">
             <a:avLst/>
@@ -6127,7 +6095,7 @@
             <a:pPr algn="ctr"/>
             <a:r>
               <a:rPr lang="en-US" dirty="0" smtClean="0"/>
-              <a:t>Table Trigger</a:t>
+              <a:t>Queue Trigger</a:t>
             </a:r>
             <a:endParaRPr lang="en-US" dirty="0"/>
           </a:p>
@@ -6141,11 +6109,221 @@
         </p:nvSpPr>
         <p:spPr>
           <a:xfrm>
-            <a:off x="6319675" y="1740563"/>
+            <a:off x="2645587" y="2969885"/>
             <a:ext cx="1130531" cy="1014153"/>
           </a:xfrm>
           <a:prstGeom prst="flowChartMagneticDisk">
             <a:avLst/>
+          </a:prstGeom>
+        </p:spPr>
+        <p:style>
+          <a:lnRef idx="3">
+            <a:schemeClr val="lt1"/>
+          </a:lnRef>
+          <a:fillRef idx="1">
+            <a:schemeClr val="accent2"/>
+          </a:fillRef>
+          <a:effectRef idx="1">
+            <a:schemeClr val="accent2"/>
+          </a:effectRef>
+          <a:fontRef idx="minor">
+            <a:schemeClr val="lt1"/>
+          </a:fontRef>
+        </p:style>
+        <p:txBody>
+          <a:bodyPr rtlCol="0" anchor="ctr"/>
+          <a:lstStyle/>
+          <a:p>
+            <a:pPr algn="ctr"/>
+            <a:endParaRPr lang="en-US" dirty="0"/>
+          </a:p>
+        </p:txBody>
+      </p:sp>
+      <p:sp>
+        <p:nvSpPr>
+          <p:cNvPr id="36" name="Flowchart: Direct Access Storage 35"/>
+          <p:cNvSpPr/>
+          <p:nvPr/>
+        </p:nvSpPr>
+        <p:spPr>
+          <a:xfrm>
+            <a:off x="6366857" y="1690688"/>
+            <a:ext cx="947650" cy="1014153"/>
+          </a:xfrm>
+          <a:prstGeom prst="flowChartMagneticDrum">
+            <a:avLst/>
+          </a:prstGeom>
+        </p:spPr>
+        <p:style>
+          <a:lnRef idx="3">
+            <a:schemeClr val="lt1"/>
+          </a:lnRef>
+          <a:fillRef idx="1">
+            <a:schemeClr val="accent4"/>
+          </a:fillRef>
+          <a:effectRef idx="1">
+            <a:schemeClr val="accent4"/>
+          </a:effectRef>
+          <a:fontRef idx="minor">
+            <a:schemeClr val="lt1"/>
+          </a:fontRef>
+        </p:style>
+        <p:txBody>
+          <a:bodyPr rtlCol="0" anchor="ctr"/>
+          <a:lstStyle/>
+          <a:p>
+            <a:pPr algn="ctr"/>
+            <a:endParaRPr lang="en-US" dirty="0"/>
+          </a:p>
+        </p:txBody>
+      </p:sp>
+      <p:sp>
+        <p:nvSpPr>
+          <p:cNvPr id="37" name="Rectangle 36"/>
+          <p:cNvSpPr/>
+          <p:nvPr/>
+        </p:nvSpPr>
+        <p:spPr>
+          <a:xfrm>
+            <a:off x="7709193" y="3017517"/>
+            <a:ext cx="1650770" cy="1097280"/>
+          </a:xfrm>
+          <a:prstGeom prst="rect">
+            <a:avLst/>
+          </a:prstGeom>
+        </p:spPr>
+        <p:style>
+          <a:lnRef idx="2">
+            <a:schemeClr val="accent1">
+              <a:shade val="50000"/>
+            </a:schemeClr>
+          </a:lnRef>
+          <a:fillRef idx="1">
+            <a:schemeClr val="accent1"/>
+          </a:fillRef>
+          <a:effectRef idx="0">
+            <a:schemeClr val="accent1"/>
+          </a:effectRef>
+          <a:fontRef idx="minor">
+            <a:schemeClr val="lt1"/>
+          </a:fontRef>
+        </p:style>
+        <p:txBody>
+          <a:bodyPr rtlCol="0" anchor="ctr"/>
+          <a:lstStyle/>
+          <a:p>
+            <a:pPr algn="ctr"/>
+            <a:r>
+              <a:rPr lang="en-US" dirty="0" smtClean="0"/>
+              <a:t>Table Trigger</a:t>
+            </a:r>
+            <a:endParaRPr lang="en-US" dirty="0"/>
+          </a:p>
+        </p:txBody>
+      </p:sp>
+      <p:sp>
+        <p:nvSpPr>
+          <p:cNvPr id="39" name="Flowchart: Document 38"/>
+          <p:cNvSpPr/>
+          <p:nvPr/>
+        </p:nvSpPr>
+        <p:spPr>
+          <a:xfrm>
+            <a:off x="7516610" y="4984423"/>
+            <a:ext cx="1379913" cy="1097280"/>
+          </a:xfrm>
+          <a:prstGeom prst="flowChartDocument">
+            <a:avLst/>
+          </a:prstGeom>
+        </p:spPr>
+        <p:style>
+          <a:lnRef idx="1">
+            <a:schemeClr val="dk1"/>
+          </a:lnRef>
+          <a:fillRef idx="3">
+            <a:schemeClr val="dk1"/>
+          </a:fillRef>
+          <a:effectRef idx="2">
+            <a:schemeClr val="dk1"/>
+          </a:effectRef>
+          <a:fontRef idx="minor">
+            <a:schemeClr val="lt1"/>
+          </a:fontRef>
+        </p:style>
+        <p:txBody>
+          <a:bodyPr rtlCol="0" anchor="ctr"/>
+          <a:lstStyle/>
+          <a:p>
+            <a:pPr algn="ctr"/>
+            <a:r>
+              <a:rPr lang="en-US" dirty="0" smtClean="0"/>
+              <a:t>Web Page</a:t>
+            </a:r>
+            <a:endParaRPr lang="en-US" dirty="0"/>
+          </a:p>
+        </p:txBody>
+      </p:sp>
+      <p:sp>
+        <p:nvSpPr>
+          <p:cNvPr id="41" name="Circular Arrow 40"/>
+          <p:cNvSpPr/>
+          <p:nvPr/>
+        </p:nvSpPr>
+        <p:spPr>
+          <a:xfrm>
+            <a:off x="1142210" y="1690688"/>
+            <a:ext cx="2133005" cy="2128058"/>
+          </a:xfrm>
+          <a:prstGeom prst="circularArrow">
+            <a:avLst/>
+          </a:prstGeom>
+        </p:spPr>
+        <p:style>
+          <a:lnRef idx="1">
+            <a:schemeClr val="accent2"/>
+          </a:lnRef>
+          <a:fillRef idx="3">
+            <a:schemeClr val="accent2"/>
+          </a:fillRef>
+          <a:effectRef idx="2">
+            <a:schemeClr val="accent2"/>
+          </a:effectRef>
+          <a:fontRef idx="minor">
+            <a:schemeClr val="lt1"/>
+          </a:fontRef>
+        </p:style>
+        <p:txBody>
+          <a:bodyPr rtlCol="0" anchor="ctr"/>
+          <a:lstStyle/>
+          <a:p>
+            <a:pPr algn="ctr"/>
+            <a:endParaRPr lang="en-US">
+              <a:solidFill>
+                <a:schemeClr val="tx1"/>
+              </a:solidFill>
+            </a:endParaRPr>
+          </a:p>
+        </p:txBody>
+      </p:sp>
+      <p:sp>
+        <p:nvSpPr>
+          <p:cNvPr id="42" name="Circular Arrow 41"/>
+          <p:cNvSpPr/>
+          <p:nvPr/>
+        </p:nvSpPr>
+        <p:spPr>
+          <a:xfrm rot="10800000" flipH="1">
+            <a:off x="3166270" y="3230441"/>
+            <a:ext cx="1854617" cy="2128058"/>
+          </a:xfrm>
+          <a:prstGeom prst="circularArrow">
+            <a:avLst>
+              <a:gd name="adj1" fmla="val 12500"/>
+              <a:gd name="adj2" fmla="val 1098330"/>
+              <a:gd name="adj3" fmla="val 20457681"/>
+              <a:gd name="adj4" fmla="val 10800000"/>
+              <a:gd name="adj5" fmla="val 12500"/>
+            </a:avLst>
           </a:prstGeom>
         </p:spPr>
         <p:style>
@@ -6169,26 +6347,26 @@
           <a:lstStyle/>
           <a:p>
             <a:pPr algn="ctr"/>
-            <a:r>
-              <a:rPr lang="en-US" dirty="0" smtClean="0"/>
-              <a:t>Pending</a:t>
-            </a:r>
-            <a:endParaRPr lang="en-US" dirty="0"/>
-          </a:p>
-        </p:txBody>
-      </p:sp>
-      <p:sp>
-        <p:nvSpPr>
-          <p:cNvPr id="36" name="Flowchart: Direct Access Storage 35"/>
+            <a:endParaRPr lang="en-US">
+              <a:solidFill>
+                <a:schemeClr val="tx1"/>
+              </a:solidFill>
+            </a:endParaRPr>
+          </a:p>
+        </p:txBody>
+      </p:sp>
+      <p:sp>
+        <p:nvSpPr>
+          <p:cNvPr id="44" name="Bent Arrow 43"/>
           <p:cNvSpPr/>
           <p:nvPr/>
         </p:nvSpPr>
         <p:spPr>
           <a:xfrm>
-            <a:off x="2664299" y="3000891"/>
-            <a:ext cx="947650" cy="1014153"/>
-          </a:xfrm>
-          <a:prstGeom prst="flowChartMagneticDrum">
+            <a:off x="5218223" y="2047176"/>
+            <a:ext cx="1052745" cy="786505"/>
+          </a:xfrm>
+          <a:prstGeom prst="bentArrow">
             <a:avLst/>
           </a:prstGeom>
         </p:spPr>
@@ -6197,9 +6375,53 @@
             <a:schemeClr val="lt1"/>
           </a:lnRef>
           <a:fillRef idx="1">
+            <a:schemeClr val="accent4"/>
+          </a:fillRef>
+          <a:effectRef idx="1">
+            <a:schemeClr val="accent4"/>
+          </a:effectRef>
+          <a:fontRef idx="minor">
+            <a:schemeClr val="lt1"/>
+          </a:fontRef>
+        </p:style>
+        <p:txBody>
+          <a:bodyPr rtlCol="0" anchor="ctr"/>
+          <a:lstStyle/>
+          <a:p>
+            <a:pPr algn="ctr"/>
+            <a:endParaRPr lang="en-US">
+              <a:solidFill>
+                <a:schemeClr val="tx1"/>
+              </a:solidFill>
+            </a:endParaRPr>
+          </a:p>
+        </p:txBody>
+      </p:sp>
+      <p:sp>
+        <p:nvSpPr>
+          <p:cNvPr id="46" name="Bent Arrow 45"/>
+          <p:cNvSpPr/>
+          <p:nvPr/>
+        </p:nvSpPr>
+        <p:spPr>
+          <a:xfrm rot="5400000">
+            <a:off x="7632528" y="1920726"/>
+            <a:ext cx="797038" cy="1028873"/>
+          </a:xfrm>
+          <a:prstGeom prst="bentArrow">
+            <a:avLst/>
+          </a:prstGeom>
+        </p:spPr>
+        <p:style>
+          <a:lnRef idx="2">
+            <a:schemeClr val="accent6">
+              <a:shade val="50000"/>
+            </a:schemeClr>
+          </a:lnRef>
+          <a:fillRef idx="1">
             <a:schemeClr val="accent6"/>
           </a:fillRef>
-          <a:effectRef idx="1">
+          <a:effectRef idx="0">
             <a:schemeClr val="accent6"/>
           </a:effectRef>
           <a:fontRef idx="minor">
@@ -6211,19 +6433,145 @@
           <a:lstStyle/>
           <a:p>
             <a:pPr algn="ctr"/>
-            <a:endParaRPr lang="en-US" dirty="0"/>
-          </a:p>
-        </p:txBody>
-      </p:sp>
-      <p:sp>
-        <p:nvSpPr>
-          <p:cNvPr id="37" name="Rectangle 36"/>
+            <a:endParaRPr lang="en-US">
+              <a:solidFill>
+                <a:schemeClr val="tx1"/>
+              </a:solidFill>
+            </a:endParaRPr>
+          </a:p>
+        </p:txBody>
+      </p:sp>
+      <p:sp>
+        <p:nvSpPr>
+          <p:cNvPr id="47" name="Right Arrow 46"/>
           <p:cNvSpPr/>
           <p:nvPr/>
         </p:nvSpPr>
         <p:spPr>
+          <a:xfrm rot="10800000">
+            <a:off x="9005974" y="5147473"/>
+            <a:ext cx="548808" cy="588305"/>
+          </a:xfrm>
+          <a:prstGeom prst="rightArrow">
+            <a:avLst/>
+          </a:prstGeom>
+        </p:spPr>
+        <p:style>
+          <a:lnRef idx="2">
+            <a:schemeClr val="dk1">
+              <a:shade val="50000"/>
+            </a:schemeClr>
+          </a:lnRef>
+          <a:fillRef idx="1">
+            <a:schemeClr val="dk1"/>
+          </a:fillRef>
+          <a:effectRef idx="0">
+            <a:schemeClr val="dk1"/>
+          </a:effectRef>
+          <a:fontRef idx="minor">
+            <a:schemeClr val="lt1"/>
+          </a:fontRef>
+        </p:style>
+        <p:txBody>
+          <a:bodyPr rtlCol="0" anchor="ctr"/>
+          <a:lstStyle/>
+          <a:p>
+            <a:pPr algn="ctr"/>
+            <a:endParaRPr lang="en-US"/>
+          </a:p>
+        </p:txBody>
+      </p:sp>
+      <p:sp>
+        <p:nvSpPr>
+          <p:cNvPr id="49" name="Cloud Callout 48"/>
+          <p:cNvSpPr/>
+          <p:nvPr/>
+        </p:nvSpPr>
+        <p:spPr>
           <a:xfrm>
-            <a:off x="7709193" y="3017517"/>
+            <a:off x="443941" y="5370963"/>
+            <a:ext cx="1396538" cy="887570"/>
+          </a:xfrm>
+          <a:prstGeom prst="cloudCallout">
+            <a:avLst/>
+          </a:prstGeom>
+        </p:spPr>
+        <p:style>
+          <a:lnRef idx="3">
+            <a:schemeClr val="lt1"/>
+          </a:lnRef>
+          <a:fillRef idx="1">
+            <a:schemeClr val="accent3"/>
+          </a:fillRef>
+          <a:effectRef idx="1">
+            <a:schemeClr val="accent3"/>
+          </a:effectRef>
+          <a:fontRef idx="minor">
+            <a:schemeClr val="lt1"/>
+          </a:fontRef>
+        </p:style>
+        <p:txBody>
+          <a:bodyPr rtlCol="0" anchor="ctr"/>
+          <a:lstStyle/>
+          <a:p>
+            <a:pPr algn="ctr"/>
+            <a:r>
+              <a:rPr lang="en-US" dirty="0" smtClean="0"/>
+              <a:t>Twitter</a:t>
+            </a:r>
+            <a:endParaRPr lang="en-US" dirty="0"/>
+          </a:p>
+        </p:txBody>
+      </p:sp>
+      <p:sp>
+        <p:nvSpPr>
+          <p:cNvPr id="50" name="Right Arrow 49"/>
+          <p:cNvSpPr/>
+          <p:nvPr/>
+        </p:nvSpPr>
+        <p:spPr>
+          <a:xfrm rot="16200000">
+            <a:off x="684606" y="4481546"/>
+            <a:ext cx="964359" cy="588305"/>
+          </a:xfrm>
+          <a:prstGeom prst="rightArrow">
+            <a:avLst/>
+          </a:prstGeom>
+        </p:spPr>
+        <p:style>
+          <a:lnRef idx="2">
+            <a:schemeClr val="accent3">
+              <a:shade val="50000"/>
+            </a:schemeClr>
+          </a:lnRef>
+          <a:fillRef idx="1">
+            <a:schemeClr val="accent3"/>
+          </a:fillRef>
+          <a:effectRef idx="0">
+            <a:schemeClr val="accent3"/>
+          </a:effectRef>
+          <a:fontRef idx="minor">
+            <a:schemeClr val="lt1"/>
+          </a:fontRef>
+        </p:style>
+        <p:txBody>
+          <a:bodyPr rtlCol="0" anchor="ctr"/>
+          <a:lstStyle/>
+          <a:p>
+            <a:pPr algn="ctr"/>
+            <a:endParaRPr lang="en-US"/>
+          </a:p>
+        </p:txBody>
+      </p:sp>
+      <p:sp>
+        <p:nvSpPr>
+          <p:cNvPr id="16" name="Rectangle 15"/>
+          <p:cNvSpPr/>
+          <p:nvPr/>
+        </p:nvSpPr>
+        <p:spPr>
+          <a:xfrm>
+            <a:off x="9683784" y="4892986"/>
             <a:ext cx="1650770" cy="1097280"/>
           </a:xfrm>
           <a:prstGeom prst="rect">
@@ -6253,7 +6601,7 @@
             <a:pPr algn="ctr"/>
             <a:r>
               <a:rPr lang="en-US" dirty="0" smtClean="0"/>
-              <a:t>Queue Trigger</a:t>
+              <a:t>HTTP GET</a:t>
             </a:r>
             <a:endParaRPr lang="en-US" dirty="0"/>
           </a:p>
@@ -6261,152 +6609,16 @@
       </p:sp>
       <p:sp>
         <p:nvSpPr>
-          <p:cNvPr id="39" name="Flowchart: Document 38"/>
+          <p:cNvPr id="19" name="Circular Arrow 18"/>
           <p:cNvSpPr/>
           <p:nvPr/>
         </p:nvSpPr>
         <p:spPr>
           <a:xfrm>
-            <a:off x="10108276" y="3059077"/>
-            <a:ext cx="1379913" cy="1097280"/>
-          </a:xfrm>
-          <a:prstGeom prst="flowChartDocument">
-            <a:avLst/>
-          </a:prstGeom>
-        </p:spPr>
-        <p:style>
-          <a:lnRef idx="1">
-            <a:schemeClr val="dk1"/>
-          </a:lnRef>
-          <a:fillRef idx="3">
-            <a:schemeClr val="dk1"/>
-          </a:fillRef>
-          <a:effectRef idx="2">
-            <a:schemeClr val="dk1"/>
-          </a:effectRef>
-          <a:fontRef idx="minor">
-            <a:schemeClr val="lt1"/>
-          </a:fontRef>
-        </p:style>
-        <p:txBody>
-          <a:bodyPr rtlCol="0" anchor="ctr"/>
-          <a:lstStyle/>
-          <a:p>
-            <a:pPr algn="ctr"/>
-            <a:r>
-              <a:rPr lang="en-US" dirty="0" smtClean="0"/>
-              <a:t>Text</a:t>
-            </a:r>
-            <a:endParaRPr lang="en-US" dirty="0"/>
-          </a:p>
-        </p:txBody>
-      </p:sp>
-      <p:sp>
-        <p:nvSpPr>
-          <p:cNvPr id="41" name="Circular Arrow 40"/>
-          <p:cNvSpPr/>
-          <p:nvPr/>
-        </p:nvSpPr>
-        <p:spPr>
-          <a:xfrm>
-            <a:off x="1142210" y="1690688"/>
-            <a:ext cx="2133005" cy="2128058"/>
+            <a:off x="8704211" y="1785288"/>
+            <a:ext cx="1981093" cy="1970164"/>
           </a:xfrm>
           <a:prstGeom prst="circularArrow">
-            <a:avLst/>
-          </a:prstGeom>
-        </p:spPr>
-        <p:style>
-          <a:lnRef idx="2">
-            <a:schemeClr val="accent1">
-              <a:shade val="50000"/>
-            </a:schemeClr>
-          </a:lnRef>
-          <a:fillRef idx="1">
-            <a:schemeClr val="accent1"/>
-          </a:fillRef>
-          <a:effectRef idx="0">
-            <a:schemeClr val="accent1"/>
-          </a:effectRef>
-          <a:fontRef idx="minor">
-            <a:schemeClr val="lt1"/>
-          </a:fontRef>
-        </p:style>
-        <p:txBody>
-          <a:bodyPr rtlCol="0" anchor="ctr"/>
-          <a:lstStyle/>
-          <a:p>
-            <a:pPr algn="ctr"/>
-            <a:endParaRPr lang="en-US">
-              <a:solidFill>
-                <a:schemeClr val="tx1"/>
-              </a:solidFill>
-            </a:endParaRPr>
-          </a:p>
-        </p:txBody>
-      </p:sp>
-      <p:sp>
-        <p:nvSpPr>
-          <p:cNvPr id="42" name="Circular Arrow 41"/>
-          <p:cNvSpPr/>
-          <p:nvPr/>
-        </p:nvSpPr>
-        <p:spPr>
-          <a:xfrm rot="10800000" flipH="1">
-            <a:off x="3166270" y="3230441"/>
-            <a:ext cx="1854617" cy="2128058"/>
-          </a:xfrm>
-          <a:prstGeom prst="circularArrow">
-            <a:avLst>
-              <a:gd name="adj1" fmla="val 12500"/>
-              <a:gd name="adj2" fmla="val 1098330"/>
-              <a:gd name="adj3" fmla="val 20457681"/>
-              <a:gd name="adj4" fmla="val 10800000"/>
-              <a:gd name="adj5" fmla="val 12500"/>
-            </a:avLst>
-          </a:prstGeom>
-        </p:spPr>
-        <p:style>
-          <a:lnRef idx="2">
-            <a:schemeClr val="accent4">
-              <a:shade val="50000"/>
-            </a:schemeClr>
-          </a:lnRef>
-          <a:fillRef idx="1">
-            <a:schemeClr val="accent4"/>
-          </a:fillRef>
-          <a:effectRef idx="0">
-            <a:schemeClr val="accent4"/>
-          </a:effectRef>
-          <a:fontRef idx="minor">
-            <a:schemeClr val="lt1"/>
-          </a:fontRef>
-        </p:style>
-        <p:txBody>
-          <a:bodyPr rtlCol="0" anchor="ctr"/>
-          <a:lstStyle/>
-          <a:p>
-            <a:pPr algn="ctr"/>
-            <a:endParaRPr lang="en-US">
-              <a:solidFill>
-                <a:schemeClr val="tx1"/>
-              </a:solidFill>
-            </a:endParaRPr>
-          </a:p>
-        </p:txBody>
-      </p:sp>
-      <p:sp>
-        <p:nvSpPr>
-          <p:cNvPr id="44" name="Bent Arrow 43"/>
-          <p:cNvSpPr/>
-          <p:nvPr/>
-        </p:nvSpPr>
-        <p:spPr>
-          <a:xfrm>
-            <a:off x="5218223" y="2047176"/>
-            <a:ext cx="1052745" cy="786505"/>
-          </a:xfrm>
-          <a:prstGeom prst="bentArrow">
             <a:avLst/>
           </a:prstGeom>
         </p:spPr>
@@ -6441,16 +6653,16 @@
       </p:sp>
       <p:sp>
         <p:nvSpPr>
-          <p:cNvPr id="46" name="Bent Arrow 45"/>
+          <p:cNvPr id="5" name="Down Arrow 4"/>
           <p:cNvSpPr/>
           <p:nvPr/>
         </p:nvSpPr>
         <p:spPr>
-          <a:xfrm rot="5400000">
-            <a:off x="7790054" y="1763200"/>
-            <a:ext cx="847843" cy="1394729"/>
-          </a:xfrm>
-          <a:prstGeom prst="bentArrow">
+          <a:xfrm>
+            <a:off x="10238620" y="4160511"/>
+            <a:ext cx="448887" cy="615187"/>
+          </a:xfrm>
+          <a:prstGeom prst="downArrow">
             <a:avLst/>
           </a:prstGeom>
         </p:spPr>
@@ -6475,40 +6687,37 @@
           <a:lstStyle/>
           <a:p>
             <a:pPr algn="ctr"/>
-            <a:endParaRPr lang="en-US">
-              <a:solidFill>
-                <a:schemeClr val="tx1"/>
-              </a:solidFill>
-            </a:endParaRPr>
-          </a:p>
-        </p:txBody>
-      </p:sp>
-      <p:sp>
-        <p:nvSpPr>
-          <p:cNvPr id="47" name="Right Arrow 46"/>
+            <a:endParaRPr lang="en-US"/>
+          </a:p>
+        </p:txBody>
+      </p:sp>
+      <p:sp>
+        <p:nvSpPr>
+          <p:cNvPr id="20" name="Flowchart: Direct Access Storage 19"/>
           <p:cNvSpPr/>
           <p:nvPr/>
         </p:nvSpPr>
         <p:spPr>
           <a:xfrm>
-            <a:off x="9459715" y="3313564"/>
-            <a:ext cx="548808" cy="588305"/>
-          </a:xfrm>
-          <a:prstGeom prst="rightArrow">
+            <a:off x="9935188" y="2835899"/>
+            <a:ext cx="947650" cy="1014153"/>
+          </a:xfrm>
+          <a:prstGeom prst="flowChartMagneticDrum">
             <a:avLst/>
           </a:prstGeom>
+          <a:solidFill>
+            <a:schemeClr val="accent6"/>
+          </a:solidFill>
         </p:spPr>
         <p:style>
-          <a:lnRef idx="2">
-            <a:schemeClr val="dk1">
-              <a:shade val="50000"/>
-            </a:schemeClr>
+          <a:lnRef idx="3">
+            <a:schemeClr val="lt1"/>
           </a:lnRef>
           <a:fillRef idx="1">
-            <a:schemeClr val="dk1"/>
+            <a:schemeClr val="accent4"/>
           </a:fillRef>
-          <a:effectRef idx="0">
-            <a:schemeClr val="dk1"/>
+          <a:effectRef idx="1">
+            <a:schemeClr val="accent4"/>
           </a:effectRef>
           <a:fontRef idx="minor">
             <a:schemeClr val="lt1"/>
@@ -6519,89 +6728,7 @@
           <a:lstStyle/>
           <a:p>
             <a:pPr algn="ctr"/>
-            <a:endParaRPr lang="en-US"/>
-          </a:p>
-        </p:txBody>
-      </p:sp>
-      <p:sp>
-        <p:nvSpPr>
-          <p:cNvPr id="49" name="Cloud Callout 48"/>
-          <p:cNvSpPr/>
-          <p:nvPr/>
-        </p:nvSpPr>
-        <p:spPr>
-          <a:xfrm>
-            <a:off x="443941" y="5370963"/>
-            <a:ext cx="1396538" cy="887570"/>
-          </a:xfrm>
-          <a:prstGeom prst="cloudCallout">
-            <a:avLst/>
-          </a:prstGeom>
-        </p:spPr>
-        <p:style>
-          <a:lnRef idx="3">
-            <a:schemeClr val="lt1"/>
-          </a:lnRef>
-          <a:fillRef idx="1">
-            <a:schemeClr val="accent3"/>
-          </a:fillRef>
-          <a:effectRef idx="1">
-            <a:schemeClr val="accent3"/>
-          </a:effectRef>
-          <a:fontRef idx="minor">
-            <a:schemeClr val="lt1"/>
-          </a:fontRef>
-        </p:style>
-        <p:txBody>
-          <a:bodyPr rtlCol="0" anchor="ctr"/>
-          <a:lstStyle/>
-          <a:p>
-            <a:pPr algn="ctr"/>
-            <a:r>
-              <a:rPr lang="en-US" dirty="0" smtClean="0"/>
-              <a:t>Twitter</a:t>
-            </a:r>
             <a:endParaRPr lang="en-US" dirty="0"/>
-          </a:p>
-        </p:txBody>
-      </p:sp>
-      <p:sp>
-        <p:nvSpPr>
-          <p:cNvPr id="50" name="Right Arrow 49"/>
-          <p:cNvSpPr/>
-          <p:nvPr/>
-        </p:nvSpPr>
-        <p:spPr>
-          <a:xfrm rot="16200000">
-            <a:off x="684606" y="4481546"/>
-            <a:ext cx="964359" cy="588305"/>
-          </a:xfrm>
-          <a:prstGeom prst="rightArrow">
-            <a:avLst/>
-          </a:prstGeom>
-        </p:spPr>
-        <p:style>
-          <a:lnRef idx="2">
-            <a:schemeClr val="accent3">
-              <a:shade val="50000"/>
-            </a:schemeClr>
-          </a:lnRef>
-          <a:fillRef idx="1">
-            <a:schemeClr val="accent3"/>
-          </a:fillRef>
-          <a:effectRef idx="0">
-            <a:schemeClr val="accent3"/>
-          </a:effectRef>
-          <a:fontRef idx="minor">
-            <a:schemeClr val="lt1"/>
-          </a:fontRef>
-        </p:style>
-        <p:txBody>
-          <a:bodyPr rtlCol="0" anchor="ctr"/>
-          <a:lstStyle/>
-          <a:p>
-            <a:pPr algn="ctr"/>
-            <a:endParaRPr lang="en-US"/>
           </a:p>
         </p:txBody>
       </p:sp>

--- a/Presentation/AzureFunctions.pptx
+++ b/Presentation/AzureFunctions.pptx
@@ -221,7 +221,7 @@
           <a:p>
             <a:fld id="{29F7854B-EEF5-4BCE-B982-57195C842F2E}" type="datetimeFigureOut">
               <a:rPr lang="en-US" smtClean="0"/>
-              <a:t>2/6/2017</a:t>
+              <a:t>4/12/2017</a:t>
             </a:fld>
             <a:endParaRPr lang="en-US"/>
           </a:p>
@@ -654,7 +654,15 @@
           <a:p>
             <a:r>
               <a:rPr lang="en-US" baseline="0" dirty="0" smtClean="0"/>
-              <a:t>Every minute, get tweet and put it on the table (C#)</a:t>
+              <a:t>Every minute, get tweet and put it on the </a:t>
+            </a:r>
+            <a:r>
+              <a:rPr lang="en-US" baseline="0" dirty="0" smtClean="0"/>
+              <a:t>queue (C</a:t>
+            </a:r>
+            <a:r>
+              <a:rPr lang="en-US" baseline="0" dirty="0" smtClean="0"/>
+              <a:t>#)</a:t>
             </a:r>
           </a:p>
           <a:p>
@@ -930,6 +938,90 @@
 </p:notes>
 </file>
 
+<file path=ppt/notesSlides/notesSlide13.xml><?xml version="1.0" encoding="utf-8"?>
+<p:notes xmlns:a="http://schemas.openxmlformats.org/drawingml/2006/main" xmlns:r="http://schemas.openxmlformats.org/officeDocument/2006/relationships" xmlns:p="http://schemas.openxmlformats.org/presentationml/2006/main">
+  <p:cSld>
+    <p:spTree>
+      <p:nvGrpSpPr>
+        <p:cNvPr id="1" name=""/>
+        <p:cNvGrpSpPr/>
+        <p:nvPr/>
+      </p:nvGrpSpPr>
+      <p:grpSpPr>
+        <a:xfrm>
+          <a:off x="0" y="0"/>
+          <a:ext cx="0" cy="0"/>
+          <a:chOff x="0" y="0"/>
+          <a:chExt cx="0" cy="0"/>
+        </a:xfrm>
+      </p:grpSpPr>
+      <p:sp>
+        <p:nvSpPr>
+          <p:cNvPr id="2" name="Slide Image Placeholder 1"/>
+          <p:cNvSpPr>
+            <a:spLocks noGrp="1" noRot="1" noChangeAspect="1"/>
+          </p:cNvSpPr>
+          <p:nvPr>
+            <p:ph type="sldImg"/>
+          </p:nvPr>
+        </p:nvSpPr>
+        <p:spPr/>
+      </p:sp>
+      <p:sp>
+        <p:nvSpPr>
+          <p:cNvPr id="3" name="Notes Placeholder 2"/>
+          <p:cNvSpPr>
+            <a:spLocks noGrp="1"/>
+          </p:cNvSpPr>
+          <p:nvPr>
+            <p:ph type="body" idx="1"/>
+          </p:nvPr>
+        </p:nvSpPr>
+        <p:spPr/>
+        <p:txBody>
+          <a:bodyPr/>
+          <a:lstStyle/>
+          <a:p>
+            <a:endParaRPr lang="en-US" dirty="0"/>
+          </a:p>
+        </p:txBody>
+      </p:sp>
+      <p:sp>
+        <p:nvSpPr>
+          <p:cNvPr id="4" name="Slide Number Placeholder 3"/>
+          <p:cNvSpPr>
+            <a:spLocks noGrp="1"/>
+          </p:cNvSpPr>
+          <p:nvPr>
+            <p:ph type="sldNum" sz="quarter" idx="10"/>
+          </p:nvPr>
+        </p:nvSpPr>
+        <p:spPr/>
+        <p:txBody>
+          <a:bodyPr/>
+          <a:lstStyle/>
+          <a:p>
+            <a:fld id="{2F141AAD-2928-4B43-B2A0-445A59F6B45A}" type="slidenum">
+              <a:rPr lang="en-US" smtClean="0"/>
+              <a:t>20</a:t>
+            </a:fld>
+            <a:endParaRPr lang="en-US"/>
+          </a:p>
+        </p:txBody>
+      </p:sp>
+    </p:spTree>
+    <p:extLst>
+      <p:ext uri="{BB962C8B-B14F-4D97-AF65-F5344CB8AC3E}">
+        <p14:creationId xmlns:p14="http://schemas.microsoft.com/office/powerpoint/2010/main" val="2642855856"/>
+      </p:ext>
+    </p:extLst>
+  </p:cSld>
+  <p:clrMapOvr>
+    <a:masterClrMapping/>
+  </p:clrMapOvr>
+</p:notes>
+</file>
+
 <file path=ppt/notesSlides/notesSlide2.xml><?xml version="1.0" encoding="utf-8"?>
 <p:notes xmlns:a="http://schemas.openxmlformats.org/drawingml/2006/main" xmlns:r="http://schemas.openxmlformats.org/officeDocument/2006/relationships" xmlns:p="http://schemas.openxmlformats.org/presentationml/2006/main">
   <p:cSld>
@@ -1260,6 +1352,12 @@
         <p:txBody>
           <a:bodyPr/>
           <a:lstStyle/>
+          <a:p>
+            <a:r>
+              <a:rPr lang="en-US" dirty="0" smtClean="0"/>
+              <a:t>Hello World</a:t>
+            </a:r>
+          </a:p>
           <a:p>
             <a:r>
               <a:rPr lang="en-US" dirty="0" smtClean="0"/>
@@ -2061,7 +2159,7 @@
           <a:p>
             <a:fld id="{D580D8F2-7B30-43DB-963C-CE8585A47115}" type="datetimeFigureOut">
               <a:rPr lang="en-US" smtClean="0"/>
-              <a:t>2/6/2017</a:t>
+              <a:t>4/12/2017</a:t>
             </a:fld>
             <a:endParaRPr lang="en-US"/>
           </a:p>
@@ -2231,7 +2329,7 @@
           <a:p>
             <a:fld id="{D580D8F2-7B30-43DB-963C-CE8585A47115}" type="datetimeFigureOut">
               <a:rPr lang="en-US" smtClean="0"/>
-              <a:t>2/6/2017</a:t>
+              <a:t>4/12/2017</a:t>
             </a:fld>
             <a:endParaRPr lang="en-US"/>
           </a:p>
@@ -2411,7 +2509,7 @@
           <a:p>
             <a:fld id="{D580D8F2-7B30-43DB-963C-CE8585A47115}" type="datetimeFigureOut">
               <a:rPr lang="en-US" smtClean="0"/>
-              <a:t>2/6/2017</a:t>
+              <a:t>4/12/2017</a:t>
             </a:fld>
             <a:endParaRPr lang="en-US"/>
           </a:p>
@@ -2581,7 +2679,7 @@
           <a:p>
             <a:fld id="{D580D8F2-7B30-43DB-963C-CE8585A47115}" type="datetimeFigureOut">
               <a:rPr lang="en-US" smtClean="0"/>
-              <a:t>2/6/2017</a:t>
+              <a:t>4/12/2017</a:t>
             </a:fld>
             <a:endParaRPr lang="en-US"/>
           </a:p>
@@ -2827,7 +2925,7 @@
           <a:p>
             <a:fld id="{D580D8F2-7B30-43DB-963C-CE8585A47115}" type="datetimeFigureOut">
               <a:rPr lang="en-US" smtClean="0"/>
-              <a:t>2/6/2017</a:t>
+              <a:t>4/12/2017</a:t>
             </a:fld>
             <a:endParaRPr lang="en-US"/>
           </a:p>
@@ -3059,7 +3157,7 @@
           <a:p>
             <a:fld id="{D580D8F2-7B30-43DB-963C-CE8585A47115}" type="datetimeFigureOut">
               <a:rPr lang="en-US" smtClean="0"/>
-              <a:t>2/6/2017</a:t>
+              <a:t>4/12/2017</a:t>
             </a:fld>
             <a:endParaRPr lang="en-US"/>
           </a:p>
@@ -3426,7 +3524,7 @@
           <a:p>
             <a:fld id="{D580D8F2-7B30-43DB-963C-CE8585A47115}" type="datetimeFigureOut">
               <a:rPr lang="en-US" smtClean="0"/>
-              <a:t>2/6/2017</a:t>
+              <a:t>4/12/2017</a:t>
             </a:fld>
             <a:endParaRPr lang="en-US"/>
           </a:p>
@@ -3544,7 +3642,7 @@
           <a:p>
             <a:fld id="{D580D8F2-7B30-43DB-963C-CE8585A47115}" type="datetimeFigureOut">
               <a:rPr lang="en-US" smtClean="0"/>
-              <a:t>2/6/2017</a:t>
+              <a:t>4/12/2017</a:t>
             </a:fld>
             <a:endParaRPr lang="en-US"/>
           </a:p>
@@ -3639,7 +3737,7 @@
           <a:p>
             <a:fld id="{D580D8F2-7B30-43DB-963C-CE8585A47115}" type="datetimeFigureOut">
               <a:rPr lang="en-US" smtClean="0"/>
-              <a:t>2/6/2017</a:t>
+              <a:t>4/12/2017</a:t>
             </a:fld>
             <a:endParaRPr lang="en-US"/>
           </a:p>
@@ -3916,7 +4014,7 @@
           <a:p>
             <a:fld id="{D580D8F2-7B30-43DB-963C-CE8585A47115}" type="datetimeFigureOut">
               <a:rPr lang="en-US" smtClean="0"/>
-              <a:t>2/6/2017</a:t>
+              <a:t>4/12/2017</a:t>
             </a:fld>
             <a:endParaRPr lang="en-US"/>
           </a:p>
@@ -4169,7 +4267,7 @@
           <a:p>
             <a:fld id="{D580D8F2-7B30-43DB-963C-CE8585A47115}" type="datetimeFigureOut">
               <a:rPr lang="en-US" smtClean="0"/>
-              <a:t>2/6/2017</a:t>
+              <a:t>4/12/2017</a:t>
             </a:fld>
             <a:endParaRPr lang="en-US"/>
           </a:p>
@@ -4382,7 +4480,7 @@
           <a:p>
             <a:fld id="{D580D8F2-7B30-43DB-963C-CE8585A47115}" type="datetimeFigureOut">
               <a:rPr lang="en-US" smtClean="0"/>
-              <a:t>2/6/2017</a:t>
+              <a:t>4/12/2017</a:t>
             </a:fld>
             <a:endParaRPr lang="en-US"/>
           </a:p>
@@ -4832,12 +4930,8 @@
           </a:p>
           <a:p>
             <a:r>
-              <a:rPr lang="en-US" dirty="0" err="1" smtClean="0"/>
-              <a:t>TRINUG</a:t>
-            </a:r>
-            <a:r>
-              <a:rPr lang="en-US" dirty="0" smtClean="0"/>
-              <a:t> 3/8/2017</a:t>
+              <a:rPr lang="en-US" dirty="0" smtClean="0"/>
+              <a:t>TRINUG 4/10/2017</a:t>
             </a:r>
           </a:p>
           <a:p>
@@ -5219,6 +5313,267 @@
   <p:clrMapOvr>
     <a:masterClrMapping/>
   </p:clrMapOvr>
+  <p:timing>
+    <p:tnLst>
+      <p:par>
+        <p:cTn id="1" dur="indefinite" restart="never" nodeType="tmRoot">
+          <p:childTnLst>
+            <p:seq concurrent="1" nextAc="seek">
+              <p:cTn id="2" dur="indefinite" nodeType="mainSeq">
+                <p:childTnLst>
+                  <p:par>
+                    <p:cTn id="3" fill="hold">
+                      <p:stCondLst>
+                        <p:cond delay="indefinite"/>
+                      </p:stCondLst>
+                      <p:childTnLst>
+                        <p:par>
+                          <p:cTn id="4" fill="hold">
+                            <p:stCondLst>
+                              <p:cond delay="0"/>
+                            </p:stCondLst>
+                            <p:childTnLst>
+                              <p:par>
+                                <p:cTn id="5" presetID="1" presetClass="entr" presetSubtype="0" fill="hold" nodeType="clickEffect">
+                                  <p:stCondLst>
+                                    <p:cond delay="0"/>
+                                  </p:stCondLst>
+                                  <p:childTnLst>
+                                    <p:set>
+                                      <p:cBhvr>
+                                        <p:cTn id="6" dur="1" fill="hold">
+                                          <p:stCondLst>
+                                            <p:cond delay="0"/>
+                                          </p:stCondLst>
+                                        </p:cTn>
+                                        <p:tgtEl>
+                                          <p:spTgt spid="4"/>
+                                        </p:tgtEl>
+                                        <p:attrNameLst>
+                                          <p:attrName>style.visibility</p:attrName>
+                                        </p:attrNameLst>
+                                      </p:cBhvr>
+                                      <p:to>
+                                        <p:strVal val="visible"/>
+                                      </p:to>
+                                    </p:set>
+                                  </p:childTnLst>
+                                </p:cTn>
+                              </p:par>
+                              <p:par>
+                                <p:cTn id="7" presetID="1" presetClass="entr" presetSubtype="0" fill="hold" grpId="0" nodeType="withEffect">
+                                  <p:stCondLst>
+                                    <p:cond delay="0"/>
+                                  </p:stCondLst>
+                                  <p:childTnLst>
+                                    <p:set>
+                                      <p:cBhvr>
+                                        <p:cTn id="8" dur="1" fill="hold">
+                                          <p:stCondLst>
+                                            <p:cond delay="0"/>
+                                          </p:stCondLst>
+                                        </p:cTn>
+                                        <p:tgtEl>
+                                          <p:spTgt spid="12"/>
+                                        </p:tgtEl>
+                                        <p:attrNameLst>
+                                          <p:attrName>style.visibility</p:attrName>
+                                        </p:attrNameLst>
+                                      </p:cBhvr>
+                                      <p:to>
+                                        <p:strVal val="visible"/>
+                                      </p:to>
+                                    </p:set>
+                                  </p:childTnLst>
+                                </p:cTn>
+                              </p:par>
+                            </p:childTnLst>
+                          </p:cTn>
+                        </p:par>
+                      </p:childTnLst>
+                    </p:cTn>
+                  </p:par>
+                  <p:par>
+                    <p:cTn id="9" fill="hold">
+                      <p:stCondLst>
+                        <p:cond delay="indefinite"/>
+                      </p:stCondLst>
+                      <p:childTnLst>
+                        <p:par>
+                          <p:cTn id="10" fill="hold">
+                            <p:stCondLst>
+                              <p:cond delay="0"/>
+                            </p:stCondLst>
+                            <p:childTnLst>
+                              <p:par>
+                                <p:cTn id="11" presetID="1" presetClass="entr" presetSubtype="0" fill="hold" nodeType="clickEffect">
+                                  <p:stCondLst>
+                                    <p:cond delay="0"/>
+                                  </p:stCondLst>
+                                  <p:childTnLst>
+                                    <p:set>
+                                      <p:cBhvr>
+                                        <p:cTn id="12" dur="1" fill="hold">
+                                          <p:stCondLst>
+                                            <p:cond delay="0"/>
+                                          </p:stCondLst>
+                                        </p:cTn>
+                                        <p:tgtEl>
+                                          <p:spTgt spid="6"/>
+                                        </p:tgtEl>
+                                        <p:attrNameLst>
+                                          <p:attrName>style.visibility</p:attrName>
+                                        </p:attrNameLst>
+                                      </p:cBhvr>
+                                      <p:to>
+                                        <p:strVal val="visible"/>
+                                      </p:to>
+                                    </p:set>
+                                  </p:childTnLst>
+                                </p:cTn>
+                              </p:par>
+                              <p:par>
+                                <p:cTn id="13" presetID="1" presetClass="entr" presetSubtype="0" fill="hold" grpId="0" nodeType="withEffect">
+                                  <p:stCondLst>
+                                    <p:cond delay="0"/>
+                                  </p:stCondLst>
+                                  <p:childTnLst>
+                                    <p:set>
+                                      <p:cBhvr>
+                                        <p:cTn id="14" dur="1" fill="hold">
+                                          <p:stCondLst>
+                                            <p:cond delay="0"/>
+                                          </p:stCondLst>
+                                        </p:cTn>
+                                        <p:tgtEl>
+                                          <p:spTgt spid="10"/>
+                                        </p:tgtEl>
+                                        <p:attrNameLst>
+                                          <p:attrName>style.visibility</p:attrName>
+                                        </p:attrNameLst>
+                                      </p:cBhvr>
+                                      <p:to>
+                                        <p:strVal val="visible"/>
+                                      </p:to>
+                                    </p:set>
+                                  </p:childTnLst>
+                                </p:cTn>
+                              </p:par>
+                              <p:par>
+                                <p:cTn id="15" presetID="1" presetClass="entr" presetSubtype="0" fill="hold" grpId="0" nodeType="withEffect">
+                                  <p:stCondLst>
+                                    <p:cond delay="0"/>
+                                  </p:stCondLst>
+                                  <p:childTnLst>
+                                    <p:set>
+                                      <p:cBhvr>
+                                        <p:cTn id="16" dur="1" fill="hold">
+                                          <p:stCondLst>
+                                            <p:cond delay="0"/>
+                                          </p:stCondLst>
+                                        </p:cTn>
+                                        <p:tgtEl>
+                                          <p:spTgt spid="9"/>
+                                        </p:tgtEl>
+                                        <p:attrNameLst>
+                                          <p:attrName>style.visibility</p:attrName>
+                                        </p:attrNameLst>
+                                      </p:cBhvr>
+                                      <p:to>
+                                        <p:strVal val="visible"/>
+                                      </p:to>
+                                    </p:set>
+                                  </p:childTnLst>
+                                </p:cTn>
+                              </p:par>
+                              <p:par>
+                                <p:cTn id="17" presetID="1" presetClass="entr" presetSubtype="0" fill="hold" grpId="0" nodeType="withEffect">
+                                  <p:stCondLst>
+                                    <p:cond delay="0"/>
+                                  </p:stCondLst>
+                                  <p:childTnLst>
+                                    <p:set>
+                                      <p:cBhvr>
+                                        <p:cTn id="18" dur="1" fill="hold">
+                                          <p:stCondLst>
+                                            <p:cond delay="0"/>
+                                          </p:stCondLst>
+                                        </p:cTn>
+                                        <p:tgtEl>
+                                          <p:spTgt spid="11"/>
+                                        </p:tgtEl>
+                                        <p:attrNameLst>
+                                          <p:attrName>style.visibility</p:attrName>
+                                        </p:attrNameLst>
+                                      </p:cBhvr>
+                                      <p:to>
+                                        <p:strVal val="visible"/>
+                                      </p:to>
+                                    </p:set>
+                                  </p:childTnLst>
+                                </p:cTn>
+                              </p:par>
+                              <p:par>
+                                <p:cTn id="19" presetID="1" presetClass="entr" presetSubtype="0" fill="hold" nodeType="withEffect">
+                                  <p:stCondLst>
+                                    <p:cond delay="0"/>
+                                  </p:stCondLst>
+                                  <p:childTnLst>
+                                    <p:set>
+                                      <p:cBhvr>
+                                        <p:cTn id="20" dur="1" fill="hold">
+                                          <p:stCondLst>
+                                            <p:cond delay="0"/>
+                                          </p:stCondLst>
+                                        </p:cTn>
+                                        <p:tgtEl>
+                                          <p:spTgt spid="5"/>
+                                        </p:tgtEl>
+                                        <p:attrNameLst>
+                                          <p:attrName>style.visibility</p:attrName>
+                                        </p:attrNameLst>
+                                      </p:cBhvr>
+                                      <p:to>
+                                        <p:strVal val="visible"/>
+                                      </p:to>
+                                    </p:set>
+                                  </p:childTnLst>
+                                </p:cTn>
+                              </p:par>
+                            </p:childTnLst>
+                          </p:cTn>
+                        </p:par>
+                      </p:childTnLst>
+                    </p:cTn>
+                  </p:par>
+                </p:childTnLst>
+              </p:cTn>
+              <p:prevCondLst>
+                <p:cond evt="onPrev" delay="0">
+                  <p:tgtEl>
+                    <p:sldTgt/>
+                  </p:tgtEl>
+                </p:cond>
+              </p:prevCondLst>
+              <p:nextCondLst>
+                <p:cond evt="onNext" delay="0">
+                  <p:tgtEl>
+                    <p:sldTgt/>
+                  </p:tgtEl>
+                </p:cond>
+              </p:nextCondLst>
+            </p:seq>
+          </p:childTnLst>
+        </p:cTn>
+      </p:par>
+    </p:tnLst>
+    <p:bldLst>
+      <p:bldP spid="9" grpId="0" animBg="1"/>
+      <p:bldP spid="10" grpId="0"/>
+      <p:bldP spid="11" grpId="0"/>
+      <p:bldP spid="12" grpId="0"/>
+    </p:bldLst>
+  </p:timing>
 </p:sld>
 </file>
 
@@ -5369,6 +5724,13 @@
   <p:clrMapOvr>
     <a:masterClrMapping/>
   </p:clrMapOvr>
+  <p:timing>
+    <p:tnLst>
+      <p:par>
+        <p:cTn id="1" dur="indefinite" restart="never" nodeType="tmRoot"/>
+      </p:par>
+    </p:tnLst>
+  </p:timing>
 </p:sld>
 </file>
 
@@ -5610,6 +5972,55 @@
                       </p:childTnLst>
                     </p:cTn>
                   </p:par>
+                  <p:par>
+                    <p:cTn id="7" fill="hold">
+                      <p:stCondLst>
+                        <p:cond delay="indefinite"/>
+                      </p:stCondLst>
+                      <p:childTnLst>
+                        <p:par>
+                          <p:cTn id="8" fill="hold">
+                            <p:stCondLst>
+                              <p:cond delay="0"/>
+                            </p:stCondLst>
+                            <p:childTnLst>
+                              <p:par>
+                                <p:cTn id="9" presetID="1" presetClass="entr" presetSubtype="0" fill="hold" grpId="0" nodeType="clickEffect">
+                                  <p:stCondLst>
+                                    <p:cond delay="0"/>
+                                  </p:stCondLst>
+                                  <p:childTnLst>
+                                    <p:set>
+                                      <p:cBhvr>
+                                        <p:cTn id="10" dur="1" fill="hold">
+                                          <p:stCondLst>
+                                            <p:cond delay="0"/>
+                                          </p:stCondLst>
+                                        </p:cTn>
+                                        <p:tgtEl>
+                                          <p:spTgt spid="6">
+                                            <p:txEl>
+                                              <p:pRg st="0" end="0"/>
+                                            </p:txEl>
+                                          </p:spTgt>
+                                        </p:tgtEl>
+                                        <p:attrNameLst>
+                                          <p:attrName>style.visibility</p:attrName>
+                                        </p:attrNameLst>
+                                      </p:cBhvr>
+                                      <p:to>
+                                        <p:strVal val="visible"/>
+                                      </p:to>
+                                    </p:set>
+                                  </p:childTnLst>
+                                </p:cTn>
+                              </p:par>
+                            </p:childTnLst>
+                          </p:cTn>
+                        </p:par>
+                      </p:childTnLst>
+                    </p:cTn>
+                  </p:par>
                 </p:childTnLst>
               </p:cTn>
               <p:prevCondLst>
@@ -5631,6 +6042,9 @@
         </p:cTn>
       </p:par>
     </p:tnLst>
+    <p:bldLst>
+      <p:bldP spid="6" grpId="0" build="p"/>
+    </p:bldLst>
   </p:timing>
 </p:sld>
 </file>
@@ -5818,8 +6232,12 @@
           <a:lstStyle/>
           <a:p>
             <a:r>
-              <a:rPr lang="en-US" dirty="0" smtClean="0"/>
-              <a:t>.NET Dependencies</a:t>
+              <a:rPr lang="en-US" dirty="0"/>
+              <a:t>D</a:t>
+            </a:r>
+            <a:r>
+              <a:rPr lang="en-US" dirty="0" smtClean="0"/>
+              <a:t>ependencies</a:t>
             </a:r>
             <a:endParaRPr lang="en-US" dirty="0"/>
           </a:p>
@@ -5848,12 +6266,12 @@
           <a:lstStyle/>
           <a:p>
             <a:r>
-              <a:rPr lang="en-US" dirty="0" err="1"/>
-              <a:t>p</a:t>
-            </a:r>
-            <a:r>
               <a:rPr lang="en-US" dirty="0" err="1" smtClean="0"/>
-              <a:t>roject.json</a:t>
+              <a:t>project.json</a:t>
+            </a:r>
+            <a:r>
+              <a:rPr lang="en-US" dirty="0" smtClean="0"/>
+              <a:t>: .NET</a:t>
             </a:r>
             <a:endParaRPr lang="en-US" dirty="0"/>
           </a:p>
@@ -5891,7 +6309,7 @@
         </p:nvSpPr>
         <p:spPr>
           <a:xfrm>
-            <a:off x="7082443" y="1690688"/>
+            <a:off x="6828386" y="1650361"/>
             <a:ext cx="2992582" cy="369332"/>
           </a:xfrm>
           <a:prstGeom prst="rect">
@@ -5907,7 +6325,11 @@
           <a:p>
             <a:r>
               <a:rPr lang="en-US" dirty="0" smtClean="0"/>
-              <a:t>Another Azure Function</a:t>
+              <a:t>Another </a:t>
+            </a:r>
+            <a:r>
+              <a:rPr lang="en-US" dirty="0" smtClean="0"/>
+              <a:t>Script File</a:t>
             </a:r>
             <a:endParaRPr lang="en-US" dirty="0"/>
           </a:p>
@@ -5929,7 +6351,7 @@
         </p:blipFill>
         <p:spPr>
           <a:xfrm>
-            <a:off x="6828386" y="2135188"/>
+            <a:off x="6955707" y="4751472"/>
             <a:ext cx="4819650" cy="1762125"/>
           </a:xfrm>
           <a:prstGeom prst="rect">
@@ -5953,7 +6375,7 @@
         </p:blipFill>
         <p:spPr>
           <a:xfrm>
-            <a:off x="7855960" y="4092432"/>
+            <a:off x="6698492" y="2163471"/>
             <a:ext cx="2764501" cy="2444223"/>
           </a:xfrm>
           <a:prstGeom prst="rect">
@@ -5971,6 +6393,211 @@
   <p:clrMapOvr>
     <a:masterClrMapping/>
   </p:clrMapOvr>
+  <p:timing>
+    <p:tnLst>
+      <p:par>
+        <p:cTn id="1" dur="indefinite" restart="never" nodeType="tmRoot">
+          <p:childTnLst>
+            <p:seq concurrent="1" nextAc="seek">
+              <p:cTn id="2" dur="indefinite" nodeType="mainSeq">
+                <p:childTnLst>
+                  <p:par>
+                    <p:cTn id="3" fill="hold">
+                      <p:stCondLst>
+                        <p:cond delay="indefinite"/>
+                      </p:stCondLst>
+                      <p:childTnLst>
+                        <p:par>
+                          <p:cTn id="4" fill="hold">
+                            <p:stCondLst>
+                              <p:cond delay="0"/>
+                            </p:stCondLst>
+                            <p:childTnLst>
+                              <p:par>
+                                <p:cTn id="5" presetID="1" presetClass="entr" presetSubtype="0" fill="hold" grpId="0" nodeType="clickEffect">
+                                  <p:stCondLst>
+                                    <p:cond delay="0"/>
+                                  </p:stCondLst>
+                                  <p:childTnLst>
+                                    <p:set>
+                                      <p:cBhvr>
+                                        <p:cTn id="6" dur="1" fill="hold">
+                                          <p:stCondLst>
+                                            <p:cond delay="0"/>
+                                          </p:stCondLst>
+                                        </p:cTn>
+                                        <p:tgtEl>
+                                          <p:spTgt spid="4"/>
+                                        </p:tgtEl>
+                                        <p:attrNameLst>
+                                          <p:attrName>style.visibility</p:attrName>
+                                        </p:attrNameLst>
+                                      </p:cBhvr>
+                                      <p:to>
+                                        <p:strVal val="visible"/>
+                                      </p:to>
+                                    </p:set>
+                                  </p:childTnLst>
+                                </p:cTn>
+                              </p:par>
+                              <p:par>
+                                <p:cTn id="7" presetID="1" presetClass="entr" presetSubtype="0" fill="hold" nodeType="withEffect">
+                                  <p:stCondLst>
+                                    <p:cond delay="0"/>
+                                  </p:stCondLst>
+                                  <p:childTnLst>
+                                    <p:set>
+                                      <p:cBhvr>
+                                        <p:cTn id="8" dur="1" fill="hold">
+                                          <p:stCondLst>
+                                            <p:cond delay="0"/>
+                                          </p:stCondLst>
+                                        </p:cTn>
+                                        <p:tgtEl>
+                                          <p:spTgt spid="5"/>
+                                        </p:tgtEl>
+                                        <p:attrNameLst>
+                                          <p:attrName>style.visibility</p:attrName>
+                                        </p:attrNameLst>
+                                      </p:cBhvr>
+                                      <p:to>
+                                        <p:strVal val="visible"/>
+                                      </p:to>
+                                    </p:set>
+                                  </p:childTnLst>
+                                </p:cTn>
+                              </p:par>
+                            </p:childTnLst>
+                          </p:cTn>
+                        </p:par>
+                      </p:childTnLst>
+                    </p:cTn>
+                  </p:par>
+                  <p:par>
+                    <p:cTn id="9" fill="hold">
+                      <p:stCondLst>
+                        <p:cond delay="indefinite"/>
+                      </p:stCondLst>
+                      <p:childTnLst>
+                        <p:par>
+                          <p:cTn id="10" fill="hold">
+                            <p:stCondLst>
+                              <p:cond delay="0"/>
+                            </p:stCondLst>
+                            <p:childTnLst>
+                              <p:par>
+                                <p:cTn id="11" presetID="1" presetClass="entr" presetSubtype="0" fill="hold" nodeType="clickEffect">
+                                  <p:stCondLst>
+                                    <p:cond delay="0"/>
+                                  </p:stCondLst>
+                                  <p:childTnLst>
+                                    <p:set>
+                                      <p:cBhvr>
+                                        <p:cTn id="12" dur="1" fill="hold">
+                                          <p:stCondLst>
+                                            <p:cond delay="0"/>
+                                          </p:stCondLst>
+                                        </p:cTn>
+                                        <p:tgtEl>
+                                          <p:spTgt spid="8"/>
+                                        </p:tgtEl>
+                                        <p:attrNameLst>
+                                          <p:attrName>style.visibility</p:attrName>
+                                        </p:attrNameLst>
+                                      </p:cBhvr>
+                                      <p:to>
+                                        <p:strVal val="visible"/>
+                                      </p:to>
+                                    </p:set>
+                                  </p:childTnLst>
+                                </p:cTn>
+                              </p:par>
+                              <p:par>
+                                <p:cTn id="13" presetID="1" presetClass="entr" presetSubtype="0" fill="hold" nodeType="withEffect">
+                                  <p:stCondLst>
+                                    <p:cond delay="0"/>
+                                  </p:stCondLst>
+                                  <p:childTnLst>
+                                    <p:set>
+                                      <p:cBhvr>
+                                        <p:cTn id="14" dur="1" fill="hold">
+                                          <p:stCondLst>
+                                            <p:cond delay="0"/>
+                                          </p:stCondLst>
+                                        </p:cTn>
+                                        <p:tgtEl>
+                                          <p:spTgt spid="9"/>
+                                        </p:tgtEl>
+                                        <p:attrNameLst>
+                                          <p:attrName>style.visibility</p:attrName>
+                                        </p:attrNameLst>
+                                      </p:cBhvr>
+                                      <p:to>
+                                        <p:strVal val="visible"/>
+                                      </p:to>
+                                    </p:set>
+                                  </p:childTnLst>
+                                </p:cTn>
+                              </p:par>
+                              <p:par>
+                                <p:cTn id="15" presetID="1" presetClass="entr" presetSubtype="0" fill="hold" grpId="0" nodeType="withEffect">
+                                  <p:stCondLst>
+                                    <p:cond delay="0"/>
+                                  </p:stCondLst>
+                                  <p:childTnLst>
+                                    <p:set>
+                                      <p:cBhvr>
+                                        <p:cTn id="16" dur="1" fill="hold">
+                                          <p:stCondLst>
+                                            <p:cond delay="0"/>
+                                          </p:stCondLst>
+                                        </p:cTn>
+                                        <p:tgtEl>
+                                          <p:spTgt spid="6"/>
+                                        </p:tgtEl>
+                                        <p:attrNameLst>
+                                          <p:attrName>style.visibility</p:attrName>
+                                        </p:attrNameLst>
+                                      </p:cBhvr>
+                                      <p:to>
+                                        <p:strVal val="visible"/>
+                                      </p:to>
+                                    </p:set>
+                                  </p:childTnLst>
+                                </p:cTn>
+                              </p:par>
+                            </p:childTnLst>
+                          </p:cTn>
+                        </p:par>
+                      </p:childTnLst>
+                    </p:cTn>
+                  </p:par>
+                </p:childTnLst>
+              </p:cTn>
+              <p:prevCondLst>
+                <p:cond evt="onPrev" delay="0">
+                  <p:tgtEl>
+                    <p:sldTgt/>
+                  </p:tgtEl>
+                </p:cond>
+              </p:prevCondLst>
+              <p:nextCondLst>
+                <p:cond evt="onNext" delay="0">
+                  <p:tgtEl>
+                    <p:sldTgt/>
+                  </p:tgtEl>
+                </p:cond>
+              </p:nextCondLst>
+            </p:seq>
+          </p:childTnLst>
+        </p:cTn>
+      </p:par>
+    </p:tnLst>
+    <p:bldLst>
+      <p:bldP spid="4" grpId="0"/>
+      <p:bldP spid="6" grpId="0"/>
+    </p:bldLst>
+  </p:timing>
 </p:sld>
 </file>
 
@@ -6008,7 +6635,11 @@
           <a:p>
             <a:r>
               <a:rPr lang="en-US" dirty="0" smtClean="0"/>
-              <a:t>Example #3</a:t>
+              <a:t>Example #</a:t>
+            </a:r>
+            <a:r>
+              <a:rPr lang="en-US" dirty="0" smtClean="0"/>
+              <a:t>3: Sentiment Analysis</a:t>
             </a:r>
             <a:endParaRPr lang="en-US" dirty="0"/>
           </a:p>
@@ -6185,7 +6816,7 @@
         </p:nvSpPr>
         <p:spPr>
           <a:xfrm>
-            <a:off x="7709193" y="3017517"/>
+            <a:off x="7702483" y="3063231"/>
             <a:ext cx="1650770" cy="1097280"/>
           </a:xfrm>
           <a:prstGeom prst="rect">
@@ -6215,7 +6846,7 @@
             <a:pPr algn="ctr"/>
             <a:r>
               <a:rPr lang="en-US" dirty="0" smtClean="0"/>
-              <a:t>Table Trigger</a:t>
+              <a:t>Timer Trigger</a:t>
             </a:r>
             <a:endParaRPr lang="en-US" dirty="0"/>
           </a:p>
@@ -7098,7 +7729,7 @@
           <a:p>
             <a:r>
               <a:rPr lang="en-US" dirty="0" smtClean="0"/>
-              <a:t>Magic Trick</a:t>
+              <a:t>Beer</a:t>
             </a:r>
             <a:endParaRPr lang="en-US" dirty="0"/>
           </a:p>
@@ -7464,7 +8095,7 @@
           <a:p>
             <a:r>
               <a:rPr lang="en-US" dirty="0" smtClean="0"/>
-              <a:t>Magic Trick</a:t>
+              <a:t>Beer</a:t>
             </a:r>
             <a:endParaRPr lang="en-US" dirty="0"/>
           </a:p>
@@ -7621,8 +8252,8 @@
         </p:blipFill>
         <p:spPr>
           <a:xfrm>
-            <a:off x="201592" y="340037"/>
-            <a:ext cx="5365830" cy="2823824"/>
+            <a:off x="201591" y="340037"/>
+            <a:ext cx="5392041" cy="2823824"/>
           </a:xfrm>
           <a:prstGeom prst="rect">
             <a:avLst/>
@@ -7693,8 +8324,8 @@
         </p:blipFill>
         <p:spPr>
           <a:xfrm>
-            <a:off x="6227414" y="3332612"/>
-            <a:ext cx="5405143" cy="2836694"/>
+            <a:off x="5726641" y="3330409"/>
+            <a:ext cx="6264732" cy="2838897"/>
           </a:xfrm>
           <a:prstGeom prst="rect">
             <a:avLst/>
@@ -7714,7 +8345,210 @@
   <p:timing>
     <p:tnLst>
       <p:par>
-        <p:cTn id="1" dur="indefinite" restart="never" nodeType="tmRoot"/>
+        <p:cTn id="1" dur="indefinite" restart="never" nodeType="tmRoot">
+          <p:childTnLst>
+            <p:seq concurrent="1" nextAc="seek">
+              <p:cTn id="2" dur="indefinite" nodeType="mainSeq">
+                <p:childTnLst>
+                  <p:par>
+                    <p:cTn id="3" fill="hold">
+                      <p:stCondLst>
+                        <p:cond delay="indefinite"/>
+                      </p:stCondLst>
+                      <p:childTnLst>
+                        <p:par>
+                          <p:cTn id="4" fill="hold">
+                            <p:stCondLst>
+                              <p:cond delay="0"/>
+                            </p:stCondLst>
+                            <p:childTnLst>
+                              <p:par>
+                                <p:cTn id="5" presetID="1" presetClass="entr" presetSubtype="0" fill="hold" nodeType="clickEffect">
+                                  <p:stCondLst>
+                                    <p:cond delay="0"/>
+                                  </p:stCondLst>
+                                  <p:childTnLst>
+                                    <p:set>
+                                      <p:cBhvr>
+                                        <p:cTn id="6" dur="1" fill="hold">
+                                          <p:stCondLst>
+                                            <p:cond delay="0"/>
+                                          </p:stCondLst>
+                                        </p:cTn>
+                                        <p:tgtEl>
+                                          <p:spTgt spid="4"/>
+                                        </p:tgtEl>
+                                        <p:attrNameLst>
+                                          <p:attrName>style.visibility</p:attrName>
+                                        </p:attrNameLst>
+                                      </p:cBhvr>
+                                      <p:to>
+                                        <p:strVal val="visible"/>
+                                      </p:to>
+                                    </p:set>
+                                  </p:childTnLst>
+                                </p:cTn>
+                              </p:par>
+                            </p:childTnLst>
+                          </p:cTn>
+                        </p:par>
+                      </p:childTnLst>
+                    </p:cTn>
+                  </p:par>
+                  <p:par>
+                    <p:cTn id="7" fill="hold">
+                      <p:stCondLst>
+                        <p:cond delay="indefinite"/>
+                      </p:stCondLst>
+                      <p:childTnLst>
+                        <p:par>
+                          <p:cTn id="8" fill="hold">
+                            <p:stCondLst>
+                              <p:cond delay="0"/>
+                            </p:stCondLst>
+                            <p:childTnLst>
+                              <p:par>
+                                <p:cTn id="9" presetID="1" presetClass="entr" presetSubtype="0" fill="hold" nodeType="clickEffect">
+                                  <p:stCondLst>
+                                    <p:cond delay="0"/>
+                                  </p:stCondLst>
+                                  <p:childTnLst>
+                                    <p:set>
+                                      <p:cBhvr>
+                                        <p:cTn id="10" dur="1" fill="hold">
+                                          <p:stCondLst>
+                                            <p:cond delay="0"/>
+                                          </p:stCondLst>
+                                        </p:cTn>
+                                        <p:tgtEl>
+                                          <p:spTgt spid="6"/>
+                                        </p:tgtEl>
+                                        <p:attrNameLst>
+                                          <p:attrName>style.visibility</p:attrName>
+                                        </p:attrNameLst>
+                                      </p:cBhvr>
+                                      <p:to>
+                                        <p:strVal val="visible"/>
+                                      </p:to>
+                                    </p:set>
+                                  </p:childTnLst>
+                                </p:cTn>
+                              </p:par>
+                            </p:childTnLst>
+                          </p:cTn>
+                        </p:par>
+                      </p:childTnLst>
+                    </p:cTn>
+                  </p:par>
+                  <p:par>
+                    <p:cTn id="11" fill="hold">
+                      <p:stCondLst>
+                        <p:cond delay="indefinite"/>
+                      </p:stCondLst>
+                      <p:childTnLst>
+                        <p:par>
+                          <p:cTn id="12" fill="hold">
+                            <p:stCondLst>
+                              <p:cond delay="0"/>
+                            </p:stCondLst>
+                            <p:childTnLst>
+                              <p:par>
+                                <p:cTn id="13" presetID="1" presetClass="entr" presetSubtype="0" fill="hold" nodeType="clickEffect">
+                                  <p:stCondLst>
+                                    <p:cond delay="0"/>
+                                  </p:stCondLst>
+                                  <p:childTnLst>
+                                    <p:set>
+                                      <p:cBhvr>
+                                        <p:cTn id="14" dur="1" fill="hold">
+                                          <p:stCondLst>
+                                            <p:cond delay="0"/>
+                                          </p:stCondLst>
+                                        </p:cTn>
+                                        <p:tgtEl>
+                                          <p:spTgt spid="7"/>
+                                        </p:tgtEl>
+                                        <p:attrNameLst>
+                                          <p:attrName>style.visibility</p:attrName>
+                                        </p:attrNameLst>
+                                      </p:cBhvr>
+                                      <p:to>
+                                        <p:strVal val="visible"/>
+                                      </p:to>
+                                    </p:set>
+                                  </p:childTnLst>
+                                </p:cTn>
+                              </p:par>
+                            </p:childTnLst>
+                          </p:cTn>
+                        </p:par>
+                      </p:childTnLst>
+                    </p:cTn>
+                  </p:par>
+                  <p:par>
+                    <p:cTn id="15" fill="hold">
+                      <p:stCondLst>
+                        <p:cond delay="indefinite"/>
+                      </p:stCondLst>
+                      <p:childTnLst>
+                        <p:par>
+                          <p:cTn id="16" fill="hold">
+                            <p:stCondLst>
+                              <p:cond delay="0"/>
+                            </p:stCondLst>
+                            <p:childTnLst>
+                              <p:par>
+                                <p:cTn id="17" presetID="1" presetClass="entr" presetSubtype="0" fill="hold" nodeType="clickEffect">
+                                  <p:stCondLst>
+                                    <p:cond delay="0"/>
+                                  </p:stCondLst>
+                                  <p:childTnLst>
+                                    <p:set>
+                                      <p:cBhvr>
+                                        <p:cTn id="18" dur="1" fill="hold">
+                                          <p:stCondLst>
+                                            <p:cond delay="0"/>
+                                          </p:stCondLst>
+                                        </p:cTn>
+                                        <p:tgtEl>
+                                          <p:spTgt spid="8"/>
+                                        </p:tgtEl>
+                                        <p:attrNameLst>
+                                          <p:attrName>style.visibility</p:attrName>
+                                        </p:attrNameLst>
+                                      </p:cBhvr>
+                                      <p:to>
+                                        <p:strVal val="visible"/>
+                                      </p:to>
+                                    </p:set>
+                                  </p:childTnLst>
+                                </p:cTn>
+                              </p:par>
+                            </p:childTnLst>
+                          </p:cTn>
+                        </p:par>
+                      </p:childTnLst>
+                    </p:cTn>
+                  </p:par>
+                </p:childTnLst>
+              </p:cTn>
+              <p:prevCondLst>
+                <p:cond evt="onPrev" delay="0">
+                  <p:tgtEl>
+                    <p:sldTgt/>
+                  </p:tgtEl>
+                </p:cond>
+              </p:prevCondLst>
+              <p:nextCondLst>
+                <p:cond evt="onNext" delay="0">
+                  <p:tgtEl>
+                    <p:sldTgt/>
+                  </p:tgtEl>
+                </p:cond>
+              </p:nextCondLst>
+            </p:seq>
+          </p:childTnLst>
+        </p:cTn>
       </p:par>
     </p:tnLst>
   </p:timing>
@@ -8083,9 +8917,534 @@
   <p:timing>
     <p:tnLst>
       <p:par>
-        <p:cTn id="1" dur="indefinite" restart="never" nodeType="tmRoot"/>
+        <p:cTn id="1" dur="indefinite" restart="never" nodeType="tmRoot">
+          <p:childTnLst>
+            <p:seq concurrent="1" nextAc="seek">
+              <p:cTn id="2" dur="indefinite" nodeType="mainSeq">
+                <p:childTnLst>
+                  <p:par>
+                    <p:cTn id="3" fill="hold">
+                      <p:stCondLst>
+                        <p:cond delay="indefinite"/>
+                      </p:stCondLst>
+                      <p:childTnLst>
+                        <p:par>
+                          <p:cTn id="4" fill="hold">
+                            <p:stCondLst>
+                              <p:cond delay="0"/>
+                            </p:stCondLst>
+                            <p:childTnLst>
+                              <p:par>
+                                <p:cTn id="5" presetID="1" presetClass="entr" presetSubtype="0" fill="hold" nodeType="clickEffect">
+                                  <p:stCondLst>
+                                    <p:cond delay="0"/>
+                                  </p:stCondLst>
+                                  <p:childTnLst>
+                                    <p:set>
+                                      <p:cBhvr>
+                                        <p:cTn id="6" dur="1" fill="hold">
+                                          <p:stCondLst>
+                                            <p:cond delay="0"/>
+                                          </p:stCondLst>
+                                        </p:cTn>
+                                        <p:tgtEl>
+                                          <p:spTgt spid="4"/>
+                                        </p:tgtEl>
+                                        <p:attrNameLst>
+                                          <p:attrName>style.visibility</p:attrName>
+                                        </p:attrNameLst>
+                                      </p:cBhvr>
+                                      <p:to>
+                                        <p:strVal val="visible"/>
+                                      </p:to>
+                                    </p:set>
+                                  </p:childTnLst>
+                                </p:cTn>
+                              </p:par>
+                            </p:childTnLst>
+                          </p:cTn>
+                        </p:par>
+                      </p:childTnLst>
+                    </p:cTn>
+                  </p:par>
+                  <p:par>
+                    <p:cTn id="7" fill="hold">
+                      <p:stCondLst>
+                        <p:cond delay="indefinite"/>
+                      </p:stCondLst>
+                      <p:childTnLst>
+                        <p:par>
+                          <p:cTn id="8" fill="hold">
+                            <p:stCondLst>
+                              <p:cond delay="0"/>
+                            </p:stCondLst>
+                            <p:childTnLst>
+                              <p:par>
+                                <p:cTn id="9" presetID="1" presetClass="entr" presetSubtype="0" fill="hold" grpId="0" nodeType="clickEffect">
+                                  <p:stCondLst>
+                                    <p:cond delay="0"/>
+                                  </p:stCondLst>
+                                  <p:childTnLst>
+                                    <p:set>
+                                      <p:cBhvr>
+                                        <p:cTn id="10" dur="1" fill="hold">
+                                          <p:stCondLst>
+                                            <p:cond delay="0"/>
+                                          </p:stCondLst>
+                                        </p:cTn>
+                                        <p:tgtEl>
+                                          <p:spTgt spid="10"/>
+                                        </p:tgtEl>
+                                        <p:attrNameLst>
+                                          <p:attrName>style.visibility</p:attrName>
+                                        </p:attrNameLst>
+                                      </p:cBhvr>
+                                      <p:to>
+                                        <p:strVal val="visible"/>
+                                      </p:to>
+                                    </p:set>
+                                  </p:childTnLst>
+                                </p:cTn>
+                              </p:par>
+                            </p:childTnLst>
+                          </p:cTn>
+                        </p:par>
+                      </p:childTnLst>
+                    </p:cTn>
+                  </p:par>
+                  <p:par>
+                    <p:cTn id="11" fill="hold">
+                      <p:stCondLst>
+                        <p:cond delay="indefinite"/>
+                      </p:stCondLst>
+                      <p:childTnLst>
+                        <p:par>
+                          <p:cTn id="12" fill="hold">
+                            <p:stCondLst>
+                              <p:cond delay="0"/>
+                            </p:stCondLst>
+                            <p:childTnLst>
+                              <p:par>
+                                <p:cTn id="13" presetID="1" presetClass="entr" presetSubtype="0" fill="hold" nodeType="clickEffect">
+                                  <p:stCondLst>
+                                    <p:cond delay="0"/>
+                                  </p:stCondLst>
+                                  <p:childTnLst>
+                                    <p:set>
+                                      <p:cBhvr>
+                                        <p:cTn id="14" dur="1" fill="hold">
+                                          <p:stCondLst>
+                                            <p:cond delay="0"/>
+                                          </p:stCondLst>
+                                        </p:cTn>
+                                        <p:tgtEl>
+                                          <p:spTgt spid="5"/>
+                                        </p:tgtEl>
+                                        <p:attrNameLst>
+                                          <p:attrName>style.visibility</p:attrName>
+                                        </p:attrNameLst>
+                                      </p:cBhvr>
+                                      <p:to>
+                                        <p:strVal val="visible"/>
+                                      </p:to>
+                                    </p:set>
+                                  </p:childTnLst>
+                                </p:cTn>
+                              </p:par>
+                            </p:childTnLst>
+                          </p:cTn>
+                        </p:par>
+                      </p:childTnLst>
+                    </p:cTn>
+                  </p:par>
+                  <p:par>
+                    <p:cTn id="15" fill="hold">
+                      <p:stCondLst>
+                        <p:cond delay="indefinite"/>
+                      </p:stCondLst>
+                      <p:childTnLst>
+                        <p:par>
+                          <p:cTn id="16" fill="hold">
+                            <p:stCondLst>
+                              <p:cond delay="0"/>
+                            </p:stCondLst>
+                            <p:childTnLst>
+                              <p:par>
+                                <p:cTn id="17" presetID="1" presetClass="entr" presetSubtype="0" fill="hold" grpId="0" nodeType="clickEffect">
+                                  <p:stCondLst>
+                                    <p:cond delay="0"/>
+                                  </p:stCondLst>
+                                  <p:childTnLst>
+                                    <p:set>
+                                      <p:cBhvr>
+                                        <p:cTn id="18" dur="1" fill="hold">
+                                          <p:stCondLst>
+                                            <p:cond delay="0"/>
+                                          </p:stCondLst>
+                                        </p:cTn>
+                                        <p:tgtEl>
+                                          <p:spTgt spid="11"/>
+                                        </p:tgtEl>
+                                        <p:attrNameLst>
+                                          <p:attrName>style.visibility</p:attrName>
+                                        </p:attrNameLst>
+                                      </p:cBhvr>
+                                      <p:to>
+                                        <p:strVal val="visible"/>
+                                      </p:to>
+                                    </p:set>
+                                  </p:childTnLst>
+                                </p:cTn>
+                              </p:par>
+                            </p:childTnLst>
+                          </p:cTn>
+                        </p:par>
+                      </p:childTnLst>
+                    </p:cTn>
+                  </p:par>
+                  <p:par>
+                    <p:cTn id="19" fill="hold">
+                      <p:stCondLst>
+                        <p:cond delay="indefinite"/>
+                      </p:stCondLst>
+                      <p:childTnLst>
+                        <p:par>
+                          <p:cTn id="20" fill="hold">
+                            <p:stCondLst>
+                              <p:cond delay="0"/>
+                            </p:stCondLst>
+                            <p:childTnLst>
+                              <p:par>
+                                <p:cTn id="21" presetID="1" presetClass="entr" presetSubtype="0" fill="hold" nodeType="clickEffect">
+                                  <p:stCondLst>
+                                    <p:cond delay="0"/>
+                                  </p:stCondLst>
+                                  <p:childTnLst>
+                                    <p:set>
+                                      <p:cBhvr>
+                                        <p:cTn id="22" dur="1" fill="hold">
+                                          <p:stCondLst>
+                                            <p:cond delay="0"/>
+                                          </p:stCondLst>
+                                        </p:cTn>
+                                        <p:tgtEl>
+                                          <p:spTgt spid="6"/>
+                                        </p:tgtEl>
+                                        <p:attrNameLst>
+                                          <p:attrName>style.visibility</p:attrName>
+                                        </p:attrNameLst>
+                                      </p:cBhvr>
+                                      <p:to>
+                                        <p:strVal val="visible"/>
+                                      </p:to>
+                                    </p:set>
+                                  </p:childTnLst>
+                                </p:cTn>
+                              </p:par>
+                            </p:childTnLst>
+                          </p:cTn>
+                        </p:par>
+                      </p:childTnLst>
+                    </p:cTn>
+                  </p:par>
+                  <p:par>
+                    <p:cTn id="23" fill="hold">
+                      <p:stCondLst>
+                        <p:cond delay="indefinite"/>
+                      </p:stCondLst>
+                      <p:childTnLst>
+                        <p:par>
+                          <p:cTn id="24" fill="hold">
+                            <p:stCondLst>
+                              <p:cond delay="0"/>
+                            </p:stCondLst>
+                            <p:childTnLst>
+                              <p:par>
+                                <p:cTn id="25" presetID="1" presetClass="entr" presetSubtype="0" fill="hold" grpId="0" nodeType="clickEffect">
+                                  <p:stCondLst>
+                                    <p:cond delay="0"/>
+                                  </p:stCondLst>
+                                  <p:childTnLst>
+                                    <p:set>
+                                      <p:cBhvr>
+                                        <p:cTn id="26" dur="1" fill="hold">
+                                          <p:stCondLst>
+                                            <p:cond delay="0"/>
+                                          </p:stCondLst>
+                                        </p:cTn>
+                                        <p:tgtEl>
+                                          <p:spTgt spid="14"/>
+                                        </p:tgtEl>
+                                        <p:attrNameLst>
+                                          <p:attrName>style.visibility</p:attrName>
+                                        </p:attrNameLst>
+                                      </p:cBhvr>
+                                      <p:to>
+                                        <p:strVal val="visible"/>
+                                      </p:to>
+                                    </p:set>
+                                  </p:childTnLst>
+                                </p:cTn>
+                              </p:par>
+                            </p:childTnLst>
+                          </p:cTn>
+                        </p:par>
+                      </p:childTnLst>
+                    </p:cTn>
+                  </p:par>
+                  <p:par>
+                    <p:cTn id="27" fill="hold">
+                      <p:stCondLst>
+                        <p:cond delay="indefinite"/>
+                      </p:stCondLst>
+                      <p:childTnLst>
+                        <p:par>
+                          <p:cTn id="28" fill="hold">
+                            <p:stCondLst>
+                              <p:cond delay="0"/>
+                            </p:stCondLst>
+                            <p:childTnLst>
+                              <p:par>
+                                <p:cTn id="29" presetID="1" presetClass="entr" presetSubtype="0" fill="hold" nodeType="clickEffect">
+                                  <p:stCondLst>
+                                    <p:cond delay="0"/>
+                                  </p:stCondLst>
+                                  <p:childTnLst>
+                                    <p:set>
+                                      <p:cBhvr>
+                                        <p:cTn id="30" dur="1" fill="hold">
+                                          <p:stCondLst>
+                                            <p:cond delay="0"/>
+                                          </p:stCondLst>
+                                        </p:cTn>
+                                        <p:tgtEl>
+                                          <p:spTgt spid="7"/>
+                                        </p:tgtEl>
+                                        <p:attrNameLst>
+                                          <p:attrName>style.visibility</p:attrName>
+                                        </p:attrNameLst>
+                                      </p:cBhvr>
+                                      <p:to>
+                                        <p:strVal val="visible"/>
+                                      </p:to>
+                                    </p:set>
+                                  </p:childTnLst>
+                                </p:cTn>
+                              </p:par>
+                            </p:childTnLst>
+                          </p:cTn>
+                        </p:par>
+                      </p:childTnLst>
+                    </p:cTn>
+                  </p:par>
+                  <p:par>
+                    <p:cTn id="31" fill="hold">
+                      <p:stCondLst>
+                        <p:cond delay="indefinite"/>
+                      </p:stCondLst>
+                      <p:childTnLst>
+                        <p:par>
+                          <p:cTn id="32" fill="hold">
+                            <p:stCondLst>
+                              <p:cond delay="0"/>
+                            </p:stCondLst>
+                            <p:childTnLst>
+                              <p:par>
+                                <p:cTn id="33" presetID="1" presetClass="entr" presetSubtype="0" fill="hold" grpId="0" nodeType="clickEffect">
+                                  <p:stCondLst>
+                                    <p:cond delay="0"/>
+                                  </p:stCondLst>
+                                  <p:childTnLst>
+                                    <p:set>
+                                      <p:cBhvr>
+                                        <p:cTn id="34" dur="1" fill="hold">
+                                          <p:stCondLst>
+                                            <p:cond delay="0"/>
+                                          </p:stCondLst>
+                                        </p:cTn>
+                                        <p:tgtEl>
+                                          <p:spTgt spid="13"/>
+                                        </p:tgtEl>
+                                        <p:attrNameLst>
+                                          <p:attrName>style.visibility</p:attrName>
+                                        </p:attrNameLst>
+                                      </p:cBhvr>
+                                      <p:to>
+                                        <p:strVal val="visible"/>
+                                      </p:to>
+                                    </p:set>
+                                  </p:childTnLst>
+                                </p:cTn>
+                              </p:par>
+                            </p:childTnLst>
+                          </p:cTn>
+                        </p:par>
+                      </p:childTnLst>
+                    </p:cTn>
+                  </p:par>
+                  <p:par>
+                    <p:cTn id="35" fill="hold">
+                      <p:stCondLst>
+                        <p:cond delay="indefinite"/>
+                      </p:stCondLst>
+                      <p:childTnLst>
+                        <p:par>
+                          <p:cTn id="36" fill="hold">
+                            <p:stCondLst>
+                              <p:cond delay="0"/>
+                            </p:stCondLst>
+                            <p:childTnLst>
+                              <p:par>
+                                <p:cTn id="37" presetID="1" presetClass="entr" presetSubtype="0" fill="hold" nodeType="clickEffect">
+                                  <p:stCondLst>
+                                    <p:cond delay="0"/>
+                                  </p:stCondLst>
+                                  <p:childTnLst>
+                                    <p:set>
+                                      <p:cBhvr>
+                                        <p:cTn id="38" dur="1" fill="hold">
+                                          <p:stCondLst>
+                                            <p:cond delay="0"/>
+                                          </p:stCondLst>
+                                        </p:cTn>
+                                        <p:tgtEl>
+                                          <p:spTgt spid="8"/>
+                                        </p:tgtEl>
+                                        <p:attrNameLst>
+                                          <p:attrName>style.visibility</p:attrName>
+                                        </p:attrNameLst>
+                                      </p:cBhvr>
+                                      <p:to>
+                                        <p:strVal val="visible"/>
+                                      </p:to>
+                                    </p:set>
+                                  </p:childTnLst>
+                                </p:cTn>
+                              </p:par>
+                            </p:childTnLst>
+                          </p:cTn>
+                        </p:par>
+                      </p:childTnLst>
+                    </p:cTn>
+                  </p:par>
+                  <p:par>
+                    <p:cTn id="39" fill="hold">
+                      <p:stCondLst>
+                        <p:cond delay="indefinite"/>
+                      </p:stCondLst>
+                      <p:childTnLst>
+                        <p:par>
+                          <p:cTn id="40" fill="hold">
+                            <p:stCondLst>
+                              <p:cond delay="0"/>
+                            </p:stCondLst>
+                            <p:childTnLst>
+                              <p:par>
+                                <p:cTn id="41" presetID="1" presetClass="entr" presetSubtype="0" fill="hold" grpId="0" nodeType="clickEffect">
+                                  <p:stCondLst>
+                                    <p:cond delay="0"/>
+                                  </p:stCondLst>
+                                  <p:childTnLst>
+                                    <p:set>
+                                      <p:cBhvr>
+                                        <p:cTn id="42" dur="1" fill="hold">
+                                          <p:stCondLst>
+                                            <p:cond delay="0"/>
+                                          </p:stCondLst>
+                                        </p:cTn>
+                                        <p:tgtEl>
+                                          <p:spTgt spid="12"/>
+                                        </p:tgtEl>
+                                        <p:attrNameLst>
+                                          <p:attrName>style.visibility</p:attrName>
+                                        </p:attrNameLst>
+                                      </p:cBhvr>
+                                      <p:to>
+                                        <p:strVal val="visible"/>
+                                      </p:to>
+                                    </p:set>
+                                  </p:childTnLst>
+                                </p:cTn>
+                              </p:par>
+                            </p:childTnLst>
+                          </p:cTn>
+                        </p:par>
+                      </p:childTnLst>
+                    </p:cTn>
+                  </p:par>
+                  <p:par>
+                    <p:cTn id="43" fill="hold">
+                      <p:stCondLst>
+                        <p:cond delay="indefinite"/>
+                      </p:stCondLst>
+                      <p:childTnLst>
+                        <p:par>
+                          <p:cTn id="44" fill="hold">
+                            <p:stCondLst>
+                              <p:cond delay="0"/>
+                            </p:stCondLst>
+                            <p:childTnLst>
+                              <p:par>
+                                <p:cTn id="45" presetID="1" presetClass="entr" presetSubtype="0" fill="hold" nodeType="clickEffect">
+                                  <p:stCondLst>
+                                    <p:cond delay="0"/>
+                                  </p:stCondLst>
+                                  <p:childTnLst>
+                                    <p:set>
+                                      <p:cBhvr>
+                                        <p:cTn id="46" dur="1" fill="hold">
+                                          <p:stCondLst>
+                                            <p:cond delay="0"/>
+                                          </p:stCondLst>
+                                        </p:cTn>
+                                        <p:tgtEl>
+                                          <p:spTgt spid="9"/>
+                                        </p:tgtEl>
+                                        <p:attrNameLst>
+                                          <p:attrName>style.visibility</p:attrName>
+                                        </p:attrNameLst>
+                                      </p:cBhvr>
+                                      <p:to>
+                                        <p:strVal val="visible"/>
+                                      </p:to>
+                                    </p:set>
+                                  </p:childTnLst>
+                                </p:cTn>
+                              </p:par>
+                            </p:childTnLst>
+                          </p:cTn>
+                        </p:par>
+                      </p:childTnLst>
+                    </p:cTn>
+                  </p:par>
+                </p:childTnLst>
+              </p:cTn>
+              <p:prevCondLst>
+                <p:cond evt="onPrev" delay="0">
+                  <p:tgtEl>
+                    <p:sldTgt/>
+                  </p:tgtEl>
+                </p:cond>
+              </p:prevCondLst>
+              <p:nextCondLst>
+                <p:cond evt="onNext" delay="0">
+                  <p:tgtEl>
+                    <p:sldTgt/>
+                  </p:tgtEl>
+                </p:cond>
+              </p:nextCondLst>
+            </p:seq>
+          </p:childTnLst>
+        </p:cTn>
       </p:par>
     </p:tnLst>
+    <p:bldLst>
+      <p:bldP spid="10" grpId="0" animBg="1"/>
+      <p:bldP spid="11" grpId="0" animBg="1"/>
+      <p:bldP spid="12" grpId="0" animBg="1"/>
+      <p:bldP spid="13" grpId="0" animBg="1"/>
+      <p:bldP spid="14" grpId="0" animBg="1"/>
+    </p:bldLst>
   </p:timing>
 </p:sld>
 </file>
@@ -8147,7 +9506,7 @@
         </p:blipFill>
         <p:spPr>
           <a:xfrm>
-            <a:off x="6082196" y="1565503"/>
+            <a:off x="6244428" y="1624497"/>
             <a:ext cx="5376742" cy="2556772"/>
           </a:xfrm>
           <a:prstGeom prst="rect">
@@ -8155,6 +9514,46 @@
           </a:prstGeom>
         </p:spPr>
       </p:pic>
+      <p:sp>
+        <p:nvSpPr>
+          <p:cNvPr id="6" name="Right Arrow 5"/>
+          <p:cNvSpPr/>
+          <p:nvPr/>
+        </p:nvSpPr>
+        <p:spPr>
+          <a:xfrm>
+            <a:off x="5562300" y="2797749"/>
+            <a:ext cx="519896" cy="659757"/>
+          </a:xfrm>
+          <a:prstGeom prst="rightArrow">
+            <a:avLst/>
+          </a:prstGeom>
+        </p:spPr>
+        <p:style>
+          <a:lnRef idx="2">
+            <a:schemeClr val="accent1">
+              <a:shade val="50000"/>
+            </a:schemeClr>
+          </a:lnRef>
+          <a:fillRef idx="1">
+            <a:schemeClr val="accent1"/>
+          </a:fillRef>
+          <a:effectRef idx="0">
+            <a:schemeClr val="accent1"/>
+          </a:effectRef>
+          <a:fontRef idx="minor">
+            <a:schemeClr val="lt1"/>
+          </a:fontRef>
+        </p:style>
+        <p:txBody>
+          <a:bodyPr rtlCol="0" anchor="ctr"/>
+          <a:lstStyle/>
+          <a:p>
+            <a:pPr algn="ctr"/>
+            <a:endParaRPr lang="en-US"/>
+          </a:p>
+        </p:txBody>
+      </p:sp>
     </p:spTree>
     <p:extLst>
       <p:ext uri="{BB962C8B-B14F-4D97-AF65-F5344CB8AC3E}">
@@ -8168,9 +9567,170 @@
   <p:timing>
     <p:tnLst>
       <p:par>
-        <p:cTn id="1" dur="indefinite" restart="never" nodeType="tmRoot"/>
+        <p:cTn id="1" dur="indefinite" restart="never" nodeType="tmRoot">
+          <p:childTnLst>
+            <p:seq concurrent="1" nextAc="seek">
+              <p:cTn id="2" dur="indefinite" nodeType="mainSeq">
+                <p:childTnLst>
+                  <p:par>
+                    <p:cTn id="3" fill="hold">
+                      <p:stCondLst>
+                        <p:cond delay="indefinite"/>
+                      </p:stCondLst>
+                      <p:childTnLst>
+                        <p:par>
+                          <p:cTn id="4" fill="hold">
+                            <p:stCondLst>
+                              <p:cond delay="0"/>
+                            </p:stCondLst>
+                            <p:childTnLst>
+                              <p:par>
+                                <p:cTn id="5" presetID="1" presetClass="entr" presetSubtype="0" fill="hold" nodeType="clickEffect">
+                                  <p:stCondLst>
+                                    <p:cond delay="0"/>
+                                  </p:stCondLst>
+                                  <p:childTnLst>
+                                    <p:set>
+                                      <p:cBhvr>
+                                        <p:cTn id="6" dur="1" fill="hold">
+                                          <p:stCondLst>
+                                            <p:cond delay="0"/>
+                                          </p:stCondLst>
+                                        </p:cTn>
+                                        <p:tgtEl>
+                                          <p:spTgt spid="4"/>
+                                        </p:tgtEl>
+                                        <p:attrNameLst>
+                                          <p:attrName>style.visibility</p:attrName>
+                                        </p:attrNameLst>
+                                      </p:cBhvr>
+                                      <p:to>
+                                        <p:strVal val="visible"/>
+                                      </p:to>
+                                    </p:set>
+                                  </p:childTnLst>
+                                </p:cTn>
+                              </p:par>
+                            </p:childTnLst>
+                          </p:cTn>
+                        </p:par>
+                      </p:childTnLst>
+                    </p:cTn>
+                  </p:par>
+                  <p:par>
+                    <p:cTn id="7" fill="hold">
+                      <p:stCondLst>
+                        <p:cond delay="indefinite"/>
+                      </p:stCondLst>
+                      <p:childTnLst>
+                        <p:par>
+                          <p:cTn id="8" fill="hold">
+                            <p:stCondLst>
+                              <p:cond delay="0"/>
+                            </p:stCondLst>
+                            <p:childTnLst>
+                              <p:par>
+                                <p:cTn id="9" presetID="1" presetClass="entr" presetSubtype="0" fill="hold" grpId="0" nodeType="clickEffect">
+                                  <p:stCondLst>
+                                    <p:cond delay="0"/>
+                                  </p:stCondLst>
+                                  <p:childTnLst>
+                                    <p:set>
+                                      <p:cBhvr>
+                                        <p:cTn id="10" dur="1" fill="hold">
+                                          <p:stCondLst>
+                                            <p:cond delay="0"/>
+                                          </p:stCondLst>
+                                        </p:cTn>
+                                        <p:tgtEl>
+                                          <p:spTgt spid="6"/>
+                                        </p:tgtEl>
+                                        <p:attrNameLst>
+                                          <p:attrName>style.visibility</p:attrName>
+                                        </p:attrNameLst>
+                                      </p:cBhvr>
+                                      <p:to>
+                                        <p:strVal val="visible"/>
+                                      </p:to>
+                                    </p:set>
+                                  </p:childTnLst>
+                                </p:cTn>
+                              </p:par>
+                            </p:childTnLst>
+                          </p:cTn>
+                        </p:par>
+                      </p:childTnLst>
+                    </p:cTn>
+                  </p:par>
+                  <p:par>
+                    <p:cTn id="11" fill="hold">
+                      <p:stCondLst>
+                        <p:cond delay="indefinite"/>
+                      </p:stCondLst>
+                      <p:childTnLst>
+                        <p:par>
+                          <p:cTn id="12" fill="hold">
+                            <p:stCondLst>
+                              <p:cond delay="0"/>
+                            </p:stCondLst>
+                            <p:childTnLst>
+                              <p:par>
+                                <p:cTn id="13" presetID="1" presetClass="entr" presetSubtype="0" fill="hold" nodeType="clickEffect">
+                                  <p:stCondLst>
+                                    <p:cond delay="0"/>
+                                  </p:stCondLst>
+                                  <p:childTnLst>
+                                    <p:set>
+                                      <p:cBhvr>
+                                        <p:cTn id="14" dur="1" fill="hold">
+                                          <p:stCondLst>
+                                            <p:cond delay="0"/>
+                                          </p:stCondLst>
+                                        </p:cTn>
+                                        <p:tgtEl>
+                                          <p:spTgt spid="5"/>
+                                        </p:tgtEl>
+                                        <p:attrNameLst>
+                                          <p:attrName>style.visibility</p:attrName>
+                                        </p:attrNameLst>
+                                      </p:cBhvr>
+                                      <p:to>
+                                        <p:strVal val="visible"/>
+                                      </p:to>
+                                    </p:set>
+                                  </p:childTnLst>
+                                </p:cTn>
+                              </p:par>
+                            </p:childTnLst>
+                          </p:cTn>
+                        </p:par>
+                      </p:childTnLst>
+                    </p:cTn>
+                  </p:par>
+                </p:childTnLst>
+              </p:cTn>
+              <p:prevCondLst>
+                <p:cond evt="onPrev" delay="0">
+                  <p:tgtEl>
+                    <p:sldTgt/>
+                  </p:tgtEl>
+                </p:cond>
+              </p:prevCondLst>
+              <p:nextCondLst>
+                <p:cond evt="onNext" delay="0">
+                  <p:tgtEl>
+                    <p:sldTgt/>
+                  </p:tgtEl>
+                </p:cond>
+              </p:nextCondLst>
+            </p:seq>
+          </p:childTnLst>
+        </p:cTn>
       </p:par>
     </p:tnLst>
+    <p:bldLst>
+      <p:bldP spid="6" grpId="0" animBg="1"/>
+    </p:bldLst>
   </p:timing>
 </p:sld>
 </file>
@@ -8277,7 +9837,165 @@
   <p:timing>
     <p:tnLst>
       <p:par>
-        <p:cTn id="1" dur="indefinite" restart="never" nodeType="tmRoot"/>
+        <p:cTn id="1" dur="indefinite" restart="never" nodeType="tmRoot">
+          <p:childTnLst>
+            <p:seq concurrent="1" nextAc="seek">
+              <p:cTn id="2" dur="indefinite" nodeType="mainSeq">
+                <p:childTnLst>
+                  <p:par>
+                    <p:cTn id="3" fill="hold">
+                      <p:stCondLst>
+                        <p:cond delay="indefinite"/>
+                      </p:stCondLst>
+                      <p:childTnLst>
+                        <p:par>
+                          <p:cTn id="4" fill="hold">
+                            <p:stCondLst>
+                              <p:cond delay="0"/>
+                            </p:stCondLst>
+                            <p:childTnLst>
+                              <p:par>
+                                <p:cTn id="5" presetID="1" presetClass="entr" presetSubtype="0" fill="hold" nodeType="clickEffect">
+                                  <p:stCondLst>
+                                    <p:cond delay="0"/>
+                                  </p:stCondLst>
+                                  <p:childTnLst>
+                                    <p:set>
+                                      <p:cBhvr>
+                                        <p:cTn id="6" dur="1" fill="hold">
+                                          <p:stCondLst>
+                                            <p:cond delay="0"/>
+                                          </p:stCondLst>
+                                        </p:cTn>
+                                        <p:tgtEl>
+                                          <p:spTgt spid="4"/>
+                                        </p:tgtEl>
+                                        <p:attrNameLst>
+                                          <p:attrName>style.visibility</p:attrName>
+                                        </p:attrNameLst>
+                                      </p:cBhvr>
+                                      <p:to>
+                                        <p:strVal val="visible"/>
+                                      </p:to>
+                                    </p:set>
+                                  </p:childTnLst>
+                                </p:cTn>
+                              </p:par>
+                            </p:childTnLst>
+                          </p:cTn>
+                        </p:par>
+                      </p:childTnLst>
+                    </p:cTn>
+                  </p:par>
+                  <p:par>
+                    <p:cTn id="7" fill="hold">
+                      <p:stCondLst>
+                        <p:cond delay="indefinite"/>
+                      </p:stCondLst>
+                      <p:childTnLst>
+                        <p:par>
+                          <p:cTn id="8" fill="hold">
+                            <p:stCondLst>
+                              <p:cond delay="0"/>
+                            </p:stCondLst>
+                            <p:childTnLst>
+                              <p:par>
+                                <p:cTn id="9" presetID="1" presetClass="entr" presetSubtype="0" fill="hold" nodeType="clickEffect">
+                                  <p:stCondLst>
+                                    <p:cond delay="0"/>
+                                  </p:stCondLst>
+                                  <p:childTnLst>
+                                    <p:set>
+                                      <p:cBhvr>
+                                        <p:cTn id="10" dur="1" fill="hold">
+                                          <p:stCondLst>
+                                            <p:cond delay="0"/>
+                                          </p:stCondLst>
+                                        </p:cTn>
+                                        <p:tgtEl>
+                                          <p:spTgt spid="5"/>
+                                        </p:tgtEl>
+                                        <p:attrNameLst>
+                                          <p:attrName>style.visibility</p:attrName>
+                                        </p:attrNameLst>
+                                      </p:cBhvr>
+                                      <p:to>
+                                        <p:strVal val="visible"/>
+                                      </p:to>
+                                    </p:set>
+                                  </p:childTnLst>
+                                </p:cTn>
+                              </p:par>
+                            </p:childTnLst>
+                          </p:cTn>
+                        </p:par>
+                      </p:childTnLst>
+                    </p:cTn>
+                  </p:par>
+                  <p:par>
+                    <p:cTn id="11" fill="hold">
+                      <p:stCondLst>
+                        <p:cond delay="indefinite"/>
+                      </p:stCondLst>
+                      <p:childTnLst>
+                        <p:par>
+                          <p:cTn id="12" fill="hold">
+                            <p:stCondLst>
+                              <p:cond delay="0"/>
+                            </p:stCondLst>
+                            <p:childTnLst>
+                              <p:par>
+                                <p:cTn id="13" presetID="1" presetClass="entr" presetSubtype="0" fill="hold" nodeType="clickEffect">
+                                  <p:stCondLst>
+                                    <p:cond delay="0"/>
+                                  </p:stCondLst>
+                                  <p:childTnLst>
+                                    <p:set>
+                                      <p:cBhvr>
+                                        <p:cTn id="14" dur="1" fill="hold">
+                                          <p:stCondLst>
+                                            <p:cond delay="0"/>
+                                          </p:stCondLst>
+                                        </p:cTn>
+                                        <p:tgtEl>
+                                          <p:spTgt spid="6"/>
+                                        </p:tgtEl>
+                                        <p:attrNameLst>
+                                          <p:attrName>style.visibility</p:attrName>
+                                        </p:attrNameLst>
+                                      </p:cBhvr>
+                                      <p:to>
+                                        <p:strVal val="visible"/>
+                                      </p:to>
+                                    </p:set>
+                                  </p:childTnLst>
+                                </p:cTn>
+                              </p:par>
+                            </p:childTnLst>
+                          </p:cTn>
+                        </p:par>
+                      </p:childTnLst>
+                    </p:cTn>
+                  </p:par>
+                </p:childTnLst>
+              </p:cTn>
+              <p:prevCondLst>
+                <p:cond evt="onPrev" delay="0">
+                  <p:tgtEl>
+                    <p:sldTgt/>
+                  </p:tgtEl>
+                </p:cond>
+              </p:prevCondLst>
+              <p:nextCondLst>
+                <p:cond evt="onNext" delay="0">
+                  <p:tgtEl>
+                    <p:sldTgt/>
+                  </p:tgtEl>
+                </p:cond>
+              </p:nextCondLst>
+            </p:seq>
+          </p:childTnLst>
+        </p:cTn>
       </p:par>
     </p:tnLst>
   </p:timing>
@@ -8318,7 +10036,11 @@
           <a:p>
             <a:r>
               <a:rPr lang="en-US" dirty="0" smtClean="0"/>
-              <a:t>Developer Shift</a:t>
+              <a:t>Developer </a:t>
+            </a:r>
+            <a:r>
+              <a:rPr lang="en-US" dirty="0" smtClean="0"/>
+              <a:t>Shift: Get Date/Time</a:t>
             </a:r>
             <a:endParaRPr lang="en-US" dirty="0"/>
           </a:p>
@@ -8403,7 +10125,324 @@
   <p:timing>
     <p:tnLst>
       <p:par>
-        <p:cTn id="1" dur="indefinite" restart="never" nodeType="tmRoot"/>
+        <p:cTn id="1" dur="indefinite" restart="never" nodeType="tmRoot">
+          <p:childTnLst>
+            <p:seq concurrent="1" nextAc="seek">
+              <p:cTn id="2" dur="indefinite" nodeType="mainSeq">
+                <p:childTnLst>
+                  <p:par>
+                    <p:cTn id="3" fill="hold">
+                      <p:stCondLst>
+                        <p:cond delay="indefinite"/>
+                      </p:stCondLst>
+                      <p:childTnLst>
+                        <p:par>
+                          <p:cTn id="4" fill="hold">
+                            <p:stCondLst>
+                              <p:cond delay="0"/>
+                            </p:stCondLst>
+                            <p:childTnLst>
+                              <p:par>
+                                <p:cTn id="5" presetID="1" presetClass="entr" presetSubtype="0" fill="hold" nodeType="clickEffect">
+                                  <p:stCondLst>
+                                    <p:cond delay="0"/>
+                                  </p:stCondLst>
+                                  <p:childTnLst>
+                                    <p:set>
+                                      <p:cBhvr>
+                                        <p:cTn id="6" dur="1" fill="hold">
+                                          <p:stCondLst>
+                                            <p:cond delay="0"/>
+                                          </p:stCondLst>
+                                        </p:cTn>
+                                        <p:tgtEl>
+                                          <p:spTgt spid="3">
+                                            <p:txEl>
+                                              <p:pRg st="0" end="0"/>
+                                            </p:txEl>
+                                          </p:spTgt>
+                                        </p:tgtEl>
+                                        <p:attrNameLst>
+                                          <p:attrName>style.visibility</p:attrName>
+                                        </p:attrNameLst>
+                                      </p:cBhvr>
+                                      <p:to>
+                                        <p:strVal val="visible"/>
+                                      </p:to>
+                                    </p:set>
+                                  </p:childTnLst>
+                                </p:cTn>
+                              </p:par>
+                            </p:childTnLst>
+                          </p:cTn>
+                        </p:par>
+                      </p:childTnLst>
+                    </p:cTn>
+                  </p:par>
+                  <p:par>
+                    <p:cTn id="7" fill="hold">
+                      <p:stCondLst>
+                        <p:cond delay="indefinite"/>
+                      </p:stCondLst>
+                      <p:childTnLst>
+                        <p:par>
+                          <p:cTn id="8" fill="hold">
+                            <p:stCondLst>
+                              <p:cond delay="0"/>
+                            </p:stCondLst>
+                            <p:childTnLst>
+                              <p:par>
+                                <p:cTn id="9" presetID="1" presetClass="entr" presetSubtype="0" fill="hold" nodeType="clickEffect">
+                                  <p:stCondLst>
+                                    <p:cond delay="0"/>
+                                  </p:stCondLst>
+                                  <p:childTnLst>
+                                    <p:set>
+                                      <p:cBhvr>
+                                        <p:cTn id="10" dur="1" fill="hold">
+                                          <p:stCondLst>
+                                            <p:cond delay="0"/>
+                                          </p:stCondLst>
+                                        </p:cTn>
+                                        <p:tgtEl>
+                                          <p:spTgt spid="3">
+                                            <p:txEl>
+                                              <p:pRg st="1" end="1"/>
+                                            </p:txEl>
+                                          </p:spTgt>
+                                        </p:tgtEl>
+                                        <p:attrNameLst>
+                                          <p:attrName>style.visibility</p:attrName>
+                                        </p:attrNameLst>
+                                      </p:cBhvr>
+                                      <p:to>
+                                        <p:strVal val="visible"/>
+                                      </p:to>
+                                    </p:set>
+                                  </p:childTnLst>
+                                </p:cTn>
+                              </p:par>
+                            </p:childTnLst>
+                          </p:cTn>
+                        </p:par>
+                      </p:childTnLst>
+                    </p:cTn>
+                  </p:par>
+                  <p:par>
+                    <p:cTn id="11" fill="hold">
+                      <p:stCondLst>
+                        <p:cond delay="indefinite"/>
+                      </p:stCondLst>
+                      <p:childTnLst>
+                        <p:par>
+                          <p:cTn id="12" fill="hold">
+                            <p:stCondLst>
+                              <p:cond delay="0"/>
+                            </p:stCondLst>
+                            <p:childTnLst>
+                              <p:par>
+                                <p:cTn id="13" presetID="1" presetClass="entr" presetSubtype="0" fill="hold" nodeType="clickEffect">
+                                  <p:stCondLst>
+                                    <p:cond delay="0"/>
+                                  </p:stCondLst>
+                                  <p:childTnLst>
+                                    <p:set>
+                                      <p:cBhvr>
+                                        <p:cTn id="14" dur="1" fill="hold">
+                                          <p:stCondLst>
+                                            <p:cond delay="0"/>
+                                          </p:stCondLst>
+                                        </p:cTn>
+                                        <p:tgtEl>
+                                          <p:spTgt spid="3">
+                                            <p:txEl>
+                                              <p:pRg st="3" end="3"/>
+                                            </p:txEl>
+                                          </p:spTgt>
+                                        </p:tgtEl>
+                                        <p:attrNameLst>
+                                          <p:attrName>style.visibility</p:attrName>
+                                        </p:attrNameLst>
+                                      </p:cBhvr>
+                                      <p:to>
+                                        <p:strVal val="visible"/>
+                                      </p:to>
+                                    </p:set>
+                                  </p:childTnLst>
+                                </p:cTn>
+                              </p:par>
+                            </p:childTnLst>
+                          </p:cTn>
+                        </p:par>
+                      </p:childTnLst>
+                    </p:cTn>
+                  </p:par>
+                  <p:par>
+                    <p:cTn id="15" fill="hold">
+                      <p:stCondLst>
+                        <p:cond delay="indefinite"/>
+                      </p:stCondLst>
+                      <p:childTnLst>
+                        <p:par>
+                          <p:cTn id="16" fill="hold">
+                            <p:stCondLst>
+                              <p:cond delay="0"/>
+                            </p:stCondLst>
+                            <p:childTnLst>
+                              <p:par>
+                                <p:cTn id="17" presetID="1" presetClass="entr" presetSubtype="0" fill="hold" nodeType="clickEffect">
+                                  <p:stCondLst>
+                                    <p:cond delay="0"/>
+                                  </p:stCondLst>
+                                  <p:childTnLst>
+                                    <p:set>
+                                      <p:cBhvr>
+                                        <p:cTn id="18" dur="1" fill="hold">
+                                          <p:stCondLst>
+                                            <p:cond delay="0"/>
+                                          </p:stCondLst>
+                                        </p:cTn>
+                                        <p:tgtEl>
+                                          <p:spTgt spid="3">
+                                            <p:txEl>
+                                              <p:pRg st="4" end="4"/>
+                                            </p:txEl>
+                                          </p:spTgt>
+                                        </p:tgtEl>
+                                        <p:attrNameLst>
+                                          <p:attrName>style.visibility</p:attrName>
+                                        </p:attrNameLst>
+                                      </p:cBhvr>
+                                      <p:to>
+                                        <p:strVal val="visible"/>
+                                      </p:to>
+                                    </p:set>
+                                  </p:childTnLst>
+                                </p:cTn>
+                              </p:par>
+                            </p:childTnLst>
+                          </p:cTn>
+                        </p:par>
+                      </p:childTnLst>
+                    </p:cTn>
+                  </p:par>
+                  <p:par>
+                    <p:cTn id="19" fill="hold">
+                      <p:stCondLst>
+                        <p:cond delay="indefinite"/>
+                      </p:stCondLst>
+                      <p:childTnLst>
+                        <p:par>
+                          <p:cTn id="20" fill="hold">
+                            <p:stCondLst>
+                              <p:cond delay="0"/>
+                            </p:stCondLst>
+                            <p:childTnLst>
+                              <p:par>
+                                <p:cTn id="21" presetID="1" presetClass="entr" presetSubtype="0" fill="hold" nodeType="clickEffect">
+                                  <p:stCondLst>
+                                    <p:cond delay="0"/>
+                                  </p:stCondLst>
+                                  <p:childTnLst>
+                                    <p:set>
+                                      <p:cBhvr>
+                                        <p:cTn id="22" dur="1" fill="hold">
+                                          <p:stCondLst>
+                                            <p:cond delay="0"/>
+                                          </p:stCondLst>
+                                        </p:cTn>
+                                        <p:tgtEl>
+                                          <p:spTgt spid="3">
+                                            <p:txEl>
+                                              <p:pRg st="6" end="6"/>
+                                            </p:txEl>
+                                          </p:spTgt>
+                                        </p:tgtEl>
+                                        <p:attrNameLst>
+                                          <p:attrName>style.visibility</p:attrName>
+                                        </p:attrNameLst>
+                                      </p:cBhvr>
+                                      <p:to>
+                                        <p:strVal val="visible"/>
+                                      </p:to>
+                                    </p:set>
+                                  </p:childTnLst>
+                                </p:cTn>
+                              </p:par>
+                            </p:childTnLst>
+                          </p:cTn>
+                        </p:par>
+                      </p:childTnLst>
+                    </p:cTn>
+                  </p:par>
+                  <p:par>
+                    <p:cTn id="23" fill="hold">
+                      <p:stCondLst>
+                        <p:cond delay="indefinite"/>
+                      </p:stCondLst>
+                      <p:childTnLst>
+                        <p:par>
+                          <p:cTn id="24" fill="hold">
+                            <p:stCondLst>
+                              <p:cond delay="0"/>
+                            </p:stCondLst>
+                            <p:childTnLst>
+                              <p:par>
+                                <p:cTn id="25" presetID="1" presetClass="entr" presetSubtype="0" fill="hold" nodeType="clickEffect">
+                                  <p:stCondLst>
+                                    <p:cond delay="0"/>
+                                  </p:stCondLst>
+                                  <p:childTnLst>
+                                    <p:set>
+                                      <p:cBhvr>
+                                        <p:cTn id="26" dur="1" fill="hold">
+                                          <p:stCondLst>
+                                            <p:cond delay="0"/>
+                                          </p:stCondLst>
+                                        </p:cTn>
+                                        <p:tgtEl>
+                                          <p:spTgt spid="3">
+                                            <p:txEl>
+                                              <p:pRg st="7" end="7"/>
+                                            </p:txEl>
+                                          </p:spTgt>
+                                        </p:tgtEl>
+                                        <p:attrNameLst>
+                                          <p:attrName>style.visibility</p:attrName>
+                                        </p:attrNameLst>
+                                      </p:cBhvr>
+                                      <p:to>
+                                        <p:strVal val="visible"/>
+                                      </p:to>
+                                    </p:set>
+                                  </p:childTnLst>
+                                </p:cTn>
+                              </p:par>
+                            </p:childTnLst>
+                          </p:cTn>
+                        </p:par>
+                      </p:childTnLst>
+                    </p:cTn>
+                  </p:par>
+                </p:childTnLst>
+              </p:cTn>
+              <p:prevCondLst>
+                <p:cond evt="onPrev" delay="0">
+                  <p:tgtEl>
+                    <p:sldTgt/>
+                  </p:tgtEl>
+                </p:cond>
+              </p:prevCondLst>
+              <p:nextCondLst>
+                <p:cond evt="onNext" delay="0">
+                  <p:tgtEl>
+                    <p:sldTgt/>
+                  </p:tgtEl>
+                </p:cond>
+              </p:nextCondLst>
+            </p:seq>
+          </p:childTnLst>
+        </p:cTn>
       </p:par>
     </p:tnLst>
   </p:timing>
@@ -8557,6 +10596,13 @@
   <p:clrMapOvr>
     <a:masterClrMapping/>
   </p:clrMapOvr>
+  <p:timing>
+    <p:tnLst>
+      <p:par>
+        <p:cTn id="1" dur="indefinite" restart="never" nodeType="tmRoot"/>
+      </p:par>
+    </p:tnLst>
+  </p:timing>
 </p:sld>
 </file>
 
